--- a/탁송WEB서비스_퍼블리싱_20231106.pptx
+++ b/탁송WEB서비스_퍼블리싱_20231106.pptx
@@ -19,7 +19,7 @@
   <p:notesSz cx="6858000" cy="9144000"/>
   <p:defaultTextStyle>
     <a:defPPr>
-      <a:defRPr lang="ko-Kore-KR"/>
+      <a:defRPr lang="x-none"/>
     </a:defPPr>
     <a:lvl1pPr marL="0" algn="l" defTabSz="914400" rtl="0" eaLnBrk="1" latinLnBrk="0" hangingPunct="1">
       <a:defRPr sz="1800" kern="1200">
@@ -137,7 +137,7 @@
           <p:cNvPr id="2" name="제목 1">
             <a:extLst>
               <a:ext uri="{FF2B5EF4-FFF2-40B4-BE49-F238E27FC236}">
-                <a16:creationId xmlns:a16="http://schemas.microsoft.com/office/drawing/2014/main" id="{FE2A85C6-8168-413F-7CFC-116CAC3C4C12}"/>
+                <a16:creationId xmlns:a16="http://schemas.microsoft.com/office/drawing/2014/main" xmlns="" id="{FE2A85C6-8168-413F-7CFC-116CAC3C4C12}"/>
               </a:ext>
             </a:extLst>
           </p:cNvPr>
@@ -166,7 +166,7 @@
               <a:rPr kumimoji="1" lang="ko-KR" altLang="en-US"/>
               <a:t>마스터 제목 스타일 편집</a:t>
             </a:r>
-            <a:endParaRPr kumimoji="1" lang="ko-Kore-KR" altLang="en-US"/>
+            <a:endParaRPr kumimoji="1" lang="x-none" altLang="en-US"/>
           </a:p>
         </p:txBody>
       </p:sp>
@@ -175,7 +175,7 @@
           <p:cNvPr id="3" name="부제목 2">
             <a:extLst>
               <a:ext uri="{FF2B5EF4-FFF2-40B4-BE49-F238E27FC236}">
-                <a16:creationId xmlns:a16="http://schemas.microsoft.com/office/drawing/2014/main" id="{008368D2-1782-6156-BDC8-3A9E750C91AC}"/>
+                <a16:creationId xmlns:a16="http://schemas.microsoft.com/office/drawing/2014/main" xmlns="" id="{008368D2-1782-6156-BDC8-3A9E750C91AC}"/>
               </a:ext>
             </a:extLst>
           </p:cNvPr>
@@ -237,7 +237,7 @@
               <a:rPr kumimoji="1" lang="ko-KR" altLang="en-US"/>
               <a:t>클릭하여 마스터 부제목 스타일 편집</a:t>
             </a:r>
-            <a:endParaRPr kumimoji="1" lang="ko-Kore-KR" altLang="en-US"/>
+            <a:endParaRPr kumimoji="1" lang="x-none" altLang="en-US"/>
           </a:p>
         </p:txBody>
       </p:sp>
@@ -246,7 +246,7 @@
           <p:cNvPr id="4" name="날짜 개체 틀 3">
             <a:extLst>
               <a:ext uri="{FF2B5EF4-FFF2-40B4-BE49-F238E27FC236}">
-                <a16:creationId xmlns:a16="http://schemas.microsoft.com/office/drawing/2014/main" id="{E13E4D45-2D76-AD36-4A16-F86930C67840}"/>
+                <a16:creationId xmlns:a16="http://schemas.microsoft.com/office/drawing/2014/main" xmlns="" id="{E13E4D45-2D76-AD36-4A16-F86930C67840}"/>
               </a:ext>
             </a:extLst>
           </p:cNvPr>
@@ -263,10 +263,11 @@
           <a:lstStyle/>
           <a:p>
             <a:fld id="{69B0BADD-ECAA-BA43-AD93-2D1747C0EDFF}" type="datetimeFigureOut">
-              <a:rPr kumimoji="1" lang="ko-Kore-KR" altLang="en-US" smtClean="0"/>
-              <a:t>2023. 11. 6.</a:t>
+              <a:rPr kumimoji="1" lang="x-none" altLang="en-US" smtClean="0"/>
+              <a:pPr/>
+              <a:t>2023-11-18</a:t>
             </a:fld>
-            <a:endParaRPr kumimoji="1" lang="ko-Kore-KR" altLang="en-US"/>
+            <a:endParaRPr kumimoji="1" lang="x-none" altLang="en-US"/>
           </a:p>
         </p:txBody>
       </p:sp>
@@ -275,7 +276,7 @@
           <p:cNvPr id="5" name="바닥글 개체 틀 4">
             <a:extLst>
               <a:ext uri="{FF2B5EF4-FFF2-40B4-BE49-F238E27FC236}">
-                <a16:creationId xmlns:a16="http://schemas.microsoft.com/office/drawing/2014/main" id="{1D759AA7-1AC9-47FD-B269-275782E4DFE4}"/>
+                <a16:creationId xmlns:a16="http://schemas.microsoft.com/office/drawing/2014/main" xmlns="" id="{1D759AA7-1AC9-47FD-B269-275782E4DFE4}"/>
               </a:ext>
             </a:extLst>
           </p:cNvPr>
@@ -291,7 +292,7 @@
           <a:bodyPr/>
           <a:lstStyle/>
           <a:p>
-            <a:endParaRPr kumimoji="1" lang="ko-Kore-KR" altLang="en-US"/>
+            <a:endParaRPr kumimoji="1" lang="x-none" altLang="en-US"/>
           </a:p>
         </p:txBody>
       </p:sp>
@@ -300,7 +301,7 @@
           <p:cNvPr id="6" name="슬라이드 번호 개체 틀 5">
             <a:extLst>
               <a:ext uri="{FF2B5EF4-FFF2-40B4-BE49-F238E27FC236}">
-                <a16:creationId xmlns:a16="http://schemas.microsoft.com/office/drawing/2014/main" id="{F1369B01-6D2E-2DBC-ECB5-43295448165D}"/>
+                <a16:creationId xmlns:a16="http://schemas.microsoft.com/office/drawing/2014/main" xmlns="" id="{F1369B01-6D2E-2DBC-ECB5-43295448165D}"/>
               </a:ext>
             </a:extLst>
           </p:cNvPr>
@@ -317,17 +318,18 @@
           <a:lstStyle/>
           <a:p>
             <a:fld id="{444F52E7-D279-6E46-A3B8-188EBFCDC7AA}" type="slidenum">
-              <a:rPr kumimoji="1" lang="ko-Kore-KR" altLang="en-US" smtClean="0"/>
+              <a:rPr kumimoji="1" lang="x-none" altLang="en-US" smtClean="0"/>
+              <a:pPr/>
               <a:t>‹#›</a:t>
             </a:fld>
-            <a:endParaRPr kumimoji="1" lang="ko-Kore-KR" altLang="en-US"/>
+            <a:endParaRPr kumimoji="1" lang="x-none" altLang="en-US"/>
           </a:p>
         </p:txBody>
       </p:sp>
     </p:spTree>
     <p:extLst>
       <p:ext uri="{BB962C8B-B14F-4D97-AF65-F5344CB8AC3E}">
-        <p14:creationId xmlns:p14="http://schemas.microsoft.com/office/powerpoint/2010/main" val="2747965581"/>
+        <p14:creationId xmlns:p14="http://schemas.microsoft.com/office/powerpoint/2010/main" xmlns="" val="2747965581"/>
       </p:ext>
     </p:extLst>
   </p:cSld>
@@ -359,7 +361,7 @@
           <p:cNvPr id="2" name="제목 1">
             <a:extLst>
               <a:ext uri="{FF2B5EF4-FFF2-40B4-BE49-F238E27FC236}">
-                <a16:creationId xmlns:a16="http://schemas.microsoft.com/office/drawing/2014/main" id="{81A63651-09BE-9E66-41D3-BAE42330051B}"/>
+                <a16:creationId xmlns:a16="http://schemas.microsoft.com/office/drawing/2014/main" xmlns="" id="{81A63651-09BE-9E66-41D3-BAE42330051B}"/>
               </a:ext>
             </a:extLst>
           </p:cNvPr>
@@ -379,7 +381,7 @@
               <a:rPr kumimoji="1" lang="ko-KR" altLang="en-US"/>
               <a:t>마스터 제목 스타일 편집</a:t>
             </a:r>
-            <a:endParaRPr kumimoji="1" lang="ko-Kore-KR" altLang="en-US"/>
+            <a:endParaRPr kumimoji="1" lang="x-none" altLang="en-US"/>
           </a:p>
         </p:txBody>
       </p:sp>
@@ -388,7 +390,7 @@
           <p:cNvPr id="3" name="세로 텍스트 개체 틀 2">
             <a:extLst>
               <a:ext uri="{FF2B5EF4-FFF2-40B4-BE49-F238E27FC236}">
-                <a16:creationId xmlns:a16="http://schemas.microsoft.com/office/drawing/2014/main" id="{EB0DDEB8-EB20-0F55-518A-872917C3AD0B}"/>
+                <a16:creationId xmlns:a16="http://schemas.microsoft.com/office/drawing/2014/main" xmlns="" id="{EB0DDEB8-EB20-0F55-518A-872917C3AD0B}"/>
               </a:ext>
             </a:extLst>
           </p:cNvPr>
@@ -437,7 +439,7 @@
               <a:rPr kumimoji="1" lang="ko-KR" altLang="en-US"/>
               <a:t>다섯 번째 수준</a:t>
             </a:r>
-            <a:endParaRPr kumimoji="1" lang="ko-Kore-KR" altLang="en-US"/>
+            <a:endParaRPr kumimoji="1" lang="x-none" altLang="en-US"/>
           </a:p>
         </p:txBody>
       </p:sp>
@@ -446,7 +448,7 @@
           <p:cNvPr id="4" name="날짜 개체 틀 3">
             <a:extLst>
               <a:ext uri="{FF2B5EF4-FFF2-40B4-BE49-F238E27FC236}">
-                <a16:creationId xmlns:a16="http://schemas.microsoft.com/office/drawing/2014/main" id="{798F7FFB-91FF-BF43-5211-57EA4E5FF233}"/>
+                <a16:creationId xmlns:a16="http://schemas.microsoft.com/office/drawing/2014/main" xmlns="" id="{798F7FFB-91FF-BF43-5211-57EA4E5FF233}"/>
               </a:ext>
             </a:extLst>
           </p:cNvPr>
@@ -463,10 +465,11 @@
           <a:lstStyle/>
           <a:p>
             <a:fld id="{69B0BADD-ECAA-BA43-AD93-2D1747C0EDFF}" type="datetimeFigureOut">
-              <a:rPr kumimoji="1" lang="ko-Kore-KR" altLang="en-US" smtClean="0"/>
-              <a:t>2023. 11. 6.</a:t>
+              <a:rPr kumimoji="1" lang="x-none" altLang="en-US" smtClean="0"/>
+              <a:pPr/>
+              <a:t>2023-11-18</a:t>
             </a:fld>
-            <a:endParaRPr kumimoji="1" lang="ko-Kore-KR" altLang="en-US"/>
+            <a:endParaRPr kumimoji="1" lang="x-none" altLang="en-US"/>
           </a:p>
         </p:txBody>
       </p:sp>
@@ -475,7 +478,7 @@
           <p:cNvPr id="5" name="바닥글 개체 틀 4">
             <a:extLst>
               <a:ext uri="{FF2B5EF4-FFF2-40B4-BE49-F238E27FC236}">
-                <a16:creationId xmlns:a16="http://schemas.microsoft.com/office/drawing/2014/main" id="{EB34BE27-CCD2-FEDC-7317-A2DF485BC57C}"/>
+                <a16:creationId xmlns:a16="http://schemas.microsoft.com/office/drawing/2014/main" xmlns="" id="{EB34BE27-CCD2-FEDC-7317-A2DF485BC57C}"/>
               </a:ext>
             </a:extLst>
           </p:cNvPr>
@@ -491,7 +494,7 @@
           <a:bodyPr/>
           <a:lstStyle/>
           <a:p>
-            <a:endParaRPr kumimoji="1" lang="ko-Kore-KR" altLang="en-US"/>
+            <a:endParaRPr kumimoji="1" lang="x-none" altLang="en-US"/>
           </a:p>
         </p:txBody>
       </p:sp>
@@ -500,7 +503,7 @@
           <p:cNvPr id="6" name="슬라이드 번호 개체 틀 5">
             <a:extLst>
               <a:ext uri="{FF2B5EF4-FFF2-40B4-BE49-F238E27FC236}">
-                <a16:creationId xmlns:a16="http://schemas.microsoft.com/office/drawing/2014/main" id="{42F34643-D710-C9EC-24A6-56F6569623AD}"/>
+                <a16:creationId xmlns:a16="http://schemas.microsoft.com/office/drawing/2014/main" xmlns="" id="{42F34643-D710-C9EC-24A6-56F6569623AD}"/>
               </a:ext>
             </a:extLst>
           </p:cNvPr>
@@ -517,17 +520,18 @@
           <a:lstStyle/>
           <a:p>
             <a:fld id="{444F52E7-D279-6E46-A3B8-188EBFCDC7AA}" type="slidenum">
-              <a:rPr kumimoji="1" lang="ko-Kore-KR" altLang="en-US" smtClean="0"/>
+              <a:rPr kumimoji="1" lang="x-none" altLang="en-US" smtClean="0"/>
+              <a:pPr/>
               <a:t>‹#›</a:t>
             </a:fld>
-            <a:endParaRPr kumimoji="1" lang="ko-Kore-KR" altLang="en-US"/>
+            <a:endParaRPr kumimoji="1" lang="x-none" altLang="en-US"/>
           </a:p>
         </p:txBody>
       </p:sp>
     </p:spTree>
     <p:extLst>
       <p:ext uri="{BB962C8B-B14F-4D97-AF65-F5344CB8AC3E}">
-        <p14:creationId xmlns:p14="http://schemas.microsoft.com/office/powerpoint/2010/main" val="2364657644"/>
+        <p14:creationId xmlns:p14="http://schemas.microsoft.com/office/powerpoint/2010/main" xmlns="" val="2364657644"/>
       </p:ext>
     </p:extLst>
   </p:cSld>
@@ -559,7 +563,7 @@
           <p:cNvPr id="2" name="세로 제목 1">
             <a:extLst>
               <a:ext uri="{FF2B5EF4-FFF2-40B4-BE49-F238E27FC236}">
-                <a16:creationId xmlns:a16="http://schemas.microsoft.com/office/drawing/2014/main" id="{A0BC6238-5C53-5C29-9C0E-84D7A5E1EBC6}"/>
+                <a16:creationId xmlns:a16="http://schemas.microsoft.com/office/drawing/2014/main" xmlns="" id="{A0BC6238-5C53-5C29-9C0E-84D7A5E1EBC6}"/>
               </a:ext>
             </a:extLst>
           </p:cNvPr>
@@ -584,7 +588,7 @@
               <a:rPr kumimoji="1" lang="ko-KR" altLang="en-US"/>
               <a:t>마스터 제목 스타일 편집</a:t>
             </a:r>
-            <a:endParaRPr kumimoji="1" lang="ko-Kore-KR" altLang="en-US"/>
+            <a:endParaRPr kumimoji="1" lang="x-none" altLang="en-US"/>
           </a:p>
         </p:txBody>
       </p:sp>
@@ -593,7 +597,7 @@
           <p:cNvPr id="3" name="세로 텍스트 개체 틀 2">
             <a:extLst>
               <a:ext uri="{FF2B5EF4-FFF2-40B4-BE49-F238E27FC236}">
-                <a16:creationId xmlns:a16="http://schemas.microsoft.com/office/drawing/2014/main" id="{2E3621D3-17A4-6BB1-543F-8BC26E7241AE}"/>
+                <a16:creationId xmlns:a16="http://schemas.microsoft.com/office/drawing/2014/main" xmlns="" id="{2E3621D3-17A4-6BB1-543F-8BC26E7241AE}"/>
               </a:ext>
             </a:extLst>
           </p:cNvPr>
@@ -647,7 +651,7 @@
               <a:rPr kumimoji="1" lang="ko-KR" altLang="en-US"/>
               <a:t>다섯 번째 수준</a:t>
             </a:r>
-            <a:endParaRPr kumimoji="1" lang="ko-Kore-KR" altLang="en-US"/>
+            <a:endParaRPr kumimoji="1" lang="x-none" altLang="en-US"/>
           </a:p>
         </p:txBody>
       </p:sp>
@@ -656,7 +660,7 @@
           <p:cNvPr id="4" name="날짜 개체 틀 3">
             <a:extLst>
               <a:ext uri="{FF2B5EF4-FFF2-40B4-BE49-F238E27FC236}">
-                <a16:creationId xmlns:a16="http://schemas.microsoft.com/office/drawing/2014/main" id="{100FED58-6944-81FD-89B4-5EFC7A500053}"/>
+                <a16:creationId xmlns:a16="http://schemas.microsoft.com/office/drawing/2014/main" xmlns="" id="{100FED58-6944-81FD-89B4-5EFC7A500053}"/>
               </a:ext>
             </a:extLst>
           </p:cNvPr>
@@ -673,10 +677,11 @@
           <a:lstStyle/>
           <a:p>
             <a:fld id="{69B0BADD-ECAA-BA43-AD93-2D1747C0EDFF}" type="datetimeFigureOut">
-              <a:rPr kumimoji="1" lang="ko-Kore-KR" altLang="en-US" smtClean="0"/>
-              <a:t>2023. 11. 6.</a:t>
+              <a:rPr kumimoji="1" lang="x-none" altLang="en-US" smtClean="0"/>
+              <a:pPr/>
+              <a:t>2023-11-18</a:t>
             </a:fld>
-            <a:endParaRPr kumimoji="1" lang="ko-Kore-KR" altLang="en-US"/>
+            <a:endParaRPr kumimoji="1" lang="x-none" altLang="en-US"/>
           </a:p>
         </p:txBody>
       </p:sp>
@@ -685,7 +690,7 @@
           <p:cNvPr id="5" name="바닥글 개체 틀 4">
             <a:extLst>
               <a:ext uri="{FF2B5EF4-FFF2-40B4-BE49-F238E27FC236}">
-                <a16:creationId xmlns:a16="http://schemas.microsoft.com/office/drawing/2014/main" id="{E9C09109-3165-6F4A-9B92-0A68EBC58394}"/>
+                <a16:creationId xmlns:a16="http://schemas.microsoft.com/office/drawing/2014/main" xmlns="" id="{E9C09109-3165-6F4A-9B92-0A68EBC58394}"/>
               </a:ext>
             </a:extLst>
           </p:cNvPr>
@@ -701,7 +706,7 @@
           <a:bodyPr/>
           <a:lstStyle/>
           <a:p>
-            <a:endParaRPr kumimoji="1" lang="ko-Kore-KR" altLang="en-US"/>
+            <a:endParaRPr kumimoji="1" lang="x-none" altLang="en-US"/>
           </a:p>
         </p:txBody>
       </p:sp>
@@ -710,7 +715,7 @@
           <p:cNvPr id="6" name="슬라이드 번호 개체 틀 5">
             <a:extLst>
               <a:ext uri="{FF2B5EF4-FFF2-40B4-BE49-F238E27FC236}">
-                <a16:creationId xmlns:a16="http://schemas.microsoft.com/office/drawing/2014/main" id="{82C7DA50-D281-A6DD-8941-B9388FDA346E}"/>
+                <a16:creationId xmlns:a16="http://schemas.microsoft.com/office/drawing/2014/main" xmlns="" id="{82C7DA50-D281-A6DD-8941-B9388FDA346E}"/>
               </a:ext>
             </a:extLst>
           </p:cNvPr>
@@ -727,17 +732,18 @@
           <a:lstStyle/>
           <a:p>
             <a:fld id="{444F52E7-D279-6E46-A3B8-188EBFCDC7AA}" type="slidenum">
-              <a:rPr kumimoji="1" lang="ko-Kore-KR" altLang="en-US" smtClean="0"/>
+              <a:rPr kumimoji="1" lang="x-none" altLang="en-US" smtClean="0"/>
+              <a:pPr/>
               <a:t>‹#›</a:t>
             </a:fld>
-            <a:endParaRPr kumimoji="1" lang="ko-Kore-KR" altLang="en-US"/>
+            <a:endParaRPr kumimoji="1" lang="x-none" altLang="en-US"/>
           </a:p>
         </p:txBody>
       </p:sp>
     </p:spTree>
     <p:extLst>
       <p:ext uri="{BB962C8B-B14F-4D97-AF65-F5344CB8AC3E}">
-        <p14:creationId xmlns:p14="http://schemas.microsoft.com/office/powerpoint/2010/main" val="174815722"/>
+        <p14:creationId xmlns:p14="http://schemas.microsoft.com/office/powerpoint/2010/main" xmlns="" val="174815722"/>
       </p:ext>
     </p:extLst>
   </p:cSld>
@@ -769,7 +775,7 @@
           <p:cNvPr id="2" name="제목 1">
             <a:extLst>
               <a:ext uri="{FF2B5EF4-FFF2-40B4-BE49-F238E27FC236}">
-                <a16:creationId xmlns:a16="http://schemas.microsoft.com/office/drawing/2014/main" id="{ABD22685-8F68-F5CD-E515-8978D64CD941}"/>
+                <a16:creationId xmlns:a16="http://schemas.microsoft.com/office/drawing/2014/main" xmlns="" id="{ABD22685-8F68-F5CD-E515-8978D64CD941}"/>
               </a:ext>
             </a:extLst>
           </p:cNvPr>
@@ -789,7 +795,7 @@
               <a:rPr kumimoji="1" lang="ko-KR" altLang="en-US"/>
               <a:t>마스터 제목 스타일 편집</a:t>
             </a:r>
-            <a:endParaRPr kumimoji="1" lang="ko-Kore-KR" altLang="en-US"/>
+            <a:endParaRPr kumimoji="1" lang="x-none" altLang="en-US"/>
           </a:p>
         </p:txBody>
       </p:sp>
@@ -798,7 +804,7 @@
           <p:cNvPr id="3" name="내용 개체 틀 2">
             <a:extLst>
               <a:ext uri="{FF2B5EF4-FFF2-40B4-BE49-F238E27FC236}">
-                <a16:creationId xmlns:a16="http://schemas.microsoft.com/office/drawing/2014/main" id="{AFAA4526-27A0-E3F9-8D23-E380FEB99530}"/>
+                <a16:creationId xmlns:a16="http://schemas.microsoft.com/office/drawing/2014/main" xmlns="" id="{AFAA4526-27A0-E3F9-8D23-E380FEB99530}"/>
               </a:ext>
             </a:extLst>
           </p:cNvPr>
@@ -847,7 +853,7 @@
               <a:rPr kumimoji="1" lang="ko-KR" altLang="en-US"/>
               <a:t>다섯 번째 수준</a:t>
             </a:r>
-            <a:endParaRPr kumimoji="1" lang="ko-Kore-KR" altLang="en-US"/>
+            <a:endParaRPr kumimoji="1" lang="x-none" altLang="en-US"/>
           </a:p>
         </p:txBody>
       </p:sp>
@@ -856,7 +862,7 @@
           <p:cNvPr id="4" name="날짜 개체 틀 3">
             <a:extLst>
               <a:ext uri="{FF2B5EF4-FFF2-40B4-BE49-F238E27FC236}">
-                <a16:creationId xmlns:a16="http://schemas.microsoft.com/office/drawing/2014/main" id="{AC6B3008-23A6-9CA2-2087-AECA658B180A}"/>
+                <a16:creationId xmlns:a16="http://schemas.microsoft.com/office/drawing/2014/main" xmlns="" id="{AC6B3008-23A6-9CA2-2087-AECA658B180A}"/>
               </a:ext>
             </a:extLst>
           </p:cNvPr>
@@ -873,10 +879,11 @@
           <a:lstStyle/>
           <a:p>
             <a:fld id="{69B0BADD-ECAA-BA43-AD93-2D1747C0EDFF}" type="datetimeFigureOut">
-              <a:rPr kumimoji="1" lang="ko-Kore-KR" altLang="en-US" smtClean="0"/>
-              <a:t>2023. 11. 6.</a:t>
+              <a:rPr kumimoji="1" lang="x-none" altLang="en-US" smtClean="0"/>
+              <a:pPr/>
+              <a:t>2023-11-18</a:t>
             </a:fld>
-            <a:endParaRPr kumimoji="1" lang="ko-Kore-KR" altLang="en-US"/>
+            <a:endParaRPr kumimoji="1" lang="x-none" altLang="en-US"/>
           </a:p>
         </p:txBody>
       </p:sp>
@@ -885,7 +892,7 @@
           <p:cNvPr id="5" name="바닥글 개체 틀 4">
             <a:extLst>
               <a:ext uri="{FF2B5EF4-FFF2-40B4-BE49-F238E27FC236}">
-                <a16:creationId xmlns:a16="http://schemas.microsoft.com/office/drawing/2014/main" id="{E8A0AE75-A527-B213-C0C2-39709F2A77DD}"/>
+                <a16:creationId xmlns:a16="http://schemas.microsoft.com/office/drawing/2014/main" xmlns="" id="{E8A0AE75-A527-B213-C0C2-39709F2A77DD}"/>
               </a:ext>
             </a:extLst>
           </p:cNvPr>
@@ -901,7 +908,7 @@
           <a:bodyPr/>
           <a:lstStyle/>
           <a:p>
-            <a:endParaRPr kumimoji="1" lang="ko-Kore-KR" altLang="en-US"/>
+            <a:endParaRPr kumimoji="1" lang="x-none" altLang="en-US"/>
           </a:p>
         </p:txBody>
       </p:sp>
@@ -910,7 +917,7 @@
           <p:cNvPr id="6" name="슬라이드 번호 개체 틀 5">
             <a:extLst>
               <a:ext uri="{FF2B5EF4-FFF2-40B4-BE49-F238E27FC236}">
-                <a16:creationId xmlns:a16="http://schemas.microsoft.com/office/drawing/2014/main" id="{DED92801-EAAF-BC0E-9BB9-FB9736CF1E29}"/>
+                <a16:creationId xmlns:a16="http://schemas.microsoft.com/office/drawing/2014/main" xmlns="" id="{DED92801-EAAF-BC0E-9BB9-FB9736CF1E29}"/>
               </a:ext>
             </a:extLst>
           </p:cNvPr>
@@ -927,17 +934,18 @@
           <a:lstStyle/>
           <a:p>
             <a:fld id="{444F52E7-D279-6E46-A3B8-188EBFCDC7AA}" type="slidenum">
-              <a:rPr kumimoji="1" lang="ko-Kore-KR" altLang="en-US" smtClean="0"/>
+              <a:rPr kumimoji="1" lang="x-none" altLang="en-US" smtClean="0"/>
+              <a:pPr/>
               <a:t>‹#›</a:t>
             </a:fld>
-            <a:endParaRPr kumimoji="1" lang="ko-Kore-KR" altLang="en-US"/>
+            <a:endParaRPr kumimoji="1" lang="x-none" altLang="en-US"/>
           </a:p>
         </p:txBody>
       </p:sp>
     </p:spTree>
     <p:extLst>
       <p:ext uri="{BB962C8B-B14F-4D97-AF65-F5344CB8AC3E}">
-        <p14:creationId xmlns:p14="http://schemas.microsoft.com/office/powerpoint/2010/main" val="2005002229"/>
+        <p14:creationId xmlns:p14="http://schemas.microsoft.com/office/powerpoint/2010/main" xmlns="" val="2005002229"/>
       </p:ext>
     </p:extLst>
   </p:cSld>
@@ -969,7 +977,7 @@
           <p:cNvPr id="2" name="제목 1">
             <a:extLst>
               <a:ext uri="{FF2B5EF4-FFF2-40B4-BE49-F238E27FC236}">
-                <a16:creationId xmlns:a16="http://schemas.microsoft.com/office/drawing/2014/main" id="{937BE7B0-6554-E981-8E9B-3C1001ED10C1}"/>
+                <a16:creationId xmlns:a16="http://schemas.microsoft.com/office/drawing/2014/main" xmlns="" id="{937BE7B0-6554-E981-8E9B-3C1001ED10C1}"/>
               </a:ext>
             </a:extLst>
           </p:cNvPr>
@@ -998,7 +1006,7 @@
               <a:rPr kumimoji="1" lang="ko-KR" altLang="en-US"/>
               <a:t>마스터 제목 스타일 편집</a:t>
             </a:r>
-            <a:endParaRPr kumimoji="1" lang="ko-Kore-KR" altLang="en-US"/>
+            <a:endParaRPr kumimoji="1" lang="x-none" altLang="en-US"/>
           </a:p>
         </p:txBody>
       </p:sp>
@@ -1007,7 +1015,7 @@
           <p:cNvPr id="3" name="텍스트 개체 틀 2">
             <a:extLst>
               <a:ext uri="{FF2B5EF4-FFF2-40B4-BE49-F238E27FC236}">
-                <a16:creationId xmlns:a16="http://schemas.microsoft.com/office/drawing/2014/main" id="{5A3D643B-6D3D-AB3E-ED43-F96D54B0EC17}"/>
+                <a16:creationId xmlns:a16="http://schemas.microsoft.com/office/drawing/2014/main" xmlns="" id="{5A3D643B-6D3D-AB3E-ED43-F96D54B0EC17}"/>
               </a:ext>
             </a:extLst>
           </p:cNvPr>
@@ -1132,7 +1140,7 @@
           <p:cNvPr id="4" name="날짜 개체 틀 3">
             <a:extLst>
               <a:ext uri="{FF2B5EF4-FFF2-40B4-BE49-F238E27FC236}">
-                <a16:creationId xmlns:a16="http://schemas.microsoft.com/office/drawing/2014/main" id="{50CD4A07-F656-81C9-6F58-D21E99D05FE1}"/>
+                <a16:creationId xmlns:a16="http://schemas.microsoft.com/office/drawing/2014/main" xmlns="" id="{50CD4A07-F656-81C9-6F58-D21E99D05FE1}"/>
               </a:ext>
             </a:extLst>
           </p:cNvPr>
@@ -1149,10 +1157,11 @@
           <a:lstStyle/>
           <a:p>
             <a:fld id="{69B0BADD-ECAA-BA43-AD93-2D1747C0EDFF}" type="datetimeFigureOut">
-              <a:rPr kumimoji="1" lang="ko-Kore-KR" altLang="en-US" smtClean="0"/>
-              <a:t>2023. 11. 6.</a:t>
+              <a:rPr kumimoji="1" lang="x-none" altLang="en-US" smtClean="0"/>
+              <a:pPr/>
+              <a:t>2023-11-18</a:t>
             </a:fld>
-            <a:endParaRPr kumimoji="1" lang="ko-Kore-KR" altLang="en-US"/>
+            <a:endParaRPr kumimoji="1" lang="x-none" altLang="en-US"/>
           </a:p>
         </p:txBody>
       </p:sp>
@@ -1161,7 +1170,7 @@
           <p:cNvPr id="5" name="바닥글 개체 틀 4">
             <a:extLst>
               <a:ext uri="{FF2B5EF4-FFF2-40B4-BE49-F238E27FC236}">
-                <a16:creationId xmlns:a16="http://schemas.microsoft.com/office/drawing/2014/main" id="{3FCC8863-9826-FFBA-E4C4-E34E6E12DE45}"/>
+                <a16:creationId xmlns:a16="http://schemas.microsoft.com/office/drawing/2014/main" xmlns="" id="{3FCC8863-9826-FFBA-E4C4-E34E6E12DE45}"/>
               </a:ext>
             </a:extLst>
           </p:cNvPr>
@@ -1177,7 +1186,7 @@
           <a:bodyPr/>
           <a:lstStyle/>
           <a:p>
-            <a:endParaRPr kumimoji="1" lang="ko-Kore-KR" altLang="en-US"/>
+            <a:endParaRPr kumimoji="1" lang="x-none" altLang="en-US"/>
           </a:p>
         </p:txBody>
       </p:sp>
@@ -1186,7 +1195,7 @@
           <p:cNvPr id="6" name="슬라이드 번호 개체 틀 5">
             <a:extLst>
               <a:ext uri="{FF2B5EF4-FFF2-40B4-BE49-F238E27FC236}">
-                <a16:creationId xmlns:a16="http://schemas.microsoft.com/office/drawing/2014/main" id="{9B73E044-49DE-9EE8-AB7F-35202EA392F5}"/>
+                <a16:creationId xmlns:a16="http://schemas.microsoft.com/office/drawing/2014/main" xmlns="" id="{9B73E044-49DE-9EE8-AB7F-35202EA392F5}"/>
               </a:ext>
             </a:extLst>
           </p:cNvPr>
@@ -1203,17 +1212,18 @@
           <a:lstStyle/>
           <a:p>
             <a:fld id="{444F52E7-D279-6E46-A3B8-188EBFCDC7AA}" type="slidenum">
-              <a:rPr kumimoji="1" lang="ko-Kore-KR" altLang="en-US" smtClean="0"/>
+              <a:rPr kumimoji="1" lang="x-none" altLang="en-US" smtClean="0"/>
+              <a:pPr/>
               <a:t>‹#›</a:t>
             </a:fld>
-            <a:endParaRPr kumimoji="1" lang="ko-Kore-KR" altLang="en-US"/>
+            <a:endParaRPr kumimoji="1" lang="x-none" altLang="en-US"/>
           </a:p>
         </p:txBody>
       </p:sp>
     </p:spTree>
     <p:extLst>
       <p:ext uri="{BB962C8B-B14F-4D97-AF65-F5344CB8AC3E}">
-        <p14:creationId xmlns:p14="http://schemas.microsoft.com/office/powerpoint/2010/main" val="2932195720"/>
+        <p14:creationId xmlns:p14="http://schemas.microsoft.com/office/powerpoint/2010/main" xmlns="" val="2932195720"/>
       </p:ext>
     </p:extLst>
   </p:cSld>
@@ -1245,7 +1255,7 @@
           <p:cNvPr id="2" name="제목 1">
             <a:extLst>
               <a:ext uri="{FF2B5EF4-FFF2-40B4-BE49-F238E27FC236}">
-                <a16:creationId xmlns:a16="http://schemas.microsoft.com/office/drawing/2014/main" id="{678B8234-947C-CB0F-65BF-24E26F815F4F}"/>
+                <a16:creationId xmlns:a16="http://schemas.microsoft.com/office/drawing/2014/main" xmlns="" id="{678B8234-947C-CB0F-65BF-24E26F815F4F}"/>
               </a:ext>
             </a:extLst>
           </p:cNvPr>
@@ -1265,7 +1275,7 @@
               <a:rPr kumimoji="1" lang="ko-KR" altLang="en-US"/>
               <a:t>마스터 제목 스타일 편집</a:t>
             </a:r>
-            <a:endParaRPr kumimoji="1" lang="ko-Kore-KR" altLang="en-US"/>
+            <a:endParaRPr kumimoji="1" lang="x-none" altLang="en-US"/>
           </a:p>
         </p:txBody>
       </p:sp>
@@ -1274,7 +1284,7 @@
           <p:cNvPr id="3" name="내용 개체 틀 2">
             <a:extLst>
               <a:ext uri="{FF2B5EF4-FFF2-40B4-BE49-F238E27FC236}">
-                <a16:creationId xmlns:a16="http://schemas.microsoft.com/office/drawing/2014/main" id="{E6F18DD2-AB86-1ED0-36F6-BF2096781E8D}"/>
+                <a16:creationId xmlns:a16="http://schemas.microsoft.com/office/drawing/2014/main" xmlns="" id="{E6F18DD2-AB86-1ED0-36F6-BF2096781E8D}"/>
               </a:ext>
             </a:extLst>
           </p:cNvPr>
@@ -1328,7 +1338,7 @@
               <a:rPr kumimoji="1" lang="ko-KR" altLang="en-US"/>
               <a:t>다섯 번째 수준</a:t>
             </a:r>
-            <a:endParaRPr kumimoji="1" lang="ko-Kore-KR" altLang="en-US"/>
+            <a:endParaRPr kumimoji="1" lang="x-none" altLang="en-US"/>
           </a:p>
         </p:txBody>
       </p:sp>
@@ -1337,7 +1347,7 @@
           <p:cNvPr id="4" name="내용 개체 틀 3">
             <a:extLst>
               <a:ext uri="{FF2B5EF4-FFF2-40B4-BE49-F238E27FC236}">
-                <a16:creationId xmlns:a16="http://schemas.microsoft.com/office/drawing/2014/main" id="{207BF0B1-2674-D3CF-D4E3-388E3469E92B}"/>
+                <a16:creationId xmlns:a16="http://schemas.microsoft.com/office/drawing/2014/main" xmlns="" id="{207BF0B1-2674-D3CF-D4E3-388E3469E92B}"/>
               </a:ext>
             </a:extLst>
           </p:cNvPr>
@@ -1391,7 +1401,7 @@
               <a:rPr kumimoji="1" lang="ko-KR" altLang="en-US"/>
               <a:t>다섯 번째 수준</a:t>
             </a:r>
-            <a:endParaRPr kumimoji="1" lang="ko-Kore-KR" altLang="en-US"/>
+            <a:endParaRPr kumimoji="1" lang="x-none" altLang="en-US"/>
           </a:p>
         </p:txBody>
       </p:sp>
@@ -1400,7 +1410,7 @@
           <p:cNvPr id="5" name="날짜 개체 틀 4">
             <a:extLst>
               <a:ext uri="{FF2B5EF4-FFF2-40B4-BE49-F238E27FC236}">
-                <a16:creationId xmlns:a16="http://schemas.microsoft.com/office/drawing/2014/main" id="{77CE56CB-85C4-5996-EE49-3AEC8D285B33}"/>
+                <a16:creationId xmlns:a16="http://schemas.microsoft.com/office/drawing/2014/main" xmlns="" id="{77CE56CB-85C4-5996-EE49-3AEC8D285B33}"/>
               </a:ext>
             </a:extLst>
           </p:cNvPr>
@@ -1417,10 +1427,11 @@
           <a:lstStyle/>
           <a:p>
             <a:fld id="{69B0BADD-ECAA-BA43-AD93-2D1747C0EDFF}" type="datetimeFigureOut">
-              <a:rPr kumimoji="1" lang="ko-Kore-KR" altLang="en-US" smtClean="0"/>
-              <a:t>2023. 11. 6.</a:t>
+              <a:rPr kumimoji="1" lang="x-none" altLang="en-US" smtClean="0"/>
+              <a:pPr/>
+              <a:t>2023-11-18</a:t>
             </a:fld>
-            <a:endParaRPr kumimoji="1" lang="ko-Kore-KR" altLang="en-US"/>
+            <a:endParaRPr kumimoji="1" lang="x-none" altLang="en-US"/>
           </a:p>
         </p:txBody>
       </p:sp>
@@ -1429,7 +1440,7 @@
           <p:cNvPr id="6" name="바닥글 개체 틀 5">
             <a:extLst>
               <a:ext uri="{FF2B5EF4-FFF2-40B4-BE49-F238E27FC236}">
-                <a16:creationId xmlns:a16="http://schemas.microsoft.com/office/drawing/2014/main" id="{EC734FF1-F890-34ED-12A5-7E4BBF09DB3E}"/>
+                <a16:creationId xmlns:a16="http://schemas.microsoft.com/office/drawing/2014/main" xmlns="" id="{EC734FF1-F890-34ED-12A5-7E4BBF09DB3E}"/>
               </a:ext>
             </a:extLst>
           </p:cNvPr>
@@ -1445,7 +1456,7 @@
           <a:bodyPr/>
           <a:lstStyle/>
           <a:p>
-            <a:endParaRPr kumimoji="1" lang="ko-Kore-KR" altLang="en-US"/>
+            <a:endParaRPr kumimoji="1" lang="x-none" altLang="en-US"/>
           </a:p>
         </p:txBody>
       </p:sp>
@@ -1454,7 +1465,7 @@
           <p:cNvPr id="7" name="슬라이드 번호 개체 틀 6">
             <a:extLst>
               <a:ext uri="{FF2B5EF4-FFF2-40B4-BE49-F238E27FC236}">
-                <a16:creationId xmlns:a16="http://schemas.microsoft.com/office/drawing/2014/main" id="{8EC8F518-69DC-4B9B-4BAD-834F46B4A85F}"/>
+                <a16:creationId xmlns:a16="http://schemas.microsoft.com/office/drawing/2014/main" xmlns="" id="{8EC8F518-69DC-4B9B-4BAD-834F46B4A85F}"/>
               </a:ext>
             </a:extLst>
           </p:cNvPr>
@@ -1471,17 +1482,18 @@
           <a:lstStyle/>
           <a:p>
             <a:fld id="{444F52E7-D279-6E46-A3B8-188EBFCDC7AA}" type="slidenum">
-              <a:rPr kumimoji="1" lang="ko-Kore-KR" altLang="en-US" smtClean="0"/>
+              <a:rPr kumimoji="1" lang="x-none" altLang="en-US" smtClean="0"/>
+              <a:pPr/>
               <a:t>‹#›</a:t>
             </a:fld>
-            <a:endParaRPr kumimoji="1" lang="ko-Kore-KR" altLang="en-US"/>
+            <a:endParaRPr kumimoji="1" lang="x-none" altLang="en-US"/>
           </a:p>
         </p:txBody>
       </p:sp>
     </p:spTree>
     <p:extLst>
       <p:ext uri="{BB962C8B-B14F-4D97-AF65-F5344CB8AC3E}">
-        <p14:creationId xmlns:p14="http://schemas.microsoft.com/office/powerpoint/2010/main" val="2273178793"/>
+        <p14:creationId xmlns:p14="http://schemas.microsoft.com/office/powerpoint/2010/main" xmlns="" val="2273178793"/>
       </p:ext>
     </p:extLst>
   </p:cSld>
@@ -1513,7 +1525,7 @@
           <p:cNvPr id="2" name="제목 1">
             <a:extLst>
               <a:ext uri="{FF2B5EF4-FFF2-40B4-BE49-F238E27FC236}">
-                <a16:creationId xmlns:a16="http://schemas.microsoft.com/office/drawing/2014/main" id="{920EC62F-2511-B3EC-AE78-DF8EC6B8A8A2}"/>
+                <a16:creationId xmlns:a16="http://schemas.microsoft.com/office/drawing/2014/main" xmlns="" id="{920EC62F-2511-B3EC-AE78-DF8EC6B8A8A2}"/>
               </a:ext>
             </a:extLst>
           </p:cNvPr>
@@ -1538,7 +1550,7 @@
               <a:rPr kumimoji="1" lang="ko-KR" altLang="en-US"/>
               <a:t>마스터 제목 스타일 편집</a:t>
             </a:r>
-            <a:endParaRPr kumimoji="1" lang="ko-Kore-KR" altLang="en-US"/>
+            <a:endParaRPr kumimoji="1" lang="x-none" altLang="en-US"/>
           </a:p>
         </p:txBody>
       </p:sp>
@@ -1547,7 +1559,7 @@
           <p:cNvPr id="3" name="텍스트 개체 틀 2">
             <a:extLst>
               <a:ext uri="{FF2B5EF4-FFF2-40B4-BE49-F238E27FC236}">
-                <a16:creationId xmlns:a16="http://schemas.microsoft.com/office/drawing/2014/main" id="{E908DEAA-CBED-3C3A-F646-5F21B15CF631}"/>
+                <a16:creationId xmlns:a16="http://schemas.microsoft.com/office/drawing/2014/main" xmlns="" id="{E908DEAA-CBED-3C3A-F646-5F21B15CF631}"/>
               </a:ext>
             </a:extLst>
           </p:cNvPr>
@@ -1618,7 +1630,7 @@
           <p:cNvPr id="4" name="내용 개체 틀 3">
             <a:extLst>
               <a:ext uri="{FF2B5EF4-FFF2-40B4-BE49-F238E27FC236}">
-                <a16:creationId xmlns:a16="http://schemas.microsoft.com/office/drawing/2014/main" id="{4B9BED88-5D72-A32E-7382-18D92E7486B2}"/>
+                <a16:creationId xmlns:a16="http://schemas.microsoft.com/office/drawing/2014/main" xmlns="" id="{4B9BED88-5D72-A32E-7382-18D92E7486B2}"/>
               </a:ext>
             </a:extLst>
           </p:cNvPr>
@@ -1672,7 +1684,7 @@
               <a:rPr kumimoji="1" lang="ko-KR" altLang="en-US"/>
               <a:t>다섯 번째 수준</a:t>
             </a:r>
-            <a:endParaRPr kumimoji="1" lang="ko-Kore-KR" altLang="en-US"/>
+            <a:endParaRPr kumimoji="1" lang="x-none" altLang="en-US"/>
           </a:p>
         </p:txBody>
       </p:sp>
@@ -1681,7 +1693,7 @@
           <p:cNvPr id="5" name="텍스트 개체 틀 4">
             <a:extLst>
               <a:ext uri="{FF2B5EF4-FFF2-40B4-BE49-F238E27FC236}">
-                <a16:creationId xmlns:a16="http://schemas.microsoft.com/office/drawing/2014/main" id="{2C48DDEC-0B6F-72A5-15B4-D161743446A6}"/>
+                <a16:creationId xmlns:a16="http://schemas.microsoft.com/office/drawing/2014/main" xmlns="" id="{2C48DDEC-0B6F-72A5-15B4-D161743446A6}"/>
               </a:ext>
             </a:extLst>
           </p:cNvPr>
@@ -1752,7 +1764,7 @@
           <p:cNvPr id="6" name="내용 개체 틀 5">
             <a:extLst>
               <a:ext uri="{FF2B5EF4-FFF2-40B4-BE49-F238E27FC236}">
-                <a16:creationId xmlns:a16="http://schemas.microsoft.com/office/drawing/2014/main" id="{EA6DB66C-3E76-048B-38CE-3AFBE62F84DB}"/>
+                <a16:creationId xmlns:a16="http://schemas.microsoft.com/office/drawing/2014/main" xmlns="" id="{EA6DB66C-3E76-048B-38CE-3AFBE62F84DB}"/>
               </a:ext>
             </a:extLst>
           </p:cNvPr>
@@ -1806,7 +1818,7 @@
               <a:rPr kumimoji="1" lang="ko-KR" altLang="en-US"/>
               <a:t>다섯 번째 수준</a:t>
             </a:r>
-            <a:endParaRPr kumimoji="1" lang="ko-Kore-KR" altLang="en-US"/>
+            <a:endParaRPr kumimoji="1" lang="x-none" altLang="en-US"/>
           </a:p>
         </p:txBody>
       </p:sp>
@@ -1815,7 +1827,7 @@
           <p:cNvPr id="7" name="날짜 개체 틀 6">
             <a:extLst>
               <a:ext uri="{FF2B5EF4-FFF2-40B4-BE49-F238E27FC236}">
-                <a16:creationId xmlns:a16="http://schemas.microsoft.com/office/drawing/2014/main" id="{FAD5260B-9DAB-49AA-69EC-624EEED1ACD4}"/>
+                <a16:creationId xmlns:a16="http://schemas.microsoft.com/office/drawing/2014/main" xmlns="" id="{FAD5260B-9DAB-49AA-69EC-624EEED1ACD4}"/>
               </a:ext>
             </a:extLst>
           </p:cNvPr>
@@ -1832,10 +1844,11 @@
           <a:lstStyle/>
           <a:p>
             <a:fld id="{69B0BADD-ECAA-BA43-AD93-2D1747C0EDFF}" type="datetimeFigureOut">
-              <a:rPr kumimoji="1" lang="ko-Kore-KR" altLang="en-US" smtClean="0"/>
-              <a:t>2023. 11. 6.</a:t>
+              <a:rPr kumimoji="1" lang="x-none" altLang="en-US" smtClean="0"/>
+              <a:pPr/>
+              <a:t>2023-11-18</a:t>
             </a:fld>
-            <a:endParaRPr kumimoji="1" lang="ko-Kore-KR" altLang="en-US"/>
+            <a:endParaRPr kumimoji="1" lang="x-none" altLang="en-US"/>
           </a:p>
         </p:txBody>
       </p:sp>
@@ -1844,7 +1857,7 @@
           <p:cNvPr id="8" name="바닥글 개체 틀 7">
             <a:extLst>
               <a:ext uri="{FF2B5EF4-FFF2-40B4-BE49-F238E27FC236}">
-                <a16:creationId xmlns:a16="http://schemas.microsoft.com/office/drawing/2014/main" id="{EE6F72D6-DB83-828A-3990-1723AEF8A23D}"/>
+                <a16:creationId xmlns:a16="http://schemas.microsoft.com/office/drawing/2014/main" xmlns="" id="{EE6F72D6-DB83-828A-3990-1723AEF8A23D}"/>
               </a:ext>
             </a:extLst>
           </p:cNvPr>
@@ -1860,7 +1873,7 @@
           <a:bodyPr/>
           <a:lstStyle/>
           <a:p>
-            <a:endParaRPr kumimoji="1" lang="ko-Kore-KR" altLang="en-US"/>
+            <a:endParaRPr kumimoji="1" lang="x-none" altLang="en-US"/>
           </a:p>
         </p:txBody>
       </p:sp>
@@ -1869,7 +1882,7 @@
           <p:cNvPr id="9" name="슬라이드 번호 개체 틀 8">
             <a:extLst>
               <a:ext uri="{FF2B5EF4-FFF2-40B4-BE49-F238E27FC236}">
-                <a16:creationId xmlns:a16="http://schemas.microsoft.com/office/drawing/2014/main" id="{32E57F07-5D2E-CEE3-514A-1494F69C3D1B}"/>
+                <a16:creationId xmlns:a16="http://schemas.microsoft.com/office/drawing/2014/main" xmlns="" id="{32E57F07-5D2E-CEE3-514A-1494F69C3D1B}"/>
               </a:ext>
             </a:extLst>
           </p:cNvPr>
@@ -1886,17 +1899,18 @@
           <a:lstStyle/>
           <a:p>
             <a:fld id="{444F52E7-D279-6E46-A3B8-188EBFCDC7AA}" type="slidenum">
-              <a:rPr kumimoji="1" lang="ko-Kore-KR" altLang="en-US" smtClean="0"/>
+              <a:rPr kumimoji="1" lang="x-none" altLang="en-US" smtClean="0"/>
+              <a:pPr/>
               <a:t>‹#›</a:t>
             </a:fld>
-            <a:endParaRPr kumimoji="1" lang="ko-Kore-KR" altLang="en-US"/>
+            <a:endParaRPr kumimoji="1" lang="x-none" altLang="en-US"/>
           </a:p>
         </p:txBody>
       </p:sp>
     </p:spTree>
     <p:extLst>
       <p:ext uri="{BB962C8B-B14F-4D97-AF65-F5344CB8AC3E}">
-        <p14:creationId xmlns:p14="http://schemas.microsoft.com/office/powerpoint/2010/main" val="2985584312"/>
+        <p14:creationId xmlns:p14="http://schemas.microsoft.com/office/powerpoint/2010/main" xmlns="" val="2985584312"/>
       </p:ext>
     </p:extLst>
   </p:cSld>
@@ -1928,7 +1942,7 @@
           <p:cNvPr id="2" name="제목 1">
             <a:extLst>
               <a:ext uri="{FF2B5EF4-FFF2-40B4-BE49-F238E27FC236}">
-                <a16:creationId xmlns:a16="http://schemas.microsoft.com/office/drawing/2014/main" id="{B3D78BA3-0837-88E1-DC17-5D894FC0939F}"/>
+                <a16:creationId xmlns:a16="http://schemas.microsoft.com/office/drawing/2014/main" xmlns="" id="{B3D78BA3-0837-88E1-DC17-5D894FC0939F}"/>
               </a:ext>
             </a:extLst>
           </p:cNvPr>
@@ -1948,7 +1962,7 @@
               <a:rPr kumimoji="1" lang="ko-KR" altLang="en-US"/>
               <a:t>마스터 제목 스타일 편집</a:t>
             </a:r>
-            <a:endParaRPr kumimoji="1" lang="ko-Kore-KR" altLang="en-US"/>
+            <a:endParaRPr kumimoji="1" lang="x-none" altLang="en-US"/>
           </a:p>
         </p:txBody>
       </p:sp>
@@ -1957,7 +1971,7 @@
           <p:cNvPr id="3" name="날짜 개체 틀 2">
             <a:extLst>
               <a:ext uri="{FF2B5EF4-FFF2-40B4-BE49-F238E27FC236}">
-                <a16:creationId xmlns:a16="http://schemas.microsoft.com/office/drawing/2014/main" id="{669D06B0-2C95-4F11-1FC8-67C2270A3180}"/>
+                <a16:creationId xmlns:a16="http://schemas.microsoft.com/office/drawing/2014/main" xmlns="" id="{669D06B0-2C95-4F11-1FC8-67C2270A3180}"/>
               </a:ext>
             </a:extLst>
           </p:cNvPr>
@@ -1974,10 +1988,11 @@
           <a:lstStyle/>
           <a:p>
             <a:fld id="{69B0BADD-ECAA-BA43-AD93-2D1747C0EDFF}" type="datetimeFigureOut">
-              <a:rPr kumimoji="1" lang="ko-Kore-KR" altLang="en-US" smtClean="0"/>
-              <a:t>2023. 11. 6.</a:t>
+              <a:rPr kumimoji="1" lang="x-none" altLang="en-US" smtClean="0"/>
+              <a:pPr/>
+              <a:t>2023-11-18</a:t>
             </a:fld>
-            <a:endParaRPr kumimoji="1" lang="ko-Kore-KR" altLang="en-US"/>
+            <a:endParaRPr kumimoji="1" lang="x-none" altLang="en-US"/>
           </a:p>
         </p:txBody>
       </p:sp>
@@ -1986,7 +2001,7 @@
           <p:cNvPr id="4" name="바닥글 개체 틀 3">
             <a:extLst>
               <a:ext uri="{FF2B5EF4-FFF2-40B4-BE49-F238E27FC236}">
-                <a16:creationId xmlns:a16="http://schemas.microsoft.com/office/drawing/2014/main" id="{50A41865-F6C4-9191-E4FE-6C7DCB8E80D8}"/>
+                <a16:creationId xmlns:a16="http://schemas.microsoft.com/office/drawing/2014/main" xmlns="" id="{50A41865-F6C4-9191-E4FE-6C7DCB8E80D8}"/>
               </a:ext>
             </a:extLst>
           </p:cNvPr>
@@ -2002,7 +2017,7 @@
           <a:bodyPr/>
           <a:lstStyle/>
           <a:p>
-            <a:endParaRPr kumimoji="1" lang="ko-Kore-KR" altLang="en-US"/>
+            <a:endParaRPr kumimoji="1" lang="x-none" altLang="en-US"/>
           </a:p>
         </p:txBody>
       </p:sp>
@@ -2011,7 +2026,7 @@
           <p:cNvPr id="5" name="슬라이드 번호 개체 틀 4">
             <a:extLst>
               <a:ext uri="{FF2B5EF4-FFF2-40B4-BE49-F238E27FC236}">
-                <a16:creationId xmlns:a16="http://schemas.microsoft.com/office/drawing/2014/main" id="{8338F8C5-5B93-8C3B-4A52-B9599625F46E}"/>
+                <a16:creationId xmlns:a16="http://schemas.microsoft.com/office/drawing/2014/main" xmlns="" id="{8338F8C5-5B93-8C3B-4A52-B9599625F46E}"/>
               </a:ext>
             </a:extLst>
           </p:cNvPr>
@@ -2028,17 +2043,18 @@
           <a:lstStyle/>
           <a:p>
             <a:fld id="{444F52E7-D279-6E46-A3B8-188EBFCDC7AA}" type="slidenum">
-              <a:rPr kumimoji="1" lang="ko-Kore-KR" altLang="en-US" smtClean="0"/>
+              <a:rPr kumimoji="1" lang="x-none" altLang="en-US" smtClean="0"/>
+              <a:pPr/>
               <a:t>‹#›</a:t>
             </a:fld>
-            <a:endParaRPr kumimoji="1" lang="ko-Kore-KR" altLang="en-US"/>
+            <a:endParaRPr kumimoji="1" lang="x-none" altLang="en-US"/>
           </a:p>
         </p:txBody>
       </p:sp>
     </p:spTree>
     <p:extLst>
       <p:ext uri="{BB962C8B-B14F-4D97-AF65-F5344CB8AC3E}">
-        <p14:creationId xmlns:p14="http://schemas.microsoft.com/office/powerpoint/2010/main" val="4053400950"/>
+        <p14:creationId xmlns:p14="http://schemas.microsoft.com/office/powerpoint/2010/main" xmlns="" val="4053400950"/>
       </p:ext>
     </p:extLst>
   </p:cSld>
@@ -2070,7 +2086,7 @@
           <p:cNvPr id="2" name="날짜 개체 틀 1">
             <a:extLst>
               <a:ext uri="{FF2B5EF4-FFF2-40B4-BE49-F238E27FC236}">
-                <a16:creationId xmlns:a16="http://schemas.microsoft.com/office/drawing/2014/main" id="{2E377797-B4EE-FB47-E3B3-85772AA29A0D}"/>
+                <a16:creationId xmlns:a16="http://schemas.microsoft.com/office/drawing/2014/main" xmlns="" id="{2E377797-B4EE-FB47-E3B3-85772AA29A0D}"/>
               </a:ext>
             </a:extLst>
           </p:cNvPr>
@@ -2087,10 +2103,11 @@
           <a:lstStyle/>
           <a:p>
             <a:fld id="{69B0BADD-ECAA-BA43-AD93-2D1747C0EDFF}" type="datetimeFigureOut">
-              <a:rPr kumimoji="1" lang="ko-Kore-KR" altLang="en-US" smtClean="0"/>
-              <a:t>2023. 11. 6.</a:t>
+              <a:rPr kumimoji="1" lang="x-none" altLang="en-US" smtClean="0"/>
+              <a:pPr/>
+              <a:t>2023-11-18</a:t>
             </a:fld>
-            <a:endParaRPr kumimoji="1" lang="ko-Kore-KR" altLang="en-US"/>
+            <a:endParaRPr kumimoji="1" lang="x-none" altLang="en-US"/>
           </a:p>
         </p:txBody>
       </p:sp>
@@ -2099,7 +2116,7 @@
           <p:cNvPr id="3" name="바닥글 개체 틀 2">
             <a:extLst>
               <a:ext uri="{FF2B5EF4-FFF2-40B4-BE49-F238E27FC236}">
-                <a16:creationId xmlns:a16="http://schemas.microsoft.com/office/drawing/2014/main" id="{952921C9-8A7C-1E4C-09C1-130BF56B638C}"/>
+                <a16:creationId xmlns:a16="http://schemas.microsoft.com/office/drawing/2014/main" xmlns="" id="{952921C9-8A7C-1E4C-09C1-130BF56B638C}"/>
               </a:ext>
             </a:extLst>
           </p:cNvPr>
@@ -2115,7 +2132,7 @@
           <a:bodyPr/>
           <a:lstStyle/>
           <a:p>
-            <a:endParaRPr kumimoji="1" lang="ko-Kore-KR" altLang="en-US"/>
+            <a:endParaRPr kumimoji="1" lang="x-none" altLang="en-US"/>
           </a:p>
         </p:txBody>
       </p:sp>
@@ -2124,7 +2141,7 @@
           <p:cNvPr id="4" name="슬라이드 번호 개체 틀 3">
             <a:extLst>
               <a:ext uri="{FF2B5EF4-FFF2-40B4-BE49-F238E27FC236}">
-                <a16:creationId xmlns:a16="http://schemas.microsoft.com/office/drawing/2014/main" id="{70204745-21F0-0469-4C56-C4801FD31C75}"/>
+                <a16:creationId xmlns:a16="http://schemas.microsoft.com/office/drawing/2014/main" xmlns="" id="{70204745-21F0-0469-4C56-C4801FD31C75}"/>
               </a:ext>
             </a:extLst>
           </p:cNvPr>
@@ -2141,17 +2158,18 @@
           <a:lstStyle/>
           <a:p>
             <a:fld id="{444F52E7-D279-6E46-A3B8-188EBFCDC7AA}" type="slidenum">
-              <a:rPr kumimoji="1" lang="ko-Kore-KR" altLang="en-US" smtClean="0"/>
+              <a:rPr kumimoji="1" lang="x-none" altLang="en-US" smtClean="0"/>
+              <a:pPr/>
               <a:t>‹#›</a:t>
             </a:fld>
-            <a:endParaRPr kumimoji="1" lang="ko-Kore-KR" altLang="en-US"/>
+            <a:endParaRPr kumimoji="1" lang="x-none" altLang="en-US"/>
           </a:p>
         </p:txBody>
       </p:sp>
     </p:spTree>
     <p:extLst>
       <p:ext uri="{BB962C8B-B14F-4D97-AF65-F5344CB8AC3E}">
-        <p14:creationId xmlns:p14="http://schemas.microsoft.com/office/powerpoint/2010/main" val="2229247732"/>
+        <p14:creationId xmlns:p14="http://schemas.microsoft.com/office/powerpoint/2010/main" xmlns="" val="2229247732"/>
       </p:ext>
     </p:extLst>
   </p:cSld>
@@ -2183,7 +2201,7 @@
           <p:cNvPr id="2" name="제목 1">
             <a:extLst>
               <a:ext uri="{FF2B5EF4-FFF2-40B4-BE49-F238E27FC236}">
-                <a16:creationId xmlns:a16="http://schemas.microsoft.com/office/drawing/2014/main" id="{40BC0CA3-09C2-80A7-7E73-933F19FFFE84}"/>
+                <a16:creationId xmlns:a16="http://schemas.microsoft.com/office/drawing/2014/main" xmlns="" id="{40BC0CA3-09C2-80A7-7E73-933F19FFFE84}"/>
               </a:ext>
             </a:extLst>
           </p:cNvPr>
@@ -2212,7 +2230,7 @@
               <a:rPr kumimoji="1" lang="ko-KR" altLang="en-US"/>
               <a:t>마스터 제목 스타일 편집</a:t>
             </a:r>
-            <a:endParaRPr kumimoji="1" lang="ko-Kore-KR" altLang="en-US"/>
+            <a:endParaRPr kumimoji="1" lang="x-none" altLang="en-US"/>
           </a:p>
         </p:txBody>
       </p:sp>
@@ -2221,7 +2239,7 @@
           <p:cNvPr id="3" name="내용 개체 틀 2">
             <a:extLst>
               <a:ext uri="{FF2B5EF4-FFF2-40B4-BE49-F238E27FC236}">
-                <a16:creationId xmlns:a16="http://schemas.microsoft.com/office/drawing/2014/main" id="{65A6E2EF-5602-7260-84DE-E9742E8797EE}"/>
+                <a16:creationId xmlns:a16="http://schemas.microsoft.com/office/drawing/2014/main" xmlns="" id="{65A6E2EF-5602-7260-84DE-E9742E8797EE}"/>
               </a:ext>
             </a:extLst>
           </p:cNvPr>
@@ -2303,7 +2321,7 @@
               <a:rPr kumimoji="1" lang="ko-KR" altLang="en-US"/>
               <a:t>다섯 번째 수준</a:t>
             </a:r>
-            <a:endParaRPr kumimoji="1" lang="ko-Kore-KR" altLang="en-US"/>
+            <a:endParaRPr kumimoji="1" lang="x-none" altLang="en-US"/>
           </a:p>
         </p:txBody>
       </p:sp>
@@ -2312,7 +2330,7 @@
           <p:cNvPr id="4" name="텍스트 개체 틀 3">
             <a:extLst>
               <a:ext uri="{FF2B5EF4-FFF2-40B4-BE49-F238E27FC236}">
-                <a16:creationId xmlns:a16="http://schemas.microsoft.com/office/drawing/2014/main" id="{8A9EA9D8-DDB7-9CD3-1C68-CA17E43806E9}"/>
+                <a16:creationId xmlns:a16="http://schemas.microsoft.com/office/drawing/2014/main" xmlns="" id="{8A9EA9D8-DDB7-9CD3-1C68-CA17E43806E9}"/>
               </a:ext>
             </a:extLst>
           </p:cNvPr>
@@ -2383,7 +2401,7 @@
           <p:cNvPr id="5" name="날짜 개체 틀 4">
             <a:extLst>
               <a:ext uri="{FF2B5EF4-FFF2-40B4-BE49-F238E27FC236}">
-                <a16:creationId xmlns:a16="http://schemas.microsoft.com/office/drawing/2014/main" id="{0D81A231-35C6-F2C2-2284-3C9F3F7EE8FC}"/>
+                <a16:creationId xmlns:a16="http://schemas.microsoft.com/office/drawing/2014/main" xmlns="" id="{0D81A231-35C6-F2C2-2284-3C9F3F7EE8FC}"/>
               </a:ext>
             </a:extLst>
           </p:cNvPr>
@@ -2400,10 +2418,11 @@
           <a:lstStyle/>
           <a:p>
             <a:fld id="{69B0BADD-ECAA-BA43-AD93-2D1747C0EDFF}" type="datetimeFigureOut">
-              <a:rPr kumimoji="1" lang="ko-Kore-KR" altLang="en-US" smtClean="0"/>
-              <a:t>2023. 11. 6.</a:t>
+              <a:rPr kumimoji="1" lang="x-none" altLang="en-US" smtClean="0"/>
+              <a:pPr/>
+              <a:t>2023-11-18</a:t>
             </a:fld>
-            <a:endParaRPr kumimoji="1" lang="ko-Kore-KR" altLang="en-US"/>
+            <a:endParaRPr kumimoji="1" lang="x-none" altLang="en-US"/>
           </a:p>
         </p:txBody>
       </p:sp>
@@ -2412,7 +2431,7 @@
           <p:cNvPr id="6" name="바닥글 개체 틀 5">
             <a:extLst>
               <a:ext uri="{FF2B5EF4-FFF2-40B4-BE49-F238E27FC236}">
-                <a16:creationId xmlns:a16="http://schemas.microsoft.com/office/drawing/2014/main" id="{C9AFDE33-F2D6-5923-7414-7D854530BDB9}"/>
+                <a16:creationId xmlns:a16="http://schemas.microsoft.com/office/drawing/2014/main" xmlns="" id="{C9AFDE33-F2D6-5923-7414-7D854530BDB9}"/>
               </a:ext>
             </a:extLst>
           </p:cNvPr>
@@ -2428,7 +2447,7 @@
           <a:bodyPr/>
           <a:lstStyle/>
           <a:p>
-            <a:endParaRPr kumimoji="1" lang="ko-Kore-KR" altLang="en-US"/>
+            <a:endParaRPr kumimoji="1" lang="x-none" altLang="en-US"/>
           </a:p>
         </p:txBody>
       </p:sp>
@@ -2437,7 +2456,7 @@
           <p:cNvPr id="7" name="슬라이드 번호 개체 틀 6">
             <a:extLst>
               <a:ext uri="{FF2B5EF4-FFF2-40B4-BE49-F238E27FC236}">
-                <a16:creationId xmlns:a16="http://schemas.microsoft.com/office/drawing/2014/main" id="{E76DC45F-0000-3577-2889-65281BA90506}"/>
+                <a16:creationId xmlns:a16="http://schemas.microsoft.com/office/drawing/2014/main" xmlns="" id="{E76DC45F-0000-3577-2889-65281BA90506}"/>
               </a:ext>
             </a:extLst>
           </p:cNvPr>
@@ -2454,17 +2473,18 @@
           <a:lstStyle/>
           <a:p>
             <a:fld id="{444F52E7-D279-6E46-A3B8-188EBFCDC7AA}" type="slidenum">
-              <a:rPr kumimoji="1" lang="ko-Kore-KR" altLang="en-US" smtClean="0"/>
+              <a:rPr kumimoji="1" lang="x-none" altLang="en-US" smtClean="0"/>
+              <a:pPr/>
               <a:t>‹#›</a:t>
             </a:fld>
-            <a:endParaRPr kumimoji="1" lang="ko-Kore-KR" altLang="en-US"/>
+            <a:endParaRPr kumimoji="1" lang="x-none" altLang="en-US"/>
           </a:p>
         </p:txBody>
       </p:sp>
     </p:spTree>
     <p:extLst>
       <p:ext uri="{BB962C8B-B14F-4D97-AF65-F5344CB8AC3E}">
-        <p14:creationId xmlns:p14="http://schemas.microsoft.com/office/powerpoint/2010/main" val="3695800087"/>
+        <p14:creationId xmlns:p14="http://schemas.microsoft.com/office/powerpoint/2010/main" xmlns="" val="3695800087"/>
       </p:ext>
     </p:extLst>
   </p:cSld>
@@ -2496,7 +2516,7 @@
           <p:cNvPr id="2" name="제목 1">
             <a:extLst>
               <a:ext uri="{FF2B5EF4-FFF2-40B4-BE49-F238E27FC236}">
-                <a16:creationId xmlns:a16="http://schemas.microsoft.com/office/drawing/2014/main" id="{A4D09E3B-2B3E-6BA0-802F-46D6498DC94B}"/>
+                <a16:creationId xmlns:a16="http://schemas.microsoft.com/office/drawing/2014/main" xmlns="" id="{A4D09E3B-2B3E-6BA0-802F-46D6498DC94B}"/>
               </a:ext>
             </a:extLst>
           </p:cNvPr>
@@ -2525,7 +2545,7 @@
               <a:rPr kumimoji="1" lang="ko-KR" altLang="en-US"/>
               <a:t>마스터 제목 스타일 편집</a:t>
             </a:r>
-            <a:endParaRPr kumimoji="1" lang="ko-Kore-KR" altLang="en-US"/>
+            <a:endParaRPr kumimoji="1" lang="x-none" altLang="en-US"/>
           </a:p>
         </p:txBody>
       </p:sp>
@@ -2534,7 +2554,7 @@
           <p:cNvPr id="3" name="그림 개체 틀 2">
             <a:extLst>
               <a:ext uri="{FF2B5EF4-FFF2-40B4-BE49-F238E27FC236}">
-                <a16:creationId xmlns:a16="http://schemas.microsoft.com/office/drawing/2014/main" id="{63367D95-5BFC-9EDD-65EF-3301B9D7AA1A}"/>
+                <a16:creationId xmlns:a16="http://schemas.microsoft.com/office/drawing/2014/main" xmlns="" id="{63367D95-5BFC-9EDD-65EF-3301B9D7AA1A}"/>
               </a:ext>
             </a:extLst>
           </p:cNvPr>
@@ -2592,7 +2612,7 @@
             </a:lvl9pPr>
           </a:lstStyle>
           <a:p>
-            <a:endParaRPr kumimoji="1" lang="ko-Kore-KR" altLang="en-US"/>
+            <a:endParaRPr kumimoji="1" lang="x-none" altLang="en-US"/>
           </a:p>
         </p:txBody>
       </p:sp>
@@ -2601,7 +2621,7 @@
           <p:cNvPr id="4" name="텍스트 개체 틀 3">
             <a:extLst>
               <a:ext uri="{FF2B5EF4-FFF2-40B4-BE49-F238E27FC236}">
-                <a16:creationId xmlns:a16="http://schemas.microsoft.com/office/drawing/2014/main" id="{2DE799D4-AEBB-9CBB-ACA4-9EBC65680F6A}"/>
+                <a16:creationId xmlns:a16="http://schemas.microsoft.com/office/drawing/2014/main" xmlns="" id="{2DE799D4-AEBB-9CBB-ACA4-9EBC65680F6A}"/>
               </a:ext>
             </a:extLst>
           </p:cNvPr>
@@ -2672,7 +2692,7 @@
           <p:cNvPr id="5" name="날짜 개체 틀 4">
             <a:extLst>
               <a:ext uri="{FF2B5EF4-FFF2-40B4-BE49-F238E27FC236}">
-                <a16:creationId xmlns:a16="http://schemas.microsoft.com/office/drawing/2014/main" id="{264746D0-4FC9-A146-2A53-C71EEC8677E7}"/>
+                <a16:creationId xmlns:a16="http://schemas.microsoft.com/office/drawing/2014/main" xmlns="" id="{264746D0-4FC9-A146-2A53-C71EEC8677E7}"/>
               </a:ext>
             </a:extLst>
           </p:cNvPr>
@@ -2689,10 +2709,11 @@
           <a:lstStyle/>
           <a:p>
             <a:fld id="{69B0BADD-ECAA-BA43-AD93-2D1747C0EDFF}" type="datetimeFigureOut">
-              <a:rPr kumimoji="1" lang="ko-Kore-KR" altLang="en-US" smtClean="0"/>
-              <a:t>2023. 11. 6.</a:t>
+              <a:rPr kumimoji="1" lang="x-none" altLang="en-US" smtClean="0"/>
+              <a:pPr/>
+              <a:t>2023-11-18</a:t>
             </a:fld>
-            <a:endParaRPr kumimoji="1" lang="ko-Kore-KR" altLang="en-US"/>
+            <a:endParaRPr kumimoji="1" lang="x-none" altLang="en-US"/>
           </a:p>
         </p:txBody>
       </p:sp>
@@ -2701,7 +2722,7 @@
           <p:cNvPr id="6" name="바닥글 개체 틀 5">
             <a:extLst>
               <a:ext uri="{FF2B5EF4-FFF2-40B4-BE49-F238E27FC236}">
-                <a16:creationId xmlns:a16="http://schemas.microsoft.com/office/drawing/2014/main" id="{17729083-4224-584A-85EC-84C967FB6653}"/>
+                <a16:creationId xmlns:a16="http://schemas.microsoft.com/office/drawing/2014/main" xmlns="" id="{17729083-4224-584A-85EC-84C967FB6653}"/>
               </a:ext>
             </a:extLst>
           </p:cNvPr>
@@ -2717,7 +2738,7 @@
           <a:bodyPr/>
           <a:lstStyle/>
           <a:p>
-            <a:endParaRPr kumimoji="1" lang="ko-Kore-KR" altLang="en-US"/>
+            <a:endParaRPr kumimoji="1" lang="x-none" altLang="en-US"/>
           </a:p>
         </p:txBody>
       </p:sp>
@@ -2726,7 +2747,7 @@
           <p:cNvPr id="7" name="슬라이드 번호 개체 틀 6">
             <a:extLst>
               <a:ext uri="{FF2B5EF4-FFF2-40B4-BE49-F238E27FC236}">
-                <a16:creationId xmlns:a16="http://schemas.microsoft.com/office/drawing/2014/main" id="{A69466DB-30A8-999C-8435-1BDEEC2D3916}"/>
+                <a16:creationId xmlns:a16="http://schemas.microsoft.com/office/drawing/2014/main" xmlns="" id="{A69466DB-30A8-999C-8435-1BDEEC2D3916}"/>
               </a:ext>
             </a:extLst>
           </p:cNvPr>
@@ -2743,17 +2764,18 @@
           <a:lstStyle/>
           <a:p>
             <a:fld id="{444F52E7-D279-6E46-A3B8-188EBFCDC7AA}" type="slidenum">
-              <a:rPr kumimoji="1" lang="ko-Kore-KR" altLang="en-US" smtClean="0"/>
+              <a:rPr kumimoji="1" lang="x-none" altLang="en-US" smtClean="0"/>
+              <a:pPr/>
               <a:t>‹#›</a:t>
             </a:fld>
-            <a:endParaRPr kumimoji="1" lang="ko-Kore-KR" altLang="en-US"/>
+            <a:endParaRPr kumimoji="1" lang="x-none" altLang="en-US"/>
           </a:p>
         </p:txBody>
       </p:sp>
     </p:spTree>
     <p:extLst>
       <p:ext uri="{BB962C8B-B14F-4D97-AF65-F5344CB8AC3E}">
-        <p14:creationId xmlns:p14="http://schemas.microsoft.com/office/powerpoint/2010/main" val="2992510961"/>
+        <p14:creationId xmlns:p14="http://schemas.microsoft.com/office/powerpoint/2010/main" xmlns="" val="2992510961"/>
       </p:ext>
     </p:extLst>
   </p:cSld>
@@ -2790,7 +2812,7 @@
           <p:cNvPr id="2" name="제목 개체 틀 1">
             <a:extLst>
               <a:ext uri="{FF2B5EF4-FFF2-40B4-BE49-F238E27FC236}">
-                <a16:creationId xmlns:a16="http://schemas.microsoft.com/office/drawing/2014/main" id="{4C2C464B-6F81-5C71-E473-88C868BA826A}"/>
+                <a16:creationId xmlns:a16="http://schemas.microsoft.com/office/drawing/2014/main" xmlns="" id="{4C2C464B-6F81-5C71-E473-88C868BA826A}"/>
               </a:ext>
             </a:extLst>
           </p:cNvPr>
@@ -2820,7 +2842,7 @@
               <a:rPr kumimoji="1" lang="ko-KR" altLang="en-US"/>
               <a:t>마스터 제목 스타일 편집</a:t>
             </a:r>
-            <a:endParaRPr kumimoji="1" lang="ko-Kore-KR" altLang="en-US"/>
+            <a:endParaRPr kumimoji="1" lang="x-none" altLang="en-US"/>
           </a:p>
         </p:txBody>
       </p:sp>
@@ -2829,7 +2851,7 @@
           <p:cNvPr id="3" name="텍스트 개체 틀 2">
             <a:extLst>
               <a:ext uri="{FF2B5EF4-FFF2-40B4-BE49-F238E27FC236}">
-                <a16:creationId xmlns:a16="http://schemas.microsoft.com/office/drawing/2014/main" id="{623A1976-226E-02B4-C108-DC2360FC6B88}"/>
+                <a16:creationId xmlns:a16="http://schemas.microsoft.com/office/drawing/2014/main" xmlns="" id="{623A1976-226E-02B4-C108-DC2360FC6B88}"/>
               </a:ext>
             </a:extLst>
           </p:cNvPr>
@@ -2888,7 +2910,7 @@
               <a:rPr kumimoji="1" lang="ko-KR" altLang="en-US"/>
               <a:t>다섯 번째 수준</a:t>
             </a:r>
-            <a:endParaRPr kumimoji="1" lang="ko-Kore-KR" altLang="en-US"/>
+            <a:endParaRPr kumimoji="1" lang="x-none" altLang="en-US"/>
           </a:p>
         </p:txBody>
       </p:sp>
@@ -2897,7 +2919,7 @@
           <p:cNvPr id="4" name="날짜 개체 틀 3">
             <a:extLst>
               <a:ext uri="{FF2B5EF4-FFF2-40B4-BE49-F238E27FC236}">
-                <a16:creationId xmlns:a16="http://schemas.microsoft.com/office/drawing/2014/main" id="{7D3D52FF-092D-6B3A-1E28-0CB6505A6685}"/>
+                <a16:creationId xmlns:a16="http://schemas.microsoft.com/office/drawing/2014/main" xmlns="" id="{7D3D52FF-092D-6B3A-1E28-0CB6505A6685}"/>
               </a:ext>
             </a:extLst>
           </p:cNvPr>
@@ -2932,10 +2954,11 @@
           </a:lstStyle>
           <a:p>
             <a:fld id="{69B0BADD-ECAA-BA43-AD93-2D1747C0EDFF}" type="datetimeFigureOut">
-              <a:rPr kumimoji="1" lang="ko-Kore-KR" altLang="en-US" smtClean="0"/>
-              <a:t>2023. 11. 6.</a:t>
+              <a:rPr kumimoji="1" lang="x-none" altLang="en-US" smtClean="0"/>
+              <a:pPr/>
+              <a:t>2023-11-18</a:t>
             </a:fld>
-            <a:endParaRPr kumimoji="1" lang="ko-Kore-KR" altLang="en-US"/>
+            <a:endParaRPr kumimoji="1" lang="x-none" altLang="en-US"/>
           </a:p>
         </p:txBody>
       </p:sp>
@@ -2944,7 +2967,7 @@
           <p:cNvPr id="5" name="바닥글 개체 틀 4">
             <a:extLst>
               <a:ext uri="{FF2B5EF4-FFF2-40B4-BE49-F238E27FC236}">
-                <a16:creationId xmlns:a16="http://schemas.microsoft.com/office/drawing/2014/main" id="{38FC79CB-725B-6293-16D9-89AF4707E456}"/>
+                <a16:creationId xmlns:a16="http://schemas.microsoft.com/office/drawing/2014/main" xmlns="" id="{38FC79CB-725B-6293-16D9-89AF4707E456}"/>
               </a:ext>
             </a:extLst>
           </p:cNvPr>
@@ -2978,7 +3001,7 @@
             </a:lvl1pPr>
           </a:lstStyle>
           <a:p>
-            <a:endParaRPr kumimoji="1" lang="ko-Kore-KR" altLang="en-US"/>
+            <a:endParaRPr kumimoji="1" lang="x-none" altLang="en-US"/>
           </a:p>
         </p:txBody>
       </p:sp>
@@ -2987,7 +3010,7 @@
           <p:cNvPr id="6" name="슬라이드 번호 개체 틀 5">
             <a:extLst>
               <a:ext uri="{FF2B5EF4-FFF2-40B4-BE49-F238E27FC236}">
-                <a16:creationId xmlns:a16="http://schemas.microsoft.com/office/drawing/2014/main" id="{32D7BF93-1165-CED3-868F-80A60B71F957}"/>
+                <a16:creationId xmlns:a16="http://schemas.microsoft.com/office/drawing/2014/main" xmlns="" id="{32D7BF93-1165-CED3-868F-80A60B71F957}"/>
               </a:ext>
             </a:extLst>
           </p:cNvPr>
@@ -3022,17 +3045,18 @@
           </a:lstStyle>
           <a:p>
             <a:fld id="{444F52E7-D279-6E46-A3B8-188EBFCDC7AA}" type="slidenum">
-              <a:rPr kumimoji="1" lang="ko-Kore-KR" altLang="en-US" smtClean="0"/>
+              <a:rPr kumimoji="1" lang="x-none" altLang="en-US" smtClean="0"/>
+              <a:pPr/>
               <a:t>‹#›</a:t>
             </a:fld>
-            <a:endParaRPr kumimoji="1" lang="ko-Kore-KR" altLang="en-US"/>
+            <a:endParaRPr kumimoji="1" lang="x-none" altLang="en-US"/>
           </a:p>
         </p:txBody>
       </p:sp>
     </p:spTree>
     <p:extLst>
       <p:ext uri="{BB962C8B-B14F-4D97-AF65-F5344CB8AC3E}">
-        <p14:creationId xmlns:p14="http://schemas.microsoft.com/office/powerpoint/2010/main" val="1352694510"/>
+        <p14:creationId xmlns:p14="http://schemas.microsoft.com/office/powerpoint/2010/main" xmlns="" val="1352694510"/>
       </p:ext>
     </p:extLst>
   </p:cSld>
@@ -3236,7 +3260,7 @@
     </p:bodyStyle>
     <p:otherStyle>
       <a:defPPr>
-        <a:defRPr lang="ko-Kore-KR"/>
+        <a:defRPr lang="x-none"/>
       </a:defPPr>
       <a:lvl1pPr marL="0" algn="l" defTabSz="914400" rtl="0" eaLnBrk="1" latinLnBrk="0" hangingPunct="1">
         <a:defRPr sz="1800" kern="1200">
@@ -3355,7 +3379,7 @@
           <p:cNvPr id="2" name="제목 1">
             <a:extLst>
               <a:ext uri="{FF2B5EF4-FFF2-40B4-BE49-F238E27FC236}">
-                <a16:creationId xmlns:a16="http://schemas.microsoft.com/office/drawing/2014/main" id="{292C094D-CF61-3E14-B715-FC4F0781C580}"/>
+                <a16:creationId xmlns:a16="http://schemas.microsoft.com/office/drawing/2014/main" xmlns="" id="{292C094D-CF61-3E14-B715-FC4F0781C580}"/>
               </a:ext>
             </a:extLst>
           </p:cNvPr>
@@ -3372,7 +3396,7 @@
           <a:lstStyle/>
           <a:p>
             <a:r>
-              <a:rPr kumimoji="1" lang="ko-Kore-KR" altLang="en-US" dirty="0"/>
+              <a:rPr kumimoji="1" lang="x-none" altLang="en-US" dirty="0"/>
               <a:t>핸들모빌리티</a:t>
             </a:r>
           </a:p>
@@ -3383,7 +3407,7 @@
           <p:cNvPr id="3" name="부제목 2">
             <a:extLst>
               <a:ext uri="{FF2B5EF4-FFF2-40B4-BE49-F238E27FC236}">
-                <a16:creationId xmlns:a16="http://schemas.microsoft.com/office/drawing/2014/main" id="{E9759C83-55E1-AB6F-BB39-1B3D0B0A8038}"/>
+                <a16:creationId xmlns:a16="http://schemas.microsoft.com/office/drawing/2014/main" xmlns="" id="{E9759C83-55E1-AB6F-BB39-1B3D0B0A8038}"/>
               </a:ext>
             </a:extLst>
           </p:cNvPr>
@@ -3400,14 +3424,14 @@
           <a:lstStyle/>
           <a:p>
             <a:r>
-              <a:rPr kumimoji="1" lang="en-US" altLang="ko-Kore-KR" dirty="0"/>
+              <a:rPr kumimoji="1" lang="en-US" altLang="x-none" dirty="0"/>
               <a:t>Web </a:t>
             </a:r>
             <a:r>
               <a:rPr kumimoji="1" lang="ko-KR" altLang="en-US" dirty="0"/>
               <a:t>탁송 퍼블리싱</a:t>
             </a:r>
-            <a:endParaRPr kumimoji="1" lang="ko-Kore-KR" altLang="en-US" dirty="0"/>
+            <a:endParaRPr kumimoji="1" lang="x-none" altLang="en-US" dirty="0"/>
           </a:p>
         </p:txBody>
       </p:sp>
@@ -3416,7 +3440,7 @@
           <p:cNvPr id="4" name="TextBox 3">
             <a:extLst>
               <a:ext uri="{FF2B5EF4-FFF2-40B4-BE49-F238E27FC236}">
-                <a16:creationId xmlns:a16="http://schemas.microsoft.com/office/drawing/2014/main" id="{3911BBA4-DD9B-63CC-9A54-02B59AF4C473}"/>
+                <a16:creationId xmlns:a16="http://schemas.microsoft.com/office/drawing/2014/main" xmlns="" id="{3911BBA4-DD9B-63CC-9A54-02B59AF4C473}"/>
               </a:ext>
             </a:extLst>
           </p:cNvPr>
@@ -3440,21 +3464,21 @@
           <a:lstStyle/>
           <a:p>
             <a:r>
-              <a:rPr kumimoji="1" lang="en-US" altLang="ko-Kore-KR" dirty="0"/>
+              <a:rPr kumimoji="1" lang="en-US" altLang="x-none" dirty="0"/>
               <a:t>2</a:t>
             </a:r>
             <a:r>
               <a:rPr kumimoji="1" lang="en-US" altLang="ko-KR" dirty="0"/>
               <a:t>023.11.06</a:t>
             </a:r>
-            <a:endParaRPr kumimoji="1" lang="ko-Kore-KR" altLang="en-US" dirty="0"/>
+            <a:endParaRPr kumimoji="1" lang="x-none" altLang="en-US" dirty="0"/>
           </a:p>
         </p:txBody>
       </p:sp>
     </p:spTree>
     <p:extLst>
       <p:ext uri="{BB962C8B-B14F-4D97-AF65-F5344CB8AC3E}">
-        <p14:creationId xmlns:p14="http://schemas.microsoft.com/office/powerpoint/2010/main" val="1053063718"/>
+        <p14:creationId xmlns:p14="http://schemas.microsoft.com/office/powerpoint/2010/main" xmlns="" val="1053063718"/>
       </p:ext>
     </p:extLst>
   </p:cSld>
@@ -3486,7 +3510,7 @@
           <p:cNvPr id="15" name="그림 14">
             <a:extLst>
               <a:ext uri="{FF2B5EF4-FFF2-40B4-BE49-F238E27FC236}">
-                <a16:creationId xmlns:a16="http://schemas.microsoft.com/office/drawing/2014/main" id="{5B04458B-F601-986F-402B-BCFDEDF0B1CE}"/>
+                <a16:creationId xmlns:a16="http://schemas.microsoft.com/office/drawing/2014/main" xmlns="" id="{5B04458B-F601-986F-402B-BCFDEDF0B1CE}"/>
               </a:ext>
             </a:extLst>
           </p:cNvPr>
@@ -3516,7 +3540,7 @@
           <p:cNvPr id="16" name="TextBox 15">
             <a:extLst>
               <a:ext uri="{FF2B5EF4-FFF2-40B4-BE49-F238E27FC236}">
-                <a16:creationId xmlns:a16="http://schemas.microsoft.com/office/drawing/2014/main" id="{B86ABF27-507F-F747-A4D1-26D79A6B5A7B}"/>
+                <a16:creationId xmlns:a16="http://schemas.microsoft.com/office/drawing/2014/main" xmlns="" id="{B86ABF27-507F-F747-A4D1-26D79A6B5A7B}"/>
               </a:ext>
             </a:extLst>
           </p:cNvPr>
@@ -3540,7 +3564,7 @@
           <a:lstStyle/>
           <a:p>
             <a:r>
-              <a:rPr kumimoji="1" lang="ko-Kore-KR" altLang="en-US" dirty="0"/>
+              <a:rPr kumimoji="1" lang="x-none" altLang="en-US" dirty="0"/>
               <a:t>메인</a:t>
             </a:r>
           </a:p>
@@ -3551,7 +3575,7 @@
           <p:cNvPr id="18" name="그림 17">
             <a:extLst>
               <a:ext uri="{FF2B5EF4-FFF2-40B4-BE49-F238E27FC236}">
-                <a16:creationId xmlns:a16="http://schemas.microsoft.com/office/drawing/2014/main" id="{98CD9487-DFC8-CB06-927F-296E7E9716B5}"/>
+                <a16:creationId xmlns:a16="http://schemas.microsoft.com/office/drawing/2014/main" xmlns="" id="{98CD9487-DFC8-CB06-927F-296E7E9716B5}"/>
               </a:ext>
             </a:extLst>
           </p:cNvPr>
@@ -3581,7 +3605,7 @@
           <p:cNvPr id="24" name="TextBox 23">
             <a:extLst>
               <a:ext uri="{FF2B5EF4-FFF2-40B4-BE49-F238E27FC236}">
-                <a16:creationId xmlns:a16="http://schemas.microsoft.com/office/drawing/2014/main" id="{93EC1E2B-032E-52E4-AB6D-72B7296B655D}"/>
+                <a16:creationId xmlns:a16="http://schemas.microsoft.com/office/drawing/2014/main" xmlns="" id="{93EC1E2B-032E-52E4-AB6D-72B7296B655D}"/>
               </a:ext>
             </a:extLst>
           </p:cNvPr>
@@ -3605,10 +3629,10 @@
           <a:lstStyle/>
           <a:p>
             <a:r>
-              <a:rPr kumimoji="1" lang="en-US" altLang="ko-Kore-KR" sz="800" dirty="0"/>
+              <a:rPr kumimoji="1" lang="en-US" altLang="x-none" sz="800" dirty="0"/>
               <a:t>&lt;Main 1-1&gt;</a:t>
             </a:r>
-            <a:endParaRPr kumimoji="1" lang="ko-Kore-KR" altLang="en-US" sz="800" dirty="0"/>
+            <a:endParaRPr kumimoji="1" lang="x-none" altLang="en-US" sz="800" dirty="0"/>
           </a:p>
         </p:txBody>
       </p:sp>
@@ -3617,7 +3641,7 @@
           <p:cNvPr id="25" name="TextBox 24">
             <a:extLst>
               <a:ext uri="{FF2B5EF4-FFF2-40B4-BE49-F238E27FC236}">
-                <a16:creationId xmlns:a16="http://schemas.microsoft.com/office/drawing/2014/main" id="{C00FF013-1233-480E-CFF2-5A122F174A28}"/>
+                <a16:creationId xmlns:a16="http://schemas.microsoft.com/office/drawing/2014/main" xmlns="" id="{C00FF013-1233-480E-CFF2-5A122F174A28}"/>
               </a:ext>
             </a:extLst>
           </p:cNvPr>
@@ -3641,10 +3665,10 @@
           <a:lstStyle/>
           <a:p>
             <a:r>
-              <a:rPr kumimoji="1" lang="en-US" altLang="ko-Kore-KR" sz="800" dirty="0"/>
+              <a:rPr kumimoji="1" lang="en-US" altLang="x-none" sz="800" dirty="0"/>
               <a:t>&lt;Main 1-2&gt;</a:t>
             </a:r>
-            <a:endParaRPr kumimoji="1" lang="ko-Kore-KR" altLang="en-US" sz="800" dirty="0"/>
+            <a:endParaRPr kumimoji="1" lang="x-none" altLang="en-US" sz="800" dirty="0"/>
           </a:p>
         </p:txBody>
       </p:sp>
@@ -3653,7 +3677,7 @@
           <p:cNvPr id="26" name="TextBox 25">
             <a:extLst>
               <a:ext uri="{FF2B5EF4-FFF2-40B4-BE49-F238E27FC236}">
-                <a16:creationId xmlns:a16="http://schemas.microsoft.com/office/drawing/2014/main" id="{9F81D52C-B8E1-8B94-41CA-207330240D3D}"/>
+                <a16:creationId xmlns:a16="http://schemas.microsoft.com/office/drawing/2014/main" xmlns="" id="{9F81D52C-B8E1-8B94-41CA-207330240D3D}"/>
               </a:ext>
             </a:extLst>
           </p:cNvPr>
@@ -3677,14 +3701,14 @@
           <a:lstStyle/>
           <a:p>
             <a:r>
-              <a:rPr kumimoji="1" lang="en-US" altLang="ko-Kore-KR" sz="800" dirty="0">
+              <a:rPr kumimoji="1" lang="en-US" altLang="x-none" sz="800" dirty="0">
                 <a:solidFill>
                   <a:srgbClr val="FF0000"/>
                 </a:solidFill>
               </a:rPr>
               <a:t>(1)</a:t>
             </a:r>
-            <a:endParaRPr kumimoji="1" lang="ko-Kore-KR" altLang="en-US" sz="800" dirty="0">
+            <a:endParaRPr kumimoji="1" lang="x-none" altLang="en-US" sz="800" dirty="0">
               <a:solidFill>
                 <a:srgbClr val="FF0000"/>
               </a:solidFill>
@@ -3697,7 +3721,7 @@
           <p:cNvPr id="27" name="TextBox 26">
             <a:extLst>
               <a:ext uri="{FF2B5EF4-FFF2-40B4-BE49-F238E27FC236}">
-                <a16:creationId xmlns:a16="http://schemas.microsoft.com/office/drawing/2014/main" id="{48DF79E3-52BE-9F93-5383-16873F77AFCF}"/>
+                <a16:creationId xmlns:a16="http://schemas.microsoft.com/office/drawing/2014/main" xmlns="" id="{48DF79E3-52BE-9F93-5383-16873F77AFCF}"/>
               </a:ext>
             </a:extLst>
           </p:cNvPr>
@@ -3721,14 +3745,14 @@
           <a:lstStyle/>
           <a:p>
             <a:r>
-              <a:rPr kumimoji="1" lang="en-US" altLang="ko-Kore-KR" sz="800" dirty="0">
+              <a:rPr kumimoji="1" lang="en-US" altLang="x-none" sz="800" dirty="0">
                 <a:solidFill>
                   <a:srgbClr val="FF0000"/>
                 </a:solidFill>
               </a:rPr>
               <a:t>(2)</a:t>
             </a:r>
-            <a:endParaRPr kumimoji="1" lang="ko-Kore-KR" altLang="en-US" sz="800" dirty="0">
+            <a:endParaRPr kumimoji="1" lang="x-none" altLang="en-US" sz="800" dirty="0">
               <a:solidFill>
                 <a:srgbClr val="FF0000"/>
               </a:solidFill>
@@ -3741,7 +3765,7 @@
           <p:cNvPr id="28" name="TextBox 27">
             <a:extLst>
               <a:ext uri="{FF2B5EF4-FFF2-40B4-BE49-F238E27FC236}">
-                <a16:creationId xmlns:a16="http://schemas.microsoft.com/office/drawing/2014/main" id="{065A8528-6099-D30F-FC87-F81F98B68C90}"/>
+                <a16:creationId xmlns:a16="http://schemas.microsoft.com/office/drawing/2014/main" xmlns="" id="{065A8528-6099-D30F-FC87-F81F98B68C90}"/>
               </a:ext>
             </a:extLst>
           </p:cNvPr>
@@ -3765,14 +3789,14 @@
           <a:lstStyle/>
           <a:p>
             <a:r>
-              <a:rPr kumimoji="1" lang="en-US" altLang="ko-Kore-KR" sz="800" dirty="0">
+              <a:rPr kumimoji="1" lang="en-US" altLang="x-none" sz="800" dirty="0">
                 <a:solidFill>
                   <a:srgbClr val="FF0000"/>
                 </a:solidFill>
               </a:rPr>
               <a:t>(3)</a:t>
             </a:r>
-            <a:endParaRPr kumimoji="1" lang="ko-Kore-KR" altLang="en-US" sz="800" dirty="0">
+            <a:endParaRPr kumimoji="1" lang="x-none" altLang="en-US" sz="800" dirty="0">
               <a:solidFill>
                 <a:srgbClr val="FF0000"/>
               </a:solidFill>
@@ -3785,7 +3809,7 @@
           <p:cNvPr id="29" name="직사각형 28">
             <a:extLst>
               <a:ext uri="{FF2B5EF4-FFF2-40B4-BE49-F238E27FC236}">
-                <a16:creationId xmlns:a16="http://schemas.microsoft.com/office/drawing/2014/main" id="{84EF89B3-E3E4-21F2-84A7-7308023811D3}"/>
+                <a16:creationId xmlns:a16="http://schemas.microsoft.com/office/drawing/2014/main" xmlns="" id="{84EF89B3-E3E4-21F2-84A7-7308023811D3}"/>
               </a:ext>
             </a:extLst>
           </p:cNvPr>
@@ -3828,7 +3852,7 @@
           <a:lstStyle/>
           <a:p>
             <a:pPr algn="ctr"/>
-            <a:endParaRPr kumimoji="1" lang="ko-Kore-KR" altLang="en-US"/>
+            <a:endParaRPr kumimoji="1" lang="x-none" altLang="en-US"/>
           </a:p>
         </p:txBody>
       </p:sp>
@@ -3837,7 +3861,7 @@
           <p:cNvPr id="30" name="TextBox 29">
             <a:extLst>
               <a:ext uri="{FF2B5EF4-FFF2-40B4-BE49-F238E27FC236}">
-                <a16:creationId xmlns:a16="http://schemas.microsoft.com/office/drawing/2014/main" id="{724400BA-80D3-D83B-35EE-B202C76D0B81}"/>
+                <a16:creationId xmlns:a16="http://schemas.microsoft.com/office/drawing/2014/main" xmlns="" id="{724400BA-80D3-D83B-35EE-B202C76D0B81}"/>
               </a:ext>
             </a:extLst>
           </p:cNvPr>
@@ -3861,14 +3885,14 @@
           <a:lstStyle/>
           <a:p>
             <a:r>
-              <a:rPr kumimoji="1" lang="en-US" altLang="ko-Kore-KR" sz="800" dirty="0">
+              <a:rPr kumimoji="1" lang="en-US" altLang="x-none" sz="800" dirty="0">
                 <a:solidFill>
                   <a:srgbClr val="FF0000"/>
                 </a:solidFill>
               </a:rPr>
               <a:t>(4)</a:t>
             </a:r>
-            <a:endParaRPr kumimoji="1" lang="ko-Kore-KR" altLang="en-US" sz="800" dirty="0">
+            <a:endParaRPr kumimoji="1" lang="x-none" altLang="en-US" sz="800" dirty="0">
               <a:solidFill>
                 <a:srgbClr val="FF0000"/>
               </a:solidFill>
@@ -3881,7 +3905,7 @@
           <p:cNvPr id="31" name="TextBox 30">
             <a:extLst>
               <a:ext uri="{FF2B5EF4-FFF2-40B4-BE49-F238E27FC236}">
-                <a16:creationId xmlns:a16="http://schemas.microsoft.com/office/drawing/2014/main" id="{E3FFA1D9-BC8C-59A7-4BCB-208257E0C392}"/>
+                <a16:creationId xmlns:a16="http://schemas.microsoft.com/office/drawing/2014/main" xmlns="" id="{E3FFA1D9-BC8C-59A7-4BCB-208257E0C392}"/>
               </a:ext>
             </a:extLst>
           </p:cNvPr>
@@ -3905,14 +3929,14 @@
           <a:lstStyle/>
           <a:p>
             <a:r>
-              <a:rPr kumimoji="1" lang="en-US" altLang="ko-Kore-KR" sz="800" b="1" dirty="0">
+              <a:rPr kumimoji="1" lang="en-US" altLang="x-none" sz="800" b="1" dirty="0">
                 <a:solidFill>
                   <a:srgbClr val="FF0000"/>
                 </a:solidFill>
               </a:rPr>
               <a:t>(5)</a:t>
             </a:r>
-            <a:endParaRPr kumimoji="1" lang="ko-Kore-KR" altLang="en-US" sz="800" b="1" dirty="0">
+            <a:endParaRPr kumimoji="1" lang="x-none" altLang="en-US" sz="800" b="1" dirty="0">
               <a:solidFill>
                 <a:srgbClr val="FF0000"/>
               </a:solidFill>
@@ -3925,7 +3949,7 @@
           <p:cNvPr id="32" name="TextBox 31">
             <a:extLst>
               <a:ext uri="{FF2B5EF4-FFF2-40B4-BE49-F238E27FC236}">
-                <a16:creationId xmlns:a16="http://schemas.microsoft.com/office/drawing/2014/main" id="{9FE834AD-C1E9-2D66-D0A9-793486F6C7FC}"/>
+                <a16:creationId xmlns:a16="http://schemas.microsoft.com/office/drawing/2014/main" xmlns="" id="{9FE834AD-C1E9-2D66-D0A9-793486F6C7FC}"/>
               </a:ext>
             </a:extLst>
           </p:cNvPr>
@@ -3949,14 +3973,14 @@
           <a:lstStyle/>
           <a:p>
             <a:r>
-              <a:rPr kumimoji="1" lang="en-US" altLang="ko-Kore-KR" sz="800" b="1" dirty="0">
+              <a:rPr kumimoji="1" lang="en-US" altLang="x-none" sz="800" b="1" dirty="0">
                 <a:solidFill>
                   <a:srgbClr val="FF0000"/>
                 </a:solidFill>
               </a:rPr>
               <a:t>(6)</a:t>
             </a:r>
-            <a:endParaRPr kumimoji="1" lang="ko-Kore-KR" altLang="en-US" sz="800" b="1" dirty="0">
+            <a:endParaRPr kumimoji="1" lang="x-none" altLang="en-US" sz="800" b="1" dirty="0">
               <a:solidFill>
                 <a:srgbClr val="FF0000"/>
               </a:solidFill>
@@ -3969,7 +3993,7 @@
           <p:cNvPr id="33" name="TextBox 32">
             <a:extLst>
               <a:ext uri="{FF2B5EF4-FFF2-40B4-BE49-F238E27FC236}">
-                <a16:creationId xmlns:a16="http://schemas.microsoft.com/office/drawing/2014/main" id="{76457438-A249-3824-7C69-E708127A706F}"/>
+                <a16:creationId xmlns:a16="http://schemas.microsoft.com/office/drawing/2014/main" xmlns="" id="{76457438-A249-3824-7C69-E708127A706F}"/>
               </a:ext>
             </a:extLst>
           </p:cNvPr>
@@ -3993,14 +4017,14 @@
           <a:lstStyle/>
           <a:p>
             <a:r>
-              <a:rPr kumimoji="1" lang="en-US" altLang="ko-Kore-KR" sz="800" b="1" dirty="0">
+              <a:rPr kumimoji="1" lang="en-US" altLang="x-none" sz="800" b="1" dirty="0">
                 <a:solidFill>
                   <a:srgbClr val="FF0000"/>
                 </a:solidFill>
               </a:rPr>
               <a:t>(7)</a:t>
             </a:r>
-            <a:endParaRPr kumimoji="1" lang="ko-Kore-KR" altLang="en-US" sz="800" b="1" dirty="0">
+            <a:endParaRPr kumimoji="1" lang="x-none" altLang="en-US" sz="800" b="1" dirty="0">
               <a:solidFill>
                 <a:srgbClr val="FF0000"/>
               </a:solidFill>
@@ -4013,7 +4037,7 @@
           <p:cNvPr id="34" name="TextBox 33">
             <a:extLst>
               <a:ext uri="{FF2B5EF4-FFF2-40B4-BE49-F238E27FC236}">
-                <a16:creationId xmlns:a16="http://schemas.microsoft.com/office/drawing/2014/main" id="{5D9B35BA-292E-9817-D1A5-EE5B67E82DB3}"/>
+                <a16:creationId xmlns:a16="http://schemas.microsoft.com/office/drawing/2014/main" xmlns="" id="{5D9B35BA-292E-9817-D1A5-EE5B67E82DB3}"/>
               </a:ext>
             </a:extLst>
           </p:cNvPr>
@@ -4037,14 +4061,14 @@
           <a:lstStyle/>
           <a:p>
             <a:r>
-              <a:rPr kumimoji="1" lang="en-US" altLang="ko-Kore-KR" sz="800" dirty="0">
+              <a:rPr kumimoji="1" lang="en-US" altLang="x-none" sz="800" dirty="0">
                 <a:solidFill>
                   <a:srgbClr val="FF0000"/>
                 </a:solidFill>
               </a:rPr>
               <a:t>(1)</a:t>
             </a:r>
-            <a:endParaRPr kumimoji="1" lang="ko-Kore-KR" altLang="en-US" sz="800" dirty="0">
+            <a:endParaRPr kumimoji="1" lang="x-none" altLang="en-US" sz="800" dirty="0">
               <a:solidFill>
                 <a:srgbClr val="FF0000"/>
               </a:solidFill>
@@ -4057,7 +4081,7 @@
           <p:cNvPr id="35" name="표 34">
             <a:extLst>
               <a:ext uri="{FF2B5EF4-FFF2-40B4-BE49-F238E27FC236}">
-                <a16:creationId xmlns:a16="http://schemas.microsoft.com/office/drawing/2014/main" id="{DB5850CB-5034-6553-14DD-968D663E5DC3}"/>
+                <a16:creationId xmlns:a16="http://schemas.microsoft.com/office/drawing/2014/main" xmlns="" id="{DB5850CB-5034-6553-14DD-968D663E5DC3}"/>
               </a:ext>
             </a:extLst>
           </p:cNvPr>
@@ -4067,7 +4091,7 @@
           <p:nvPr>
             <p:extLst>
               <p:ext uri="{D42A27DB-BD31-4B8C-83A1-F6EECF244321}">
-                <p14:modId xmlns:p14="http://schemas.microsoft.com/office/powerpoint/2010/main" val="4122457926"/>
+                <p14:modId xmlns:p14="http://schemas.microsoft.com/office/powerpoint/2010/main" xmlns="" val="4122457926"/>
               </p:ext>
             </p:extLst>
           </p:nvPr>
@@ -4086,14 +4110,14 @@
                 <a:gridCol w="933085">
                   <a:extLst>
                     <a:ext uri="{9D8B030D-6E8A-4147-A177-3AD203B41FA5}">
-                      <a16:colId xmlns:a16="http://schemas.microsoft.com/office/drawing/2014/main" val="1620488559"/>
+                      <a16:colId xmlns:a16="http://schemas.microsoft.com/office/drawing/2014/main" xmlns="" val="1620488559"/>
                     </a:ext>
                   </a:extLst>
                 </a:gridCol>
                 <a:gridCol w="2902934">
                   <a:extLst>
                     <a:ext uri="{9D8B030D-6E8A-4147-A177-3AD203B41FA5}">
-                      <a16:colId xmlns:a16="http://schemas.microsoft.com/office/drawing/2014/main" val="1012869961"/>
+                      <a16:colId xmlns:a16="http://schemas.microsoft.com/office/drawing/2014/main" xmlns="" val="1012869961"/>
                     </a:ext>
                   </a:extLst>
                 </a:gridCol>
@@ -4105,27 +4129,27 @@
                     <a:lstStyle/>
                     <a:p>
                       <a:r>
-                        <a:rPr kumimoji="1" lang="en-US" altLang="ko-Kore-KR" sz="800" b="0" dirty="0"/>
+                        <a:rPr kumimoji="1" lang="en-US" altLang="x-none" sz="800" b="0" dirty="0"/>
                         <a:t>Main 1-1</a:t>
                       </a:r>
-                      <a:endParaRPr lang="ko-Kore-KR" altLang="en-US" sz="800" b="0" dirty="0"/>
-                    </a:p>
-                  </a:txBody>
-                  <a:tcPr/>
-                </a:tc>
-                <a:tc>
-                  <a:txBody>
-                    <a:bodyPr/>
-                    <a:lstStyle/>
-                    <a:p>
-                      <a:endParaRPr lang="ko-Kore-KR" altLang="en-US" sz="800" b="0"/>
+                      <a:endParaRPr lang="x-none" altLang="en-US" sz="800" b="0" dirty="0"/>
+                    </a:p>
+                  </a:txBody>
+                  <a:tcPr/>
+                </a:tc>
+                <a:tc>
+                  <a:txBody>
+                    <a:bodyPr/>
+                    <a:lstStyle/>
+                    <a:p>
+                      <a:endParaRPr lang="x-none" altLang="en-US" sz="800" b="0"/>
                     </a:p>
                   </a:txBody>
                   <a:tcPr/>
                 </a:tc>
                 <a:extLst>
                   <a:ext uri="{0D108BD9-81ED-4DB2-BD59-A6C34878D82A}">
-                    <a16:rowId xmlns:a16="http://schemas.microsoft.com/office/drawing/2014/main" val="302975823"/>
+                    <a16:rowId xmlns:a16="http://schemas.microsoft.com/office/drawing/2014/main" xmlns="" val="302975823"/>
                   </a:ext>
                 </a:extLst>
               </a:tr>
@@ -4136,21 +4160,21 @@
                     <a:lstStyle/>
                     <a:p>
                       <a:r>
-                        <a:rPr lang="en-US" altLang="ko-Kore-KR" sz="800" b="0" dirty="0"/>
+                        <a:rPr lang="en-US" altLang="x-none" sz="800" b="0" dirty="0"/>
                         <a:t>(1)</a:t>
                       </a:r>
-                      <a:endParaRPr lang="ko-Kore-KR" altLang="en-US" sz="800" b="0" dirty="0"/>
-                    </a:p>
-                  </a:txBody>
-                  <a:tcPr/>
-                </a:tc>
-                <a:tc>
-                  <a:txBody>
-                    <a:bodyPr/>
-                    <a:lstStyle/>
-                    <a:p>
-                      <a:r>
-                        <a:rPr lang="en-US" altLang="ko-Kore-KR" sz="800" b="0" dirty="0"/>
+                      <a:endParaRPr lang="x-none" altLang="en-US" sz="800" b="0" dirty="0"/>
+                    </a:p>
+                  </a:txBody>
+                  <a:tcPr/>
+                </a:tc>
+                <a:tc>
+                  <a:txBody>
+                    <a:bodyPr/>
+                    <a:lstStyle/>
+                    <a:p>
+                      <a:r>
+                        <a:rPr lang="en-US" altLang="x-none" sz="800" b="0" dirty="0"/>
                         <a:t>&lt;</a:t>
                       </a:r>
                       <a:r>
@@ -4165,14 +4189,14 @@
                         <a:rPr lang="ko-KR" altLang="en-US" sz="800" b="0" dirty="0"/>
                         <a:t> 페이지로 이동 버튼</a:t>
                       </a:r>
-                      <a:endParaRPr lang="ko-Kore-KR" altLang="en-US" sz="800" b="0" dirty="0"/>
+                      <a:endParaRPr lang="x-none" altLang="en-US" sz="800" b="0" dirty="0"/>
                     </a:p>
                   </a:txBody>
                   <a:tcPr/>
                 </a:tc>
                 <a:extLst>
                   <a:ext uri="{0D108BD9-81ED-4DB2-BD59-A6C34878D82A}">
-                    <a16:rowId xmlns:a16="http://schemas.microsoft.com/office/drawing/2014/main" val="2326918455"/>
+                    <a16:rowId xmlns:a16="http://schemas.microsoft.com/office/drawing/2014/main" xmlns="" val="2326918455"/>
                   </a:ext>
                 </a:extLst>
               </a:tr>
@@ -4183,25 +4207,25 @@
                     <a:lstStyle/>
                     <a:p>
                       <a:r>
-                        <a:rPr lang="en-US" altLang="ko-Kore-KR" sz="800" b="0" dirty="0"/>
+                        <a:rPr lang="en-US" altLang="x-none" sz="800" b="0" dirty="0"/>
                         <a:t>(</a:t>
                       </a:r>
                       <a:r>
                         <a:rPr lang="en-US" altLang="ko-KR" sz="800" b="0" dirty="0"/>
                         <a:t>2)</a:t>
                       </a:r>
-                      <a:endParaRPr lang="ko-Kore-KR" altLang="en-US" sz="800" b="0" dirty="0"/>
-                    </a:p>
-                  </a:txBody>
-                  <a:tcPr/>
-                </a:tc>
-                <a:tc>
-                  <a:txBody>
-                    <a:bodyPr/>
-                    <a:lstStyle/>
-                    <a:p>
-                      <a:r>
-                        <a:rPr lang="ko-Kore-KR" altLang="en-US" sz="800" b="0" dirty="0"/>
+                      <a:endParaRPr lang="x-none" altLang="en-US" sz="800" b="0" dirty="0"/>
+                    </a:p>
+                  </a:txBody>
+                  <a:tcPr/>
+                </a:tc>
+                <a:tc>
+                  <a:txBody>
+                    <a:bodyPr/>
+                    <a:lstStyle/>
+                    <a:p>
+                      <a:r>
+                        <a:rPr lang="x-none" altLang="en-US" sz="800" b="0" dirty="0"/>
                         <a:t>카테고리</a:t>
                       </a:r>
                       <a:r>
@@ -4227,14 +4251,14 @@
                         <a:rPr lang="en-US" altLang="ko-KR" sz="800" b="0" dirty="0"/>
                         <a:t>.</a:t>
                       </a:r>
-                      <a:endParaRPr lang="ko-Kore-KR" altLang="en-US" sz="800" b="0" dirty="0"/>
+                      <a:endParaRPr lang="x-none" altLang="en-US" sz="800" b="0" dirty="0"/>
                     </a:p>
                   </a:txBody>
                   <a:tcPr/>
                 </a:tc>
                 <a:extLst>
                   <a:ext uri="{0D108BD9-81ED-4DB2-BD59-A6C34878D82A}">
-                    <a16:rowId xmlns:a16="http://schemas.microsoft.com/office/drawing/2014/main" val="3257335175"/>
+                    <a16:rowId xmlns:a16="http://schemas.microsoft.com/office/drawing/2014/main" xmlns="" val="3257335175"/>
                   </a:ext>
                 </a:extLst>
               </a:tr>
@@ -4245,25 +4269,25 @@
                     <a:lstStyle/>
                     <a:p>
                       <a:r>
-                        <a:rPr lang="en-US" altLang="ko-Kore-KR" sz="800" b="0" dirty="0"/>
+                        <a:rPr lang="en-US" altLang="x-none" sz="800" b="0" dirty="0"/>
                         <a:t>(</a:t>
                       </a:r>
                       <a:r>
                         <a:rPr lang="en-US" altLang="ko-KR" sz="800" b="0" dirty="0"/>
                         <a:t>3)</a:t>
                       </a:r>
-                      <a:endParaRPr lang="ko-Kore-KR" altLang="en-US" sz="800" b="0" dirty="0"/>
-                    </a:p>
-                  </a:txBody>
-                  <a:tcPr/>
-                </a:tc>
-                <a:tc>
-                  <a:txBody>
-                    <a:bodyPr/>
-                    <a:lstStyle/>
-                    <a:p>
-                      <a:r>
-                        <a:rPr lang="ko-Kore-KR" altLang="en-US" sz="800" b="0" dirty="0"/>
+                      <a:endParaRPr lang="x-none" altLang="en-US" sz="800" b="0" dirty="0"/>
+                    </a:p>
+                  </a:txBody>
+                  <a:tcPr/>
+                </a:tc>
+                <a:tc>
+                  <a:txBody>
+                    <a:bodyPr/>
+                    <a:lstStyle/>
+                    <a:p>
+                      <a:r>
+                        <a:rPr lang="x-none" altLang="en-US" sz="800" b="0" dirty="0"/>
                         <a:t>각</a:t>
                       </a:r>
                       <a:r>
@@ -4281,14 +4305,14 @@
                         <a:rPr lang="en-US" altLang="ko-KR" sz="800" b="0" dirty="0"/>
                         <a:t>.</a:t>
                       </a:r>
-                      <a:endParaRPr lang="ko-Kore-KR" altLang="en-US" sz="800" b="0" dirty="0"/>
+                      <a:endParaRPr lang="x-none" altLang="en-US" sz="800" b="0" dirty="0"/>
                     </a:p>
                   </a:txBody>
                   <a:tcPr/>
                 </a:tc>
                 <a:extLst>
                   <a:ext uri="{0D108BD9-81ED-4DB2-BD59-A6C34878D82A}">
-                    <a16:rowId xmlns:a16="http://schemas.microsoft.com/office/drawing/2014/main" val="928429091"/>
+                    <a16:rowId xmlns:a16="http://schemas.microsoft.com/office/drawing/2014/main" xmlns="" val="928429091"/>
                   </a:ext>
                 </a:extLst>
               </a:tr>
@@ -4299,25 +4323,25 @@
                     <a:lstStyle/>
                     <a:p>
                       <a:r>
-                        <a:rPr lang="en-US" altLang="ko-Kore-KR" sz="800" b="0" dirty="0"/>
+                        <a:rPr lang="en-US" altLang="x-none" sz="800" b="0" dirty="0"/>
                         <a:t>(</a:t>
                       </a:r>
                       <a:r>
                         <a:rPr lang="en-US" altLang="ko-KR" sz="800" b="0" dirty="0"/>
                         <a:t>4)</a:t>
                       </a:r>
-                      <a:endParaRPr lang="ko-Kore-KR" altLang="en-US" sz="800" b="0" dirty="0"/>
-                    </a:p>
-                  </a:txBody>
-                  <a:tcPr/>
-                </a:tc>
-                <a:tc>
-                  <a:txBody>
-                    <a:bodyPr/>
-                    <a:lstStyle/>
-                    <a:p>
-                      <a:r>
-                        <a:rPr lang="ko-Kore-KR" altLang="en-US" sz="800" b="0" dirty="0"/>
+                      <a:endParaRPr lang="x-none" altLang="en-US" sz="800" b="0" dirty="0"/>
+                    </a:p>
+                  </a:txBody>
+                  <a:tcPr/>
+                </a:tc>
+                <a:tc>
+                  <a:txBody>
+                    <a:bodyPr/>
+                    <a:lstStyle/>
+                    <a:p>
+                      <a:r>
+                        <a:rPr lang="x-none" altLang="en-US" sz="800" b="0" dirty="0"/>
                         <a:t>전화연결</a:t>
                       </a:r>
                       <a:r>
@@ -4336,14 +4360,14 @@
                         <a:rPr lang="en-US" altLang="ko-KR" sz="800" b="0" dirty="0"/>
                         <a:t>)</a:t>
                       </a:r>
-                      <a:endParaRPr lang="ko-Kore-KR" altLang="en-US" sz="800" b="0" dirty="0"/>
+                      <a:endParaRPr lang="x-none" altLang="en-US" sz="800" b="0" dirty="0"/>
                     </a:p>
                   </a:txBody>
                   <a:tcPr/>
                 </a:tc>
                 <a:extLst>
                   <a:ext uri="{0D108BD9-81ED-4DB2-BD59-A6C34878D82A}">
-                    <a16:rowId xmlns:a16="http://schemas.microsoft.com/office/drawing/2014/main" val="1618524605"/>
+                    <a16:rowId xmlns:a16="http://schemas.microsoft.com/office/drawing/2014/main" xmlns="" val="1618524605"/>
                   </a:ext>
                 </a:extLst>
               </a:tr>
@@ -4354,25 +4378,25 @@
                     <a:lstStyle/>
                     <a:p>
                       <a:r>
-                        <a:rPr lang="en-US" altLang="ko-Kore-KR" sz="800" b="0" dirty="0"/>
+                        <a:rPr lang="en-US" altLang="x-none" sz="800" b="0" dirty="0"/>
                         <a:t>(</a:t>
                       </a:r>
                       <a:r>
                         <a:rPr lang="en-US" altLang="ko-KR" sz="800" b="0" dirty="0"/>
                         <a:t>5)</a:t>
                       </a:r>
-                      <a:endParaRPr lang="ko-Kore-KR" altLang="en-US" sz="800" b="0" dirty="0"/>
-                    </a:p>
-                  </a:txBody>
-                  <a:tcPr/>
-                </a:tc>
-                <a:tc>
-                  <a:txBody>
-                    <a:bodyPr/>
-                    <a:lstStyle/>
-                    <a:p>
-                      <a:r>
-                        <a:rPr lang="en-US" altLang="ko-Kore-KR" sz="800" b="0" dirty="0"/>
+                      <a:endParaRPr lang="x-none" altLang="en-US" sz="800" b="0" dirty="0"/>
+                    </a:p>
+                  </a:txBody>
+                  <a:tcPr/>
+                </a:tc>
+                <a:tc>
+                  <a:txBody>
+                    <a:bodyPr/>
+                    <a:lstStyle/>
+                    <a:p>
+                      <a:r>
+                        <a:rPr lang="en-US" altLang="x-none" sz="800" b="0" dirty="0"/>
                         <a:t>&lt;</a:t>
                       </a:r>
                       <a:r>
@@ -4387,14 +4411,14 @@
                         <a:rPr lang="ko-KR" altLang="en-US" sz="800" b="0" dirty="0"/>
                         <a:t> 페이지로 이동 버튼</a:t>
                       </a:r>
-                      <a:endParaRPr lang="ko-Kore-KR" altLang="en-US" sz="800" b="0" dirty="0"/>
+                      <a:endParaRPr lang="x-none" altLang="en-US" sz="800" b="0" dirty="0"/>
                     </a:p>
                   </a:txBody>
                   <a:tcPr/>
                 </a:tc>
                 <a:extLst>
                   <a:ext uri="{0D108BD9-81ED-4DB2-BD59-A6C34878D82A}">
-                    <a16:rowId xmlns:a16="http://schemas.microsoft.com/office/drawing/2014/main" val="1068815975"/>
+                    <a16:rowId xmlns:a16="http://schemas.microsoft.com/office/drawing/2014/main" xmlns="" val="1068815975"/>
                   </a:ext>
                 </a:extLst>
               </a:tr>
@@ -4405,14 +4429,14 @@
                     <a:lstStyle/>
                     <a:p>
                       <a:r>
-                        <a:rPr lang="en-US" altLang="ko-Kore-KR" sz="800" b="0" dirty="0"/>
+                        <a:rPr lang="en-US" altLang="x-none" sz="800" b="0" dirty="0"/>
                         <a:t>(</a:t>
                       </a:r>
                       <a:r>
                         <a:rPr lang="en-US" altLang="ko-KR" sz="800" b="0" dirty="0"/>
                         <a:t>6)</a:t>
                       </a:r>
-                      <a:endParaRPr lang="ko-Kore-KR" altLang="en-US" sz="800" b="0" dirty="0"/>
+                      <a:endParaRPr lang="x-none" altLang="en-US" sz="800" b="0" dirty="0"/>
                     </a:p>
                   </a:txBody>
                   <a:tcPr/>
@@ -4427,7 +4451,7 @@
                         <a:t>“</a:t>
                       </a:r>
                       <a:r>
-                        <a:rPr lang="ko-Kore-KR" altLang="en-US" sz="800" b="0" dirty="0"/>
+                        <a:rPr lang="x-none" altLang="en-US" sz="800" b="0" dirty="0"/>
                         <a:t>차부바</a:t>
                       </a:r>
                       <a:r>
@@ -4461,14 +4485,14 @@
                         <a:rPr lang="en-US" altLang="ko-KR" sz="800" b="0" dirty="0"/>
                         <a:t>.</a:t>
                       </a:r>
-                      <a:endParaRPr lang="ko-Kore-KR" altLang="en-US" sz="800" b="0" dirty="0"/>
+                      <a:endParaRPr lang="x-none" altLang="en-US" sz="800" b="0" dirty="0"/>
                     </a:p>
                   </a:txBody>
                   <a:tcPr/>
                 </a:tc>
                 <a:extLst>
                   <a:ext uri="{0D108BD9-81ED-4DB2-BD59-A6C34878D82A}">
-                    <a16:rowId xmlns:a16="http://schemas.microsoft.com/office/drawing/2014/main" val="1264632727"/>
+                    <a16:rowId xmlns:a16="http://schemas.microsoft.com/office/drawing/2014/main" xmlns="" val="1264632727"/>
                   </a:ext>
                 </a:extLst>
               </a:tr>
@@ -4479,25 +4503,25 @@
                     <a:lstStyle/>
                     <a:p>
                       <a:r>
-                        <a:rPr lang="en-US" altLang="ko-Kore-KR" sz="800" b="0" dirty="0"/>
+                        <a:rPr lang="en-US" altLang="x-none" sz="800" b="0" dirty="0"/>
                         <a:t>(</a:t>
                       </a:r>
                       <a:r>
                         <a:rPr lang="en-US" altLang="ko-KR" sz="800" b="0" dirty="0"/>
                         <a:t>7)</a:t>
                       </a:r>
-                      <a:endParaRPr lang="ko-Kore-KR" altLang="en-US" sz="800" b="0" dirty="0"/>
-                    </a:p>
-                  </a:txBody>
-                  <a:tcPr/>
-                </a:tc>
-                <a:tc>
-                  <a:txBody>
-                    <a:bodyPr/>
-                    <a:lstStyle/>
-                    <a:p>
-                      <a:r>
-                        <a:rPr lang="ko-Kore-KR" altLang="en-US" sz="800" b="0" dirty="0"/>
+                      <a:endParaRPr lang="x-none" altLang="en-US" sz="800" b="0" dirty="0"/>
+                    </a:p>
+                  </a:txBody>
+                  <a:tcPr/>
+                </a:tc>
+                <a:tc>
+                  <a:txBody>
+                    <a:bodyPr/>
+                    <a:lstStyle/>
+                    <a:p>
+                      <a:r>
+                        <a:rPr lang="x-none" altLang="en-US" sz="800" b="0" dirty="0"/>
                         <a:t>종</a:t>
                       </a:r>
                       <a:r>
@@ -4532,14 +4556,14 @@
                         <a:rPr lang="en-US" altLang="ko-KR" sz="800" b="0" dirty="0"/>
                         <a:t>.</a:t>
                       </a:r>
-                      <a:endParaRPr lang="ko-Kore-KR" altLang="en-US" sz="800" b="0" dirty="0"/>
+                      <a:endParaRPr lang="x-none" altLang="en-US" sz="800" b="0" dirty="0"/>
                     </a:p>
                   </a:txBody>
                   <a:tcPr/>
                 </a:tc>
                 <a:extLst>
                   <a:ext uri="{0D108BD9-81ED-4DB2-BD59-A6C34878D82A}">
-                    <a16:rowId xmlns:a16="http://schemas.microsoft.com/office/drawing/2014/main" val="2013989199"/>
+                    <a16:rowId xmlns:a16="http://schemas.microsoft.com/office/drawing/2014/main" xmlns="" val="2013989199"/>
                   </a:ext>
                 </a:extLst>
               </a:tr>
@@ -4550,27 +4574,27 @@
                     <a:lstStyle/>
                     <a:p>
                       <a:r>
-                        <a:rPr lang="en-US" altLang="ko-Kore-KR" sz="800" b="0" dirty="0"/>
+                        <a:rPr lang="en-US" altLang="x-none" sz="800" b="0" dirty="0"/>
                         <a:t>Main 1-2</a:t>
                       </a:r>
-                      <a:endParaRPr lang="ko-Kore-KR" altLang="en-US" sz="800" b="0" dirty="0"/>
-                    </a:p>
-                  </a:txBody>
-                  <a:tcPr/>
-                </a:tc>
-                <a:tc>
-                  <a:txBody>
-                    <a:bodyPr/>
-                    <a:lstStyle/>
-                    <a:p>
-                      <a:endParaRPr lang="ko-Kore-KR" altLang="en-US" sz="800" b="0" dirty="0"/>
+                      <a:endParaRPr lang="x-none" altLang="en-US" sz="800" b="0" dirty="0"/>
+                    </a:p>
+                  </a:txBody>
+                  <a:tcPr/>
+                </a:tc>
+                <a:tc>
+                  <a:txBody>
+                    <a:bodyPr/>
+                    <a:lstStyle/>
+                    <a:p>
+                      <a:endParaRPr lang="x-none" altLang="en-US" sz="800" b="0" dirty="0"/>
                     </a:p>
                   </a:txBody>
                   <a:tcPr/>
                 </a:tc>
                 <a:extLst>
                   <a:ext uri="{0D108BD9-81ED-4DB2-BD59-A6C34878D82A}">
-                    <a16:rowId xmlns:a16="http://schemas.microsoft.com/office/drawing/2014/main" val="1796191776"/>
+                    <a16:rowId xmlns:a16="http://schemas.microsoft.com/office/drawing/2014/main" xmlns="" val="1796191776"/>
                   </a:ext>
                 </a:extLst>
               </a:tr>
@@ -4581,10 +4605,10 @@
                     <a:lstStyle/>
                     <a:p>
                       <a:r>
-                        <a:rPr lang="en-US" altLang="ko-Kore-KR" sz="800" b="0" dirty="0"/>
+                        <a:rPr lang="en-US" altLang="x-none" sz="800" b="0" dirty="0"/>
                         <a:t>(1)</a:t>
                       </a:r>
-                      <a:endParaRPr lang="ko-Kore-KR" altLang="en-US" sz="800" b="0" dirty="0"/>
+                      <a:endParaRPr lang="x-none" altLang="en-US" sz="800" b="0" dirty="0"/>
                     </a:p>
                   </a:txBody>
                   <a:tcPr/>
@@ -4608,7 +4632,7 @@
                 </a:tc>
                 <a:extLst>
                   <a:ext uri="{0D108BD9-81ED-4DB2-BD59-A6C34878D82A}">
-                    <a16:rowId xmlns:a16="http://schemas.microsoft.com/office/drawing/2014/main" val="1158962728"/>
+                    <a16:rowId xmlns:a16="http://schemas.microsoft.com/office/drawing/2014/main" xmlns="" val="1158962728"/>
                   </a:ext>
                 </a:extLst>
               </a:tr>
@@ -4619,14 +4643,14 @@
                     <a:lstStyle/>
                     <a:p>
                       <a:r>
-                        <a:rPr lang="en-US" altLang="ko-Kore-KR" sz="800" b="0" dirty="0"/>
+                        <a:rPr lang="en-US" altLang="x-none" sz="800" b="0" dirty="0"/>
                         <a:t>(</a:t>
                       </a:r>
                       <a:r>
                         <a:rPr lang="en-US" altLang="ko-KR" sz="800" b="0" dirty="0"/>
                         <a:t>2)</a:t>
                       </a:r>
-                      <a:endParaRPr lang="ko-Kore-KR" altLang="en-US" sz="800" b="0" dirty="0"/>
+                      <a:endParaRPr lang="x-none" altLang="en-US" sz="800" b="0" dirty="0"/>
                     </a:p>
                   </a:txBody>
                   <a:tcPr/>
@@ -4674,7 +4698,7 @@
                 </a:tc>
                 <a:extLst>
                   <a:ext uri="{0D108BD9-81ED-4DB2-BD59-A6C34878D82A}">
-                    <a16:rowId xmlns:a16="http://schemas.microsoft.com/office/drawing/2014/main" val="2681632718"/>
+                    <a16:rowId xmlns:a16="http://schemas.microsoft.com/office/drawing/2014/main" xmlns="" val="2681632718"/>
                   </a:ext>
                 </a:extLst>
               </a:tr>
@@ -4687,7 +4711,7 @@
           <p:cNvPr id="36" name="TextBox 35">
             <a:extLst>
               <a:ext uri="{FF2B5EF4-FFF2-40B4-BE49-F238E27FC236}">
-                <a16:creationId xmlns:a16="http://schemas.microsoft.com/office/drawing/2014/main" id="{3999E8A6-BF2B-0E7B-8106-2C6AFB6B18A1}"/>
+                <a16:creationId xmlns:a16="http://schemas.microsoft.com/office/drawing/2014/main" xmlns="" id="{3999E8A6-BF2B-0E7B-8106-2C6AFB6B18A1}"/>
               </a:ext>
             </a:extLst>
           </p:cNvPr>
@@ -4711,7 +4735,7 @@
           <a:lstStyle/>
           <a:p>
             <a:r>
-              <a:rPr kumimoji="1" lang="en-US" altLang="ko-Kore-KR" sz="800" dirty="0">
+              <a:rPr kumimoji="1" lang="en-US" altLang="x-none" sz="800" dirty="0">
                 <a:solidFill>
                   <a:srgbClr val="FF0000"/>
                 </a:solidFill>
@@ -4727,14 +4751,14 @@
               <a:t>2</a:t>
             </a:r>
             <a:r>
-              <a:rPr kumimoji="1" lang="en-US" altLang="ko-Kore-KR" sz="800" dirty="0">
+              <a:rPr kumimoji="1" lang="en-US" altLang="x-none" sz="800" dirty="0">
                 <a:solidFill>
                   <a:srgbClr val="FF0000"/>
                 </a:solidFill>
               </a:rPr>
               <a:t>)</a:t>
             </a:r>
-            <a:endParaRPr kumimoji="1" lang="ko-Kore-KR" altLang="en-US" sz="800" dirty="0">
+            <a:endParaRPr kumimoji="1" lang="x-none" altLang="en-US" sz="800" dirty="0">
               <a:solidFill>
                 <a:srgbClr val="FF0000"/>
               </a:solidFill>
@@ -4742,10 +4766,50 @@
           </a:p>
         </p:txBody>
       </p:sp>
+      <p:sp>
+        <p:nvSpPr>
+          <p:cNvPr id="19" name="모서리가 둥근 직사각형 18"/>
+          <p:cNvSpPr/>
+          <p:nvPr/>
+        </p:nvSpPr>
+        <p:spPr>
+          <a:xfrm>
+            <a:off x="1869989" y="1458097"/>
+            <a:ext cx="2891481" cy="2232454"/>
+          </a:xfrm>
+          <a:prstGeom prst="roundRect">
+            <a:avLst/>
+          </a:prstGeom>
+        </p:spPr>
+        <p:style>
+          <a:lnRef idx="2">
+            <a:schemeClr val="accent1">
+              <a:shade val="50000"/>
+            </a:schemeClr>
+          </a:lnRef>
+          <a:fillRef idx="1">
+            <a:schemeClr val="accent1"/>
+          </a:fillRef>
+          <a:effectRef idx="0">
+            <a:schemeClr val="accent1"/>
+          </a:effectRef>
+          <a:fontRef idx="minor">
+            <a:schemeClr val="lt1"/>
+          </a:fontRef>
+        </p:style>
+        <p:txBody>
+          <a:bodyPr rtlCol="0" anchor="ctr"/>
+          <a:lstStyle/>
+          <a:p>
+            <a:pPr algn="ctr"/>
+            <a:endParaRPr lang="ko-KR" altLang="en-US"/>
+          </a:p>
+        </p:txBody>
+      </p:sp>
     </p:spTree>
     <p:extLst>
       <p:ext uri="{BB962C8B-B14F-4D97-AF65-F5344CB8AC3E}">
-        <p14:creationId xmlns:p14="http://schemas.microsoft.com/office/powerpoint/2010/main" val="1411608"/>
+        <p14:creationId xmlns:p14="http://schemas.microsoft.com/office/powerpoint/2010/main" xmlns="" val="1411608"/>
       </p:ext>
     </p:extLst>
   </p:cSld>
@@ -4777,7 +4841,7 @@
           <p:cNvPr id="4" name="TextBox 3">
             <a:extLst>
               <a:ext uri="{FF2B5EF4-FFF2-40B4-BE49-F238E27FC236}">
-                <a16:creationId xmlns:a16="http://schemas.microsoft.com/office/drawing/2014/main" id="{2663D175-9448-EFB4-31D1-EE837098A2D0}"/>
+                <a16:creationId xmlns:a16="http://schemas.microsoft.com/office/drawing/2014/main" xmlns="" id="{2663D175-9448-EFB4-31D1-EE837098A2D0}"/>
               </a:ext>
             </a:extLst>
           </p:cNvPr>
@@ -4801,7 +4865,7 @@
           <a:lstStyle/>
           <a:p>
             <a:r>
-              <a:rPr kumimoji="1" lang="ko-Kore-KR" altLang="en-US" dirty="0"/>
+              <a:rPr kumimoji="1" lang="x-none" altLang="en-US" dirty="0"/>
               <a:t>탁송신청</a:t>
             </a:r>
             <a:r>
@@ -4812,7 +4876,7 @@
               <a:rPr kumimoji="1" lang="en-US" altLang="ko-KR" dirty="0"/>
               <a:t>1</a:t>
             </a:r>
-            <a:endParaRPr kumimoji="1" lang="ko-Kore-KR" altLang="en-US" dirty="0"/>
+            <a:endParaRPr kumimoji="1" lang="x-none" altLang="en-US" dirty="0"/>
           </a:p>
         </p:txBody>
       </p:sp>
@@ -4821,7 +4885,7 @@
           <p:cNvPr id="6" name="그림 5">
             <a:extLst>
               <a:ext uri="{FF2B5EF4-FFF2-40B4-BE49-F238E27FC236}">
-                <a16:creationId xmlns:a16="http://schemas.microsoft.com/office/drawing/2014/main" id="{2DACB2DD-5947-2AA7-A424-5D75555B3EA3}"/>
+                <a16:creationId xmlns:a16="http://schemas.microsoft.com/office/drawing/2014/main" xmlns="" id="{2DACB2DD-5947-2AA7-A424-5D75555B3EA3}"/>
               </a:ext>
             </a:extLst>
           </p:cNvPr>
@@ -4851,7 +4915,7 @@
           <p:cNvPr id="7" name="그림 6">
             <a:extLst>
               <a:ext uri="{FF2B5EF4-FFF2-40B4-BE49-F238E27FC236}">
-                <a16:creationId xmlns:a16="http://schemas.microsoft.com/office/drawing/2014/main" id="{A455E929-4D8D-2667-FE2F-830BC019D915}"/>
+                <a16:creationId xmlns:a16="http://schemas.microsoft.com/office/drawing/2014/main" xmlns="" id="{A455E929-4D8D-2667-FE2F-830BC019D915}"/>
               </a:ext>
             </a:extLst>
           </p:cNvPr>
@@ -4881,7 +4945,7 @@
           <p:cNvPr id="8" name="그림 7">
             <a:extLst>
               <a:ext uri="{FF2B5EF4-FFF2-40B4-BE49-F238E27FC236}">
-                <a16:creationId xmlns:a16="http://schemas.microsoft.com/office/drawing/2014/main" id="{26421CE9-DC36-0CC6-1C76-BC25B85A5CDF}"/>
+                <a16:creationId xmlns:a16="http://schemas.microsoft.com/office/drawing/2014/main" xmlns="" id="{26421CE9-DC36-0CC6-1C76-BC25B85A5CDF}"/>
               </a:ext>
             </a:extLst>
           </p:cNvPr>
@@ -4911,7 +4975,7 @@
           <p:cNvPr id="14" name="TextBox 13">
             <a:extLst>
               <a:ext uri="{FF2B5EF4-FFF2-40B4-BE49-F238E27FC236}">
-                <a16:creationId xmlns:a16="http://schemas.microsoft.com/office/drawing/2014/main" id="{A46B41C4-40C1-C789-09AD-BF370667EC04}"/>
+                <a16:creationId xmlns:a16="http://schemas.microsoft.com/office/drawing/2014/main" xmlns="" id="{A46B41C4-40C1-C789-09AD-BF370667EC04}"/>
               </a:ext>
             </a:extLst>
           </p:cNvPr>
@@ -4935,18 +4999,18 @@
           <a:lstStyle/>
           <a:p>
             <a:r>
-              <a:rPr kumimoji="1" lang="en-US" altLang="ko-Kore-KR" sz="800" dirty="0"/>
+              <a:rPr kumimoji="1" lang="en-US" altLang="x-none" sz="800" dirty="0"/>
               <a:t>&lt;</a:t>
             </a:r>
             <a:r>
-              <a:rPr kumimoji="1" lang="en-US" altLang="ko-Kore-KR" sz="800" dirty="0" err="1"/>
+              <a:rPr kumimoji="1" lang="en-US" altLang="x-none" sz="800" dirty="0" err="1"/>
               <a:t>Tacsong</a:t>
             </a:r>
             <a:r>
-              <a:rPr kumimoji="1" lang="en-US" altLang="ko-Kore-KR" sz="800" dirty="0"/>
+              <a:rPr kumimoji="1" lang="en-US" altLang="x-none" sz="800" dirty="0"/>
               <a:t> 1-1&gt;</a:t>
             </a:r>
-            <a:endParaRPr kumimoji="1" lang="ko-Kore-KR" altLang="en-US" sz="800" dirty="0"/>
+            <a:endParaRPr kumimoji="1" lang="x-none" altLang="en-US" sz="800" dirty="0"/>
           </a:p>
         </p:txBody>
       </p:sp>
@@ -4955,7 +5019,7 @@
           <p:cNvPr id="15" name="TextBox 14">
             <a:extLst>
               <a:ext uri="{FF2B5EF4-FFF2-40B4-BE49-F238E27FC236}">
-                <a16:creationId xmlns:a16="http://schemas.microsoft.com/office/drawing/2014/main" id="{890242FE-321A-2DFD-528A-A7B8574D6FAC}"/>
+                <a16:creationId xmlns:a16="http://schemas.microsoft.com/office/drawing/2014/main" xmlns="" id="{890242FE-321A-2DFD-528A-A7B8574D6FAC}"/>
               </a:ext>
             </a:extLst>
           </p:cNvPr>
@@ -4979,18 +5043,18 @@
           <a:lstStyle/>
           <a:p>
             <a:r>
-              <a:rPr kumimoji="1" lang="en-US" altLang="ko-Kore-KR" sz="800" dirty="0"/>
+              <a:rPr kumimoji="1" lang="en-US" altLang="x-none" sz="800" dirty="0"/>
               <a:t>&lt;</a:t>
             </a:r>
             <a:r>
-              <a:rPr kumimoji="1" lang="en-US" altLang="ko-Kore-KR" sz="800" dirty="0" err="1"/>
+              <a:rPr kumimoji="1" lang="en-US" altLang="x-none" sz="800" dirty="0" err="1"/>
               <a:t>Tacsong</a:t>
             </a:r>
             <a:r>
-              <a:rPr kumimoji="1" lang="en-US" altLang="ko-Kore-KR" sz="800" dirty="0"/>
+              <a:rPr kumimoji="1" lang="en-US" altLang="x-none" sz="800" dirty="0"/>
               <a:t> 1-2&gt;</a:t>
             </a:r>
-            <a:endParaRPr kumimoji="1" lang="ko-Kore-KR" altLang="en-US" sz="800" dirty="0"/>
+            <a:endParaRPr kumimoji="1" lang="x-none" altLang="en-US" sz="800" dirty="0"/>
           </a:p>
         </p:txBody>
       </p:sp>
@@ -4999,7 +5063,7 @@
           <p:cNvPr id="16" name="TextBox 15">
             <a:extLst>
               <a:ext uri="{FF2B5EF4-FFF2-40B4-BE49-F238E27FC236}">
-                <a16:creationId xmlns:a16="http://schemas.microsoft.com/office/drawing/2014/main" id="{37FF167F-FA43-E85A-83D2-9ACEFAA92221}"/>
+                <a16:creationId xmlns:a16="http://schemas.microsoft.com/office/drawing/2014/main" xmlns="" id="{37FF167F-FA43-E85A-83D2-9ACEFAA92221}"/>
               </a:ext>
             </a:extLst>
           </p:cNvPr>
@@ -5023,18 +5087,18 @@
           <a:lstStyle/>
           <a:p>
             <a:r>
-              <a:rPr kumimoji="1" lang="en-US" altLang="ko-Kore-KR" sz="800" dirty="0"/>
+              <a:rPr kumimoji="1" lang="en-US" altLang="x-none" sz="800" dirty="0"/>
               <a:t>&lt;</a:t>
             </a:r>
             <a:r>
-              <a:rPr kumimoji="1" lang="en-US" altLang="ko-Kore-KR" sz="800" dirty="0" err="1"/>
+              <a:rPr kumimoji="1" lang="en-US" altLang="x-none" sz="800" dirty="0" err="1"/>
               <a:t>Tacsong</a:t>
             </a:r>
             <a:r>
-              <a:rPr kumimoji="1" lang="en-US" altLang="ko-Kore-KR" sz="800" dirty="0"/>
+              <a:rPr kumimoji="1" lang="en-US" altLang="x-none" sz="800" dirty="0"/>
               <a:t> 1-3&gt;</a:t>
             </a:r>
-            <a:endParaRPr kumimoji="1" lang="ko-Kore-KR" altLang="en-US" sz="800" dirty="0"/>
+            <a:endParaRPr kumimoji="1" lang="x-none" altLang="en-US" sz="800" dirty="0"/>
           </a:p>
         </p:txBody>
       </p:sp>
@@ -5043,7 +5107,7 @@
           <p:cNvPr id="17" name="표 16">
             <a:extLst>
               <a:ext uri="{FF2B5EF4-FFF2-40B4-BE49-F238E27FC236}">
-                <a16:creationId xmlns:a16="http://schemas.microsoft.com/office/drawing/2014/main" id="{8E82F189-7964-C02E-EE85-578A330126E0}"/>
+                <a16:creationId xmlns:a16="http://schemas.microsoft.com/office/drawing/2014/main" xmlns="" id="{8E82F189-7964-C02E-EE85-578A330126E0}"/>
               </a:ext>
             </a:extLst>
           </p:cNvPr>
@@ -5053,7 +5117,7 @@
           <p:nvPr>
             <p:extLst>
               <p:ext uri="{D42A27DB-BD31-4B8C-83A1-F6EECF244321}">
-                <p14:modId xmlns:p14="http://schemas.microsoft.com/office/powerpoint/2010/main" val="3623713573"/>
+                <p14:modId xmlns:p14="http://schemas.microsoft.com/office/powerpoint/2010/main" xmlns="" val="3623713573"/>
               </p:ext>
             </p:extLst>
           </p:nvPr>
@@ -5072,14 +5136,14 @@
                 <a:gridCol w="933085">
                   <a:extLst>
                     <a:ext uri="{9D8B030D-6E8A-4147-A177-3AD203B41FA5}">
-                      <a16:colId xmlns:a16="http://schemas.microsoft.com/office/drawing/2014/main" val="1620488559"/>
+                      <a16:colId xmlns:a16="http://schemas.microsoft.com/office/drawing/2014/main" xmlns="" val="1620488559"/>
                     </a:ext>
                   </a:extLst>
                 </a:gridCol>
                 <a:gridCol w="2902934">
                   <a:extLst>
                     <a:ext uri="{9D8B030D-6E8A-4147-A177-3AD203B41FA5}">
-                      <a16:colId xmlns:a16="http://schemas.microsoft.com/office/drawing/2014/main" val="1012869961"/>
+                      <a16:colId xmlns:a16="http://schemas.microsoft.com/office/drawing/2014/main" xmlns="" val="1012869961"/>
                     </a:ext>
                   </a:extLst>
                 </a:gridCol>
@@ -5091,31 +5155,31 @@
                     <a:lstStyle/>
                     <a:p>
                       <a:r>
-                        <a:rPr kumimoji="1" lang="en-US" altLang="ko-Kore-KR" sz="800" b="0" dirty="0" err="1"/>
+                        <a:rPr kumimoji="1" lang="en-US" altLang="x-none" sz="800" b="0" dirty="0" err="1"/>
                         <a:t>Tacsong</a:t>
                       </a:r>
                       <a:r>
-                        <a:rPr kumimoji="1" lang="en-US" altLang="ko-Kore-KR" sz="800" b="0" dirty="0"/>
+                        <a:rPr kumimoji="1" lang="en-US" altLang="x-none" sz="800" b="0" dirty="0"/>
                         <a:t> 1-1</a:t>
                       </a:r>
-                      <a:endParaRPr lang="ko-Kore-KR" altLang="en-US" sz="800" b="0" dirty="0"/>
-                    </a:p>
-                  </a:txBody>
-                  <a:tcPr/>
-                </a:tc>
-                <a:tc>
-                  <a:txBody>
-                    <a:bodyPr/>
-                    <a:lstStyle/>
-                    <a:p>
-                      <a:endParaRPr lang="ko-Kore-KR" altLang="en-US" sz="800" b="0" dirty="0"/>
+                      <a:endParaRPr lang="x-none" altLang="en-US" sz="800" b="0" dirty="0"/>
+                    </a:p>
+                  </a:txBody>
+                  <a:tcPr/>
+                </a:tc>
+                <a:tc>
+                  <a:txBody>
+                    <a:bodyPr/>
+                    <a:lstStyle/>
+                    <a:p>
+                      <a:endParaRPr lang="x-none" altLang="en-US" sz="800" b="0" dirty="0"/>
                     </a:p>
                   </a:txBody>
                   <a:tcPr/>
                 </a:tc>
                 <a:extLst>
                   <a:ext uri="{0D108BD9-81ED-4DB2-BD59-A6C34878D82A}">
-                    <a16:rowId xmlns:a16="http://schemas.microsoft.com/office/drawing/2014/main" val="302975823"/>
+                    <a16:rowId xmlns:a16="http://schemas.microsoft.com/office/drawing/2014/main" xmlns="" val="302975823"/>
                   </a:ext>
                 </a:extLst>
               </a:tr>
@@ -5126,21 +5190,21 @@
                     <a:lstStyle/>
                     <a:p>
                       <a:r>
-                        <a:rPr lang="en-US" altLang="ko-Kore-KR" sz="800" b="0" dirty="0"/>
+                        <a:rPr lang="en-US" altLang="x-none" sz="800" b="0" dirty="0"/>
                         <a:t>(1)</a:t>
                       </a:r>
-                      <a:endParaRPr lang="ko-Kore-KR" altLang="en-US" sz="800" b="0" dirty="0"/>
-                    </a:p>
-                  </a:txBody>
-                  <a:tcPr/>
-                </a:tc>
-                <a:tc>
-                  <a:txBody>
-                    <a:bodyPr/>
-                    <a:lstStyle/>
-                    <a:p>
-                      <a:r>
-                        <a:rPr lang="ko-Kore-KR" altLang="en-US" sz="800" b="0" dirty="0"/>
+                      <a:endParaRPr lang="x-none" altLang="en-US" sz="800" b="0" dirty="0"/>
+                    </a:p>
+                  </a:txBody>
+                  <a:tcPr/>
+                </a:tc>
+                <a:tc>
+                  <a:txBody>
+                    <a:bodyPr/>
+                    <a:lstStyle/>
+                    <a:p>
+                      <a:r>
+                        <a:rPr lang="x-none" altLang="en-US" sz="800" b="0" dirty="0"/>
                         <a:t>페이지</a:t>
                       </a:r>
                       <a:r>
@@ -5155,14 +5219,14 @@
                         <a:rPr lang="ko-KR" altLang="en-US" sz="800" b="0" dirty="0"/>
                         <a:t> 버튼</a:t>
                       </a:r>
-                      <a:endParaRPr lang="ko-Kore-KR" altLang="en-US" sz="800" b="0" dirty="0"/>
+                      <a:endParaRPr lang="x-none" altLang="en-US" sz="800" b="0" dirty="0"/>
                     </a:p>
                   </a:txBody>
                   <a:tcPr/>
                 </a:tc>
                 <a:extLst>
                   <a:ext uri="{0D108BD9-81ED-4DB2-BD59-A6C34878D82A}">
-                    <a16:rowId xmlns:a16="http://schemas.microsoft.com/office/drawing/2014/main" val="2326918455"/>
+                    <a16:rowId xmlns:a16="http://schemas.microsoft.com/office/drawing/2014/main" xmlns="" val="2326918455"/>
                   </a:ext>
                 </a:extLst>
               </a:tr>
@@ -5173,14 +5237,14 @@
                     <a:lstStyle/>
                     <a:p>
                       <a:r>
-                        <a:rPr lang="en-US" altLang="ko-Kore-KR" sz="800" b="0" dirty="0"/>
+                        <a:rPr lang="en-US" altLang="x-none" sz="800" b="0" dirty="0"/>
                         <a:t>(</a:t>
                       </a:r>
                       <a:r>
                         <a:rPr lang="en-US" altLang="ko-KR" sz="800" b="0" dirty="0"/>
                         <a:t>2)</a:t>
                       </a:r>
-                      <a:endParaRPr lang="ko-Kore-KR" altLang="en-US" sz="800" b="0" dirty="0"/>
+                      <a:endParaRPr lang="x-none" altLang="en-US" sz="800" b="0" dirty="0"/>
                     </a:p>
                   </a:txBody>
                   <a:tcPr/>
@@ -5202,14 +5266,14 @@
                         <a:rPr lang="ko-KR" altLang="en-US" sz="800" b="0" dirty="0"/>
                         <a:t> 조회 버튼</a:t>
                       </a:r>
-                      <a:endParaRPr lang="ko-Kore-KR" altLang="en-US" sz="800" b="0" dirty="0"/>
+                      <a:endParaRPr lang="x-none" altLang="en-US" sz="800" b="0" dirty="0"/>
                     </a:p>
                   </a:txBody>
                   <a:tcPr/>
                 </a:tc>
                 <a:extLst>
                   <a:ext uri="{0D108BD9-81ED-4DB2-BD59-A6C34878D82A}">
-                    <a16:rowId xmlns:a16="http://schemas.microsoft.com/office/drawing/2014/main" val="3257335175"/>
+                    <a16:rowId xmlns:a16="http://schemas.microsoft.com/office/drawing/2014/main" xmlns="" val="3257335175"/>
                   </a:ext>
                 </a:extLst>
               </a:tr>
@@ -5220,25 +5284,25 @@
                     <a:lstStyle/>
                     <a:p>
                       <a:r>
-                        <a:rPr lang="en-US" altLang="ko-Kore-KR" sz="800" b="0" dirty="0"/>
+                        <a:rPr lang="en-US" altLang="x-none" sz="800" b="0" dirty="0"/>
                         <a:t>(</a:t>
                       </a:r>
                       <a:r>
                         <a:rPr lang="en-US" altLang="ko-KR" sz="800" b="0" dirty="0"/>
                         <a:t>3)</a:t>
                       </a:r>
-                      <a:endParaRPr lang="ko-Kore-KR" altLang="en-US" sz="800" b="0" dirty="0"/>
-                    </a:p>
-                  </a:txBody>
-                  <a:tcPr/>
-                </a:tc>
-                <a:tc>
-                  <a:txBody>
-                    <a:bodyPr/>
-                    <a:lstStyle/>
-                    <a:p>
-                      <a:r>
-                        <a:rPr lang="ko-Kore-KR" altLang="en-US" sz="800" b="0" dirty="0"/>
+                      <a:endParaRPr lang="x-none" altLang="en-US" sz="800" b="0" dirty="0"/>
+                    </a:p>
+                  </a:txBody>
+                  <a:tcPr/>
+                </a:tc>
+                <a:tc>
+                  <a:txBody>
+                    <a:bodyPr/>
+                    <a:lstStyle/>
+                    <a:p>
+                      <a:r>
+                        <a:rPr lang="x-none" altLang="en-US" sz="800" b="0" dirty="0"/>
                         <a:t>자동차</a:t>
                       </a:r>
                       <a:r>
@@ -5264,14 +5328,14 @@
                         <a:rPr lang="ko-KR" altLang="en-US" sz="800" b="0" dirty="0"/>
                         <a:t>가지만 선택 가능</a:t>
                       </a:r>
-                      <a:endParaRPr lang="ko-Kore-KR" altLang="en-US" sz="800" b="0" dirty="0"/>
+                      <a:endParaRPr lang="x-none" altLang="en-US" sz="800" b="0" dirty="0"/>
                     </a:p>
                   </a:txBody>
                   <a:tcPr/>
                 </a:tc>
                 <a:extLst>
                   <a:ext uri="{0D108BD9-81ED-4DB2-BD59-A6C34878D82A}">
-                    <a16:rowId xmlns:a16="http://schemas.microsoft.com/office/drawing/2014/main" val="928429091"/>
+                    <a16:rowId xmlns:a16="http://schemas.microsoft.com/office/drawing/2014/main" xmlns="" val="928429091"/>
                   </a:ext>
                 </a:extLst>
               </a:tr>
@@ -5282,47 +5346,47 @@
                     <a:lstStyle/>
                     <a:p>
                       <a:r>
-                        <a:rPr lang="en-US" altLang="ko-Kore-KR" sz="800" b="0" dirty="0"/>
+                        <a:rPr lang="en-US" altLang="x-none" sz="800" b="0" dirty="0"/>
                         <a:t>(</a:t>
                       </a:r>
                       <a:r>
                         <a:rPr lang="en-US" altLang="ko-KR" sz="800" b="0" dirty="0"/>
                         <a:t>4)</a:t>
                       </a:r>
-                      <a:endParaRPr lang="ko-Kore-KR" altLang="en-US" sz="800" b="0" dirty="0"/>
-                    </a:p>
-                  </a:txBody>
-                  <a:tcPr/>
-                </a:tc>
-                <a:tc>
-                  <a:txBody>
-                    <a:bodyPr/>
-                    <a:lstStyle/>
-                    <a:p>
-                      <a:r>
-                        <a:rPr lang="en-US" altLang="ko-Kore-KR" sz="800" b="0" dirty="0"/>
+                      <a:endParaRPr lang="x-none" altLang="en-US" sz="800" b="0" dirty="0"/>
+                    </a:p>
+                  </a:txBody>
+                  <a:tcPr/>
+                </a:tc>
+                <a:tc>
+                  <a:txBody>
+                    <a:bodyPr/>
+                    <a:lstStyle/>
+                    <a:p>
+                      <a:r>
+                        <a:rPr lang="en-US" altLang="x-none" sz="800" b="0" dirty="0"/>
                         <a:t>&lt;</a:t>
                       </a:r>
                       <a:r>
-                        <a:rPr lang="ko-Kore-KR" altLang="en-US" sz="800" b="0" dirty="0"/>
+                        <a:rPr lang="x-none" altLang="en-US" sz="800" b="0" dirty="0"/>
                         <a:t>주소검색</a:t>
                       </a:r>
                       <a:r>
-                        <a:rPr lang="en-US" altLang="ko-Kore-KR" sz="800" b="0" dirty="0"/>
+                        <a:rPr lang="en-US" altLang="x-none" sz="800" b="0" dirty="0"/>
                         <a:t>&gt;</a:t>
                       </a:r>
                       <a:r>
                         <a:rPr lang="ko-KR" altLang="en-US" sz="800" b="0" dirty="0"/>
                         <a:t>  페이지 오픈 버튼</a:t>
                       </a:r>
-                      <a:endParaRPr lang="ko-Kore-KR" altLang="en-US" sz="800" b="0" dirty="0"/>
+                      <a:endParaRPr lang="x-none" altLang="en-US" sz="800" b="0" dirty="0"/>
                     </a:p>
                   </a:txBody>
                   <a:tcPr/>
                 </a:tc>
                 <a:extLst>
                   <a:ext uri="{0D108BD9-81ED-4DB2-BD59-A6C34878D82A}">
-                    <a16:rowId xmlns:a16="http://schemas.microsoft.com/office/drawing/2014/main" val="1618524605"/>
+                    <a16:rowId xmlns:a16="http://schemas.microsoft.com/office/drawing/2014/main" xmlns="" val="1618524605"/>
                   </a:ext>
                 </a:extLst>
               </a:tr>
@@ -5333,31 +5397,31 @@
                     <a:lstStyle/>
                     <a:p>
                       <a:r>
-                        <a:rPr lang="en-US" altLang="ko-Kore-KR" sz="800" b="0" dirty="0" err="1"/>
+                        <a:rPr lang="en-US" altLang="x-none" sz="800" b="0" dirty="0" err="1"/>
                         <a:t>Tacsong</a:t>
                       </a:r>
                       <a:r>
-                        <a:rPr lang="en-US" altLang="ko-Kore-KR" sz="800" b="0" dirty="0"/>
+                        <a:rPr lang="en-US" altLang="x-none" sz="800" b="0" dirty="0"/>
                         <a:t> 1-2</a:t>
                       </a:r>
-                      <a:endParaRPr lang="ko-Kore-KR" altLang="en-US" sz="800" b="0" dirty="0"/>
-                    </a:p>
-                  </a:txBody>
-                  <a:tcPr/>
-                </a:tc>
-                <a:tc>
-                  <a:txBody>
-                    <a:bodyPr/>
-                    <a:lstStyle/>
-                    <a:p>
-                      <a:endParaRPr lang="ko-Kore-KR" altLang="en-US" sz="800" b="0" dirty="0"/>
+                      <a:endParaRPr lang="x-none" altLang="en-US" sz="800" b="0" dirty="0"/>
+                    </a:p>
+                  </a:txBody>
+                  <a:tcPr/>
+                </a:tc>
+                <a:tc>
+                  <a:txBody>
+                    <a:bodyPr/>
+                    <a:lstStyle/>
+                    <a:p>
+                      <a:endParaRPr lang="x-none" altLang="en-US" sz="800" b="0" dirty="0"/>
                     </a:p>
                   </a:txBody>
                   <a:tcPr/>
                 </a:tc>
                 <a:extLst>
                   <a:ext uri="{0D108BD9-81ED-4DB2-BD59-A6C34878D82A}">
-                    <a16:rowId xmlns:a16="http://schemas.microsoft.com/office/drawing/2014/main" val="1068815975"/>
+                    <a16:rowId xmlns:a16="http://schemas.microsoft.com/office/drawing/2014/main" xmlns="" val="1068815975"/>
                   </a:ext>
                 </a:extLst>
               </a:tr>
@@ -5368,25 +5432,25 @@
                     <a:lstStyle/>
                     <a:p>
                       <a:r>
-                        <a:rPr lang="en-US" altLang="ko-Kore-KR" sz="800" b="0" dirty="0"/>
+                        <a:rPr lang="en-US" altLang="x-none" sz="800" b="0" dirty="0"/>
                         <a:t>(</a:t>
                       </a:r>
                       <a:r>
                         <a:rPr lang="en-US" altLang="ko-KR" sz="800" b="0" dirty="0"/>
                         <a:t>1)</a:t>
                       </a:r>
-                      <a:endParaRPr lang="ko-Kore-KR" altLang="en-US" sz="800" b="0" dirty="0"/>
-                    </a:p>
-                  </a:txBody>
-                  <a:tcPr/>
-                </a:tc>
-                <a:tc>
-                  <a:txBody>
-                    <a:bodyPr/>
-                    <a:lstStyle/>
-                    <a:p>
-                      <a:r>
-                        <a:rPr lang="en-US" altLang="ko-Kore-KR" sz="800" b="0" dirty="0"/>
+                      <a:endParaRPr lang="x-none" altLang="en-US" sz="800" b="0" dirty="0"/>
+                    </a:p>
+                  </a:txBody>
+                  <a:tcPr/>
+                </a:tc>
+                <a:tc>
+                  <a:txBody>
+                    <a:bodyPr/>
+                    <a:lstStyle/>
+                    <a:p>
+                      <a:r>
+                        <a:rPr lang="en-US" altLang="x-none" sz="800" b="0" dirty="0"/>
                         <a:t>On/off </a:t>
                       </a:r>
                       <a:r>
@@ -5408,14 +5472,14 @@
                         <a:rPr lang="ko-KR" altLang="en-US" sz="800" b="0" dirty="0"/>
                         <a:t> 텍스트로 고칠 수 있게 해주세요</a:t>
                       </a:r>
-                      <a:endParaRPr lang="ko-Kore-KR" altLang="en-US" sz="800" b="0" dirty="0"/>
+                      <a:endParaRPr lang="x-none" altLang="en-US" sz="800" b="0" dirty="0"/>
                     </a:p>
                   </a:txBody>
                   <a:tcPr/>
                 </a:tc>
                 <a:extLst>
                   <a:ext uri="{0D108BD9-81ED-4DB2-BD59-A6C34878D82A}">
-                    <a16:rowId xmlns:a16="http://schemas.microsoft.com/office/drawing/2014/main" val="1264632727"/>
+                    <a16:rowId xmlns:a16="http://schemas.microsoft.com/office/drawing/2014/main" xmlns="" val="1264632727"/>
                   </a:ext>
                 </a:extLst>
               </a:tr>
@@ -5426,35 +5490,35 @@
                     <a:lstStyle/>
                     <a:p>
                       <a:r>
-                        <a:rPr lang="en-US" altLang="ko-Kore-KR" sz="800" b="0" dirty="0" err="1"/>
+                        <a:rPr lang="en-US" altLang="x-none" sz="800" b="0" dirty="0" err="1"/>
                         <a:t>Tacsong</a:t>
                       </a:r>
                       <a:r>
-                        <a:rPr lang="en-US" altLang="ko-Kore-KR" sz="800" b="0" dirty="0"/>
+                        <a:rPr lang="en-US" altLang="x-none" sz="800" b="0" dirty="0"/>
                         <a:t> 1-</a:t>
                       </a:r>
                       <a:r>
                         <a:rPr lang="en-US" altLang="ko-KR" sz="800" b="0" dirty="0"/>
                         <a:t>3</a:t>
                       </a:r>
-                      <a:endParaRPr lang="ko-Kore-KR" altLang="en-US" sz="800" b="0" dirty="0"/>
-                    </a:p>
-                  </a:txBody>
-                  <a:tcPr/>
-                </a:tc>
-                <a:tc>
-                  <a:txBody>
-                    <a:bodyPr/>
-                    <a:lstStyle/>
-                    <a:p>
-                      <a:endParaRPr lang="ko-Kore-KR" altLang="en-US" sz="800" b="0" dirty="0"/>
+                      <a:endParaRPr lang="x-none" altLang="en-US" sz="800" b="0" dirty="0"/>
+                    </a:p>
+                  </a:txBody>
+                  <a:tcPr/>
+                </a:tc>
+                <a:tc>
+                  <a:txBody>
+                    <a:bodyPr/>
+                    <a:lstStyle/>
+                    <a:p>
+                      <a:endParaRPr lang="x-none" altLang="en-US" sz="800" b="0" dirty="0"/>
                     </a:p>
                   </a:txBody>
                   <a:tcPr/>
                 </a:tc>
                 <a:extLst>
                   <a:ext uri="{0D108BD9-81ED-4DB2-BD59-A6C34878D82A}">
-                    <a16:rowId xmlns:a16="http://schemas.microsoft.com/office/drawing/2014/main" val="2013989199"/>
+                    <a16:rowId xmlns:a16="http://schemas.microsoft.com/office/drawing/2014/main" xmlns="" val="2013989199"/>
                   </a:ext>
                 </a:extLst>
               </a:tr>
@@ -5468,18 +5532,18 @@
                         <a:rPr lang="en-US" altLang="ko-KR" sz="800" b="0" dirty="0"/>
                         <a:t>(1)</a:t>
                       </a:r>
-                      <a:endParaRPr lang="ko-Kore-KR" altLang="en-US" sz="800" b="0" dirty="0"/>
-                    </a:p>
-                  </a:txBody>
-                  <a:tcPr/>
-                </a:tc>
-                <a:tc>
-                  <a:txBody>
-                    <a:bodyPr/>
-                    <a:lstStyle/>
-                    <a:p>
-                      <a:r>
-                        <a:rPr lang="ko-Kore-KR" altLang="en-US" sz="800" b="0" dirty="0"/>
+                      <a:endParaRPr lang="x-none" altLang="en-US" sz="800" b="0" dirty="0"/>
+                    </a:p>
+                  </a:txBody>
+                  <a:tcPr/>
+                </a:tc>
+                <a:tc>
+                  <a:txBody>
+                    <a:bodyPr/>
+                    <a:lstStyle/>
+                    <a:p>
+                      <a:r>
+                        <a:rPr lang="x-none" altLang="en-US" sz="800" b="0" dirty="0"/>
                         <a:t>최대</a:t>
                       </a:r>
                       <a:r>
@@ -5517,14 +5581,14 @@
                         <a:rPr lang="ko-KR" altLang="en-US" sz="800" b="0" dirty="0"/>
                         <a:t> 삭제</a:t>
                       </a:r>
-                      <a:endParaRPr lang="ko-Kore-KR" altLang="en-US" sz="800" b="0" dirty="0"/>
+                      <a:endParaRPr lang="x-none" altLang="en-US" sz="800" b="0" dirty="0"/>
                     </a:p>
                   </a:txBody>
                   <a:tcPr/>
                 </a:tc>
                 <a:extLst>
                   <a:ext uri="{0D108BD9-81ED-4DB2-BD59-A6C34878D82A}">
-                    <a16:rowId xmlns:a16="http://schemas.microsoft.com/office/drawing/2014/main" val="1796191776"/>
+                    <a16:rowId xmlns:a16="http://schemas.microsoft.com/office/drawing/2014/main" xmlns="" val="1796191776"/>
                   </a:ext>
                 </a:extLst>
               </a:tr>
@@ -5535,14 +5599,14 @@
                     <a:lstStyle/>
                     <a:p>
                       <a:r>
-                        <a:rPr lang="en-US" altLang="ko-Kore-KR" sz="800" b="0" dirty="0"/>
+                        <a:rPr lang="en-US" altLang="x-none" sz="800" b="0" dirty="0"/>
                         <a:t>(</a:t>
                       </a:r>
                       <a:r>
                         <a:rPr lang="en-US" altLang="ko-KR" sz="800" b="0" dirty="0"/>
                         <a:t>2)</a:t>
                       </a:r>
-                      <a:endParaRPr lang="ko-Kore-KR" altLang="en-US" sz="800" b="0" dirty="0"/>
+                      <a:endParaRPr lang="x-none" altLang="en-US" sz="800" b="0" dirty="0"/>
                     </a:p>
                   </a:txBody>
                   <a:tcPr/>
@@ -5573,7 +5637,7 @@
                 </a:tc>
                 <a:extLst>
                   <a:ext uri="{0D108BD9-81ED-4DB2-BD59-A6C34878D82A}">
-                    <a16:rowId xmlns:a16="http://schemas.microsoft.com/office/drawing/2014/main" val="1158962728"/>
+                    <a16:rowId xmlns:a16="http://schemas.microsoft.com/office/drawing/2014/main" xmlns="" val="1158962728"/>
                   </a:ext>
                 </a:extLst>
               </a:tr>
@@ -5586,7 +5650,7 @@
           <p:cNvPr id="18" name="TextBox 17">
             <a:extLst>
               <a:ext uri="{FF2B5EF4-FFF2-40B4-BE49-F238E27FC236}">
-                <a16:creationId xmlns:a16="http://schemas.microsoft.com/office/drawing/2014/main" id="{00F104CD-33D4-8676-DEF3-32702626BB7F}"/>
+                <a16:creationId xmlns:a16="http://schemas.microsoft.com/office/drawing/2014/main" xmlns="" id="{00F104CD-33D4-8676-DEF3-32702626BB7F}"/>
               </a:ext>
             </a:extLst>
           </p:cNvPr>
@@ -5610,14 +5674,14 @@
           <a:lstStyle/>
           <a:p>
             <a:r>
-              <a:rPr kumimoji="1" lang="en-US" altLang="ko-Kore-KR" sz="800" dirty="0">
+              <a:rPr kumimoji="1" lang="en-US" altLang="x-none" sz="800" dirty="0">
                 <a:solidFill>
                   <a:srgbClr val="FF0000"/>
                 </a:solidFill>
               </a:rPr>
               <a:t>(1)</a:t>
             </a:r>
-            <a:endParaRPr kumimoji="1" lang="ko-Kore-KR" altLang="en-US" sz="800" dirty="0">
+            <a:endParaRPr kumimoji="1" lang="x-none" altLang="en-US" sz="800" dirty="0">
               <a:solidFill>
                 <a:srgbClr val="FF0000"/>
               </a:solidFill>
@@ -5630,7 +5694,7 @@
           <p:cNvPr id="19" name="TextBox 18">
             <a:extLst>
               <a:ext uri="{FF2B5EF4-FFF2-40B4-BE49-F238E27FC236}">
-                <a16:creationId xmlns:a16="http://schemas.microsoft.com/office/drawing/2014/main" id="{1C1DD876-4D3B-17E4-8D43-DF80894C557D}"/>
+                <a16:creationId xmlns:a16="http://schemas.microsoft.com/office/drawing/2014/main" xmlns="" id="{1C1DD876-4D3B-17E4-8D43-DF80894C557D}"/>
               </a:ext>
             </a:extLst>
           </p:cNvPr>
@@ -5654,7 +5718,7 @@
           <a:lstStyle/>
           <a:p>
             <a:r>
-              <a:rPr kumimoji="1" lang="en-US" altLang="ko-Kore-KR" sz="800" dirty="0">
+              <a:rPr kumimoji="1" lang="en-US" altLang="x-none" sz="800" dirty="0">
                 <a:solidFill>
                   <a:srgbClr val="FF0000"/>
                 </a:solidFill>
@@ -5670,14 +5734,14 @@
               <a:t>2</a:t>
             </a:r>
             <a:r>
-              <a:rPr kumimoji="1" lang="en-US" altLang="ko-Kore-KR" sz="800" dirty="0">
+              <a:rPr kumimoji="1" lang="en-US" altLang="x-none" sz="800" dirty="0">
                 <a:solidFill>
                   <a:srgbClr val="FF0000"/>
                 </a:solidFill>
               </a:rPr>
               <a:t>)</a:t>
             </a:r>
-            <a:endParaRPr kumimoji="1" lang="ko-Kore-KR" altLang="en-US" sz="800" dirty="0">
+            <a:endParaRPr kumimoji="1" lang="x-none" altLang="en-US" sz="800" dirty="0">
               <a:solidFill>
                 <a:srgbClr val="FF0000"/>
               </a:solidFill>
@@ -5690,7 +5754,7 @@
           <p:cNvPr id="20" name="TextBox 19">
             <a:extLst>
               <a:ext uri="{FF2B5EF4-FFF2-40B4-BE49-F238E27FC236}">
-                <a16:creationId xmlns:a16="http://schemas.microsoft.com/office/drawing/2014/main" id="{64106839-9821-AB21-2514-CF76DE9DFCF1}"/>
+                <a16:creationId xmlns:a16="http://schemas.microsoft.com/office/drawing/2014/main" xmlns="" id="{64106839-9821-AB21-2514-CF76DE9DFCF1}"/>
               </a:ext>
             </a:extLst>
           </p:cNvPr>
@@ -5714,7 +5778,7 @@
           <a:lstStyle/>
           <a:p>
             <a:r>
-              <a:rPr kumimoji="1" lang="en-US" altLang="ko-Kore-KR" sz="800" dirty="0">
+              <a:rPr kumimoji="1" lang="en-US" altLang="x-none" sz="800" dirty="0">
                 <a:solidFill>
                   <a:srgbClr val="FF0000"/>
                 </a:solidFill>
@@ -5730,14 +5794,14 @@
               <a:t>3</a:t>
             </a:r>
             <a:r>
-              <a:rPr kumimoji="1" lang="en-US" altLang="ko-Kore-KR" sz="800" dirty="0">
+              <a:rPr kumimoji="1" lang="en-US" altLang="x-none" sz="800" dirty="0">
                 <a:solidFill>
                   <a:srgbClr val="FF0000"/>
                 </a:solidFill>
               </a:rPr>
               <a:t>)</a:t>
             </a:r>
-            <a:endParaRPr kumimoji="1" lang="ko-Kore-KR" altLang="en-US" sz="800" dirty="0">
+            <a:endParaRPr kumimoji="1" lang="x-none" altLang="en-US" sz="800" dirty="0">
               <a:solidFill>
                 <a:srgbClr val="FF0000"/>
               </a:solidFill>
@@ -5750,7 +5814,7 @@
           <p:cNvPr id="21" name="직사각형 20">
             <a:extLst>
               <a:ext uri="{FF2B5EF4-FFF2-40B4-BE49-F238E27FC236}">
-                <a16:creationId xmlns:a16="http://schemas.microsoft.com/office/drawing/2014/main" id="{F991D86E-48F0-A647-AF47-5710B209744E}"/>
+                <a16:creationId xmlns:a16="http://schemas.microsoft.com/office/drawing/2014/main" xmlns="" id="{F991D86E-48F0-A647-AF47-5710B209744E}"/>
               </a:ext>
             </a:extLst>
           </p:cNvPr>
@@ -5793,7 +5857,7 @@
           <a:lstStyle/>
           <a:p>
             <a:pPr algn="ctr"/>
-            <a:endParaRPr kumimoji="1" lang="ko-Kore-KR" altLang="en-US"/>
+            <a:endParaRPr kumimoji="1" lang="x-none" altLang="en-US"/>
           </a:p>
         </p:txBody>
       </p:sp>
@@ -5802,7 +5866,7 @@
           <p:cNvPr id="22" name="TextBox 21">
             <a:extLst>
               <a:ext uri="{FF2B5EF4-FFF2-40B4-BE49-F238E27FC236}">
-                <a16:creationId xmlns:a16="http://schemas.microsoft.com/office/drawing/2014/main" id="{69A76534-4845-5CAE-A196-9679F5DFE6D3}"/>
+                <a16:creationId xmlns:a16="http://schemas.microsoft.com/office/drawing/2014/main" xmlns="" id="{69A76534-4845-5CAE-A196-9679F5DFE6D3}"/>
               </a:ext>
             </a:extLst>
           </p:cNvPr>
@@ -5826,7 +5890,7 @@
           <a:lstStyle/>
           <a:p>
             <a:r>
-              <a:rPr kumimoji="1" lang="en-US" altLang="ko-Kore-KR" sz="800" dirty="0">
+              <a:rPr kumimoji="1" lang="en-US" altLang="x-none" sz="800" dirty="0">
                 <a:solidFill>
                   <a:srgbClr val="FF0000"/>
                 </a:solidFill>
@@ -5842,14 +5906,14 @@
               <a:t>4</a:t>
             </a:r>
             <a:r>
-              <a:rPr kumimoji="1" lang="en-US" altLang="ko-Kore-KR" sz="800" dirty="0">
+              <a:rPr kumimoji="1" lang="en-US" altLang="x-none" sz="800" dirty="0">
                 <a:solidFill>
                   <a:srgbClr val="FF0000"/>
                 </a:solidFill>
               </a:rPr>
               <a:t>)</a:t>
             </a:r>
-            <a:endParaRPr kumimoji="1" lang="ko-Kore-KR" altLang="en-US" sz="800" dirty="0">
+            <a:endParaRPr kumimoji="1" lang="x-none" altLang="en-US" sz="800" dirty="0">
               <a:solidFill>
                 <a:srgbClr val="FF0000"/>
               </a:solidFill>
@@ -5862,7 +5926,7 @@
           <p:cNvPr id="23" name="TextBox 22">
             <a:extLst>
               <a:ext uri="{FF2B5EF4-FFF2-40B4-BE49-F238E27FC236}">
-                <a16:creationId xmlns:a16="http://schemas.microsoft.com/office/drawing/2014/main" id="{5D6335B4-D2CA-43AB-C3D1-74E4507FCB6C}"/>
+                <a16:creationId xmlns:a16="http://schemas.microsoft.com/office/drawing/2014/main" xmlns="" id="{5D6335B4-D2CA-43AB-C3D1-74E4507FCB6C}"/>
               </a:ext>
             </a:extLst>
           </p:cNvPr>
@@ -5886,14 +5950,14 @@
           <a:lstStyle/>
           <a:p>
             <a:r>
-              <a:rPr kumimoji="1" lang="en-US" altLang="ko-Kore-KR" sz="800" dirty="0">
+              <a:rPr kumimoji="1" lang="en-US" altLang="x-none" sz="800" dirty="0">
                 <a:solidFill>
                   <a:srgbClr val="FF0000"/>
                 </a:solidFill>
               </a:rPr>
               <a:t>(1)</a:t>
             </a:r>
-            <a:endParaRPr kumimoji="1" lang="ko-Kore-KR" altLang="en-US" sz="800" dirty="0">
+            <a:endParaRPr kumimoji="1" lang="x-none" altLang="en-US" sz="800" dirty="0">
               <a:solidFill>
                 <a:srgbClr val="FF0000"/>
               </a:solidFill>
@@ -5906,7 +5970,7 @@
           <p:cNvPr id="24" name="TextBox 23">
             <a:extLst>
               <a:ext uri="{FF2B5EF4-FFF2-40B4-BE49-F238E27FC236}">
-                <a16:creationId xmlns:a16="http://schemas.microsoft.com/office/drawing/2014/main" id="{C5093993-CDCA-1EE9-CF30-2FCF3F5BED9E}"/>
+                <a16:creationId xmlns:a16="http://schemas.microsoft.com/office/drawing/2014/main" xmlns="" id="{C5093993-CDCA-1EE9-CF30-2FCF3F5BED9E}"/>
               </a:ext>
             </a:extLst>
           </p:cNvPr>
@@ -5930,14 +5994,14 @@
           <a:lstStyle/>
           <a:p>
             <a:r>
-              <a:rPr kumimoji="1" lang="en-US" altLang="ko-Kore-KR" sz="800" dirty="0">
+              <a:rPr kumimoji="1" lang="en-US" altLang="x-none" sz="800" dirty="0">
                 <a:solidFill>
                   <a:srgbClr val="FF0000"/>
                 </a:solidFill>
               </a:rPr>
               <a:t>(1)</a:t>
             </a:r>
-            <a:endParaRPr kumimoji="1" lang="ko-Kore-KR" altLang="en-US" sz="800" dirty="0">
+            <a:endParaRPr kumimoji="1" lang="x-none" altLang="en-US" sz="800" dirty="0">
               <a:solidFill>
                 <a:srgbClr val="FF0000"/>
               </a:solidFill>
@@ -5950,7 +6014,7 @@
           <p:cNvPr id="25" name="TextBox 24">
             <a:extLst>
               <a:ext uri="{FF2B5EF4-FFF2-40B4-BE49-F238E27FC236}">
-                <a16:creationId xmlns:a16="http://schemas.microsoft.com/office/drawing/2014/main" id="{C2612454-E3BD-9033-3A24-C867F0DCCC68}"/>
+                <a16:creationId xmlns:a16="http://schemas.microsoft.com/office/drawing/2014/main" xmlns="" id="{C2612454-E3BD-9033-3A24-C867F0DCCC68}"/>
               </a:ext>
             </a:extLst>
           </p:cNvPr>
@@ -5974,7 +6038,7 @@
           <a:lstStyle/>
           <a:p>
             <a:r>
-              <a:rPr kumimoji="1" lang="en-US" altLang="ko-Kore-KR" sz="800" dirty="0">
+              <a:rPr kumimoji="1" lang="en-US" altLang="x-none" sz="800" dirty="0">
                 <a:solidFill>
                   <a:srgbClr val="FF0000"/>
                 </a:solidFill>
@@ -5990,14 +6054,14 @@
               <a:t>2</a:t>
             </a:r>
             <a:r>
-              <a:rPr kumimoji="1" lang="en-US" altLang="ko-Kore-KR" sz="800" dirty="0">
+              <a:rPr kumimoji="1" lang="en-US" altLang="x-none" sz="800" dirty="0">
                 <a:solidFill>
                   <a:srgbClr val="FF0000"/>
                 </a:solidFill>
               </a:rPr>
               <a:t>)</a:t>
             </a:r>
-            <a:endParaRPr kumimoji="1" lang="ko-Kore-KR" altLang="en-US" sz="800" dirty="0">
+            <a:endParaRPr kumimoji="1" lang="x-none" altLang="en-US" sz="800" dirty="0">
               <a:solidFill>
                 <a:srgbClr val="FF0000"/>
               </a:solidFill>
@@ -6005,10 +6069,50 @@
           </a:p>
         </p:txBody>
       </p:sp>
+      <p:sp>
+        <p:nvSpPr>
+          <p:cNvPr id="26" name="모서리가 둥근 직사각형 25"/>
+          <p:cNvSpPr/>
+          <p:nvPr/>
+        </p:nvSpPr>
+        <p:spPr>
+          <a:xfrm>
+            <a:off x="1869989" y="1458097"/>
+            <a:ext cx="2891481" cy="2232454"/>
+          </a:xfrm>
+          <a:prstGeom prst="roundRect">
+            <a:avLst/>
+          </a:prstGeom>
+        </p:spPr>
+        <p:style>
+          <a:lnRef idx="2">
+            <a:schemeClr val="accent1">
+              <a:shade val="50000"/>
+            </a:schemeClr>
+          </a:lnRef>
+          <a:fillRef idx="1">
+            <a:schemeClr val="accent1"/>
+          </a:fillRef>
+          <a:effectRef idx="0">
+            <a:schemeClr val="accent1"/>
+          </a:effectRef>
+          <a:fontRef idx="minor">
+            <a:schemeClr val="lt1"/>
+          </a:fontRef>
+        </p:style>
+        <p:txBody>
+          <a:bodyPr rtlCol="0" anchor="ctr"/>
+          <a:lstStyle/>
+          <a:p>
+            <a:pPr algn="ctr"/>
+            <a:endParaRPr lang="ko-KR" altLang="en-US"/>
+          </a:p>
+        </p:txBody>
+      </p:sp>
     </p:spTree>
     <p:extLst>
       <p:ext uri="{BB962C8B-B14F-4D97-AF65-F5344CB8AC3E}">
-        <p14:creationId xmlns:p14="http://schemas.microsoft.com/office/powerpoint/2010/main" val="3140253659"/>
+        <p14:creationId xmlns:p14="http://schemas.microsoft.com/office/powerpoint/2010/main" xmlns="" val="3140253659"/>
       </p:ext>
     </p:extLst>
   </p:cSld>
@@ -6040,7 +6144,7 @@
           <p:cNvPr id="4" name="TextBox 3">
             <a:extLst>
               <a:ext uri="{FF2B5EF4-FFF2-40B4-BE49-F238E27FC236}">
-                <a16:creationId xmlns:a16="http://schemas.microsoft.com/office/drawing/2014/main" id="{BD8CD8DD-C4CC-E0A3-6C54-134B23682C08}"/>
+                <a16:creationId xmlns:a16="http://schemas.microsoft.com/office/drawing/2014/main" xmlns="" id="{BD8CD8DD-C4CC-E0A3-6C54-134B23682C08}"/>
               </a:ext>
             </a:extLst>
           </p:cNvPr>
@@ -6064,7 +6168,7 @@
           <a:lstStyle/>
           <a:p>
             <a:r>
-              <a:rPr kumimoji="1" lang="ko-Kore-KR" altLang="en-US" dirty="0"/>
+              <a:rPr kumimoji="1" lang="x-none" altLang="en-US" dirty="0"/>
               <a:t>탁송신청</a:t>
             </a:r>
             <a:r>
@@ -6075,7 +6179,7 @@
               <a:rPr kumimoji="1" lang="en-US" altLang="ko-KR" dirty="0"/>
               <a:t>2</a:t>
             </a:r>
-            <a:endParaRPr kumimoji="1" lang="ko-Kore-KR" altLang="en-US" dirty="0"/>
+            <a:endParaRPr kumimoji="1" lang="x-none" altLang="en-US" dirty="0"/>
           </a:p>
         </p:txBody>
       </p:sp>
@@ -6084,7 +6188,7 @@
           <p:cNvPr id="6" name="그림 5">
             <a:extLst>
               <a:ext uri="{FF2B5EF4-FFF2-40B4-BE49-F238E27FC236}">
-                <a16:creationId xmlns:a16="http://schemas.microsoft.com/office/drawing/2014/main" id="{A495CDD8-1ADA-39BE-FD8E-278B20EEA5A3}"/>
+                <a16:creationId xmlns:a16="http://schemas.microsoft.com/office/drawing/2014/main" xmlns="" id="{A495CDD8-1ADA-39BE-FD8E-278B20EEA5A3}"/>
               </a:ext>
             </a:extLst>
           </p:cNvPr>
@@ -6114,7 +6218,7 @@
           <p:cNvPr id="7" name="그림 6">
             <a:extLst>
               <a:ext uri="{FF2B5EF4-FFF2-40B4-BE49-F238E27FC236}">
-                <a16:creationId xmlns:a16="http://schemas.microsoft.com/office/drawing/2014/main" id="{93A5E78C-D36C-FCDC-ED78-3B28641A4CEE}"/>
+                <a16:creationId xmlns:a16="http://schemas.microsoft.com/office/drawing/2014/main" xmlns="" id="{93A5E78C-D36C-FCDC-ED78-3B28641A4CEE}"/>
               </a:ext>
             </a:extLst>
           </p:cNvPr>
@@ -6144,7 +6248,7 @@
           <p:cNvPr id="8" name="표 7">
             <a:extLst>
               <a:ext uri="{FF2B5EF4-FFF2-40B4-BE49-F238E27FC236}">
-                <a16:creationId xmlns:a16="http://schemas.microsoft.com/office/drawing/2014/main" id="{076037DF-7EC3-56C9-8931-DE43AA98581C}"/>
+                <a16:creationId xmlns:a16="http://schemas.microsoft.com/office/drawing/2014/main" xmlns="" id="{076037DF-7EC3-56C9-8931-DE43AA98581C}"/>
               </a:ext>
             </a:extLst>
           </p:cNvPr>
@@ -6154,7 +6258,7 @@
           <p:nvPr>
             <p:extLst>
               <p:ext uri="{D42A27DB-BD31-4B8C-83A1-F6EECF244321}">
-                <p14:modId xmlns:p14="http://schemas.microsoft.com/office/powerpoint/2010/main" val="1231237130"/>
+                <p14:modId xmlns:p14="http://schemas.microsoft.com/office/powerpoint/2010/main" xmlns="" val="1231237130"/>
               </p:ext>
             </p:extLst>
           </p:nvPr>
@@ -6173,14 +6277,14 @@
                 <a:gridCol w="933085">
                   <a:extLst>
                     <a:ext uri="{9D8B030D-6E8A-4147-A177-3AD203B41FA5}">
-                      <a16:colId xmlns:a16="http://schemas.microsoft.com/office/drawing/2014/main" val="1620488559"/>
+                      <a16:colId xmlns:a16="http://schemas.microsoft.com/office/drawing/2014/main" xmlns="" val="1620488559"/>
                     </a:ext>
                   </a:extLst>
                 </a:gridCol>
                 <a:gridCol w="2902934">
                   <a:extLst>
                     <a:ext uri="{9D8B030D-6E8A-4147-A177-3AD203B41FA5}">
-                      <a16:colId xmlns:a16="http://schemas.microsoft.com/office/drawing/2014/main" val="1012869961"/>
+                      <a16:colId xmlns:a16="http://schemas.microsoft.com/office/drawing/2014/main" xmlns="" val="1012869961"/>
                     </a:ext>
                   </a:extLst>
                 </a:gridCol>
@@ -6192,11 +6296,11 @@
                     <a:lstStyle/>
                     <a:p>
                       <a:r>
-                        <a:rPr kumimoji="1" lang="en-US" altLang="ko-Kore-KR" sz="800" b="0" dirty="0" err="1"/>
+                        <a:rPr kumimoji="1" lang="en-US" altLang="x-none" sz="800" b="0" dirty="0" err="1"/>
                         <a:t>Tacsong</a:t>
                       </a:r>
                       <a:r>
-                        <a:rPr kumimoji="1" lang="en-US" altLang="ko-Kore-KR" sz="800" b="0" dirty="0"/>
+                        <a:rPr kumimoji="1" lang="en-US" altLang="x-none" sz="800" b="0" dirty="0"/>
                         <a:t> </a:t>
                       </a:r>
                       <a:r>
@@ -6204,27 +6308,27 @@
                         <a:t>2</a:t>
                       </a:r>
                       <a:r>
-                        <a:rPr kumimoji="1" lang="en-US" altLang="ko-Kore-KR" sz="800" b="0" dirty="0"/>
+                        <a:rPr kumimoji="1" lang="en-US" altLang="x-none" sz="800" b="0" dirty="0"/>
                         <a:t>-1</a:t>
                       </a:r>
-                      <a:endParaRPr lang="ko-Kore-KR" altLang="en-US" sz="800" b="0" dirty="0"/>
-                    </a:p>
-                  </a:txBody>
-                  <a:tcPr/>
-                </a:tc>
-                <a:tc>
-                  <a:txBody>
-                    <a:bodyPr/>
-                    <a:lstStyle/>
-                    <a:p>
-                      <a:endParaRPr lang="ko-Kore-KR" altLang="en-US" sz="800" b="0" dirty="0"/>
+                      <a:endParaRPr lang="x-none" altLang="en-US" sz="800" b="0" dirty="0"/>
+                    </a:p>
+                  </a:txBody>
+                  <a:tcPr/>
+                </a:tc>
+                <a:tc>
+                  <a:txBody>
+                    <a:bodyPr/>
+                    <a:lstStyle/>
+                    <a:p>
+                      <a:endParaRPr lang="x-none" altLang="en-US" sz="800" b="0" dirty="0"/>
                     </a:p>
                   </a:txBody>
                   <a:tcPr/>
                 </a:tc>
                 <a:extLst>
                   <a:ext uri="{0D108BD9-81ED-4DB2-BD59-A6C34878D82A}">
-                    <a16:rowId xmlns:a16="http://schemas.microsoft.com/office/drawing/2014/main" val="302975823"/>
+                    <a16:rowId xmlns:a16="http://schemas.microsoft.com/office/drawing/2014/main" xmlns="" val="302975823"/>
                   </a:ext>
                 </a:extLst>
               </a:tr>
@@ -6235,10 +6339,10 @@
                     <a:lstStyle/>
                     <a:p>
                       <a:r>
-                        <a:rPr lang="en-US" altLang="ko-Kore-KR" sz="800" b="0" dirty="0"/>
+                        <a:rPr lang="en-US" altLang="x-none" sz="800" b="0" dirty="0"/>
                         <a:t>(1)</a:t>
                       </a:r>
-                      <a:endParaRPr lang="ko-Kore-KR" altLang="en-US" sz="800" b="0" dirty="0"/>
+                      <a:endParaRPr lang="x-none" altLang="en-US" sz="800" b="0" dirty="0"/>
                     </a:p>
                   </a:txBody>
                   <a:tcPr/>
@@ -6291,14 +6395,14 @@
                         <a:rPr lang="ko-KR" altLang="en-US" sz="800" b="0" dirty="0"/>
                         <a:t> 페이지에 안내</a:t>
                       </a:r>
-                      <a:endParaRPr lang="ko-Kore-KR" altLang="en-US" sz="800" b="0" dirty="0"/>
+                      <a:endParaRPr lang="x-none" altLang="en-US" sz="800" b="0" dirty="0"/>
                     </a:p>
                   </a:txBody>
                   <a:tcPr/>
                 </a:tc>
                 <a:extLst>
                   <a:ext uri="{0D108BD9-81ED-4DB2-BD59-A6C34878D82A}">
-                    <a16:rowId xmlns:a16="http://schemas.microsoft.com/office/drawing/2014/main" val="2326918455"/>
+                    <a16:rowId xmlns:a16="http://schemas.microsoft.com/office/drawing/2014/main" xmlns="" val="2326918455"/>
                   </a:ext>
                 </a:extLst>
               </a:tr>
@@ -6309,14 +6413,14 @@
                     <a:lstStyle/>
                     <a:p>
                       <a:r>
-                        <a:rPr lang="en-US" altLang="ko-Kore-KR" sz="800" b="0" dirty="0"/>
+                        <a:rPr lang="en-US" altLang="x-none" sz="800" b="0" dirty="0"/>
                         <a:t>(</a:t>
                       </a:r>
                       <a:r>
                         <a:rPr lang="en-US" altLang="ko-KR" sz="800" b="0" dirty="0"/>
                         <a:t>2)</a:t>
                       </a:r>
-                      <a:endParaRPr lang="ko-Kore-KR" altLang="en-US" sz="800" b="0" dirty="0"/>
+                      <a:endParaRPr lang="x-none" altLang="en-US" sz="800" b="0" dirty="0"/>
                     </a:p>
                   </a:txBody>
                   <a:tcPr/>
@@ -6337,7 +6441,7 @@
                 </a:tc>
                 <a:extLst>
                   <a:ext uri="{0D108BD9-81ED-4DB2-BD59-A6C34878D82A}">
-                    <a16:rowId xmlns:a16="http://schemas.microsoft.com/office/drawing/2014/main" val="3257335175"/>
+                    <a16:rowId xmlns:a16="http://schemas.microsoft.com/office/drawing/2014/main" xmlns="" val="3257335175"/>
                   </a:ext>
                 </a:extLst>
               </a:tr>
@@ -6348,25 +6452,25 @@
                     <a:lstStyle/>
                     <a:p>
                       <a:r>
-                        <a:rPr lang="en-US" altLang="ko-Kore-KR" sz="800" b="0" dirty="0"/>
+                        <a:rPr lang="en-US" altLang="x-none" sz="800" b="0" dirty="0"/>
                         <a:t>(</a:t>
                       </a:r>
                       <a:r>
                         <a:rPr lang="en-US" altLang="ko-KR" sz="800" b="0" dirty="0"/>
                         <a:t>3)</a:t>
                       </a:r>
-                      <a:endParaRPr lang="ko-Kore-KR" altLang="en-US" sz="800" b="0" dirty="0"/>
-                    </a:p>
-                  </a:txBody>
-                  <a:tcPr/>
-                </a:tc>
-                <a:tc>
-                  <a:txBody>
-                    <a:bodyPr/>
-                    <a:lstStyle/>
-                    <a:p>
-                      <a:r>
-                        <a:rPr lang="ko-Kore-KR" altLang="en-US" sz="800" b="0" dirty="0"/>
+                      <a:endParaRPr lang="x-none" altLang="en-US" sz="800" b="0" dirty="0"/>
+                    </a:p>
+                  </a:txBody>
+                  <a:tcPr/>
+                </a:tc>
+                <a:tc>
+                  <a:txBody>
+                    <a:bodyPr/>
+                    <a:lstStyle/>
+                    <a:p>
+                      <a:r>
+                        <a:rPr lang="x-none" altLang="en-US" sz="800" b="0" dirty="0"/>
                         <a:t>요금</a:t>
                       </a:r>
                       <a:r>
@@ -6414,14 +6518,14 @@
                         <a:rPr lang="en-US" altLang="ko-KR" sz="800" b="0" dirty="0"/>
                         <a:t>.</a:t>
                       </a:r>
-                      <a:endParaRPr lang="ko-Kore-KR" altLang="en-US" sz="800" b="0" dirty="0"/>
+                      <a:endParaRPr lang="x-none" altLang="en-US" sz="800" b="0" dirty="0"/>
                     </a:p>
                   </a:txBody>
                   <a:tcPr/>
                 </a:tc>
                 <a:extLst>
                   <a:ext uri="{0D108BD9-81ED-4DB2-BD59-A6C34878D82A}">
-                    <a16:rowId xmlns:a16="http://schemas.microsoft.com/office/drawing/2014/main" val="928429091"/>
+                    <a16:rowId xmlns:a16="http://schemas.microsoft.com/office/drawing/2014/main" xmlns="" val="928429091"/>
                   </a:ext>
                 </a:extLst>
               </a:tr>
@@ -6432,14 +6536,14 @@
                     <a:lstStyle/>
                     <a:p>
                       <a:r>
-                        <a:rPr lang="en-US" altLang="ko-Kore-KR" sz="800" b="0" dirty="0"/>
+                        <a:rPr lang="en-US" altLang="x-none" sz="800" b="0" dirty="0"/>
                         <a:t>(</a:t>
                       </a:r>
                       <a:r>
                         <a:rPr lang="en-US" altLang="ko-KR" sz="800" b="0" dirty="0"/>
                         <a:t>4)</a:t>
                       </a:r>
-                      <a:endParaRPr lang="ko-Kore-KR" altLang="en-US" sz="800" b="0" dirty="0"/>
+                      <a:endParaRPr lang="x-none" altLang="en-US" sz="800" b="0" dirty="0"/>
                     </a:p>
                   </a:txBody>
                   <a:tcPr/>
@@ -6465,14 +6569,14 @@
                         <a:rPr lang="en-US" altLang="ko-KR" sz="800" b="0" dirty="0"/>
                         <a:t>.</a:t>
                       </a:r>
-                      <a:endParaRPr lang="ko-Kore-KR" altLang="en-US" sz="800" b="0" dirty="0"/>
+                      <a:endParaRPr lang="x-none" altLang="en-US" sz="800" b="0" dirty="0"/>
                     </a:p>
                   </a:txBody>
                   <a:tcPr/>
                 </a:tc>
                 <a:extLst>
                   <a:ext uri="{0D108BD9-81ED-4DB2-BD59-A6C34878D82A}">
-                    <a16:rowId xmlns:a16="http://schemas.microsoft.com/office/drawing/2014/main" val="1618524605"/>
+                    <a16:rowId xmlns:a16="http://schemas.microsoft.com/office/drawing/2014/main" xmlns="" val="1618524605"/>
                   </a:ext>
                 </a:extLst>
               </a:tr>
@@ -6482,24 +6586,24 @@
                     <a:bodyPr/>
                     <a:lstStyle/>
                     <a:p>
-                      <a:endParaRPr lang="ko-Kore-KR" altLang="en-US" sz="800" b="0" dirty="0"/>
-                    </a:p>
-                  </a:txBody>
-                  <a:tcPr/>
-                </a:tc>
-                <a:tc>
-                  <a:txBody>
-                    <a:bodyPr/>
-                    <a:lstStyle/>
-                    <a:p>
-                      <a:endParaRPr lang="ko-Kore-KR" altLang="en-US" sz="800" b="0" dirty="0"/>
+                      <a:endParaRPr lang="x-none" altLang="en-US" sz="800" b="0" dirty="0"/>
+                    </a:p>
+                  </a:txBody>
+                  <a:tcPr/>
+                </a:tc>
+                <a:tc>
+                  <a:txBody>
+                    <a:bodyPr/>
+                    <a:lstStyle/>
+                    <a:p>
+                      <a:endParaRPr lang="x-none" altLang="en-US" sz="800" b="0" dirty="0"/>
                     </a:p>
                   </a:txBody>
                   <a:tcPr/>
                 </a:tc>
                 <a:extLst>
                   <a:ext uri="{0D108BD9-81ED-4DB2-BD59-A6C34878D82A}">
-                    <a16:rowId xmlns:a16="http://schemas.microsoft.com/office/drawing/2014/main" val="1068815975"/>
+                    <a16:rowId xmlns:a16="http://schemas.microsoft.com/office/drawing/2014/main" xmlns="" val="1068815975"/>
                   </a:ext>
                 </a:extLst>
               </a:tr>
@@ -6509,24 +6613,24 @@
                     <a:bodyPr/>
                     <a:lstStyle/>
                     <a:p>
-                      <a:endParaRPr lang="ko-Kore-KR" altLang="en-US" sz="800" b="0" dirty="0"/>
-                    </a:p>
-                  </a:txBody>
-                  <a:tcPr/>
-                </a:tc>
-                <a:tc>
-                  <a:txBody>
-                    <a:bodyPr/>
-                    <a:lstStyle/>
-                    <a:p>
-                      <a:endParaRPr lang="ko-Kore-KR" altLang="en-US" sz="800" b="0" dirty="0"/>
+                      <a:endParaRPr lang="x-none" altLang="en-US" sz="800" b="0" dirty="0"/>
+                    </a:p>
+                  </a:txBody>
+                  <a:tcPr/>
+                </a:tc>
+                <a:tc>
+                  <a:txBody>
+                    <a:bodyPr/>
+                    <a:lstStyle/>
+                    <a:p>
+                      <a:endParaRPr lang="x-none" altLang="en-US" sz="800" b="0" dirty="0"/>
                     </a:p>
                   </a:txBody>
                   <a:tcPr/>
                 </a:tc>
                 <a:extLst>
                   <a:ext uri="{0D108BD9-81ED-4DB2-BD59-A6C34878D82A}">
-                    <a16:rowId xmlns:a16="http://schemas.microsoft.com/office/drawing/2014/main" val="1264632727"/>
+                    <a16:rowId xmlns:a16="http://schemas.microsoft.com/office/drawing/2014/main" xmlns="" val="1264632727"/>
                   </a:ext>
                 </a:extLst>
               </a:tr>
@@ -6536,24 +6640,24 @@
                     <a:bodyPr/>
                     <a:lstStyle/>
                     <a:p>
-                      <a:endParaRPr lang="ko-Kore-KR" altLang="en-US" sz="800" b="0" dirty="0"/>
-                    </a:p>
-                  </a:txBody>
-                  <a:tcPr/>
-                </a:tc>
-                <a:tc>
-                  <a:txBody>
-                    <a:bodyPr/>
-                    <a:lstStyle/>
-                    <a:p>
-                      <a:endParaRPr lang="ko-Kore-KR" altLang="en-US" sz="800" b="0" dirty="0"/>
+                      <a:endParaRPr lang="x-none" altLang="en-US" sz="800" b="0" dirty="0"/>
+                    </a:p>
+                  </a:txBody>
+                  <a:tcPr/>
+                </a:tc>
+                <a:tc>
+                  <a:txBody>
+                    <a:bodyPr/>
+                    <a:lstStyle/>
+                    <a:p>
+                      <a:endParaRPr lang="x-none" altLang="en-US" sz="800" b="0" dirty="0"/>
                     </a:p>
                   </a:txBody>
                   <a:tcPr/>
                 </a:tc>
                 <a:extLst>
                   <a:ext uri="{0D108BD9-81ED-4DB2-BD59-A6C34878D82A}">
-                    <a16:rowId xmlns:a16="http://schemas.microsoft.com/office/drawing/2014/main" val="2013989199"/>
+                    <a16:rowId xmlns:a16="http://schemas.microsoft.com/office/drawing/2014/main" xmlns="" val="2013989199"/>
                   </a:ext>
                 </a:extLst>
               </a:tr>
@@ -6563,24 +6667,24 @@
                     <a:bodyPr/>
                     <a:lstStyle/>
                     <a:p>
-                      <a:endParaRPr lang="ko-Kore-KR" altLang="en-US" sz="800" b="0" dirty="0"/>
-                    </a:p>
-                  </a:txBody>
-                  <a:tcPr/>
-                </a:tc>
-                <a:tc>
-                  <a:txBody>
-                    <a:bodyPr/>
-                    <a:lstStyle/>
-                    <a:p>
-                      <a:endParaRPr lang="ko-Kore-KR" altLang="en-US" sz="800" b="0" dirty="0"/>
+                      <a:endParaRPr lang="x-none" altLang="en-US" sz="800" b="0" dirty="0"/>
+                    </a:p>
+                  </a:txBody>
+                  <a:tcPr/>
+                </a:tc>
+                <a:tc>
+                  <a:txBody>
+                    <a:bodyPr/>
+                    <a:lstStyle/>
+                    <a:p>
+                      <a:endParaRPr lang="x-none" altLang="en-US" sz="800" b="0" dirty="0"/>
                     </a:p>
                   </a:txBody>
                   <a:tcPr/>
                 </a:tc>
                 <a:extLst>
                   <a:ext uri="{0D108BD9-81ED-4DB2-BD59-A6C34878D82A}">
-                    <a16:rowId xmlns:a16="http://schemas.microsoft.com/office/drawing/2014/main" val="1796191776"/>
+                    <a16:rowId xmlns:a16="http://schemas.microsoft.com/office/drawing/2014/main" xmlns="" val="1796191776"/>
                   </a:ext>
                 </a:extLst>
               </a:tr>
@@ -6590,7 +6694,7 @@
                     <a:bodyPr/>
                     <a:lstStyle/>
                     <a:p>
-                      <a:endParaRPr lang="ko-Kore-KR" altLang="en-US" sz="800" b="0" dirty="0"/>
+                      <a:endParaRPr lang="x-none" altLang="en-US" sz="800" b="0" dirty="0"/>
                     </a:p>
                   </a:txBody>
                   <a:tcPr/>
@@ -6607,7 +6711,7 @@
                 </a:tc>
                 <a:extLst>
                   <a:ext uri="{0D108BD9-81ED-4DB2-BD59-A6C34878D82A}">
-                    <a16:rowId xmlns:a16="http://schemas.microsoft.com/office/drawing/2014/main" val="1158962728"/>
+                    <a16:rowId xmlns:a16="http://schemas.microsoft.com/office/drawing/2014/main" xmlns="" val="1158962728"/>
                   </a:ext>
                 </a:extLst>
               </a:tr>
@@ -6620,7 +6724,7 @@
           <p:cNvPr id="9" name="TextBox 8">
             <a:extLst>
               <a:ext uri="{FF2B5EF4-FFF2-40B4-BE49-F238E27FC236}">
-                <a16:creationId xmlns:a16="http://schemas.microsoft.com/office/drawing/2014/main" id="{30138609-6828-01BA-ED45-5A9AD5F0F763}"/>
+                <a16:creationId xmlns:a16="http://schemas.microsoft.com/office/drawing/2014/main" xmlns="" id="{30138609-6828-01BA-ED45-5A9AD5F0F763}"/>
               </a:ext>
             </a:extLst>
           </p:cNvPr>
@@ -6644,15 +6748,15 @@
           <a:lstStyle/>
           <a:p>
             <a:r>
-              <a:rPr kumimoji="1" lang="en-US" altLang="ko-Kore-KR" sz="800" dirty="0"/>
+              <a:rPr kumimoji="1" lang="en-US" altLang="x-none" sz="800" dirty="0"/>
               <a:t>&lt;</a:t>
             </a:r>
             <a:r>
-              <a:rPr kumimoji="1" lang="en-US" altLang="ko-Kore-KR" sz="800" dirty="0" err="1"/>
+              <a:rPr kumimoji="1" lang="en-US" altLang="x-none" sz="800" dirty="0" err="1"/>
               <a:t>Tacsong</a:t>
             </a:r>
             <a:r>
-              <a:rPr kumimoji="1" lang="en-US" altLang="ko-Kore-KR" sz="800" dirty="0"/>
+              <a:rPr kumimoji="1" lang="en-US" altLang="x-none" sz="800" dirty="0"/>
               <a:t> </a:t>
             </a:r>
             <a:r>
@@ -6660,10 +6764,10 @@
               <a:t>2</a:t>
             </a:r>
             <a:r>
-              <a:rPr kumimoji="1" lang="en-US" altLang="ko-Kore-KR" sz="800" dirty="0"/>
+              <a:rPr kumimoji="1" lang="en-US" altLang="x-none" sz="800" dirty="0"/>
               <a:t>-1&gt;</a:t>
             </a:r>
-            <a:endParaRPr kumimoji="1" lang="ko-Kore-KR" altLang="en-US" sz="800" dirty="0"/>
+            <a:endParaRPr kumimoji="1" lang="x-none" altLang="en-US" sz="800" dirty="0"/>
           </a:p>
         </p:txBody>
       </p:sp>
@@ -6672,7 +6776,7 @@
           <p:cNvPr id="10" name="TextBox 9">
             <a:extLst>
               <a:ext uri="{FF2B5EF4-FFF2-40B4-BE49-F238E27FC236}">
-                <a16:creationId xmlns:a16="http://schemas.microsoft.com/office/drawing/2014/main" id="{BB092ADA-8B82-E219-9D99-BBB3F746F487}"/>
+                <a16:creationId xmlns:a16="http://schemas.microsoft.com/office/drawing/2014/main" xmlns="" id="{BB092ADA-8B82-E219-9D99-BBB3F746F487}"/>
               </a:ext>
             </a:extLst>
           </p:cNvPr>
@@ -6696,15 +6800,15 @@
           <a:lstStyle/>
           <a:p>
             <a:r>
-              <a:rPr kumimoji="1" lang="en-US" altLang="ko-Kore-KR" sz="800" dirty="0"/>
+              <a:rPr kumimoji="1" lang="en-US" altLang="x-none" sz="800" dirty="0"/>
               <a:t>&lt;</a:t>
             </a:r>
             <a:r>
-              <a:rPr kumimoji="1" lang="en-US" altLang="ko-Kore-KR" sz="800" dirty="0" err="1"/>
+              <a:rPr kumimoji="1" lang="en-US" altLang="x-none" sz="800" dirty="0" err="1"/>
               <a:t>Tacsong</a:t>
             </a:r>
             <a:r>
-              <a:rPr kumimoji="1" lang="en-US" altLang="ko-Kore-KR" sz="800" dirty="0"/>
+              <a:rPr kumimoji="1" lang="en-US" altLang="x-none" sz="800" dirty="0"/>
               <a:t> </a:t>
             </a:r>
             <a:r>
@@ -6712,7 +6816,7 @@
               <a:t>2</a:t>
             </a:r>
             <a:r>
-              <a:rPr kumimoji="1" lang="en-US" altLang="ko-Kore-KR" sz="800" dirty="0"/>
+              <a:rPr kumimoji="1" lang="en-US" altLang="x-none" sz="800" dirty="0"/>
               <a:t>-</a:t>
             </a:r>
             <a:r>
@@ -6720,10 +6824,10 @@
               <a:t>2</a:t>
             </a:r>
             <a:r>
-              <a:rPr kumimoji="1" lang="en-US" altLang="ko-Kore-KR" sz="800" dirty="0"/>
+              <a:rPr kumimoji="1" lang="en-US" altLang="x-none" sz="800" dirty="0"/>
               <a:t>&gt;</a:t>
             </a:r>
-            <a:endParaRPr kumimoji="1" lang="ko-Kore-KR" altLang="en-US" sz="800" dirty="0"/>
+            <a:endParaRPr kumimoji="1" lang="x-none" altLang="en-US" sz="800" dirty="0"/>
           </a:p>
         </p:txBody>
       </p:sp>
@@ -6732,7 +6836,7 @@
           <p:cNvPr id="11" name="TextBox 10">
             <a:extLst>
               <a:ext uri="{FF2B5EF4-FFF2-40B4-BE49-F238E27FC236}">
-                <a16:creationId xmlns:a16="http://schemas.microsoft.com/office/drawing/2014/main" id="{05BD7D2B-08C6-5962-23F0-C28F11F892EC}"/>
+                <a16:creationId xmlns:a16="http://schemas.microsoft.com/office/drawing/2014/main" xmlns="" id="{05BD7D2B-08C6-5962-23F0-C28F11F892EC}"/>
               </a:ext>
             </a:extLst>
           </p:cNvPr>
@@ -6756,7 +6860,7 @@
           <a:lstStyle/>
           <a:p>
             <a:r>
-              <a:rPr kumimoji="1" lang="en-US" altLang="ko-Kore-KR" sz="800" dirty="0">
+              <a:rPr kumimoji="1" lang="en-US" altLang="x-none" sz="800" dirty="0">
                 <a:solidFill>
                   <a:srgbClr val="FF0000"/>
                 </a:solidFill>
@@ -6772,14 +6876,14 @@
               <a:t>1</a:t>
             </a:r>
             <a:r>
-              <a:rPr kumimoji="1" lang="en-US" altLang="ko-Kore-KR" sz="800" dirty="0">
+              <a:rPr kumimoji="1" lang="en-US" altLang="x-none" sz="800" dirty="0">
                 <a:solidFill>
                   <a:srgbClr val="FF0000"/>
                 </a:solidFill>
               </a:rPr>
               <a:t>)</a:t>
             </a:r>
-            <a:endParaRPr kumimoji="1" lang="ko-Kore-KR" altLang="en-US" sz="800" dirty="0">
+            <a:endParaRPr kumimoji="1" lang="x-none" altLang="en-US" sz="800" dirty="0">
               <a:solidFill>
                 <a:srgbClr val="FF0000"/>
               </a:solidFill>
@@ -6792,7 +6896,7 @@
           <p:cNvPr id="12" name="TextBox 11">
             <a:extLst>
               <a:ext uri="{FF2B5EF4-FFF2-40B4-BE49-F238E27FC236}">
-                <a16:creationId xmlns:a16="http://schemas.microsoft.com/office/drawing/2014/main" id="{57518FDC-E5F1-F627-74DF-1394B872F9F9}"/>
+                <a16:creationId xmlns:a16="http://schemas.microsoft.com/office/drawing/2014/main" xmlns="" id="{57518FDC-E5F1-F627-74DF-1394B872F9F9}"/>
               </a:ext>
             </a:extLst>
           </p:cNvPr>
@@ -6816,7 +6920,7 @@
           <a:lstStyle/>
           <a:p>
             <a:r>
-              <a:rPr kumimoji="1" lang="en-US" altLang="ko-Kore-KR" sz="800" dirty="0">
+              <a:rPr kumimoji="1" lang="en-US" altLang="x-none" sz="800" dirty="0">
                 <a:solidFill>
                   <a:srgbClr val="FF0000"/>
                 </a:solidFill>
@@ -6832,14 +6936,14 @@
               <a:t>2</a:t>
             </a:r>
             <a:r>
-              <a:rPr kumimoji="1" lang="en-US" altLang="ko-Kore-KR" sz="800" dirty="0">
+              <a:rPr kumimoji="1" lang="en-US" altLang="x-none" sz="800" dirty="0">
                 <a:solidFill>
                   <a:srgbClr val="FF0000"/>
                 </a:solidFill>
               </a:rPr>
               <a:t>)</a:t>
             </a:r>
-            <a:endParaRPr kumimoji="1" lang="ko-Kore-KR" altLang="en-US" sz="800" dirty="0">
+            <a:endParaRPr kumimoji="1" lang="x-none" altLang="en-US" sz="800" dirty="0">
               <a:solidFill>
                 <a:srgbClr val="FF0000"/>
               </a:solidFill>
@@ -6852,7 +6956,7 @@
           <p:cNvPr id="13" name="TextBox 12">
             <a:extLst>
               <a:ext uri="{FF2B5EF4-FFF2-40B4-BE49-F238E27FC236}">
-                <a16:creationId xmlns:a16="http://schemas.microsoft.com/office/drawing/2014/main" id="{9D82916F-4D4B-5FE4-99A1-3E531A35F52B}"/>
+                <a16:creationId xmlns:a16="http://schemas.microsoft.com/office/drawing/2014/main" xmlns="" id="{9D82916F-4D4B-5FE4-99A1-3E531A35F52B}"/>
               </a:ext>
             </a:extLst>
           </p:cNvPr>
@@ -6876,7 +6980,7 @@
           <a:lstStyle/>
           <a:p>
             <a:r>
-              <a:rPr kumimoji="1" lang="en-US" altLang="ko-Kore-KR" sz="800" dirty="0">
+              <a:rPr kumimoji="1" lang="en-US" altLang="x-none" sz="800" dirty="0">
                 <a:solidFill>
                   <a:srgbClr val="FF0000"/>
                 </a:solidFill>
@@ -6892,14 +6996,14 @@
               <a:t>3</a:t>
             </a:r>
             <a:r>
-              <a:rPr kumimoji="1" lang="en-US" altLang="ko-Kore-KR" sz="800" dirty="0">
+              <a:rPr kumimoji="1" lang="en-US" altLang="x-none" sz="800" dirty="0">
                 <a:solidFill>
                   <a:srgbClr val="FF0000"/>
                 </a:solidFill>
               </a:rPr>
               <a:t>)</a:t>
             </a:r>
-            <a:endParaRPr kumimoji="1" lang="ko-Kore-KR" altLang="en-US" sz="800" dirty="0">
+            <a:endParaRPr kumimoji="1" lang="x-none" altLang="en-US" sz="800" dirty="0">
               <a:solidFill>
                 <a:srgbClr val="FF0000"/>
               </a:solidFill>
@@ -6912,7 +7016,7 @@
           <p:cNvPr id="14" name="TextBox 13">
             <a:extLst>
               <a:ext uri="{FF2B5EF4-FFF2-40B4-BE49-F238E27FC236}">
-                <a16:creationId xmlns:a16="http://schemas.microsoft.com/office/drawing/2014/main" id="{A2E1C6F0-174E-224C-E817-246AE04B3457}"/>
+                <a16:creationId xmlns:a16="http://schemas.microsoft.com/office/drawing/2014/main" xmlns="" id="{A2E1C6F0-174E-224C-E817-246AE04B3457}"/>
               </a:ext>
             </a:extLst>
           </p:cNvPr>
@@ -6936,7 +7040,7 @@
           <a:lstStyle/>
           <a:p>
             <a:r>
-              <a:rPr kumimoji="1" lang="en-US" altLang="ko-Kore-KR" sz="800" dirty="0">
+              <a:rPr kumimoji="1" lang="en-US" altLang="x-none" sz="800" dirty="0">
                 <a:solidFill>
                   <a:srgbClr val="FF0000"/>
                 </a:solidFill>
@@ -6952,14 +7056,14 @@
               <a:t>4</a:t>
             </a:r>
             <a:r>
-              <a:rPr kumimoji="1" lang="en-US" altLang="ko-Kore-KR" sz="800" dirty="0">
+              <a:rPr kumimoji="1" lang="en-US" altLang="x-none" sz="800" dirty="0">
                 <a:solidFill>
                   <a:srgbClr val="FF0000"/>
                 </a:solidFill>
               </a:rPr>
               <a:t>)</a:t>
             </a:r>
-            <a:endParaRPr kumimoji="1" lang="ko-Kore-KR" altLang="en-US" sz="800" dirty="0">
+            <a:endParaRPr kumimoji="1" lang="x-none" altLang="en-US" sz="800" dirty="0">
               <a:solidFill>
                 <a:srgbClr val="FF0000"/>
               </a:solidFill>
@@ -6967,10 +7071,50 @@
           </a:p>
         </p:txBody>
       </p:sp>
+      <p:sp>
+        <p:nvSpPr>
+          <p:cNvPr id="15" name="모서리가 둥근 직사각형 14"/>
+          <p:cNvSpPr/>
+          <p:nvPr/>
+        </p:nvSpPr>
+        <p:spPr>
+          <a:xfrm>
+            <a:off x="1869989" y="1458097"/>
+            <a:ext cx="2891481" cy="2232454"/>
+          </a:xfrm>
+          <a:prstGeom prst="roundRect">
+            <a:avLst/>
+          </a:prstGeom>
+        </p:spPr>
+        <p:style>
+          <a:lnRef idx="2">
+            <a:schemeClr val="accent1">
+              <a:shade val="50000"/>
+            </a:schemeClr>
+          </a:lnRef>
+          <a:fillRef idx="1">
+            <a:schemeClr val="accent1"/>
+          </a:fillRef>
+          <a:effectRef idx="0">
+            <a:schemeClr val="accent1"/>
+          </a:effectRef>
+          <a:fontRef idx="minor">
+            <a:schemeClr val="lt1"/>
+          </a:fontRef>
+        </p:style>
+        <p:txBody>
+          <a:bodyPr rtlCol="0" anchor="ctr"/>
+          <a:lstStyle/>
+          <a:p>
+            <a:pPr algn="ctr"/>
+            <a:endParaRPr lang="ko-KR" altLang="en-US"/>
+          </a:p>
+        </p:txBody>
+      </p:sp>
     </p:spTree>
     <p:extLst>
       <p:ext uri="{BB962C8B-B14F-4D97-AF65-F5344CB8AC3E}">
-        <p14:creationId xmlns:p14="http://schemas.microsoft.com/office/powerpoint/2010/main" val="3143765747"/>
+        <p14:creationId xmlns:p14="http://schemas.microsoft.com/office/powerpoint/2010/main" xmlns="" val="3143765747"/>
       </p:ext>
     </p:extLst>
   </p:cSld>
@@ -7002,7 +7146,7 @@
           <p:cNvPr id="4" name="TextBox 3">
             <a:extLst>
               <a:ext uri="{FF2B5EF4-FFF2-40B4-BE49-F238E27FC236}">
-                <a16:creationId xmlns:a16="http://schemas.microsoft.com/office/drawing/2014/main" id="{BD8CD8DD-C4CC-E0A3-6C54-134B23682C08}"/>
+                <a16:creationId xmlns:a16="http://schemas.microsoft.com/office/drawing/2014/main" xmlns="" id="{BD8CD8DD-C4CC-E0A3-6C54-134B23682C08}"/>
               </a:ext>
             </a:extLst>
           </p:cNvPr>
@@ -7026,7 +7170,7 @@
           <a:lstStyle/>
           <a:p>
             <a:r>
-              <a:rPr kumimoji="1" lang="ko-Kore-KR" altLang="en-US" dirty="0"/>
+              <a:rPr kumimoji="1" lang="x-none" altLang="en-US" dirty="0"/>
               <a:t>대리신청</a:t>
             </a:r>
             <a:r>
@@ -7037,7 +7181,7 @@
               <a:rPr kumimoji="1" lang="en-US" altLang="ko-KR" dirty="0"/>
               <a:t>1</a:t>
             </a:r>
-            <a:endParaRPr kumimoji="1" lang="ko-Kore-KR" altLang="en-US" dirty="0"/>
+            <a:endParaRPr kumimoji="1" lang="x-none" altLang="en-US" dirty="0"/>
           </a:p>
         </p:txBody>
       </p:sp>
@@ -7046,7 +7190,7 @@
           <p:cNvPr id="8" name="표 7">
             <a:extLst>
               <a:ext uri="{FF2B5EF4-FFF2-40B4-BE49-F238E27FC236}">
-                <a16:creationId xmlns:a16="http://schemas.microsoft.com/office/drawing/2014/main" id="{076037DF-7EC3-56C9-8931-DE43AA98581C}"/>
+                <a16:creationId xmlns:a16="http://schemas.microsoft.com/office/drawing/2014/main" xmlns="" id="{076037DF-7EC3-56C9-8931-DE43AA98581C}"/>
               </a:ext>
             </a:extLst>
           </p:cNvPr>
@@ -7056,7 +7200,7 @@
           <p:nvPr>
             <p:extLst>
               <p:ext uri="{D42A27DB-BD31-4B8C-83A1-F6EECF244321}">
-                <p14:modId xmlns:p14="http://schemas.microsoft.com/office/powerpoint/2010/main" val="3717802456"/>
+                <p14:modId xmlns:p14="http://schemas.microsoft.com/office/powerpoint/2010/main" xmlns="" val="3717802456"/>
               </p:ext>
             </p:extLst>
           </p:nvPr>
@@ -7075,14 +7219,14 @@
                 <a:gridCol w="933085">
                   <a:extLst>
                     <a:ext uri="{9D8B030D-6E8A-4147-A177-3AD203B41FA5}">
-                      <a16:colId xmlns:a16="http://schemas.microsoft.com/office/drawing/2014/main" val="1620488559"/>
+                      <a16:colId xmlns:a16="http://schemas.microsoft.com/office/drawing/2014/main" xmlns="" val="1620488559"/>
                     </a:ext>
                   </a:extLst>
                 </a:gridCol>
                 <a:gridCol w="2902934">
                   <a:extLst>
                     <a:ext uri="{9D8B030D-6E8A-4147-A177-3AD203B41FA5}">
-                      <a16:colId xmlns:a16="http://schemas.microsoft.com/office/drawing/2014/main" val="1012869961"/>
+                      <a16:colId xmlns:a16="http://schemas.microsoft.com/office/drawing/2014/main" xmlns="" val="1012869961"/>
                     </a:ext>
                   </a:extLst>
                 </a:gridCol>
@@ -7094,11 +7238,11 @@
                     <a:lstStyle/>
                     <a:p>
                       <a:r>
-                        <a:rPr kumimoji="1" lang="en-US" altLang="ko-Kore-KR" sz="800" b="0" dirty="0" err="1"/>
+                        <a:rPr kumimoji="1" lang="en-US" altLang="x-none" sz="800" b="0" dirty="0" err="1"/>
                         <a:t>Tacsong</a:t>
                       </a:r>
                       <a:r>
-                        <a:rPr kumimoji="1" lang="en-US" altLang="ko-Kore-KR" sz="800" b="0" dirty="0"/>
+                        <a:rPr kumimoji="1" lang="en-US" altLang="x-none" sz="800" b="0" dirty="0"/>
                         <a:t> </a:t>
                       </a:r>
                       <a:r>
@@ -7106,27 +7250,27 @@
                         <a:t>2</a:t>
                       </a:r>
                       <a:r>
-                        <a:rPr kumimoji="1" lang="en-US" altLang="ko-Kore-KR" sz="800" b="0" dirty="0"/>
+                        <a:rPr kumimoji="1" lang="en-US" altLang="x-none" sz="800" b="0" dirty="0"/>
                         <a:t>-1</a:t>
                       </a:r>
-                      <a:endParaRPr lang="ko-Kore-KR" altLang="en-US" sz="800" b="0" dirty="0"/>
-                    </a:p>
-                  </a:txBody>
-                  <a:tcPr/>
-                </a:tc>
-                <a:tc>
-                  <a:txBody>
-                    <a:bodyPr/>
-                    <a:lstStyle/>
-                    <a:p>
-                      <a:endParaRPr lang="ko-Kore-KR" altLang="en-US" sz="800" b="0" dirty="0"/>
+                      <a:endParaRPr lang="x-none" altLang="en-US" sz="800" b="0" dirty="0"/>
+                    </a:p>
+                  </a:txBody>
+                  <a:tcPr/>
+                </a:tc>
+                <a:tc>
+                  <a:txBody>
+                    <a:bodyPr/>
+                    <a:lstStyle/>
+                    <a:p>
+                      <a:endParaRPr lang="x-none" altLang="en-US" sz="800" b="0" dirty="0"/>
                     </a:p>
                   </a:txBody>
                   <a:tcPr/>
                 </a:tc>
                 <a:extLst>
                   <a:ext uri="{0D108BD9-81ED-4DB2-BD59-A6C34878D82A}">
-                    <a16:rowId xmlns:a16="http://schemas.microsoft.com/office/drawing/2014/main" val="302975823"/>
+                    <a16:rowId xmlns:a16="http://schemas.microsoft.com/office/drawing/2014/main" xmlns="" val="302975823"/>
                   </a:ext>
                 </a:extLst>
               </a:tr>
@@ -7137,10 +7281,10 @@
                     <a:lstStyle/>
                     <a:p>
                       <a:r>
-                        <a:rPr lang="en-US" altLang="ko-Kore-KR" sz="800" b="0" dirty="0"/>
+                        <a:rPr lang="en-US" altLang="x-none" sz="800" b="0" dirty="0"/>
                         <a:t>(1)</a:t>
                       </a:r>
-                      <a:endParaRPr lang="ko-Kore-KR" altLang="en-US" sz="800" b="0" dirty="0"/>
+                      <a:endParaRPr lang="x-none" altLang="en-US" sz="800" b="0" dirty="0"/>
                     </a:p>
                   </a:txBody>
                   <a:tcPr/>
@@ -7162,14 +7306,14 @@
                         <a:rPr lang="ko-KR" altLang="en-US" sz="800" b="0" dirty="0"/>
                         <a:t> 재설정 버튼</a:t>
                       </a:r>
-                      <a:endParaRPr lang="ko-Kore-KR" altLang="en-US" sz="800" b="0" dirty="0"/>
+                      <a:endParaRPr lang="x-none" altLang="en-US" sz="800" b="0" dirty="0"/>
                     </a:p>
                   </a:txBody>
                   <a:tcPr/>
                 </a:tc>
                 <a:extLst>
                   <a:ext uri="{0D108BD9-81ED-4DB2-BD59-A6C34878D82A}">
-                    <a16:rowId xmlns:a16="http://schemas.microsoft.com/office/drawing/2014/main" val="2326918455"/>
+                    <a16:rowId xmlns:a16="http://schemas.microsoft.com/office/drawing/2014/main" xmlns="" val="2326918455"/>
                   </a:ext>
                 </a:extLst>
               </a:tr>
@@ -7180,14 +7324,14 @@
                     <a:lstStyle/>
                     <a:p>
                       <a:r>
-                        <a:rPr lang="en-US" altLang="ko-Kore-KR" sz="800" b="0" dirty="0"/>
+                        <a:rPr lang="en-US" altLang="x-none" sz="800" b="0" dirty="0"/>
                         <a:t>(</a:t>
                       </a:r>
                       <a:r>
                         <a:rPr lang="en-US" altLang="ko-KR" sz="800" b="0" dirty="0"/>
                         <a:t>2)</a:t>
                       </a:r>
-                      <a:endParaRPr lang="ko-Kore-KR" altLang="en-US" sz="800" b="0" dirty="0"/>
+                      <a:endParaRPr lang="x-none" altLang="en-US" sz="800" b="0" dirty="0"/>
                     </a:p>
                   </a:txBody>
                   <a:tcPr/>
@@ -7208,7 +7352,7 @@
                 </a:tc>
                 <a:extLst>
                   <a:ext uri="{0D108BD9-81ED-4DB2-BD59-A6C34878D82A}">
-                    <a16:rowId xmlns:a16="http://schemas.microsoft.com/office/drawing/2014/main" val="3257335175"/>
+                    <a16:rowId xmlns:a16="http://schemas.microsoft.com/office/drawing/2014/main" xmlns="" val="3257335175"/>
                   </a:ext>
                 </a:extLst>
               </a:tr>
@@ -7219,14 +7363,14 @@
                     <a:lstStyle/>
                     <a:p>
                       <a:r>
-                        <a:rPr lang="en-US" altLang="ko-Kore-KR" sz="800" b="0" dirty="0"/>
+                        <a:rPr lang="en-US" altLang="x-none" sz="800" b="0" dirty="0"/>
                         <a:t>(</a:t>
                       </a:r>
                       <a:r>
                         <a:rPr lang="en-US" altLang="ko-KR" sz="800" b="0" dirty="0"/>
                         <a:t>3)</a:t>
                       </a:r>
-                      <a:endParaRPr lang="ko-Kore-KR" altLang="en-US" sz="800" b="0" dirty="0"/>
+                      <a:endParaRPr lang="x-none" altLang="en-US" sz="800" b="0" dirty="0"/>
                     </a:p>
                   </a:txBody>
                   <a:tcPr/>
@@ -7252,14 +7396,14 @@
                         <a:rPr lang="ko-KR" altLang="en-US" sz="800" b="0" dirty="0"/>
                         <a:t> 레이어 팝업 노출 버튼</a:t>
                       </a:r>
-                      <a:endParaRPr lang="ko-Kore-KR" altLang="en-US" sz="800" b="0" dirty="0"/>
+                      <a:endParaRPr lang="x-none" altLang="en-US" sz="800" b="0" dirty="0"/>
                     </a:p>
                   </a:txBody>
                   <a:tcPr/>
                 </a:tc>
                 <a:extLst>
                   <a:ext uri="{0D108BD9-81ED-4DB2-BD59-A6C34878D82A}">
-                    <a16:rowId xmlns:a16="http://schemas.microsoft.com/office/drawing/2014/main" val="928429091"/>
+                    <a16:rowId xmlns:a16="http://schemas.microsoft.com/office/drawing/2014/main" xmlns="" val="928429091"/>
                   </a:ext>
                 </a:extLst>
               </a:tr>
@@ -7270,14 +7414,14 @@
                     <a:lstStyle/>
                     <a:p>
                       <a:r>
-                        <a:rPr lang="en-US" altLang="ko-Kore-KR" sz="800" b="0" dirty="0"/>
+                        <a:rPr lang="en-US" altLang="x-none" sz="800" b="0" dirty="0"/>
                         <a:t>(</a:t>
                       </a:r>
                       <a:r>
                         <a:rPr lang="en-US" altLang="ko-KR" sz="800" b="0" dirty="0"/>
                         <a:t>4)</a:t>
                       </a:r>
-                      <a:endParaRPr lang="ko-Kore-KR" altLang="en-US" sz="800" b="0" dirty="0"/>
+                      <a:endParaRPr lang="x-none" altLang="en-US" sz="800" b="0" dirty="0"/>
                     </a:p>
                   </a:txBody>
                   <a:tcPr/>
@@ -7318,7 +7462,7 @@
                       <a:endParaRPr lang="en-US" altLang="ko-KR" sz="800" b="0" dirty="0"/>
                     </a:p>
                     <a:p>
-                      <a:endParaRPr lang="en-US" altLang="ko-Kore-KR" sz="800" b="0" dirty="0"/>
+                      <a:endParaRPr lang="en-US" altLang="x-none" sz="800" b="0" dirty="0"/>
                     </a:p>
                     <a:p>
                       <a:r>
@@ -7369,14 +7513,14 @@
                         <a:rPr lang="en-US" altLang="ko-KR" sz="800" b="0" dirty="0"/>
                         <a:t>.</a:t>
                       </a:r>
-                      <a:endParaRPr lang="ko-Kore-KR" altLang="en-US" sz="800" b="0" dirty="0"/>
+                      <a:endParaRPr lang="x-none" altLang="en-US" sz="800" b="0" dirty="0"/>
                     </a:p>
                   </a:txBody>
                   <a:tcPr/>
                 </a:tc>
                 <a:extLst>
                   <a:ext uri="{0D108BD9-81ED-4DB2-BD59-A6C34878D82A}">
-                    <a16:rowId xmlns:a16="http://schemas.microsoft.com/office/drawing/2014/main" val="1618524605"/>
+                    <a16:rowId xmlns:a16="http://schemas.microsoft.com/office/drawing/2014/main" xmlns="" val="1618524605"/>
                   </a:ext>
                 </a:extLst>
               </a:tr>
@@ -7386,24 +7530,24 @@
                     <a:bodyPr/>
                     <a:lstStyle/>
                     <a:p>
-                      <a:endParaRPr lang="ko-Kore-KR" altLang="en-US" sz="800" b="0" dirty="0"/>
-                    </a:p>
-                  </a:txBody>
-                  <a:tcPr/>
-                </a:tc>
-                <a:tc>
-                  <a:txBody>
-                    <a:bodyPr/>
-                    <a:lstStyle/>
-                    <a:p>
-                      <a:endParaRPr lang="ko-Kore-KR" altLang="en-US" sz="800" b="0" dirty="0"/>
+                      <a:endParaRPr lang="x-none" altLang="en-US" sz="800" b="0" dirty="0"/>
+                    </a:p>
+                  </a:txBody>
+                  <a:tcPr/>
+                </a:tc>
+                <a:tc>
+                  <a:txBody>
+                    <a:bodyPr/>
+                    <a:lstStyle/>
+                    <a:p>
+                      <a:endParaRPr lang="x-none" altLang="en-US" sz="800" b="0" dirty="0"/>
                     </a:p>
                   </a:txBody>
                   <a:tcPr/>
                 </a:tc>
                 <a:extLst>
                   <a:ext uri="{0D108BD9-81ED-4DB2-BD59-A6C34878D82A}">
-                    <a16:rowId xmlns:a16="http://schemas.microsoft.com/office/drawing/2014/main" val="1068815975"/>
+                    <a16:rowId xmlns:a16="http://schemas.microsoft.com/office/drawing/2014/main" xmlns="" val="1068815975"/>
                   </a:ext>
                 </a:extLst>
               </a:tr>
@@ -7413,24 +7557,24 @@
                     <a:bodyPr/>
                     <a:lstStyle/>
                     <a:p>
-                      <a:endParaRPr lang="ko-Kore-KR" altLang="en-US" sz="800" b="0" dirty="0"/>
-                    </a:p>
-                  </a:txBody>
-                  <a:tcPr/>
-                </a:tc>
-                <a:tc>
-                  <a:txBody>
-                    <a:bodyPr/>
-                    <a:lstStyle/>
-                    <a:p>
-                      <a:endParaRPr lang="ko-Kore-KR" altLang="en-US" sz="800" b="0" dirty="0"/>
+                      <a:endParaRPr lang="x-none" altLang="en-US" sz="800" b="0" dirty="0"/>
+                    </a:p>
+                  </a:txBody>
+                  <a:tcPr/>
+                </a:tc>
+                <a:tc>
+                  <a:txBody>
+                    <a:bodyPr/>
+                    <a:lstStyle/>
+                    <a:p>
+                      <a:endParaRPr lang="x-none" altLang="en-US" sz="800" b="0" dirty="0"/>
                     </a:p>
                   </a:txBody>
                   <a:tcPr/>
                 </a:tc>
                 <a:extLst>
                   <a:ext uri="{0D108BD9-81ED-4DB2-BD59-A6C34878D82A}">
-                    <a16:rowId xmlns:a16="http://schemas.microsoft.com/office/drawing/2014/main" val="1264632727"/>
+                    <a16:rowId xmlns:a16="http://schemas.microsoft.com/office/drawing/2014/main" xmlns="" val="1264632727"/>
                   </a:ext>
                 </a:extLst>
               </a:tr>
@@ -7440,24 +7584,24 @@
                     <a:bodyPr/>
                     <a:lstStyle/>
                     <a:p>
-                      <a:endParaRPr lang="ko-Kore-KR" altLang="en-US" sz="800" b="0" dirty="0"/>
-                    </a:p>
-                  </a:txBody>
-                  <a:tcPr/>
-                </a:tc>
-                <a:tc>
-                  <a:txBody>
-                    <a:bodyPr/>
-                    <a:lstStyle/>
-                    <a:p>
-                      <a:endParaRPr lang="ko-Kore-KR" altLang="en-US" sz="800" b="0" dirty="0"/>
+                      <a:endParaRPr lang="x-none" altLang="en-US" sz="800" b="0" dirty="0"/>
+                    </a:p>
+                  </a:txBody>
+                  <a:tcPr/>
+                </a:tc>
+                <a:tc>
+                  <a:txBody>
+                    <a:bodyPr/>
+                    <a:lstStyle/>
+                    <a:p>
+                      <a:endParaRPr lang="x-none" altLang="en-US" sz="800" b="0" dirty="0"/>
                     </a:p>
                   </a:txBody>
                   <a:tcPr/>
                 </a:tc>
                 <a:extLst>
                   <a:ext uri="{0D108BD9-81ED-4DB2-BD59-A6C34878D82A}">
-                    <a16:rowId xmlns:a16="http://schemas.microsoft.com/office/drawing/2014/main" val="2013989199"/>
+                    <a16:rowId xmlns:a16="http://schemas.microsoft.com/office/drawing/2014/main" xmlns="" val="2013989199"/>
                   </a:ext>
                 </a:extLst>
               </a:tr>
@@ -7467,24 +7611,24 @@
                     <a:bodyPr/>
                     <a:lstStyle/>
                     <a:p>
-                      <a:endParaRPr lang="ko-Kore-KR" altLang="en-US" sz="800" b="0" dirty="0"/>
-                    </a:p>
-                  </a:txBody>
-                  <a:tcPr/>
-                </a:tc>
-                <a:tc>
-                  <a:txBody>
-                    <a:bodyPr/>
-                    <a:lstStyle/>
-                    <a:p>
-                      <a:endParaRPr lang="ko-Kore-KR" altLang="en-US" sz="800" b="0" dirty="0"/>
+                      <a:endParaRPr lang="x-none" altLang="en-US" sz="800" b="0" dirty="0"/>
+                    </a:p>
+                  </a:txBody>
+                  <a:tcPr/>
+                </a:tc>
+                <a:tc>
+                  <a:txBody>
+                    <a:bodyPr/>
+                    <a:lstStyle/>
+                    <a:p>
+                      <a:endParaRPr lang="x-none" altLang="en-US" sz="800" b="0" dirty="0"/>
                     </a:p>
                   </a:txBody>
                   <a:tcPr/>
                 </a:tc>
                 <a:extLst>
                   <a:ext uri="{0D108BD9-81ED-4DB2-BD59-A6C34878D82A}">
-                    <a16:rowId xmlns:a16="http://schemas.microsoft.com/office/drawing/2014/main" val="1796191776"/>
+                    <a16:rowId xmlns:a16="http://schemas.microsoft.com/office/drawing/2014/main" xmlns="" val="1796191776"/>
                   </a:ext>
                 </a:extLst>
               </a:tr>
@@ -7494,7 +7638,7 @@
                     <a:bodyPr/>
                     <a:lstStyle/>
                     <a:p>
-                      <a:endParaRPr lang="ko-Kore-KR" altLang="en-US" sz="800" b="0" dirty="0"/>
+                      <a:endParaRPr lang="x-none" altLang="en-US" sz="800" b="0" dirty="0"/>
                     </a:p>
                   </a:txBody>
                   <a:tcPr/>
@@ -7511,7 +7655,7 @@
                 </a:tc>
                 <a:extLst>
                   <a:ext uri="{0D108BD9-81ED-4DB2-BD59-A6C34878D82A}">
-                    <a16:rowId xmlns:a16="http://schemas.microsoft.com/office/drawing/2014/main" val="1158962728"/>
+                    <a16:rowId xmlns:a16="http://schemas.microsoft.com/office/drawing/2014/main" xmlns="" val="1158962728"/>
                   </a:ext>
                 </a:extLst>
               </a:tr>
@@ -7524,7 +7668,7 @@
           <p:cNvPr id="10" name="TextBox 9">
             <a:extLst>
               <a:ext uri="{FF2B5EF4-FFF2-40B4-BE49-F238E27FC236}">
-                <a16:creationId xmlns:a16="http://schemas.microsoft.com/office/drawing/2014/main" id="{BB092ADA-8B82-E219-9D99-BBB3F746F487}"/>
+                <a16:creationId xmlns:a16="http://schemas.microsoft.com/office/drawing/2014/main" xmlns="" id="{BB092ADA-8B82-E219-9D99-BBB3F746F487}"/>
               </a:ext>
             </a:extLst>
           </p:cNvPr>
@@ -7548,15 +7692,15 @@
           <a:lstStyle/>
           <a:p>
             <a:r>
-              <a:rPr kumimoji="1" lang="en-US" altLang="ko-Kore-KR" sz="800" dirty="0"/>
+              <a:rPr kumimoji="1" lang="en-US" altLang="x-none" sz="800" dirty="0"/>
               <a:t>&lt;</a:t>
             </a:r>
             <a:r>
-              <a:rPr kumimoji="1" lang="en-US" altLang="ko-Kore-KR" sz="800" dirty="0" err="1"/>
+              <a:rPr kumimoji="1" lang="en-US" altLang="x-none" sz="800" dirty="0" err="1"/>
               <a:t>Daeri</a:t>
             </a:r>
             <a:r>
-              <a:rPr kumimoji="1" lang="en-US" altLang="ko-Kore-KR" sz="800" dirty="0"/>
+              <a:rPr kumimoji="1" lang="en-US" altLang="x-none" sz="800" dirty="0"/>
               <a:t> </a:t>
             </a:r>
             <a:r>
@@ -7564,7 +7708,7 @@
               <a:t>1</a:t>
             </a:r>
             <a:r>
-              <a:rPr kumimoji="1" lang="en-US" altLang="ko-Kore-KR" sz="800" dirty="0"/>
+              <a:rPr kumimoji="1" lang="en-US" altLang="x-none" sz="800" dirty="0"/>
               <a:t>-</a:t>
             </a:r>
             <a:r>
@@ -7572,10 +7716,10 @@
               <a:t>1</a:t>
             </a:r>
             <a:r>
-              <a:rPr kumimoji="1" lang="en-US" altLang="ko-Kore-KR" sz="800" dirty="0"/>
+              <a:rPr kumimoji="1" lang="en-US" altLang="x-none" sz="800" dirty="0"/>
               <a:t>&gt;</a:t>
             </a:r>
-            <a:endParaRPr kumimoji="1" lang="ko-Kore-KR" altLang="en-US" sz="800" dirty="0"/>
+            <a:endParaRPr kumimoji="1" lang="x-none" altLang="en-US" sz="800" dirty="0"/>
           </a:p>
         </p:txBody>
       </p:sp>
@@ -7584,7 +7728,7 @@
           <p:cNvPr id="3" name="그림 2">
             <a:extLst>
               <a:ext uri="{FF2B5EF4-FFF2-40B4-BE49-F238E27FC236}">
-                <a16:creationId xmlns:a16="http://schemas.microsoft.com/office/drawing/2014/main" id="{DF8D1009-2A4E-E848-D315-CC1697CE3BB5}"/>
+                <a16:creationId xmlns:a16="http://schemas.microsoft.com/office/drawing/2014/main" xmlns="" id="{DF8D1009-2A4E-E848-D315-CC1697CE3BB5}"/>
               </a:ext>
             </a:extLst>
           </p:cNvPr>
@@ -7614,7 +7758,7 @@
           <p:cNvPr id="5" name="TextBox 4">
             <a:extLst>
               <a:ext uri="{FF2B5EF4-FFF2-40B4-BE49-F238E27FC236}">
-                <a16:creationId xmlns:a16="http://schemas.microsoft.com/office/drawing/2014/main" id="{6AA58589-D14A-050F-4661-A34E59E68F34}"/>
+                <a16:creationId xmlns:a16="http://schemas.microsoft.com/office/drawing/2014/main" xmlns="" id="{6AA58589-D14A-050F-4661-A34E59E68F34}"/>
               </a:ext>
             </a:extLst>
           </p:cNvPr>
@@ -7638,7 +7782,7 @@
           <a:lstStyle/>
           <a:p>
             <a:r>
-              <a:rPr kumimoji="1" lang="en-US" altLang="ko-Kore-KR" sz="800" dirty="0">
+              <a:rPr kumimoji="1" lang="en-US" altLang="x-none" sz="800" dirty="0">
                 <a:solidFill>
                   <a:srgbClr val="FF0000"/>
                 </a:solidFill>
@@ -7654,14 +7798,14 @@
               <a:t>1</a:t>
             </a:r>
             <a:r>
-              <a:rPr kumimoji="1" lang="en-US" altLang="ko-Kore-KR" sz="800" dirty="0">
+              <a:rPr kumimoji="1" lang="en-US" altLang="x-none" sz="800" dirty="0">
                 <a:solidFill>
                   <a:srgbClr val="FF0000"/>
                 </a:solidFill>
               </a:rPr>
               <a:t>)</a:t>
             </a:r>
-            <a:endParaRPr kumimoji="1" lang="ko-Kore-KR" altLang="en-US" sz="800" dirty="0">
+            <a:endParaRPr kumimoji="1" lang="x-none" altLang="en-US" sz="800" dirty="0">
               <a:solidFill>
                 <a:srgbClr val="FF0000"/>
               </a:solidFill>
@@ -7674,7 +7818,7 @@
           <p:cNvPr id="15" name="TextBox 14">
             <a:extLst>
               <a:ext uri="{FF2B5EF4-FFF2-40B4-BE49-F238E27FC236}">
-                <a16:creationId xmlns:a16="http://schemas.microsoft.com/office/drawing/2014/main" id="{D96FE72F-4BAB-E7BF-D13C-1C27E5920752}"/>
+                <a16:creationId xmlns:a16="http://schemas.microsoft.com/office/drawing/2014/main" xmlns="" id="{D96FE72F-4BAB-E7BF-D13C-1C27E5920752}"/>
               </a:ext>
             </a:extLst>
           </p:cNvPr>
@@ -7698,7 +7842,7 @@
           <a:lstStyle/>
           <a:p>
             <a:r>
-              <a:rPr kumimoji="1" lang="en-US" altLang="ko-Kore-KR" sz="800" dirty="0">
+              <a:rPr kumimoji="1" lang="en-US" altLang="x-none" sz="800" dirty="0">
                 <a:solidFill>
                   <a:srgbClr val="FF0000"/>
                 </a:solidFill>
@@ -7714,14 +7858,14 @@
               <a:t>2</a:t>
             </a:r>
             <a:r>
-              <a:rPr kumimoji="1" lang="en-US" altLang="ko-Kore-KR" sz="800" dirty="0">
+              <a:rPr kumimoji="1" lang="en-US" altLang="x-none" sz="800" dirty="0">
                 <a:solidFill>
                   <a:srgbClr val="FF0000"/>
                 </a:solidFill>
               </a:rPr>
               <a:t>)</a:t>
             </a:r>
-            <a:endParaRPr kumimoji="1" lang="ko-Kore-KR" altLang="en-US" sz="800" dirty="0">
+            <a:endParaRPr kumimoji="1" lang="x-none" altLang="en-US" sz="800" dirty="0">
               <a:solidFill>
                 <a:srgbClr val="FF0000"/>
               </a:solidFill>
@@ -7734,7 +7878,7 @@
           <p:cNvPr id="16" name="TextBox 15">
             <a:extLst>
               <a:ext uri="{FF2B5EF4-FFF2-40B4-BE49-F238E27FC236}">
-                <a16:creationId xmlns:a16="http://schemas.microsoft.com/office/drawing/2014/main" id="{70F383FC-30E3-4204-347D-9AC412EE77D4}"/>
+                <a16:creationId xmlns:a16="http://schemas.microsoft.com/office/drawing/2014/main" xmlns="" id="{70F383FC-30E3-4204-347D-9AC412EE77D4}"/>
               </a:ext>
             </a:extLst>
           </p:cNvPr>
@@ -7758,7 +7902,7 @@
           <a:lstStyle/>
           <a:p>
             <a:r>
-              <a:rPr kumimoji="1" lang="en-US" altLang="ko-Kore-KR" sz="800" dirty="0">
+              <a:rPr kumimoji="1" lang="en-US" altLang="x-none" sz="800" dirty="0">
                 <a:solidFill>
                   <a:srgbClr val="FF0000"/>
                 </a:solidFill>
@@ -7774,14 +7918,14 @@
               <a:t>3</a:t>
             </a:r>
             <a:r>
-              <a:rPr kumimoji="1" lang="en-US" altLang="ko-Kore-KR" sz="800" dirty="0">
+              <a:rPr kumimoji="1" lang="en-US" altLang="x-none" sz="800" dirty="0">
                 <a:solidFill>
                   <a:srgbClr val="FF0000"/>
                 </a:solidFill>
               </a:rPr>
               <a:t>)</a:t>
             </a:r>
-            <a:endParaRPr kumimoji="1" lang="ko-Kore-KR" altLang="en-US" sz="800" dirty="0">
+            <a:endParaRPr kumimoji="1" lang="x-none" altLang="en-US" sz="800" dirty="0">
               <a:solidFill>
                 <a:srgbClr val="FF0000"/>
               </a:solidFill>
@@ -7794,7 +7938,7 @@
           <p:cNvPr id="17" name="TextBox 16">
             <a:extLst>
               <a:ext uri="{FF2B5EF4-FFF2-40B4-BE49-F238E27FC236}">
-                <a16:creationId xmlns:a16="http://schemas.microsoft.com/office/drawing/2014/main" id="{CD3C8729-841F-872B-8E73-EED9523E9CB0}"/>
+                <a16:creationId xmlns:a16="http://schemas.microsoft.com/office/drawing/2014/main" xmlns="" id="{CD3C8729-841F-872B-8E73-EED9523E9CB0}"/>
               </a:ext>
             </a:extLst>
           </p:cNvPr>
@@ -7818,7 +7962,7 @@
           <a:lstStyle/>
           <a:p>
             <a:r>
-              <a:rPr kumimoji="1" lang="en-US" altLang="ko-Kore-KR" sz="800" dirty="0">
+              <a:rPr kumimoji="1" lang="en-US" altLang="x-none" sz="800" dirty="0">
                 <a:solidFill>
                   <a:srgbClr val="FF0000"/>
                 </a:solidFill>
@@ -7834,14 +7978,14 @@
               <a:t>4</a:t>
             </a:r>
             <a:r>
-              <a:rPr kumimoji="1" lang="en-US" altLang="ko-Kore-KR" sz="800" dirty="0">
+              <a:rPr kumimoji="1" lang="en-US" altLang="x-none" sz="800" dirty="0">
                 <a:solidFill>
                   <a:srgbClr val="FF0000"/>
                 </a:solidFill>
               </a:rPr>
               <a:t>)</a:t>
             </a:r>
-            <a:endParaRPr kumimoji="1" lang="ko-Kore-KR" altLang="en-US" sz="800" dirty="0">
+            <a:endParaRPr kumimoji="1" lang="x-none" altLang="en-US" sz="800" dirty="0">
               <a:solidFill>
                 <a:srgbClr val="FF0000"/>
               </a:solidFill>
@@ -7852,7 +7996,7 @@
     </p:spTree>
     <p:extLst>
       <p:ext uri="{BB962C8B-B14F-4D97-AF65-F5344CB8AC3E}">
-        <p14:creationId xmlns:p14="http://schemas.microsoft.com/office/powerpoint/2010/main" val="1725047857"/>
+        <p14:creationId xmlns:p14="http://schemas.microsoft.com/office/powerpoint/2010/main" xmlns="" val="1725047857"/>
       </p:ext>
     </p:extLst>
   </p:cSld>
@@ -7884,7 +8028,7 @@
           <p:cNvPr id="4" name="TextBox 3">
             <a:extLst>
               <a:ext uri="{FF2B5EF4-FFF2-40B4-BE49-F238E27FC236}">
-                <a16:creationId xmlns:a16="http://schemas.microsoft.com/office/drawing/2014/main" id="{BD8CD8DD-C4CC-E0A3-6C54-134B23682C08}"/>
+                <a16:creationId xmlns:a16="http://schemas.microsoft.com/office/drawing/2014/main" xmlns="" id="{BD8CD8DD-C4CC-E0A3-6C54-134B23682C08}"/>
               </a:ext>
             </a:extLst>
           </p:cNvPr>
@@ -7911,7 +8055,7 @@
               <a:rPr kumimoji="1" lang="ko-KR" altLang="en-US" dirty="0"/>
               <a:t>결제</a:t>
             </a:r>
-            <a:endParaRPr kumimoji="1" lang="ko-Kore-KR" altLang="en-US" dirty="0"/>
+            <a:endParaRPr kumimoji="1" lang="x-none" altLang="en-US" dirty="0"/>
           </a:p>
         </p:txBody>
       </p:sp>
@@ -7920,7 +8064,7 @@
           <p:cNvPr id="8" name="표 7">
             <a:extLst>
               <a:ext uri="{FF2B5EF4-FFF2-40B4-BE49-F238E27FC236}">
-                <a16:creationId xmlns:a16="http://schemas.microsoft.com/office/drawing/2014/main" id="{076037DF-7EC3-56C9-8931-DE43AA98581C}"/>
+                <a16:creationId xmlns:a16="http://schemas.microsoft.com/office/drawing/2014/main" xmlns="" id="{076037DF-7EC3-56C9-8931-DE43AA98581C}"/>
               </a:ext>
             </a:extLst>
           </p:cNvPr>
@@ -7930,7 +8074,7 @@
           <p:nvPr>
             <p:extLst>
               <p:ext uri="{D42A27DB-BD31-4B8C-83A1-F6EECF244321}">
-                <p14:modId xmlns:p14="http://schemas.microsoft.com/office/powerpoint/2010/main" val="2826112934"/>
+                <p14:modId xmlns:p14="http://schemas.microsoft.com/office/powerpoint/2010/main" xmlns="" val="2826112934"/>
               </p:ext>
             </p:extLst>
           </p:nvPr>
@@ -7949,14 +8093,14 @@
                 <a:gridCol w="933085">
                   <a:extLst>
                     <a:ext uri="{9D8B030D-6E8A-4147-A177-3AD203B41FA5}">
-                      <a16:colId xmlns:a16="http://schemas.microsoft.com/office/drawing/2014/main" val="1620488559"/>
+                      <a16:colId xmlns:a16="http://schemas.microsoft.com/office/drawing/2014/main" xmlns="" val="1620488559"/>
                     </a:ext>
                   </a:extLst>
                 </a:gridCol>
                 <a:gridCol w="2902934">
                   <a:extLst>
                     <a:ext uri="{9D8B030D-6E8A-4147-A177-3AD203B41FA5}">
-                      <a16:colId xmlns:a16="http://schemas.microsoft.com/office/drawing/2014/main" val="1012869961"/>
+                      <a16:colId xmlns:a16="http://schemas.microsoft.com/office/drawing/2014/main" xmlns="" val="1012869961"/>
                     </a:ext>
                   </a:extLst>
                 </a:gridCol>
@@ -7968,7 +8112,7 @@
                     <a:lstStyle/>
                     <a:p>
                       <a:r>
-                        <a:rPr kumimoji="1" lang="en-US" altLang="ko-Kore-KR" sz="800" b="0" dirty="0"/>
+                        <a:rPr kumimoji="1" lang="en-US" altLang="x-none" sz="800" b="0" dirty="0"/>
                         <a:t>Pay </a:t>
                       </a:r>
                       <a:r>
@@ -7976,27 +8120,27 @@
                         <a:t>1</a:t>
                       </a:r>
                       <a:r>
-                        <a:rPr kumimoji="1" lang="en-US" altLang="ko-Kore-KR" sz="800" b="0" dirty="0"/>
+                        <a:rPr kumimoji="1" lang="en-US" altLang="x-none" sz="800" b="0" dirty="0"/>
                         <a:t>-1</a:t>
                       </a:r>
-                      <a:endParaRPr lang="ko-Kore-KR" altLang="en-US" sz="800" b="0" dirty="0"/>
-                    </a:p>
-                  </a:txBody>
-                  <a:tcPr/>
-                </a:tc>
-                <a:tc>
-                  <a:txBody>
-                    <a:bodyPr/>
-                    <a:lstStyle/>
-                    <a:p>
-                      <a:endParaRPr lang="ko-Kore-KR" altLang="en-US" sz="800" b="0" dirty="0"/>
+                      <a:endParaRPr lang="x-none" altLang="en-US" sz="800" b="0" dirty="0"/>
+                    </a:p>
+                  </a:txBody>
+                  <a:tcPr/>
+                </a:tc>
+                <a:tc>
+                  <a:txBody>
+                    <a:bodyPr/>
+                    <a:lstStyle/>
+                    <a:p>
+                      <a:endParaRPr lang="x-none" altLang="en-US" sz="800" b="0" dirty="0"/>
                     </a:p>
                   </a:txBody>
                   <a:tcPr/>
                 </a:tc>
                 <a:extLst>
                   <a:ext uri="{0D108BD9-81ED-4DB2-BD59-A6C34878D82A}">
-                    <a16:rowId xmlns:a16="http://schemas.microsoft.com/office/drawing/2014/main" val="302975823"/>
+                    <a16:rowId xmlns:a16="http://schemas.microsoft.com/office/drawing/2014/main" xmlns="" val="302975823"/>
                   </a:ext>
                 </a:extLst>
               </a:tr>
@@ -8007,10 +8151,10 @@
                     <a:lstStyle/>
                     <a:p>
                       <a:r>
-                        <a:rPr lang="en-US" altLang="ko-Kore-KR" sz="800" b="0" dirty="0"/>
+                        <a:rPr lang="en-US" altLang="x-none" sz="800" b="0" dirty="0"/>
                         <a:t>(1)</a:t>
                       </a:r>
-                      <a:endParaRPr lang="ko-Kore-KR" altLang="en-US" sz="800" b="0" dirty="0"/>
+                      <a:endParaRPr lang="x-none" altLang="en-US" sz="800" b="0" dirty="0"/>
                     </a:p>
                   </a:txBody>
                   <a:tcPr/>
@@ -8032,14 +8176,14 @@
                         <a:rPr lang="ko-KR" altLang="en-US" sz="800" b="0" dirty="0"/>
                         <a:t> 현금 결제 카테고리 선택 버튼</a:t>
                       </a:r>
-                      <a:endParaRPr lang="ko-Kore-KR" altLang="en-US" sz="800" b="0" dirty="0"/>
+                      <a:endParaRPr lang="x-none" altLang="en-US" sz="800" b="0" dirty="0"/>
                     </a:p>
                   </a:txBody>
                   <a:tcPr/>
                 </a:tc>
                 <a:extLst>
                   <a:ext uri="{0D108BD9-81ED-4DB2-BD59-A6C34878D82A}">
-                    <a16:rowId xmlns:a16="http://schemas.microsoft.com/office/drawing/2014/main" val="2326918455"/>
+                    <a16:rowId xmlns:a16="http://schemas.microsoft.com/office/drawing/2014/main" xmlns="" val="2326918455"/>
                   </a:ext>
                 </a:extLst>
               </a:tr>
@@ -8050,14 +8194,14 @@
                     <a:lstStyle/>
                     <a:p>
                       <a:r>
-                        <a:rPr lang="en-US" altLang="ko-Kore-KR" sz="800" b="0" dirty="0"/>
+                        <a:rPr lang="en-US" altLang="x-none" sz="800" b="0" dirty="0"/>
                         <a:t>(</a:t>
                       </a:r>
                       <a:r>
                         <a:rPr lang="en-US" altLang="ko-KR" sz="800" b="0" dirty="0"/>
                         <a:t>2)</a:t>
                       </a:r>
-                      <a:endParaRPr lang="ko-Kore-KR" altLang="en-US" sz="800" b="0" dirty="0"/>
+                      <a:endParaRPr lang="x-none" altLang="en-US" sz="800" b="0" dirty="0"/>
                     </a:p>
                   </a:txBody>
                   <a:tcPr/>
@@ -8088,7 +8232,7 @@
                 </a:tc>
                 <a:extLst>
                   <a:ext uri="{0D108BD9-81ED-4DB2-BD59-A6C34878D82A}">
-                    <a16:rowId xmlns:a16="http://schemas.microsoft.com/office/drawing/2014/main" val="3257335175"/>
+                    <a16:rowId xmlns:a16="http://schemas.microsoft.com/office/drawing/2014/main" xmlns="" val="3257335175"/>
                   </a:ext>
                 </a:extLst>
               </a:tr>
@@ -8099,14 +8243,14 @@
                     <a:lstStyle/>
                     <a:p>
                       <a:r>
-                        <a:rPr lang="en-US" altLang="ko-Kore-KR" sz="800" b="0" dirty="0"/>
+                        <a:rPr lang="en-US" altLang="x-none" sz="800" b="0" dirty="0"/>
                         <a:t>(</a:t>
                       </a:r>
                       <a:r>
                         <a:rPr lang="en-US" altLang="ko-KR" sz="800" b="0" dirty="0"/>
                         <a:t>3)</a:t>
                       </a:r>
-                      <a:endParaRPr lang="ko-Kore-KR" altLang="en-US" sz="800" b="0" dirty="0"/>
+                      <a:endParaRPr lang="x-none" altLang="en-US" sz="800" b="0" dirty="0"/>
                     </a:p>
                   </a:txBody>
                   <a:tcPr/>
@@ -8139,14 +8283,14 @@
                         <a:rPr lang="en-US" altLang="ko-KR" sz="800" b="0" dirty="0"/>
                         <a:t>.</a:t>
                       </a:r>
-                      <a:endParaRPr lang="ko-Kore-KR" altLang="en-US" sz="800" b="0" dirty="0"/>
+                      <a:endParaRPr lang="x-none" altLang="en-US" sz="800" b="0" dirty="0"/>
                     </a:p>
                   </a:txBody>
                   <a:tcPr/>
                 </a:tc>
                 <a:extLst>
                   <a:ext uri="{0D108BD9-81ED-4DB2-BD59-A6C34878D82A}">
-                    <a16:rowId xmlns:a16="http://schemas.microsoft.com/office/drawing/2014/main" val="928429091"/>
+                    <a16:rowId xmlns:a16="http://schemas.microsoft.com/office/drawing/2014/main" xmlns="" val="928429091"/>
                   </a:ext>
                 </a:extLst>
               </a:tr>
@@ -8168,24 +8312,24 @@
                         <a:rPr lang="en-US" altLang="ko-KR" sz="800" b="0" dirty="0"/>
                         <a:t>1-2</a:t>
                       </a:r>
-                      <a:endParaRPr lang="ko-Kore-KR" altLang="en-US" sz="800" b="0" dirty="0"/>
-                    </a:p>
-                  </a:txBody>
-                  <a:tcPr/>
-                </a:tc>
-                <a:tc>
-                  <a:txBody>
-                    <a:bodyPr/>
-                    <a:lstStyle/>
-                    <a:p>
-                      <a:endParaRPr lang="ko-Kore-KR" altLang="en-US" sz="800" b="0" dirty="0"/>
+                      <a:endParaRPr lang="x-none" altLang="en-US" sz="800" b="0" dirty="0"/>
+                    </a:p>
+                  </a:txBody>
+                  <a:tcPr/>
+                </a:tc>
+                <a:tc>
+                  <a:txBody>
+                    <a:bodyPr/>
+                    <a:lstStyle/>
+                    <a:p>
+                      <a:endParaRPr lang="x-none" altLang="en-US" sz="800" b="0" dirty="0"/>
                     </a:p>
                   </a:txBody>
                   <a:tcPr/>
                 </a:tc>
                 <a:extLst>
                   <a:ext uri="{0D108BD9-81ED-4DB2-BD59-A6C34878D82A}">
-                    <a16:rowId xmlns:a16="http://schemas.microsoft.com/office/drawing/2014/main" val="1618524605"/>
+                    <a16:rowId xmlns:a16="http://schemas.microsoft.com/office/drawing/2014/main" xmlns="" val="1618524605"/>
                   </a:ext>
                 </a:extLst>
               </a:tr>
@@ -8196,25 +8340,25 @@
                     <a:lstStyle/>
                     <a:p>
                       <a:r>
-                        <a:rPr lang="en-US" altLang="ko-Kore-KR" sz="800" b="0" dirty="0"/>
+                        <a:rPr lang="en-US" altLang="x-none" sz="800" b="0" dirty="0"/>
                         <a:t>(</a:t>
                       </a:r>
                       <a:r>
                         <a:rPr lang="en-US" altLang="ko-KR" sz="800" b="0" dirty="0"/>
                         <a:t>1)</a:t>
                       </a:r>
-                      <a:endParaRPr lang="ko-Kore-KR" altLang="en-US" sz="800" b="0" dirty="0"/>
-                    </a:p>
-                  </a:txBody>
-                  <a:tcPr/>
-                </a:tc>
-                <a:tc>
-                  <a:txBody>
-                    <a:bodyPr/>
-                    <a:lstStyle/>
-                    <a:p>
-                      <a:r>
-                        <a:rPr lang="ko-Kore-KR" altLang="en-US" sz="800" b="0" dirty="0"/>
+                      <a:endParaRPr lang="x-none" altLang="en-US" sz="800" b="0" dirty="0"/>
+                    </a:p>
+                  </a:txBody>
+                  <a:tcPr/>
+                </a:tc>
+                <a:tc>
+                  <a:txBody>
+                    <a:bodyPr/>
+                    <a:lstStyle/>
+                    <a:p>
+                      <a:r>
+                        <a:rPr lang="x-none" altLang="en-US" sz="800" b="0" dirty="0"/>
                         <a:t>선택</a:t>
                       </a:r>
                       <a:r>
@@ -8298,14 +8442,14 @@
                         <a:rPr lang="en-US" altLang="ko-KR" sz="800" b="0" dirty="0"/>
                         <a:t>.</a:t>
                       </a:r>
-                      <a:endParaRPr lang="ko-Kore-KR" altLang="en-US" sz="800" b="0" dirty="0"/>
+                      <a:endParaRPr lang="x-none" altLang="en-US" sz="800" b="0" dirty="0"/>
                     </a:p>
                   </a:txBody>
                   <a:tcPr/>
                 </a:tc>
                 <a:extLst>
                   <a:ext uri="{0D108BD9-81ED-4DB2-BD59-A6C34878D82A}">
-                    <a16:rowId xmlns:a16="http://schemas.microsoft.com/office/drawing/2014/main" val="1068815975"/>
+                    <a16:rowId xmlns:a16="http://schemas.microsoft.com/office/drawing/2014/main" xmlns="" val="1068815975"/>
                   </a:ext>
                 </a:extLst>
               </a:tr>
@@ -8344,24 +8488,24 @@
                         <a:rPr lang="en-US" altLang="ko-KR" sz="800" b="0" dirty="0"/>
                         <a:t>1-3</a:t>
                       </a:r>
-                      <a:endParaRPr lang="ko-Kore-KR" altLang="en-US" sz="800" b="0" dirty="0"/>
-                    </a:p>
-                  </a:txBody>
-                  <a:tcPr/>
-                </a:tc>
-                <a:tc>
-                  <a:txBody>
-                    <a:bodyPr/>
-                    <a:lstStyle/>
-                    <a:p>
-                      <a:endParaRPr lang="ko-Kore-KR" altLang="en-US" sz="800" b="0" dirty="0"/>
+                      <a:endParaRPr lang="x-none" altLang="en-US" sz="800" b="0" dirty="0"/>
+                    </a:p>
+                  </a:txBody>
+                  <a:tcPr/>
+                </a:tc>
+                <a:tc>
+                  <a:txBody>
+                    <a:bodyPr/>
+                    <a:lstStyle/>
+                    <a:p>
+                      <a:endParaRPr lang="x-none" altLang="en-US" sz="800" b="0" dirty="0"/>
                     </a:p>
                   </a:txBody>
                   <a:tcPr/>
                 </a:tc>
                 <a:extLst>
                   <a:ext uri="{0D108BD9-81ED-4DB2-BD59-A6C34878D82A}">
-                    <a16:rowId xmlns:a16="http://schemas.microsoft.com/office/drawing/2014/main" val="1264632727"/>
+                    <a16:rowId xmlns:a16="http://schemas.microsoft.com/office/drawing/2014/main" xmlns="" val="1264632727"/>
                   </a:ext>
                 </a:extLst>
               </a:tr>
@@ -8372,39 +8516,39 @@
                     <a:lstStyle/>
                     <a:p>
                       <a:r>
-                        <a:rPr lang="en-US" altLang="ko-Kore-KR" sz="800" b="0" dirty="0"/>
+                        <a:rPr lang="en-US" altLang="x-none" sz="800" b="0" dirty="0"/>
                         <a:t>(</a:t>
                       </a:r>
                       <a:r>
                         <a:rPr lang="en-US" altLang="ko-KR" sz="800" b="0" dirty="0"/>
                         <a:t>1)</a:t>
                       </a:r>
-                      <a:endParaRPr lang="ko-Kore-KR" altLang="en-US" sz="800" b="0" dirty="0"/>
-                    </a:p>
-                  </a:txBody>
-                  <a:tcPr/>
-                </a:tc>
-                <a:tc>
-                  <a:txBody>
-                    <a:bodyPr/>
-                    <a:lstStyle/>
-                    <a:p>
-                      <a:r>
-                        <a:rPr lang="ko-Kore-KR" altLang="en-US" sz="800" b="0" dirty="0"/>
+                      <a:endParaRPr lang="x-none" altLang="en-US" sz="800" b="0" dirty="0"/>
+                    </a:p>
+                  </a:txBody>
+                  <a:tcPr/>
+                </a:tc>
+                <a:tc>
+                  <a:txBody>
+                    <a:bodyPr/>
+                    <a:lstStyle/>
+                    <a:p>
+                      <a:r>
+                        <a:rPr lang="x-none" altLang="en-US" sz="800" b="0" dirty="0"/>
                         <a:t>현금</a:t>
                       </a:r>
                       <a:r>
                         <a:rPr lang="ko-KR" altLang="en-US" sz="800" b="0" dirty="0"/>
                         <a:t> 결제 버튼 클릭 시 영역</a:t>
                       </a:r>
-                      <a:endParaRPr lang="ko-Kore-KR" altLang="en-US" sz="800" b="0" dirty="0"/>
+                      <a:endParaRPr lang="x-none" altLang="en-US" sz="800" b="0" dirty="0"/>
                     </a:p>
                   </a:txBody>
                   <a:tcPr/>
                 </a:tc>
                 <a:extLst>
                   <a:ext uri="{0D108BD9-81ED-4DB2-BD59-A6C34878D82A}">
-                    <a16:rowId xmlns:a16="http://schemas.microsoft.com/office/drawing/2014/main" val="2013989199"/>
+                    <a16:rowId xmlns:a16="http://schemas.microsoft.com/office/drawing/2014/main" xmlns="" val="2013989199"/>
                   </a:ext>
                 </a:extLst>
               </a:tr>
@@ -8415,47 +8559,47 @@
                     <a:lstStyle/>
                     <a:p>
                       <a:r>
-                        <a:rPr lang="en-US" altLang="ko-Kore-KR" sz="800" b="0" dirty="0"/>
+                        <a:rPr lang="en-US" altLang="x-none" sz="800" b="0" dirty="0"/>
                         <a:t>(</a:t>
                       </a:r>
                       <a:r>
                         <a:rPr lang="en-US" altLang="ko-KR" sz="800" b="0" dirty="0"/>
                         <a:t>2)</a:t>
                       </a:r>
-                      <a:endParaRPr lang="ko-Kore-KR" altLang="en-US" sz="800" b="0" dirty="0"/>
-                    </a:p>
-                  </a:txBody>
-                  <a:tcPr/>
-                </a:tc>
-                <a:tc>
-                  <a:txBody>
-                    <a:bodyPr/>
-                    <a:lstStyle/>
-                    <a:p>
-                      <a:r>
-                        <a:rPr lang="en-US" altLang="ko-Kore-KR" sz="800" b="0" dirty="0"/>
+                      <a:endParaRPr lang="x-none" altLang="en-US" sz="800" b="0" dirty="0"/>
+                    </a:p>
+                  </a:txBody>
+                  <a:tcPr/>
+                </a:tc>
+                <a:tc>
+                  <a:txBody>
+                    <a:bodyPr/>
+                    <a:lstStyle/>
+                    <a:p>
+                      <a:r>
+                        <a:rPr lang="en-US" altLang="x-none" sz="800" b="0" dirty="0"/>
                         <a:t>&lt;</a:t>
                       </a:r>
                       <a:r>
-                        <a:rPr lang="ko-Kore-KR" altLang="en-US" sz="800" b="0" dirty="0"/>
+                        <a:rPr lang="x-none" altLang="en-US" sz="800" b="0" dirty="0"/>
                         <a:t>요금변경</a:t>
                       </a:r>
                       <a:r>
-                        <a:rPr lang="en-US" altLang="ko-Kore-KR" sz="800" b="0" dirty="0"/>
+                        <a:rPr lang="en-US" altLang="x-none" sz="800" b="0" dirty="0"/>
                         <a:t>&gt;</a:t>
                       </a:r>
                       <a:r>
                         <a:rPr lang="ko-KR" altLang="en-US" sz="800" b="0" dirty="0"/>
                         <a:t> 레이어 팝업 노출</a:t>
                       </a:r>
-                      <a:endParaRPr lang="ko-Kore-KR" altLang="en-US" sz="800" b="0" dirty="0"/>
+                      <a:endParaRPr lang="x-none" altLang="en-US" sz="800" b="0" dirty="0"/>
                     </a:p>
                   </a:txBody>
                   <a:tcPr/>
                 </a:tc>
                 <a:extLst>
                   <a:ext uri="{0D108BD9-81ED-4DB2-BD59-A6C34878D82A}">
-                    <a16:rowId xmlns:a16="http://schemas.microsoft.com/office/drawing/2014/main" val="1796191776"/>
+                    <a16:rowId xmlns:a16="http://schemas.microsoft.com/office/drawing/2014/main" xmlns="" val="1796191776"/>
                   </a:ext>
                 </a:extLst>
               </a:tr>
@@ -8465,7 +8609,7 @@
                     <a:bodyPr/>
                     <a:lstStyle/>
                     <a:p>
-                      <a:endParaRPr lang="ko-Kore-KR" altLang="en-US" sz="800" b="0" dirty="0"/>
+                      <a:endParaRPr lang="x-none" altLang="en-US" sz="800" b="0" dirty="0"/>
                     </a:p>
                   </a:txBody>
                   <a:tcPr/>
@@ -8482,7 +8626,7 @@
                 </a:tc>
                 <a:extLst>
                   <a:ext uri="{0D108BD9-81ED-4DB2-BD59-A6C34878D82A}">
-                    <a16:rowId xmlns:a16="http://schemas.microsoft.com/office/drawing/2014/main" val="1158962728"/>
+                    <a16:rowId xmlns:a16="http://schemas.microsoft.com/office/drawing/2014/main" xmlns="" val="1158962728"/>
                   </a:ext>
                 </a:extLst>
               </a:tr>
@@ -8495,7 +8639,7 @@
           <p:cNvPr id="10" name="TextBox 9">
             <a:extLst>
               <a:ext uri="{FF2B5EF4-FFF2-40B4-BE49-F238E27FC236}">
-                <a16:creationId xmlns:a16="http://schemas.microsoft.com/office/drawing/2014/main" id="{BB092ADA-8B82-E219-9D99-BBB3F746F487}"/>
+                <a16:creationId xmlns:a16="http://schemas.microsoft.com/office/drawing/2014/main" xmlns="" id="{BB092ADA-8B82-E219-9D99-BBB3F746F487}"/>
               </a:ext>
             </a:extLst>
           </p:cNvPr>
@@ -8519,7 +8663,7 @@
           <a:lstStyle/>
           <a:p>
             <a:r>
-              <a:rPr kumimoji="1" lang="en-US" altLang="ko-Kore-KR" sz="800" dirty="0"/>
+              <a:rPr kumimoji="1" lang="en-US" altLang="x-none" sz="800" dirty="0"/>
               <a:t>&lt;Pay </a:t>
             </a:r>
             <a:r>
@@ -8527,7 +8671,7 @@
               <a:t>1</a:t>
             </a:r>
             <a:r>
-              <a:rPr kumimoji="1" lang="en-US" altLang="ko-Kore-KR" sz="800" dirty="0"/>
+              <a:rPr kumimoji="1" lang="en-US" altLang="x-none" sz="800" dirty="0"/>
               <a:t>-</a:t>
             </a:r>
             <a:r>
@@ -8535,10 +8679,10 @@
               <a:t>1</a:t>
             </a:r>
             <a:r>
-              <a:rPr kumimoji="1" lang="en-US" altLang="ko-Kore-KR" sz="800" dirty="0"/>
+              <a:rPr kumimoji="1" lang="en-US" altLang="x-none" sz="800" dirty="0"/>
               <a:t>&gt;</a:t>
             </a:r>
-            <a:endParaRPr kumimoji="1" lang="ko-Kore-KR" altLang="en-US" sz="800" dirty="0"/>
+            <a:endParaRPr kumimoji="1" lang="x-none" altLang="en-US" sz="800" dirty="0"/>
           </a:p>
         </p:txBody>
       </p:sp>
@@ -8547,7 +8691,7 @@
           <p:cNvPr id="6" name="그림 5">
             <a:extLst>
               <a:ext uri="{FF2B5EF4-FFF2-40B4-BE49-F238E27FC236}">
-                <a16:creationId xmlns:a16="http://schemas.microsoft.com/office/drawing/2014/main" id="{B4212BA6-8057-013F-88D9-D7D8D78163EE}"/>
+                <a16:creationId xmlns:a16="http://schemas.microsoft.com/office/drawing/2014/main" xmlns="" id="{B4212BA6-8057-013F-88D9-D7D8D78163EE}"/>
               </a:ext>
             </a:extLst>
           </p:cNvPr>
@@ -8577,7 +8721,7 @@
           <p:cNvPr id="9" name="그림 8">
             <a:extLst>
               <a:ext uri="{FF2B5EF4-FFF2-40B4-BE49-F238E27FC236}">
-                <a16:creationId xmlns:a16="http://schemas.microsoft.com/office/drawing/2014/main" id="{8374560F-41AC-C8C0-5966-B9032590B028}"/>
+                <a16:creationId xmlns:a16="http://schemas.microsoft.com/office/drawing/2014/main" xmlns="" id="{8374560F-41AC-C8C0-5966-B9032590B028}"/>
               </a:ext>
             </a:extLst>
           </p:cNvPr>
@@ -8607,7 +8751,7 @@
           <p:cNvPr id="12" name="그림 11">
             <a:extLst>
               <a:ext uri="{FF2B5EF4-FFF2-40B4-BE49-F238E27FC236}">
-                <a16:creationId xmlns:a16="http://schemas.microsoft.com/office/drawing/2014/main" id="{5D1ABE67-2E84-9632-1FA1-A7EE7477EC3A}"/>
+                <a16:creationId xmlns:a16="http://schemas.microsoft.com/office/drawing/2014/main" xmlns="" id="{5D1ABE67-2E84-9632-1FA1-A7EE7477EC3A}"/>
               </a:ext>
             </a:extLst>
           </p:cNvPr>
@@ -8637,7 +8781,7 @@
           <p:cNvPr id="13" name="TextBox 12">
             <a:extLst>
               <a:ext uri="{FF2B5EF4-FFF2-40B4-BE49-F238E27FC236}">
-                <a16:creationId xmlns:a16="http://schemas.microsoft.com/office/drawing/2014/main" id="{167F5FA0-1368-D556-7A62-98E5A6CD3631}"/>
+                <a16:creationId xmlns:a16="http://schemas.microsoft.com/office/drawing/2014/main" xmlns="" id="{167F5FA0-1368-D556-7A62-98E5A6CD3631}"/>
               </a:ext>
             </a:extLst>
           </p:cNvPr>
@@ -8661,7 +8805,7 @@
           <a:lstStyle/>
           <a:p>
             <a:r>
-              <a:rPr kumimoji="1" lang="en-US" altLang="ko-Kore-KR" sz="800" dirty="0">
+              <a:rPr kumimoji="1" lang="en-US" altLang="x-none" sz="800" dirty="0">
                 <a:solidFill>
                   <a:srgbClr val="FF0000"/>
                 </a:solidFill>
@@ -8677,14 +8821,14 @@
               <a:t>1</a:t>
             </a:r>
             <a:r>
-              <a:rPr kumimoji="1" lang="en-US" altLang="ko-Kore-KR" sz="800" dirty="0">
+              <a:rPr kumimoji="1" lang="en-US" altLang="x-none" sz="800" dirty="0">
                 <a:solidFill>
                   <a:srgbClr val="FF0000"/>
                 </a:solidFill>
               </a:rPr>
               <a:t>)</a:t>
             </a:r>
-            <a:endParaRPr kumimoji="1" lang="ko-Kore-KR" altLang="en-US" sz="800" dirty="0">
+            <a:endParaRPr kumimoji="1" lang="x-none" altLang="en-US" sz="800" dirty="0">
               <a:solidFill>
                 <a:srgbClr val="FF0000"/>
               </a:solidFill>
@@ -8697,7 +8841,7 @@
           <p:cNvPr id="14" name="TextBox 13">
             <a:extLst>
               <a:ext uri="{FF2B5EF4-FFF2-40B4-BE49-F238E27FC236}">
-                <a16:creationId xmlns:a16="http://schemas.microsoft.com/office/drawing/2014/main" id="{518A724B-CC03-20B3-85A7-7B0D600B1646}"/>
+                <a16:creationId xmlns:a16="http://schemas.microsoft.com/office/drawing/2014/main" xmlns="" id="{518A724B-CC03-20B3-85A7-7B0D600B1646}"/>
               </a:ext>
             </a:extLst>
           </p:cNvPr>
@@ -8721,7 +8865,7 @@
           <a:lstStyle/>
           <a:p>
             <a:r>
-              <a:rPr kumimoji="1" lang="en-US" altLang="ko-Kore-KR" sz="800" dirty="0">
+              <a:rPr kumimoji="1" lang="en-US" altLang="x-none" sz="800" dirty="0">
                 <a:solidFill>
                   <a:srgbClr val="FF0000"/>
                 </a:solidFill>
@@ -8737,14 +8881,14 @@
               <a:t>2</a:t>
             </a:r>
             <a:r>
-              <a:rPr kumimoji="1" lang="en-US" altLang="ko-Kore-KR" sz="800" dirty="0">
+              <a:rPr kumimoji="1" lang="en-US" altLang="x-none" sz="800" dirty="0">
                 <a:solidFill>
                   <a:srgbClr val="FF0000"/>
                 </a:solidFill>
               </a:rPr>
               <a:t>)</a:t>
             </a:r>
-            <a:endParaRPr kumimoji="1" lang="ko-Kore-KR" altLang="en-US" sz="800" dirty="0">
+            <a:endParaRPr kumimoji="1" lang="x-none" altLang="en-US" sz="800" dirty="0">
               <a:solidFill>
                 <a:srgbClr val="FF0000"/>
               </a:solidFill>
@@ -8757,7 +8901,7 @@
           <p:cNvPr id="18" name="TextBox 17">
             <a:extLst>
               <a:ext uri="{FF2B5EF4-FFF2-40B4-BE49-F238E27FC236}">
-                <a16:creationId xmlns:a16="http://schemas.microsoft.com/office/drawing/2014/main" id="{04796035-E65E-5FEC-21E1-CB67CA1F7753}"/>
+                <a16:creationId xmlns:a16="http://schemas.microsoft.com/office/drawing/2014/main" xmlns="" id="{04796035-E65E-5FEC-21E1-CB67CA1F7753}"/>
               </a:ext>
             </a:extLst>
           </p:cNvPr>
@@ -8781,7 +8925,7 @@
           <a:lstStyle/>
           <a:p>
             <a:r>
-              <a:rPr kumimoji="1" lang="en-US" altLang="ko-Kore-KR" sz="800" dirty="0">
+              <a:rPr kumimoji="1" lang="en-US" altLang="x-none" sz="800" dirty="0">
                 <a:solidFill>
                   <a:srgbClr val="FF0000"/>
                 </a:solidFill>
@@ -8797,14 +8941,14 @@
               <a:t>1</a:t>
             </a:r>
             <a:r>
-              <a:rPr kumimoji="1" lang="en-US" altLang="ko-Kore-KR" sz="800" dirty="0">
+              <a:rPr kumimoji="1" lang="en-US" altLang="x-none" sz="800" dirty="0">
                 <a:solidFill>
                   <a:srgbClr val="FF0000"/>
                 </a:solidFill>
               </a:rPr>
               <a:t>)</a:t>
             </a:r>
-            <a:endParaRPr kumimoji="1" lang="ko-Kore-KR" altLang="en-US" sz="800" dirty="0">
+            <a:endParaRPr kumimoji="1" lang="x-none" altLang="en-US" sz="800" dirty="0">
               <a:solidFill>
                 <a:srgbClr val="FF0000"/>
               </a:solidFill>
@@ -8817,7 +8961,7 @@
           <p:cNvPr id="19" name="TextBox 18">
             <a:extLst>
               <a:ext uri="{FF2B5EF4-FFF2-40B4-BE49-F238E27FC236}">
-                <a16:creationId xmlns:a16="http://schemas.microsoft.com/office/drawing/2014/main" id="{ADE8A2AA-FEA8-A824-7785-B3AE8DF652AA}"/>
+                <a16:creationId xmlns:a16="http://schemas.microsoft.com/office/drawing/2014/main" xmlns="" id="{ADE8A2AA-FEA8-A824-7785-B3AE8DF652AA}"/>
               </a:ext>
             </a:extLst>
           </p:cNvPr>
@@ -8841,7 +8985,7 @@
           <a:lstStyle/>
           <a:p>
             <a:r>
-              <a:rPr kumimoji="1" lang="en-US" altLang="ko-Kore-KR" sz="800" dirty="0">
+              <a:rPr kumimoji="1" lang="en-US" altLang="x-none" sz="800" dirty="0">
                 <a:solidFill>
                   <a:srgbClr val="FF0000"/>
                 </a:solidFill>
@@ -8857,14 +9001,14 @@
               <a:t>3</a:t>
             </a:r>
             <a:r>
-              <a:rPr kumimoji="1" lang="en-US" altLang="ko-Kore-KR" sz="800" dirty="0">
+              <a:rPr kumimoji="1" lang="en-US" altLang="x-none" sz="800" dirty="0">
                 <a:solidFill>
                   <a:srgbClr val="FF0000"/>
                 </a:solidFill>
               </a:rPr>
               <a:t>)</a:t>
             </a:r>
-            <a:endParaRPr kumimoji="1" lang="ko-Kore-KR" altLang="en-US" sz="800" dirty="0">
+            <a:endParaRPr kumimoji="1" lang="x-none" altLang="en-US" sz="800" dirty="0">
               <a:solidFill>
                 <a:srgbClr val="FF0000"/>
               </a:solidFill>
@@ -8877,7 +9021,7 @@
           <p:cNvPr id="20" name="TextBox 19">
             <a:extLst>
               <a:ext uri="{FF2B5EF4-FFF2-40B4-BE49-F238E27FC236}">
-                <a16:creationId xmlns:a16="http://schemas.microsoft.com/office/drawing/2014/main" id="{EC26F76B-2BBF-5142-4F14-D337CC8924F2}"/>
+                <a16:creationId xmlns:a16="http://schemas.microsoft.com/office/drawing/2014/main" xmlns="" id="{EC26F76B-2BBF-5142-4F14-D337CC8924F2}"/>
               </a:ext>
             </a:extLst>
           </p:cNvPr>
@@ -8901,7 +9045,7 @@
           <a:lstStyle/>
           <a:p>
             <a:r>
-              <a:rPr kumimoji="1" lang="en-US" altLang="ko-Kore-KR" sz="800" dirty="0"/>
+              <a:rPr kumimoji="1" lang="en-US" altLang="x-none" sz="800" dirty="0"/>
               <a:t>&lt;Pay </a:t>
             </a:r>
             <a:r>
@@ -8909,7 +9053,7 @@
               <a:t>1</a:t>
             </a:r>
             <a:r>
-              <a:rPr kumimoji="1" lang="en-US" altLang="ko-Kore-KR" sz="800" dirty="0"/>
+              <a:rPr kumimoji="1" lang="en-US" altLang="x-none" sz="800" dirty="0"/>
               <a:t>-</a:t>
             </a:r>
             <a:r>
@@ -8917,10 +9061,10 @@
               <a:t>2</a:t>
             </a:r>
             <a:r>
-              <a:rPr kumimoji="1" lang="en-US" altLang="ko-Kore-KR" sz="800" dirty="0"/>
+              <a:rPr kumimoji="1" lang="en-US" altLang="x-none" sz="800" dirty="0"/>
               <a:t>&gt;</a:t>
             </a:r>
-            <a:endParaRPr kumimoji="1" lang="ko-Kore-KR" altLang="en-US" sz="800" dirty="0"/>
+            <a:endParaRPr kumimoji="1" lang="x-none" altLang="en-US" sz="800" dirty="0"/>
           </a:p>
         </p:txBody>
       </p:sp>
@@ -8929,7 +9073,7 @@
           <p:cNvPr id="21" name="TextBox 20">
             <a:extLst>
               <a:ext uri="{FF2B5EF4-FFF2-40B4-BE49-F238E27FC236}">
-                <a16:creationId xmlns:a16="http://schemas.microsoft.com/office/drawing/2014/main" id="{4269BA63-5625-96C0-C4D9-955DCB09E917}"/>
+                <a16:creationId xmlns:a16="http://schemas.microsoft.com/office/drawing/2014/main" xmlns="" id="{4269BA63-5625-96C0-C4D9-955DCB09E917}"/>
               </a:ext>
             </a:extLst>
           </p:cNvPr>
@@ -8953,7 +9097,7 @@
           <a:lstStyle/>
           <a:p>
             <a:r>
-              <a:rPr kumimoji="1" lang="en-US" altLang="ko-Kore-KR" sz="800" dirty="0"/>
+              <a:rPr kumimoji="1" lang="en-US" altLang="x-none" sz="800" dirty="0"/>
               <a:t>&lt;Pay </a:t>
             </a:r>
             <a:r>
@@ -8961,7 +9105,7 @@
               <a:t>1</a:t>
             </a:r>
             <a:r>
-              <a:rPr kumimoji="1" lang="en-US" altLang="ko-Kore-KR" sz="800" dirty="0"/>
+              <a:rPr kumimoji="1" lang="en-US" altLang="x-none" sz="800" dirty="0"/>
               <a:t>-</a:t>
             </a:r>
             <a:r>
@@ -8969,10 +9113,10 @@
               <a:t>3</a:t>
             </a:r>
             <a:r>
-              <a:rPr kumimoji="1" lang="en-US" altLang="ko-Kore-KR" sz="800" dirty="0"/>
+              <a:rPr kumimoji="1" lang="en-US" altLang="x-none" sz="800" dirty="0"/>
               <a:t>&gt;</a:t>
             </a:r>
-            <a:endParaRPr kumimoji="1" lang="ko-Kore-KR" altLang="en-US" sz="800" dirty="0"/>
+            <a:endParaRPr kumimoji="1" lang="x-none" altLang="en-US" sz="800" dirty="0"/>
           </a:p>
         </p:txBody>
       </p:sp>
@@ -8981,7 +9125,7 @@
           <p:cNvPr id="22" name="TextBox 21">
             <a:extLst>
               <a:ext uri="{FF2B5EF4-FFF2-40B4-BE49-F238E27FC236}">
-                <a16:creationId xmlns:a16="http://schemas.microsoft.com/office/drawing/2014/main" id="{68E3A3D6-5BC8-7F43-BA85-45CC6B5368A0}"/>
+                <a16:creationId xmlns:a16="http://schemas.microsoft.com/office/drawing/2014/main" xmlns="" id="{68E3A3D6-5BC8-7F43-BA85-45CC6B5368A0}"/>
               </a:ext>
             </a:extLst>
           </p:cNvPr>
@@ -9005,7 +9149,7 @@
           <a:lstStyle/>
           <a:p>
             <a:r>
-              <a:rPr kumimoji="1" lang="en-US" altLang="ko-Kore-KR" sz="800" dirty="0">
+              <a:rPr kumimoji="1" lang="en-US" altLang="x-none" sz="800" dirty="0">
                 <a:solidFill>
                   <a:srgbClr val="FF0000"/>
                 </a:solidFill>
@@ -9021,14 +9165,14 @@
               <a:t>1</a:t>
             </a:r>
             <a:r>
-              <a:rPr kumimoji="1" lang="en-US" altLang="ko-Kore-KR" sz="800" dirty="0">
+              <a:rPr kumimoji="1" lang="en-US" altLang="x-none" sz="800" dirty="0">
                 <a:solidFill>
                   <a:srgbClr val="FF0000"/>
                 </a:solidFill>
               </a:rPr>
               <a:t>)</a:t>
             </a:r>
-            <a:endParaRPr kumimoji="1" lang="ko-Kore-KR" altLang="en-US" sz="800" dirty="0">
+            <a:endParaRPr kumimoji="1" lang="x-none" altLang="en-US" sz="800" dirty="0">
               <a:solidFill>
                 <a:srgbClr val="FF0000"/>
               </a:solidFill>
@@ -9041,7 +9185,7 @@
           <p:cNvPr id="23" name="직사각형 22">
             <a:extLst>
               <a:ext uri="{FF2B5EF4-FFF2-40B4-BE49-F238E27FC236}">
-                <a16:creationId xmlns:a16="http://schemas.microsoft.com/office/drawing/2014/main" id="{D36D5211-D981-7793-25B2-535F6852C235}"/>
+                <a16:creationId xmlns:a16="http://schemas.microsoft.com/office/drawing/2014/main" xmlns="" id="{D36D5211-D981-7793-25B2-535F6852C235}"/>
               </a:ext>
             </a:extLst>
           </p:cNvPr>
@@ -9084,7 +9228,7 @@
           <a:lstStyle/>
           <a:p>
             <a:pPr algn="ctr"/>
-            <a:endParaRPr kumimoji="1" lang="ko-Kore-KR" altLang="en-US"/>
+            <a:endParaRPr kumimoji="1" lang="x-none" altLang="en-US"/>
           </a:p>
         </p:txBody>
       </p:sp>
@@ -9093,7 +9237,7 @@
           <p:cNvPr id="24" name="TextBox 23">
             <a:extLst>
               <a:ext uri="{FF2B5EF4-FFF2-40B4-BE49-F238E27FC236}">
-                <a16:creationId xmlns:a16="http://schemas.microsoft.com/office/drawing/2014/main" id="{0CA4588B-359E-0780-320F-4054EAB0A222}"/>
+                <a16:creationId xmlns:a16="http://schemas.microsoft.com/office/drawing/2014/main" xmlns="" id="{0CA4588B-359E-0780-320F-4054EAB0A222}"/>
               </a:ext>
             </a:extLst>
           </p:cNvPr>
@@ -9117,7 +9261,7 @@
           <a:lstStyle/>
           <a:p>
             <a:r>
-              <a:rPr kumimoji="1" lang="en-US" altLang="ko-Kore-KR" sz="800" dirty="0">
+              <a:rPr kumimoji="1" lang="en-US" altLang="x-none" sz="800" dirty="0">
                 <a:solidFill>
                   <a:srgbClr val="FF0000"/>
                 </a:solidFill>
@@ -9133,14 +9277,14 @@
               <a:t>2</a:t>
             </a:r>
             <a:r>
-              <a:rPr kumimoji="1" lang="en-US" altLang="ko-Kore-KR" sz="800" dirty="0">
+              <a:rPr kumimoji="1" lang="en-US" altLang="x-none" sz="800" dirty="0">
                 <a:solidFill>
                   <a:srgbClr val="FF0000"/>
                 </a:solidFill>
               </a:rPr>
               <a:t>)</a:t>
             </a:r>
-            <a:endParaRPr kumimoji="1" lang="ko-Kore-KR" altLang="en-US" sz="800" dirty="0">
+            <a:endParaRPr kumimoji="1" lang="x-none" altLang="en-US" sz="800" dirty="0">
               <a:solidFill>
                 <a:srgbClr val="FF0000"/>
               </a:solidFill>
@@ -9151,7 +9295,7 @@
     </p:spTree>
     <p:extLst>
       <p:ext uri="{BB962C8B-B14F-4D97-AF65-F5344CB8AC3E}">
-        <p14:creationId xmlns:p14="http://schemas.microsoft.com/office/powerpoint/2010/main" val="3574626480"/>
+        <p14:creationId xmlns:p14="http://schemas.microsoft.com/office/powerpoint/2010/main" xmlns="" val="3574626480"/>
       </p:ext>
     </p:extLst>
   </p:cSld>
@@ -9183,7 +9327,7 @@
           <p:cNvPr id="4" name="TextBox 3">
             <a:extLst>
               <a:ext uri="{FF2B5EF4-FFF2-40B4-BE49-F238E27FC236}">
-                <a16:creationId xmlns:a16="http://schemas.microsoft.com/office/drawing/2014/main" id="{BD8CD8DD-C4CC-E0A3-6C54-134B23682C08}"/>
+                <a16:creationId xmlns:a16="http://schemas.microsoft.com/office/drawing/2014/main" xmlns="" id="{BD8CD8DD-C4CC-E0A3-6C54-134B23682C08}"/>
               </a:ext>
             </a:extLst>
           </p:cNvPr>
@@ -9210,7 +9354,7 @@
               <a:rPr kumimoji="1" lang="ko-KR" altLang="en-US" dirty="0"/>
               <a:t>레이어 팝업</a:t>
             </a:r>
-            <a:endParaRPr kumimoji="1" lang="ko-Kore-KR" altLang="en-US" dirty="0"/>
+            <a:endParaRPr kumimoji="1" lang="x-none" altLang="en-US" dirty="0"/>
           </a:p>
         </p:txBody>
       </p:sp>
@@ -9219,7 +9363,7 @@
           <p:cNvPr id="8" name="표 7">
             <a:extLst>
               <a:ext uri="{FF2B5EF4-FFF2-40B4-BE49-F238E27FC236}">
-                <a16:creationId xmlns:a16="http://schemas.microsoft.com/office/drawing/2014/main" id="{076037DF-7EC3-56C9-8931-DE43AA98581C}"/>
+                <a16:creationId xmlns:a16="http://schemas.microsoft.com/office/drawing/2014/main" xmlns="" id="{076037DF-7EC3-56C9-8931-DE43AA98581C}"/>
               </a:ext>
             </a:extLst>
           </p:cNvPr>
@@ -9229,7 +9373,7 @@
           <p:nvPr>
             <p:extLst>
               <p:ext uri="{D42A27DB-BD31-4B8C-83A1-F6EECF244321}">
-                <p14:modId xmlns:p14="http://schemas.microsoft.com/office/powerpoint/2010/main" val="2326246576"/>
+                <p14:modId xmlns:p14="http://schemas.microsoft.com/office/powerpoint/2010/main" xmlns="" val="2326246576"/>
               </p:ext>
             </p:extLst>
           </p:nvPr>
@@ -9248,14 +9392,14 @@
                 <a:gridCol w="933085">
                   <a:extLst>
                     <a:ext uri="{9D8B030D-6E8A-4147-A177-3AD203B41FA5}">
-                      <a16:colId xmlns:a16="http://schemas.microsoft.com/office/drawing/2014/main" val="1620488559"/>
+                      <a16:colId xmlns:a16="http://schemas.microsoft.com/office/drawing/2014/main" xmlns="" val="1620488559"/>
                     </a:ext>
                   </a:extLst>
                 </a:gridCol>
                 <a:gridCol w="2902934">
                   <a:extLst>
                     <a:ext uri="{9D8B030D-6E8A-4147-A177-3AD203B41FA5}">
-                      <a16:colId xmlns:a16="http://schemas.microsoft.com/office/drawing/2014/main" val="1012869961"/>
+                      <a16:colId xmlns:a16="http://schemas.microsoft.com/office/drawing/2014/main" xmlns="" val="1012869961"/>
                     </a:ext>
                   </a:extLst>
                 </a:gridCol>
@@ -9267,25 +9411,25 @@
                     <a:lstStyle/>
                     <a:p>
                       <a:r>
-                        <a:rPr lang="en-US" altLang="ko-Kore-KR" sz="800" b="0" dirty="0"/>
+                        <a:rPr lang="en-US" altLang="x-none" sz="800" b="0" dirty="0"/>
                         <a:t>(</a:t>
                       </a:r>
                       <a:r>
                         <a:rPr lang="en-US" altLang="ko-KR" sz="800" b="0" dirty="0"/>
                         <a:t>1)</a:t>
                       </a:r>
-                      <a:endParaRPr lang="ko-Kore-KR" altLang="en-US" sz="800" b="0" dirty="0"/>
-                    </a:p>
-                  </a:txBody>
-                  <a:tcPr/>
-                </a:tc>
-                <a:tc>
-                  <a:txBody>
-                    <a:bodyPr/>
-                    <a:lstStyle/>
-                    <a:p>
-                      <a:r>
-                        <a:rPr lang="en-US" altLang="ko-Kore-KR" sz="800" b="0" dirty="0"/>
+                      <a:endParaRPr lang="x-none" altLang="en-US" sz="800" b="0" dirty="0"/>
+                    </a:p>
+                  </a:txBody>
+                  <a:tcPr/>
+                </a:tc>
+                <a:tc>
+                  <a:txBody>
+                    <a:bodyPr/>
+                    <a:lstStyle/>
+                    <a:p>
+                      <a:r>
+                        <a:rPr lang="en-US" altLang="x-none" sz="800" b="0" dirty="0"/>
                         <a:t>&lt;</a:t>
                       </a:r>
                       <a:r>
@@ -9348,14 +9492,14 @@
                         <a:rPr lang="ko-KR" altLang="en-US" sz="800" b="0" dirty="0"/>
                         <a:t> 버튼 클릭 시 노출</a:t>
                       </a:r>
-                      <a:endParaRPr lang="ko-Kore-KR" altLang="en-US" sz="800" b="0" dirty="0"/>
+                      <a:endParaRPr lang="x-none" altLang="en-US" sz="800" b="0" dirty="0"/>
                     </a:p>
                   </a:txBody>
                   <a:tcPr/>
                 </a:tc>
                 <a:extLst>
                   <a:ext uri="{0D108BD9-81ED-4DB2-BD59-A6C34878D82A}">
-                    <a16:rowId xmlns:a16="http://schemas.microsoft.com/office/drawing/2014/main" val="302975823"/>
+                    <a16:rowId xmlns:a16="http://schemas.microsoft.com/office/drawing/2014/main" xmlns="" val="302975823"/>
                   </a:ext>
                 </a:extLst>
               </a:tr>
@@ -9366,25 +9510,25 @@
                     <a:lstStyle/>
                     <a:p>
                       <a:r>
-                        <a:rPr lang="en-US" altLang="ko-Kore-KR" sz="800" b="0" dirty="0"/>
+                        <a:rPr lang="en-US" altLang="x-none" sz="800" b="0" dirty="0"/>
                         <a:t>(</a:t>
                       </a:r>
                       <a:r>
                         <a:rPr lang="en-US" altLang="ko-KR" sz="800" b="0" dirty="0"/>
                         <a:t>2)</a:t>
                       </a:r>
-                      <a:endParaRPr lang="ko-Kore-KR" altLang="en-US" sz="800" b="0" dirty="0"/>
-                    </a:p>
-                  </a:txBody>
-                  <a:tcPr/>
-                </a:tc>
-                <a:tc>
-                  <a:txBody>
-                    <a:bodyPr/>
-                    <a:lstStyle/>
-                    <a:p>
-                      <a:r>
-                        <a:rPr lang="en-US" altLang="ko-Kore-KR" sz="800" b="0" dirty="0"/>
+                      <a:endParaRPr lang="x-none" altLang="en-US" sz="800" b="0" dirty="0"/>
+                    </a:p>
+                  </a:txBody>
+                  <a:tcPr/>
+                </a:tc>
+                <a:tc>
+                  <a:txBody>
+                    <a:bodyPr/>
+                    <a:lstStyle/>
+                    <a:p>
+                      <a:r>
+                        <a:rPr lang="en-US" altLang="x-none" sz="800" b="0" dirty="0"/>
                         <a:t>&lt;</a:t>
                       </a:r>
                       <a:r>
@@ -9399,14 +9543,14 @@
                         <a:rPr lang="ko-KR" altLang="en-US" sz="800" b="0" dirty="0"/>
                         <a:t> 페이지의 날짜 선택 영역 클릭 시 노출</a:t>
                       </a:r>
-                      <a:endParaRPr lang="ko-Kore-KR" altLang="en-US" sz="800" b="0" dirty="0"/>
+                      <a:endParaRPr lang="x-none" altLang="en-US" sz="800" b="0" dirty="0"/>
                     </a:p>
                   </a:txBody>
                   <a:tcPr/>
                 </a:tc>
                 <a:extLst>
                   <a:ext uri="{0D108BD9-81ED-4DB2-BD59-A6C34878D82A}">
-                    <a16:rowId xmlns:a16="http://schemas.microsoft.com/office/drawing/2014/main" val="2326918455"/>
+                    <a16:rowId xmlns:a16="http://schemas.microsoft.com/office/drawing/2014/main" xmlns="" val="2326918455"/>
                   </a:ext>
                 </a:extLst>
               </a:tr>
@@ -9417,7 +9561,7 @@
                     <a:lstStyle/>
                     <a:p>
                       <a:r>
-                        <a:rPr lang="en-US" altLang="ko-Kore-KR" sz="800" b="0" dirty="0"/>
+                        <a:rPr lang="en-US" altLang="x-none" sz="800" b="0" dirty="0"/>
                         <a:t>(</a:t>
                       </a:r>
                       <a:r>
@@ -9432,7 +9576,7 @@
                         <a:rPr lang="en-US" altLang="ko-KR" sz="800" b="0" dirty="0"/>
                         <a:t>(3-1)</a:t>
                       </a:r>
-                      <a:endParaRPr lang="ko-Kore-KR" altLang="en-US" sz="800" b="0" dirty="0"/>
+                      <a:endParaRPr lang="x-none" altLang="en-US" sz="800" b="0" dirty="0"/>
                     </a:p>
                   </a:txBody>
                   <a:tcPr/>
@@ -9460,7 +9604,7 @@
                         <a:defRPr/>
                       </a:pPr>
                       <a:r>
-                        <a:rPr lang="en-US" altLang="ko-Kore-KR" sz="800" b="0" dirty="0"/>
+                        <a:rPr lang="en-US" altLang="x-none" sz="800" b="0" dirty="0"/>
                         <a:t>&lt;</a:t>
                       </a:r>
                       <a:r>
@@ -9475,14 +9619,14 @@
                         <a:rPr lang="ko-KR" altLang="en-US" sz="800" b="0" dirty="0"/>
                         <a:t> 페이지의 시간 선택 영역 클릭 시 노출</a:t>
                       </a:r>
-                      <a:endParaRPr lang="ko-Kore-KR" altLang="en-US" sz="800" b="0" dirty="0"/>
+                      <a:endParaRPr lang="x-none" altLang="en-US" sz="800" b="0" dirty="0"/>
                     </a:p>
                   </a:txBody>
                   <a:tcPr/>
                 </a:tc>
                 <a:extLst>
                   <a:ext uri="{0D108BD9-81ED-4DB2-BD59-A6C34878D82A}">
-                    <a16:rowId xmlns:a16="http://schemas.microsoft.com/office/drawing/2014/main" val="3257335175"/>
+                    <a16:rowId xmlns:a16="http://schemas.microsoft.com/office/drawing/2014/main" xmlns="" val="3257335175"/>
                   </a:ext>
                 </a:extLst>
               </a:tr>
@@ -9495,7 +9639,7 @@
           <p:cNvPr id="19" name="TextBox 18">
             <a:extLst>
               <a:ext uri="{FF2B5EF4-FFF2-40B4-BE49-F238E27FC236}">
-                <a16:creationId xmlns:a16="http://schemas.microsoft.com/office/drawing/2014/main" id="{ADE8A2AA-FEA8-A824-7785-B3AE8DF652AA}"/>
+                <a16:creationId xmlns:a16="http://schemas.microsoft.com/office/drawing/2014/main" xmlns="" id="{ADE8A2AA-FEA8-A824-7785-B3AE8DF652AA}"/>
               </a:ext>
             </a:extLst>
           </p:cNvPr>
@@ -9519,7 +9663,7 @@
           <a:lstStyle/>
           <a:p>
             <a:r>
-              <a:rPr kumimoji="1" lang="en-US" altLang="ko-Kore-KR" sz="800" dirty="0">
+              <a:rPr kumimoji="1" lang="en-US" altLang="x-none" sz="800" dirty="0">
                 <a:solidFill>
                   <a:srgbClr val="FF0000"/>
                 </a:solidFill>
@@ -9535,14 +9679,14 @@
               <a:t>1</a:t>
             </a:r>
             <a:r>
-              <a:rPr kumimoji="1" lang="en-US" altLang="ko-Kore-KR" sz="800" dirty="0">
+              <a:rPr kumimoji="1" lang="en-US" altLang="x-none" sz="800" dirty="0">
                 <a:solidFill>
                   <a:srgbClr val="FF0000"/>
                 </a:solidFill>
               </a:rPr>
               <a:t>)</a:t>
             </a:r>
-            <a:endParaRPr kumimoji="1" lang="ko-Kore-KR" altLang="en-US" sz="800" dirty="0">
+            <a:endParaRPr kumimoji="1" lang="x-none" altLang="en-US" sz="800" dirty="0">
               <a:solidFill>
                 <a:srgbClr val="FF0000"/>
               </a:solidFill>
@@ -9555,7 +9699,7 @@
           <p:cNvPr id="3" name="그림 2">
             <a:extLst>
               <a:ext uri="{FF2B5EF4-FFF2-40B4-BE49-F238E27FC236}">
-                <a16:creationId xmlns:a16="http://schemas.microsoft.com/office/drawing/2014/main" id="{FD55E332-2085-7F50-CDC1-358A248A729E}"/>
+                <a16:creationId xmlns:a16="http://schemas.microsoft.com/office/drawing/2014/main" xmlns="" id="{FD55E332-2085-7F50-CDC1-358A248A729E}"/>
               </a:ext>
             </a:extLst>
           </p:cNvPr>
@@ -9585,7 +9729,7 @@
           <p:cNvPr id="7" name="그림 6">
             <a:extLst>
               <a:ext uri="{FF2B5EF4-FFF2-40B4-BE49-F238E27FC236}">
-                <a16:creationId xmlns:a16="http://schemas.microsoft.com/office/drawing/2014/main" id="{36FBE14E-8658-4133-E601-30D24637C4AC}"/>
+                <a16:creationId xmlns:a16="http://schemas.microsoft.com/office/drawing/2014/main" xmlns="" id="{36FBE14E-8658-4133-E601-30D24637C4AC}"/>
               </a:ext>
             </a:extLst>
           </p:cNvPr>
@@ -9615,7 +9759,7 @@
           <p:cNvPr id="11" name="TextBox 10">
             <a:extLst>
               <a:ext uri="{FF2B5EF4-FFF2-40B4-BE49-F238E27FC236}">
-                <a16:creationId xmlns:a16="http://schemas.microsoft.com/office/drawing/2014/main" id="{CFD6FB69-AE38-6911-8E93-4916F4886008}"/>
+                <a16:creationId xmlns:a16="http://schemas.microsoft.com/office/drawing/2014/main" xmlns="" id="{CFD6FB69-AE38-6911-8E93-4916F4886008}"/>
               </a:ext>
             </a:extLst>
           </p:cNvPr>
@@ -9639,7 +9783,7 @@
           <a:lstStyle/>
           <a:p>
             <a:r>
-              <a:rPr kumimoji="1" lang="en-US" altLang="ko-Kore-KR" sz="800" dirty="0">
+              <a:rPr kumimoji="1" lang="en-US" altLang="x-none" sz="800" dirty="0">
                 <a:solidFill>
                   <a:srgbClr val="FF0000"/>
                 </a:solidFill>
@@ -9655,14 +9799,14 @@
               <a:t>2</a:t>
             </a:r>
             <a:r>
-              <a:rPr kumimoji="1" lang="en-US" altLang="ko-Kore-KR" sz="800" dirty="0">
+              <a:rPr kumimoji="1" lang="en-US" altLang="x-none" sz="800" dirty="0">
                 <a:solidFill>
                   <a:srgbClr val="FF0000"/>
                 </a:solidFill>
               </a:rPr>
               <a:t>)</a:t>
             </a:r>
-            <a:endParaRPr kumimoji="1" lang="ko-Kore-KR" altLang="en-US" sz="800" dirty="0">
+            <a:endParaRPr kumimoji="1" lang="x-none" altLang="en-US" sz="800" dirty="0">
               <a:solidFill>
                 <a:srgbClr val="FF0000"/>
               </a:solidFill>
@@ -9675,7 +9819,7 @@
           <p:cNvPr id="15" name="그림 14">
             <a:extLst>
               <a:ext uri="{FF2B5EF4-FFF2-40B4-BE49-F238E27FC236}">
-                <a16:creationId xmlns:a16="http://schemas.microsoft.com/office/drawing/2014/main" id="{2A5F6F89-6F1D-1B80-4FE6-FC83CEB11C2C}"/>
+                <a16:creationId xmlns:a16="http://schemas.microsoft.com/office/drawing/2014/main" xmlns="" id="{2A5F6F89-6F1D-1B80-4FE6-FC83CEB11C2C}"/>
               </a:ext>
             </a:extLst>
           </p:cNvPr>
@@ -9705,7 +9849,7 @@
           <p:cNvPr id="16" name="TextBox 15">
             <a:extLst>
               <a:ext uri="{FF2B5EF4-FFF2-40B4-BE49-F238E27FC236}">
-                <a16:creationId xmlns:a16="http://schemas.microsoft.com/office/drawing/2014/main" id="{4740A65A-DCFE-2637-3AB8-740D72E42F18}"/>
+                <a16:creationId xmlns:a16="http://schemas.microsoft.com/office/drawing/2014/main" xmlns="" id="{4740A65A-DCFE-2637-3AB8-740D72E42F18}"/>
               </a:ext>
             </a:extLst>
           </p:cNvPr>
@@ -9729,7 +9873,7 @@
           <a:lstStyle/>
           <a:p>
             <a:r>
-              <a:rPr kumimoji="1" lang="en-US" altLang="ko-Kore-KR" sz="800" dirty="0">
+              <a:rPr kumimoji="1" lang="en-US" altLang="x-none" sz="800" dirty="0">
                 <a:solidFill>
                   <a:srgbClr val="FF0000"/>
                 </a:solidFill>
@@ -9745,14 +9889,14 @@
               <a:t>3</a:t>
             </a:r>
             <a:r>
-              <a:rPr kumimoji="1" lang="en-US" altLang="ko-Kore-KR" sz="800" dirty="0">
+              <a:rPr kumimoji="1" lang="en-US" altLang="x-none" sz="800" dirty="0">
                 <a:solidFill>
                   <a:srgbClr val="FF0000"/>
                 </a:solidFill>
               </a:rPr>
               <a:t>)</a:t>
             </a:r>
-            <a:endParaRPr kumimoji="1" lang="ko-Kore-KR" altLang="en-US" sz="800" dirty="0">
+            <a:endParaRPr kumimoji="1" lang="x-none" altLang="en-US" sz="800" dirty="0">
               <a:solidFill>
                 <a:srgbClr val="FF0000"/>
               </a:solidFill>
@@ -9765,7 +9909,7 @@
           <p:cNvPr id="25" name="그림 24">
             <a:extLst>
               <a:ext uri="{FF2B5EF4-FFF2-40B4-BE49-F238E27FC236}">
-                <a16:creationId xmlns:a16="http://schemas.microsoft.com/office/drawing/2014/main" id="{F82EE612-654C-189D-575E-54B5D0600235}"/>
+                <a16:creationId xmlns:a16="http://schemas.microsoft.com/office/drawing/2014/main" xmlns="" id="{F82EE612-654C-189D-575E-54B5D0600235}"/>
               </a:ext>
             </a:extLst>
           </p:cNvPr>
@@ -9795,7 +9939,7 @@
           <p:cNvPr id="26" name="TextBox 25">
             <a:extLst>
               <a:ext uri="{FF2B5EF4-FFF2-40B4-BE49-F238E27FC236}">
-                <a16:creationId xmlns:a16="http://schemas.microsoft.com/office/drawing/2014/main" id="{AC9F83E4-FF82-6021-C3AD-FA91EE39E016}"/>
+                <a16:creationId xmlns:a16="http://schemas.microsoft.com/office/drawing/2014/main" xmlns="" id="{AC9F83E4-FF82-6021-C3AD-FA91EE39E016}"/>
               </a:ext>
             </a:extLst>
           </p:cNvPr>
@@ -9819,7 +9963,7 @@
           <a:lstStyle/>
           <a:p>
             <a:r>
-              <a:rPr kumimoji="1" lang="en-US" altLang="ko-Kore-KR" sz="800" dirty="0">
+              <a:rPr kumimoji="1" lang="en-US" altLang="x-none" sz="800" dirty="0">
                 <a:solidFill>
                   <a:srgbClr val="FF0000"/>
                 </a:solidFill>
@@ -9835,14 +9979,14 @@
               <a:t>3-1</a:t>
             </a:r>
             <a:r>
-              <a:rPr kumimoji="1" lang="en-US" altLang="ko-Kore-KR" sz="800" dirty="0">
+              <a:rPr kumimoji="1" lang="en-US" altLang="x-none" sz="800" dirty="0">
                 <a:solidFill>
                   <a:srgbClr val="FF0000"/>
                 </a:solidFill>
               </a:rPr>
               <a:t>)</a:t>
             </a:r>
-            <a:endParaRPr kumimoji="1" lang="ko-Kore-KR" altLang="en-US" sz="800" dirty="0">
+            <a:endParaRPr kumimoji="1" lang="x-none" altLang="en-US" sz="800" dirty="0">
               <a:solidFill>
                 <a:srgbClr val="FF0000"/>
               </a:solidFill>
@@ -9850,10 +9994,130 @@
           </a:p>
         </p:txBody>
       </p:sp>
+      <p:sp>
+        <p:nvSpPr>
+          <p:cNvPr id="12" name="모서리가 둥근 직사각형 11"/>
+          <p:cNvSpPr/>
+          <p:nvPr/>
+        </p:nvSpPr>
+        <p:spPr>
+          <a:xfrm>
+            <a:off x="4175039" y="2886847"/>
+            <a:ext cx="1311361" cy="2342378"/>
+          </a:xfrm>
+          <a:prstGeom prst="roundRect">
+            <a:avLst/>
+          </a:prstGeom>
+        </p:spPr>
+        <p:style>
+          <a:lnRef idx="2">
+            <a:schemeClr val="accent1">
+              <a:shade val="50000"/>
+            </a:schemeClr>
+          </a:lnRef>
+          <a:fillRef idx="1">
+            <a:schemeClr val="accent1"/>
+          </a:fillRef>
+          <a:effectRef idx="0">
+            <a:schemeClr val="accent1"/>
+          </a:effectRef>
+          <a:fontRef idx="minor">
+            <a:schemeClr val="lt1"/>
+          </a:fontRef>
+        </p:style>
+        <p:txBody>
+          <a:bodyPr rtlCol="0" anchor="ctr"/>
+          <a:lstStyle/>
+          <a:p>
+            <a:pPr algn="ctr"/>
+            <a:endParaRPr lang="ko-KR" altLang="en-US"/>
+          </a:p>
+        </p:txBody>
+      </p:sp>
+      <p:sp>
+        <p:nvSpPr>
+          <p:cNvPr id="13" name="모서리가 둥근 직사각형 12"/>
+          <p:cNvSpPr/>
+          <p:nvPr/>
+        </p:nvSpPr>
+        <p:spPr>
+          <a:xfrm>
+            <a:off x="9823364" y="3220222"/>
+            <a:ext cx="1311361" cy="2342378"/>
+          </a:xfrm>
+          <a:prstGeom prst="roundRect">
+            <a:avLst/>
+          </a:prstGeom>
+        </p:spPr>
+        <p:style>
+          <a:lnRef idx="2">
+            <a:schemeClr val="accent1">
+              <a:shade val="50000"/>
+            </a:schemeClr>
+          </a:lnRef>
+          <a:fillRef idx="1">
+            <a:schemeClr val="accent1"/>
+          </a:fillRef>
+          <a:effectRef idx="0">
+            <a:schemeClr val="accent1"/>
+          </a:effectRef>
+          <a:fontRef idx="minor">
+            <a:schemeClr val="lt1"/>
+          </a:fontRef>
+        </p:style>
+        <p:txBody>
+          <a:bodyPr rtlCol="0" anchor="ctr"/>
+          <a:lstStyle/>
+          <a:p>
+            <a:pPr algn="ctr"/>
+            <a:endParaRPr lang="ko-KR" altLang="en-US"/>
+          </a:p>
+        </p:txBody>
+      </p:sp>
+      <p:sp>
+        <p:nvSpPr>
+          <p:cNvPr id="14" name="모서리가 둥근 직사각형 13"/>
+          <p:cNvSpPr/>
+          <p:nvPr/>
+        </p:nvSpPr>
+        <p:spPr>
+          <a:xfrm>
+            <a:off x="7167570" y="3214686"/>
+            <a:ext cx="1311361" cy="2342378"/>
+          </a:xfrm>
+          <a:prstGeom prst="roundRect">
+            <a:avLst/>
+          </a:prstGeom>
+        </p:spPr>
+        <p:style>
+          <a:lnRef idx="2">
+            <a:schemeClr val="accent1">
+              <a:shade val="50000"/>
+            </a:schemeClr>
+          </a:lnRef>
+          <a:fillRef idx="1">
+            <a:schemeClr val="accent1"/>
+          </a:fillRef>
+          <a:effectRef idx="0">
+            <a:schemeClr val="accent1"/>
+          </a:effectRef>
+          <a:fontRef idx="minor">
+            <a:schemeClr val="lt1"/>
+          </a:fontRef>
+        </p:style>
+        <p:txBody>
+          <a:bodyPr rtlCol="0" anchor="ctr"/>
+          <a:lstStyle/>
+          <a:p>
+            <a:pPr algn="ctr"/>
+            <a:endParaRPr lang="ko-KR" altLang="en-US"/>
+          </a:p>
+        </p:txBody>
+      </p:sp>
     </p:spTree>
     <p:extLst>
       <p:ext uri="{BB962C8B-B14F-4D97-AF65-F5344CB8AC3E}">
-        <p14:creationId xmlns:p14="http://schemas.microsoft.com/office/powerpoint/2010/main" val="1309821328"/>
+        <p14:creationId xmlns:p14="http://schemas.microsoft.com/office/powerpoint/2010/main" xmlns="" val="1309821328"/>
       </p:ext>
     </p:extLst>
   </p:cSld>
@@ -9885,7 +10149,7 @@
           <p:cNvPr id="4" name="TextBox 3">
             <a:extLst>
               <a:ext uri="{FF2B5EF4-FFF2-40B4-BE49-F238E27FC236}">
-                <a16:creationId xmlns:a16="http://schemas.microsoft.com/office/drawing/2014/main" id="{BD8CD8DD-C4CC-E0A3-6C54-134B23682C08}"/>
+                <a16:creationId xmlns:a16="http://schemas.microsoft.com/office/drawing/2014/main" xmlns="" id="{BD8CD8DD-C4CC-E0A3-6C54-134B23682C08}"/>
               </a:ext>
             </a:extLst>
           </p:cNvPr>
@@ -9912,7 +10176,7 @@
               <a:rPr kumimoji="1" lang="ko-KR" altLang="en-US" dirty="0"/>
               <a:t>레이어 팝업</a:t>
             </a:r>
-            <a:endParaRPr kumimoji="1" lang="ko-Kore-KR" altLang="en-US" dirty="0"/>
+            <a:endParaRPr kumimoji="1" lang="x-none" altLang="en-US" dirty="0"/>
           </a:p>
         </p:txBody>
       </p:sp>
@@ -9921,7 +10185,7 @@
           <p:cNvPr id="8" name="표 7">
             <a:extLst>
               <a:ext uri="{FF2B5EF4-FFF2-40B4-BE49-F238E27FC236}">
-                <a16:creationId xmlns:a16="http://schemas.microsoft.com/office/drawing/2014/main" id="{076037DF-7EC3-56C9-8931-DE43AA98581C}"/>
+                <a16:creationId xmlns:a16="http://schemas.microsoft.com/office/drawing/2014/main" xmlns="" id="{076037DF-7EC3-56C9-8931-DE43AA98581C}"/>
               </a:ext>
             </a:extLst>
           </p:cNvPr>
@@ -9931,7 +10195,7 @@
           <p:nvPr>
             <p:extLst>
               <p:ext uri="{D42A27DB-BD31-4B8C-83A1-F6EECF244321}">
-                <p14:modId xmlns:p14="http://schemas.microsoft.com/office/powerpoint/2010/main" val="4151159798"/>
+                <p14:modId xmlns:p14="http://schemas.microsoft.com/office/powerpoint/2010/main" xmlns="" val="4151159798"/>
               </p:ext>
             </p:extLst>
           </p:nvPr>
@@ -9950,14 +10214,14 @@
                 <a:gridCol w="933085">
                   <a:extLst>
                     <a:ext uri="{9D8B030D-6E8A-4147-A177-3AD203B41FA5}">
-                      <a16:colId xmlns:a16="http://schemas.microsoft.com/office/drawing/2014/main" val="1620488559"/>
+                      <a16:colId xmlns:a16="http://schemas.microsoft.com/office/drawing/2014/main" xmlns="" val="1620488559"/>
                     </a:ext>
                   </a:extLst>
                 </a:gridCol>
                 <a:gridCol w="2902934">
                   <a:extLst>
                     <a:ext uri="{9D8B030D-6E8A-4147-A177-3AD203B41FA5}">
-                      <a16:colId xmlns:a16="http://schemas.microsoft.com/office/drawing/2014/main" val="1012869961"/>
+                      <a16:colId xmlns:a16="http://schemas.microsoft.com/office/drawing/2014/main" xmlns="" val="1012869961"/>
                     </a:ext>
                   </a:extLst>
                 </a:gridCol>
@@ -9969,14 +10233,14 @@
                     <a:lstStyle/>
                     <a:p>
                       <a:r>
-                        <a:rPr lang="en-US" altLang="ko-Kore-KR" sz="800" b="0" dirty="0"/>
+                        <a:rPr lang="en-US" altLang="x-none" sz="800" b="0" dirty="0"/>
                         <a:t>(</a:t>
                       </a:r>
                       <a:r>
                         <a:rPr lang="en-US" altLang="ko-KR" sz="800" b="0" dirty="0"/>
                         <a:t>1)</a:t>
                       </a:r>
-                      <a:endParaRPr lang="ko-Kore-KR" altLang="en-US" sz="800" b="0" dirty="0"/>
+                      <a:endParaRPr lang="x-none" altLang="en-US" sz="800" b="0" dirty="0"/>
                     </a:p>
                   </a:txBody>
                   <a:tcPr/>
@@ -9990,14 +10254,14 @@
                         <a:rPr lang="ko-KR" altLang="en-US" sz="800" b="0" dirty="0"/>
                         <a:t>기본 레이어 팝업</a:t>
                       </a:r>
-                      <a:endParaRPr lang="ko-Kore-KR" altLang="en-US" sz="800" b="0" dirty="0"/>
+                      <a:endParaRPr lang="x-none" altLang="en-US" sz="800" b="0" dirty="0"/>
                     </a:p>
                   </a:txBody>
                   <a:tcPr/>
                 </a:tc>
                 <a:extLst>
                   <a:ext uri="{0D108BD9-81ED-4DB2-BD59-A6C34878D82A}">
-                    <a16:rowId xmlns:a16="http://schemas.microsoft.com/office/drawing/2014/main" val="302975823"/>
+                    <a16:rowId xmlns:a16="http://schemas.microsoft.com/office/drawing/2014/main" xmlns="" val="302975823"/>
                   </a:ext>
                 </a:extLst>
               </a:tr>
@@ -10008,25 +10272,25 @@
                     <a:lstStyle/>
                     <a:p>
                       <a:r>
-                        <a:rPr lang="en-US" altLang="ko-Kore-KR" sz="800" b="0" dirty="0"/>
+                        <a:rPr lang="en-US" altLang="x-none" sz="800" b="0" dirty="0"/>
                         <a:t>(</a:t>
                       </a:r>
                       <a:r>
                         <a:rPr lang="en-US" altLang="ko-KR" sz="800" b="0" dirty="0"/>
                         <a:t>2)</a:t>
                       </a:r>
-                      <a:endParaRPr lang="ko-Kore-KR" altLang="en-US" sz="800" b="0" dirty="0"/>
-                    </a:p>
-                  </a:txBody>
-                  <a:tcPr/>
-                </a:tc>
-                <a:tc>
-                  <a:txBody>
-                    <a:bodyPr/>
-                    <a:lstStyle/>
-                    <a:p>
-                      <a:r>
-                        <a:rPr lang="en-US" altLang="ko-Kore-KR" sz="800" b="0" dirty="0"/>
+                      <a:endParaRPr lang="x-none" altLang="en-US" sz="800" b="0" dirty="0"/>
+                    </a:p>
+                  </a:txBody>
+                  <a:tcPr/>
+                </a:tc>
+                <a:tc>
+                  <a:txBody>
+                    <a:bodyPr/>
+                    <a:lstStyle/>
+                    <a:p>
+                      <a:r>
+                        <a:rPr lang="en-US" altLang="x-none" sz="800" b="0" dirty="0"/>
                         <a:t>&lt;</a:t>
                       </a:r>
                       <a:r>
@@ -10057,14 +10321,14 @@
                         <a:rPr lang="ko-KR" altLang="en-US" sz="800" b="0" dirty="0"/>
                         <a:t> 페이지의 레이어 팝업</a:t>
                       </a:r>
-                      <a:endParaRPr lang="ko-Kore-KR" altLang="en-US" sz="800" b="0" dirty="0"/>
+                      <a:endParaRPr lang="x-none" altLang="en-US" sz="800" b="0" dirty="0"/>
                     </a:p>
                   </a:txBody>
                   <a:tcPr/>
                 </a:tc>
                 <a:extLst>
                   <a:ext uri="{0D108BD9-81ED-4DB2-BD59-A6C34878D82A}">
-                    <a16:rowId xmlns:a16="http://schemas.microsoft.com/office/drawing/2014/main" val="2326918455"/>
+                    <a16:rowId xmlns:a16="http://schemas.microsoft.com/office/drawing/2014/main" xmlns="" val="2326918455"/>
                   </a:ext>
                 </a:extLst>
               </a:tr>
@@ -10075,14 +10339,14 @@
                     <a:lstStyle/>
                     <a:p>
                       <a:r>
-                        <a:rPr lang="en-US" altLang="ko-Kore-KR" sz="800" b="0" dirty="0"/>
+                        <a:rPr lang="en-US" altLang="x-none" sz="800" b="0" dirty="0"/>
                         <a:t>(</a:t>
                       </a:r>
                       <a:r>
                         <a:rPr lang="en-US" altLang="ko-KR" sz="800" b="0" dirty="0"/>
                         <a:t>3)</a:t>
                       </a:r>
-                      <a:endParaRPr lang="ko-Kore-KR" altLang="en-US" sz="800" b="0" dirty="0"/>
+                      <a:endParaRPr lang="x-none" altLang="en-US" sz="800" b="0" dirty="0"/>
                     </a:p>
                   </a:txBody>
                   <a:tcPr/>
@@ -10110,7 +10374,7 @@
                         <a:defRPr/>
                       </a:pPr>
                       <a:r>
-                        <a:rPr lang="en-US" altLang="ko-Kore-KR" sz="800" b="0" dirty="0"/>
+                        <a:rPr lang="en-US" altLang="x-none" sz="800" b="0" dirty="0"/>
                         <a:t>&lt;</a:t>
                       </a:r>
                       <a:r>
@@ -10125,14 +10389,14 @@
                         <a:rPr lang="ko-KR" altLang="en-US" sz="800" b="0" dirty="0"/>
                         <a:t> 페이지에서 사용하는 레이어 팝업</a:t>
                       </a:r>
-                      <a:endParaRPr lang="ko-Kore-KR" altLang="en-US" sz="800" b="0" dirty="0"/>
+                      <a:endParaRPr lang="x-none" altLang="en-US" sz="800" b="0" dirty="0"/>
                     </a:p>
                   </a:txBody>
                   <a:tcPr/>
                 </a:tc>
                 <a:extLst>
                   <a:ext uri="{0D108BD9-81ED-4DB2-BD59-A6C34878D82A}">
-                    <a16:rowId xmlns:a16="http://schemas.microsoft.com/office/drawing/2014/main" val="3257335175"/>
+                    <a16:rowId xmlns:a16="http://schemas.microsoft.com/office/drawing/2014/main" xmlns="" val="3257335175"/>
                   </a:ext>
                 </a:extLst>
               </a:tr>
@@ -10143,14 +10407,14 @@
                     <a:lstStyle/>
                     <a:p>
                       <a:r>
-                        <a:rPr lang="en-US" altLang="ko-Kore-KR" sz="800" b="0" dirty="0"/>
+                        <a:rPr lang="en-US" altLang="x-none" sz="800" b="0" dirty="0"/>
                         <a:t>(</a:t>
                       </a:r>
                       <a:r>
                         <a:rPr lang="en-US" altLang="ko-KR" sz="800" b="0" dirty="0"/>
                         <a:t>4)</a:t>
                       </a:r>
-                      <a:endParaRPr lang="ko-Kore-KR" altLang="en-US" sz="800" b="0" dirty="0"/>
+                      <a:endParaRPr lang="x-none" altLang="en-US" sz="800" b="0" dirty="0"/>
                     </a:p>
                   </a:txBody>
                   <a:tcPr/>
@@ -10178,29 +10442,29 @@
                         <a:defRPr/>
                       </a:pPr>
                       <a:r>
-                        <a:rPr lang="en-US" altLang="ko-Kore-KR" sz="800" b="0" dirty="0"/>
+                        <a:rPr lang="en-US" altLang="x-none" sz="800" b="0" dirty="0"/>
                         <a:t>&lt;</a:t>
                       </a:r>
                       <a:r>
-                        <a:rPr lang="ko-Kore-KR" altLang="en-US" sz="800" b="0" dirty="0"/>
+                        <a:rPr lang="x-none" altLang="en-US" sz="800" b="0" dirty="0"/>
                         <a:t>결제</a:t>
                       </a:r>
                       <a:r>
-                        <a:rPr lang="en-US" altLang="ko-Kore-KR" sz="800" b="0" dirty="0"/>
+                        <a:rPr lang="en-US" altLang="x-none" sz="800" b="0" dirty="0"/>
                         <a:t>&gt;</a:t>
                       </a:r>
                       <a:r>
                         <a:rPr lang="ko-KR" altLang="en-US" sz="800" b="0" dirty="0"/>
                         <a:t> 페이지에서 사용하는 레이어 팝업</a:t>
                       </a:r>
-                      <a:endParaRPr lang="ko-Kore-KR" altLang="en-US" sz="800" b="0" dirty="0"/>
+                      <a:endParaRPr lang="x-none" altLang="en-US" sz="800" b="0" dirty="0"/>
                     </a:p>
                   </a:txBody>
                   <a:tcPr/>
                 </a:tc>
                 <a:extLst>
                   <a:ext uri="{0D108BD9-81ED-4DB2-BD59-A6C34878D82A}">
-                    <a16:rowId xmlns:a16="http://schemas.microsoft.com/office/drawing/2014/main" val="1984387914"/>
+                    <a16:rowId xmlns:a16="http://schemas.microsoft.com/office/drawing/2014/main" xmlns="" val="1984387914"/>
                   </a:ext>
                 </a:extLst>
               </a:tr>
@@ -10213,7 +10477,7 @@
           <p:cNvPr id="19" name="TextBox 18">
             <a:extLst>
               <a:ext uri="{FF2B5EF4-FFF2-40B4-BE49-F238E27FC236}">
-                <a16:creationId xmlns:a16="http://schemas.microsoft.com/office/drawing/2014/main" id="{ADE8A2AA-FEA8-A824-7785-B3AE8DF652AA}"/>
+                <a16:creationId xmlns:a16="http://schemas.microsoft.com/office/drawing/2014/main" xmlns="" id="{ADE8A2AA-FEA8-A824-7785-B3AE8DF652AA}"/>
               </a:ext>
             </a:extLst>
           </p:cNvPr>
@@ -10237,7 +10501,7 @@
           <a:lstStyle/>
           <a:p>
             <a:r>
-              <a:rPr kumimoji="1" lang="en-US" altLang="ko-Kore-KR" sz="800" dirty="0">
+              <a:rPr kumimoji="1" lang="en-US" altLang="x-none" sz="800" dirty="0">
                 <a:solidFill>
                   <a:srgbClr val="FF0000"/>
                 </a:solidFill>
@@ -10253,14 +10517,14 @@
               <a:t>1</a:t>
             </a:r>
             <a:r>
-              <a:rPr kumimoji="1" lang="en-US" altLang="ko-Kore-KR" sz="800" dirty="0">
+              <a:rPr kumimoji="1" lang="en-US" altLang="x-none" sz="800" dirty="0">
                 <a:solidFill>
                   <a:srgbClr val="FF0000"/>
                 </a:solidFill>
               </a:rPr>
               <a:t>)</a:t>
             </a:r>
-            <a:endParaRPr kumimoji="1" lang="ko-Kore-KR" altLang="en-US" sz="800" dirty="0">
+            <a:endParaRPr kumimoji="1" lang="x-none" altLang="en-US" sz="800" dirty="0">
               <a:solidFill>
                 <a:srgbClr val="FF0000"/>
               </a:solidFill>
@@ -10273,7 +10537,7 @@
           <p:cNvPr id="11" name="TextBox 10">
             <a:extLst>
               <a:ext uri="{FF2B5EF4-FFF2-40B4-BE49-F238E27FC236}">
-                <a16:creationId xmlns:a16="http://schemas.microsoft.com/office/drawing/2014/main" id="{CFD6FB69-AE38-6911-8E93-4916F4886008}"/>
+                <a16:creationId xmlns:a16="http://schemas.microsoft.com/office/drawing/2014/main" xmlns="" id="{CFD6FB69-AE38-6911-8E93-4916F4886008}"/>
               </a:ext>
             </a:extLst>
           </p:cNvPr>
@@ -10297,7 +10561,7 @@
           <a:lstStyle/>
           <a:p>
             <a:r>
-              <a:rPr kumimoji="1" lang="en-US" altLang="ko-Kore-KR" sz="800" dirty="0">
+              <a:rPr kumimoji="1" lang="en-US" altLang="x-none" sz="800" dirty="0">
                 <a:solidFill>
                   <a:srgbClr val="FF0000"/>
                 </a:solidFill>
@@ -10313,14 +10577,14 @@
               <a:t>2</a:t>
             </a:r>
             <a:r>
-              <a:rPr kumimoji="1" lang="en-US" altLang="ko-Kore-KR" sz="800" dirty="0">
+              <a:rPr kumimoji="1" lang="en-US" altLang="x-none" sz="800" dirty="0">
                 <a:solidFill>
                   <a:srgbClr val="FF0000"/>
                 </a:solidFill>
               </a:rPr>
               <a:t>)</a:t>
             </a:r>
-            <a:endParaRPr kumimoji="1" lang="ko-Kore-KR" altLang="en-US" sz="800" dirty="0">
+            <a:endParaRPr kumimoji="1" lang="x-none" altLang="en-US" sz="800" dirty="0">
               <a:solidFill>
                 <a:srgbClr val="FF0000"/>
               </a:solidFill>
@@ -10333,7 +10597,7 @@
           <p:cNvPr id="16" name="TextBox 15">
             <a:extLst>
               <a:ext uri="{FF2B5EF4-FFF2-40B4-BE49-F238E27FC236}">
-                <a16:creationId xmlns:a16="http://schemas.microsoft.com/office/drawing/2014/main" id="{4740A65A-DCFE-2637-3AB8-740D72E42F18}"/>
+                <a16:creationId xmlns:a16="http://schemas.microsoft.com/office/drawing/2014/main" xmlns="" id="{4740A65A-DCFE-2637-3AB8-740D72E42F18}"/>
               </a:ext>
             </a:extLst>
           </p:cNvPr>
@@ -10357,7 +10621,7 @@
           <a:lstStyle/>
           <a:p>
             <a:r>
-              <a:rPr kumimoji="1" lang="en-US" altLang="ko-Kore-KR" sz="800" dirty="0">
+              <a:rPr kumimoji="1" lang="en-US" altLang="x-none" sz="800" dirty="0">
                 <a:solidFill>
                   <a:srgbClr val="FF0000"/>
                 </a:solidFill>
@@ -10373,14 +10637,14 @@
               <a:t>3</a:t>
             </a:r>
             <a:r>
-              <a:rPr kumimoji="1" lang="en-US" altLang="ko-Kore-KR" sz="800" dirty="0">
+              <a:rPr kumimoji="1" lang="en-US" altLang="x-none" sz="800" dirty="0">
                 <a:solidFill>
                   <a:srgbClr val="FF0000"/>
                 </a:solidFill>
               </a:rPr>
               <a:t>)</a:t>
             </a:r>
-            <a:endParaRPr kumimoji="1" lang="ko-Kore-KR" altLang="en-US" sz="800" dirty="0">
+            <a:endParaRPr kumimoji="1" lang="x-none" altLang="en-US" sz="800" dirty="0">
               <a:solidFill>
                 <a:srgbClr val="FF0000"/>
               </a:solidFill>
@@ -10393,7 +10657,7 @@
           <p:cNvPr id="26" name="TextBox 25">
             <a:extLst>
               <a:ext uri="{FF2B5EF4-FFF2-40B4-BE49-F238E27FC236}">
-                <a16:creationId xmlns:a16="http://schemas.microsoft.com/office/drawing/2014/main" id="{AC9F83E4-FF82-6021-C3AD-FA91EE39E016}"/>
+                <a16:creationId xmlns:a16="http://schemas.microsoft.com/office/drawing/2014/main" xmlns="" id="{AC9F83E4-FF82-6021-C3AD-FA91EE39E016}"/>
               </a:ext>
             </a:extLst>
           </p:cNvPr>
@@ -10417,7 +10681,7 @@
           <a:lstStyle/>
           <a:p>
             <a:r>
-              <a:rPr kumimoji="1" lang="en-US" altLang="ko-Kore-KR" sz="800" dirty="0">
+              <a:rPr kumimoji="1" lang="en-US" altLang="x-none" sz="800" dirty="0">
                 <a:solidFill>
                   <a:srgbClr val="FF0000"/>
                 </a:solidFill>
@@ -10433,14 +10697,14 @@
               <a:t>4</a:t>
             </a:r>
             <a:r>
-              <a:rPr kumimoji="1" lang="en-US" altLang="ko-Kore-KR" sz="800" dirty="0">
+              <a:rPr kumimoji="1" lang="en-US" altLang="x-none" sz="800" dirty="0">
                 <a:solidFill>
                   <a:srgbClr val="FF0000"/>
                 </a:solidFill>
               </a:rPr>
               <a:t>)</a:t>
             </a:r>
-            <a:endParaRPr kumimoji="1" lang="ko-Kore-KR" altLang="en-US" sz="800" dirty="0">
+            <a:endParaRPr kumimoji="1" lang="x-none" altLang="en-US" sz="800" dirty="0">
               <a:solidFill>
                 <a:srgbClr val="FF0000"/>
               </a:solidFill>
@@ -10453,7 +10717,7 @@
           <p:cNvPr id="2" name="그림 1">
             <a:extLst>
               <a:ext uri="{FF2B5EF4-FFF2-40B4-BE49-F238E27FC236}">
-                <a16:creationId xmlns:a16="http://schemas.microsoft.com/office/drawing/2014/main" id="{7C48898C-25A9-F4F5-B75F-0B001D60EB11}"/>
+                <a16:creationId xmlns:a16="http://schemas.microsoft.com/office/drawing/2014/main" xmlns="" id="{7C48898C-25A9-F4F5-B75F-0B001D60EB11}"/>
               </a:ext>
             </a:extLst>
           </p:cNvPr>
@@ -10483,7 +10747,7 @@
           <p:cNvPr id="6" name="그림 5">
             <a:extLst>
               <a:ext uri="{FF2B5EF4-FFF2-40B4-BE49-F238E27FC236}">
-                <a16:creationId xmlns:a16="http://schemas.microsoft.com/office/drawing/2014/main" id="{A9913EB5-AF35-5EB2-9C19-9E3BB93888C1}"/>
+                <a16:creationId xmlns:a16="http://schemas.microsoft.com/office/drawing/2014/main" xmlns="" id="{A9913EB5-AF35-5EB2-9C19-9E3BB93888C1}"/>
               </a:ext>
             </a:extLst>
           </p:cNvPr>
@@ -10513,7 +10777,7 @@
           <p:cNvPr id="9" name="그림 8">
             <a:extLst>
               <a:ext uri="{FF2B5EF4-FFF2-40B4-BE49-F238E27FC236}">
-                <a16:creationId xmlns:a16="http://schemas.microsoft.com/office/drawing/2014/main" id="{1565F660-A7B4-0CE5-C45E-6D7BDDB2AC7C}"/>
+                <a16:creationId xmlns:a16="http://schemas.microsoft.com/office/drawing/2014/main" xmlns="" id="{1565F660-A7B4-0CE5-C45E-6D7BDDB2AC7C}"/>
               </a:ext>
             </a:extLst>
           </p:cNvPr>
@@ -10543,7 +10807,7 @@
           <p:cNvPr id="10" name="그림 9">
             <a:extLst>
               <a:ext uri="{FF2B5EF4-FFF2-40B4-BE49-F238E27FC236}">
-                <a16:creationId xmlns:a16="http://schemas.microsoft.com/office/drawing/2014/main" id="{66FEB4F0-384F-1EC8-234A-FBEFBD649477}"/>
+                <a16:creationId xmlns:a16="http://schemas.microsoft.com/office/drawing/2014/main" xmlns="" id="{66FEB4F0-384F-1EC8-234A-FBEFBD649477}"/>
               </a:ext>
             </a:extLst>
           </p:cNvPr>
@@ -10568,10 +10832,170 @@
           </a:prstGeom>
         </p:spPr>
       </p:pic>
+      <p:sp>
+        <p:nvSpPr>
+          <p:cNvPr id="12" name="모서리가 둥근 직사각형 11"/>
+          <p:cNvSpPr/>
+          <p:nvPr/>
+        </p:nvSpPr>
+        <p:spPr>
+          <a:xfrm>
+            <a:off x="1479464" y="2896372"/>
+            <a:ext cx="1311361" cy="2342378"/>
+          </a:xfrm>
+          <a:prstGeom prst="roundRect">
+            <a:avLst/>
+          </a:prstGeom>
+        </p:spPr>
+        <p:style>
+          <a:lnRef idx="2">
+            <a:schemeClr val="accent1">
+              <a:shade val="50000"/>
+            </a:schemeClr>
+          </a:lnRef>
+          <a:fillRef idx="1">
+            <a:schemeClr val="accent1"/>
+          </a:fillRef>
+          <a:effectRef idx="0">
+            <a:schemeClr val="accent1"/>
+          </a:effectRef>
+          <a:fontRef idx="minor">
+            <a:schemeClr val="lt1"/>
+          </a:fontRef>
+        </p:style>
+        <p:txBody>
+          <a:bodyPr rtlCol="0" anchor="ctr"/>
+          <a:lstStyle/>
+          <a:p>
+            <a:pPr algn="ctr"/>
+            <a:endParaRPr lang="ko-KR" altLang="en-US"/>
+          </a:p>
+        </p:txBody>
+      </p:sp>
+      <p:sp>
+        <p:nvSpPr>
+          <p:cNvPr id="13" name="모서리가 둥근 직사각형 12"/>
+          <p:cNvSpPr/>
+          <p:nvPr/>
+        </p:nvSpPr>
+        <p:spPr>
+          <a:xfrm>
+            <a:off x="4095736" y="2857496"/>
+            <a:ext cx="1311361" cy="2342378"/>
+          </a:xfrm>
+          <a:prstGeom prst="roundRect">
+            <a:avLst/>
+          </a:prstGeom>
+        </p:spPr>
+        <p:style>
+          <a:lnRef idx="2">
+            <a:schemeClr val="accent1">
+              <a:shade val="50000"/>
+            </a:schemeClr>
+          </a:lnRef>
+          <a:fillRef idx="1">
+            <a:schemeClr val="accent1"/>
+          </a:fillRef>
+          <a:effectRef idx="0">
+            <a:schemeClr val="accent1"/>
+          </a:effectRef>
+          <a:fontRef idx="minor">
+            <a:schemeClr val="lt1"/>
+          </a:fontRef>
+        </p:style>
+        <p:txBody>
+          <a:bodyPr rtlCol="0" anchor="ctr"/>
+          <a:lstStyle/>
+          <a:p>
+            <a:pPr algn="ctr"/>
+            <a:endParaRPr lang="ko-KR" altLang="en-US"/>
+          </a:p>
+        </p:txBody>
+      </p:sp>
+      <p:sp>
+        <p:nvSpPr>
+          <p:cNvPr id="14" name="모서리가 둥근 직사각형 13"/>
+          <p:cNvSpPr/>
+          <p:nvPr/>
+        </p:nvSpPr>
+        <p:spPr>
+          <a:xfrm>
+            <a:off x="6738942" y="2857496"/>
+            <a:ext cx="1311361" cy="2342378"/>
+          </a:xfrm>
+          <a:prstGeom prst="roundRect">
+            <a:avLst/>
+          </a:prstGeom>
+        </p:spPr>
+        <p:style>
+          <a:lnRef idx="2">
+            <a:schemeClr val="accent1">
+              <a:shade val="50000"/>
+            </a:schemeClr>
+          </a:lnRef>
+          <a:fillRef idx="1">
+            <a:schemeClr val="accent1"/>
+          </a:fillRef>
+          <a:effectRef idx="0">
+            <a:schemeClr val="accent1"/>
+          </a:effectRef>
+          <a:fontRef idx="minor">
+            <a:schemeClr val="lt1"/>
+          </a:fontRef>
+        </p:style>
+        <p:txBody>
+          <a:bodyPr rtlCol="0" anchor="ctr"/>
+          <a:lstStyle/>
+          <a:p>
+            <a:pPr algn="ctr"/>
+            <a:endParaRPr lang="ko-KR" altLang="en-US"/>
+          </a:p>
+        </p:txBody>
+      </p:sp>
+      <p:sp>
+        <p:nvSpPr>
+          <p:cNvPr id="15" name="모서리가 둥근 직사각형 14"/>
+          <p:cNvSpPr/>
+          <p:nvPr/>
+        </p:nvSpPr>
+        <p:spPr>
+          <a:xfrm>
+            <a:off x="9596462" y="2928934"/>
+            <a:ext cx="1311361" cy="2342378"/>
+          </a:xfrm>
+          <a:prstGeom prst="roundRect">
+            <a:avLst/>
+          </a:prstGeom>
+        </p:spPr>
+        <p:style>
+          <a:lnRef idx="2">
+            <a:schemeClr val="accent1">
+              <a:shade val="50000"/>
+            </a:schemeClr>
+          </a:lnRef>
+          <a:fillRef idx="1">
+            <a:schemeClr val="accent1"/>
+          </a:fillRef>
+          <a:effectRef idx="0">
+            <a:schemeClr val="accent1"/>
+          </a:effectRef>
+          <a:fontRef idx="minor">
+            <a:schemeClr val="lt1"/>
+          </a:fontRef>
+        </p:style>
+        <p:txBody>
+          <a:bodyPr rtlCol="0" anchor="ctr"/>
+          <a:lstStyle/>
+          <a:p>
+            <a:pPr algn="ctr"/>
+            <a:endParaRPr lang="ko-KR" altLang="en-US"/>
+          </a:p>
+        </p:txBody>
+      </p:sp>
     </p:spTree>
     <p:extLst>
       <p:ext uri="{BB962C8B-B14F-4D97-AF65-F5344CB8AC3E}">
-        <p14:creationId xmlns:p14="http://schemas.microsoft.com/office/powerpoint/2010/main" val="70451658"/>
+        <p14:creationId xmlns:p14="http://schemas.microsoft.com/office/powerpoint/2010/main" xmlns="" val="70451658"/>
       </p:ext>
     </p:extLst>
   </p:cSld>
@@ -10603,7 +11027,7 @@
           <p:cNvPr id="4" name="TextBox 3">
             <a:extLst>
               <a:ext uri="{FF2B5EF4-FFF2-40B4-BE49-F238E27FC236}">
-                <a16:creationId xmlns:a16="http://schemas.microsoft.com/office/drawing/2014/main" id="{BD8CD8DD-C4CC-E0A3-6C54-134B23682C08}"/>
+                <a16:creationId xmlns:a16="http://schemas.microsoft.com/office/drawing/2014/main" xmlns="" id="{BD8CD8DD-C4CC-E0A3-6C54-134B23682C08}"/>
               </a:ext>
             </a:extLst>
           </p:cNvPr>
@@ -10630,7 +11054,7 @@
               <a:rPr kumimoji="1" lang="ko-KR" altLang="en-US" dirty="0"/>
               <a:t>레이어 팝업</a:t>
             </a:r>
-            <a:endParaRPr kumimoji="1" lang="ko-Kore-KR" altLang="en-US" dirty="0"/>
+            <a:endParaRPr kumimoji="1" lang="x-none" altLang="en-US" dirty="0"/>
           </a:p>
         </p:txBody>
       </p:sp>
@@ -10639,7 +11063,7 @@
           <p:cNvPr id="8" name="표 7">
             <a:extLst>
               <a:ext uri="{FF2B5EF4-FFF2-40B4-BE49-F238E27FC236}">
-                <a16:creationId xmlns:a16="http://schemas.microsoft.com/office/drawing/2014/main" id="{076037DF-7EC3-56C9-8931-DE43AA98581C}"/>
+                <a16:creationId xmlns:a16="http://schemas.microsoft.com/office/drawing/2014/main" xmlns="" id="{076037DF-7EC3-56C9-8931-DE43AA98581C}"/>
               </a:ext>
             </a:extLst>
           </p:cNvPr>
@@ -10649,7 +11073,7 @@
           <p:nvPr>
             <p:extLst>
               <p:ext uri="{D42A27DB-BD31-4B8C-83A1-F6EECF244321}">
-                <p14:modId xmlns:p14="http://schemas.microsoft.com/office/powerpoint/2010/main" val="1516810982"/>
+                <p14:modId xmlns:p14="http://schemas.microsoft.com/office/powerpoint/2010/main" xmlns="" val="1516810982"/>
               </p:ext>
             </p:extLst>
           </p:nvPr>
@@ -10668,14 +11092,14 @@
                 <a:gridCol w="933085">
                   <a:extLst>
                     <a:ext uri="{9D8B030D-6E8A-4147-A177-3AD203B41FA5}">
-                      <a16:colId xmlns:a16="http://schemas.microsoft.com/office/drawing/2014/main" val="1620488559"/>
+                      <a16:colId xmlns:a16="http://schemas.microsoft.com/office/drawing/2014/main" xmlns="" val="1620488559"/>
                     </a:ext>
                   </a:extLst>
                 </a:gridCol>
                 <a:gridCol w="2902934">
                   <a:extLst>
                     <a:ext uri="{9D8B030D-6E8A-4147-A177-3AD203B41FA5}">
-                      <a16:colId xmlns:a16="http://schemas.microsoft.com/office/drawing/2014/main" val="1012869961"/>
+                      <a16:colId xmlns:a16="http://schemas.microsoft.com/office/drawing/2014/main" xmlns="" val="1012869961"/>
                     </a:ext>
                   </a:extLst>
                 </a:gridCol>
@@ -10687,14 +11111,14 @@
                     <a:lstStyle/>
                     <a:p>
                       <a:r>
-                        <a:rPr lang="en-US" altLang="ko-Kore-KR" sz="800" b="0" dirty="0"/>
+                        <a:rPr lang="en-US" altLang="x-none" sz="800" b="0" dirty="0"/>
                         <a:t>(</a:t>
                       </a:r>
                       <a:r>
                         <a:rPr lang="en-US" altLang="ko-KR" sz="800" b="0" dirty="0"/>
                         <a:t>1)</a:t>
                       </a:r>
-                      <a:endParaRPr lang="ko-Kore-KR" altLang="en-US" sz="800" b="0" dirty="0"/>
+                      <a:endParaRPr lang="x-none" altLang="en-US" sz="800" b="0" dirty="0"/>
                     </a:p>
                   </a:txBody>
                   <a:tcPr/>
@@ -10722,7 +11146,7 @@
                         <a:defRPr/>
                       </a:pPr>
                       <a:r>
-                        <a:rPr lang="en-US" altLang="ko-Kore-KR" sz="800" b="0" dirty="0"/>
+                        <a:rPr lang="en-US" altLang="x-none" sz="800" b="0" dirty="0"/>
                         <a:t>&lt;</a:t>
                       </a:r>
                       <a:r>
@@ -10737,14 +11161,14 @@
                         <a:rPr lang="ko-KR" altLang="en-US" sz="800" b="0" dirty="0"/>
                         <a:t> 페이지에서 사용하는 레이어 팝업</a:t>
                       </a:r>
-                      <a:endParaRPr lang="ko-Kore-KR" altLang="en-US" sz="800" b="0" dirty="0"/>
+                      <a:endParaRPr lang="x-none" altLang="en-US" sz="800" b="0" dirty="0"/>
                     </a:p>
                   </a:txBody>
                   <a:tcPr/>
                 </a:tc>
                 <a:extLst>
                   <a:ext uri="{0D108BD9-81ED-4DB2-BD59-A6C34878D82A}">
-                    <a16:rowId xmlns:a16="http://schemas.microsoft.com/office/drawing/2014/main" val="302975823"/>
+                    <a16:rowId xmlns:a16="http://schemas.microsoft.com/office/drawing/2014/main" xmlns="" val="302975823"/>
                   </a:ext>
                 </a:extLst>
               </a:tr>
@@ -10755,25 +11179,25 @@
                     <a:lstStyle/>
                     <a:p>
                       <a:r>
-                        <a:rPr lang="en-US" altLang="ko-Kore-KR" sz="800" b="0" dirty="0"/>
+                        <a:rPr lang="en-US" altLang="x-none" sz="800" b="0" dirty="0"/>
                         <a:t>(</a:t>
                       </a:r>
                       <a:r>
                         <a:rPr lang="en-US" altLang="ko-KR" sz="800" b="0" dirty="0"/>
                         <a:t>2)</a:t>
                       </a:r>
-                      <a:endParaRPr lang="ko-Kore-KR" altLang="en-US" sz="800" b="0" dirty="0"/>
-                    </a:p>
-                  </a:txBody>
-                  <a:tcPr/>
-                </a:tc>
-                <a:tc>
-                  <a:txBody>
-                    <a:bodyPr/>
-                    <a:lstStyle/>
-                    <a:p>
-                      <a:r>
-                        <a:rPr lang="en-US" altLang="ko-Kore-KR" sz="800" b="0" dirty="0"/>
+                      <a:endParaRPr lang="x-none" altLang="en-US" sz="800" b="0" dirty="0"/>
+                    </a:p>
+                  </a:txBody>
+                  <a:tcPr/>
+                </a:tc>
+                <a:tc>
+                  <a:txBody>
+                    <a:bodyPr/>
+                    <a:lstStyle/>
+                    <a:p>
+                      <a:r>
+                        <a:rPr lang="en-US" altLang="x-none" sz="800" b="0" dirty="0"/>
                         <a:t>&lt;</a:t>
                       </a:r>
                       <a:r>
@@ -10804,14 +11228,14 @@
                         <a:rPr lang="ko-KR" altLang="en-US" sz="800" b="0" dirty="0"/>
                         <a:t> 버튼 클릭 시 노출</a:t>
                       </a:r>
-                      <a:endParaRPr lang="ko-Kore-KR" altLang="en-US" sz="800" b="0" dirty="0"/>
+                      <a:endParaRPr lang="x-none" altLang="en-US" sz="800" b="0" dirty="0"/>
                     </a:p>
                   </a:txBody>
                   <a:tcPr/>
                 </a:tc>
                 <a:extLst>
                   <a:ext uri="{0D108BD9-81ED-4DB2-BD59-A6C34878D82A}">
-                    <a16:rowId xmlns:a16="http://schemas.microsoft.com/office/drawing/2014/main" val="2326918455"/>
+                    <a16:rowId xmlns:a16="http://schemas.microsoft.com/office/drawing/2014/main" xmlns="" val="2326918455"/>
                   </a:ext>
                 </a:extLst>
               </a:tr>
@@ -10821,7 +11245,7 @@
                     <a:bodyPr/>
                     <a:lstStyle/>
                     <a:p>
-                      <a:endParaRPr lang="ko-Kore-KR" altLang="en-US" sz="800" b="0" dirty="0"/>
+                      <a:endParaRPr lang="x-none" altLang="en-US" sz="800" b="0" dirty="0"/>
                     </a:p>
                   </a:txBody>
                   <a:tcPr/>
@@ -10848,14 +11272,14 @@
                         <a:tabLst/>
                         <a:defRPr/>
                       </a:pPr>
-                      <a:endParaRPr lang="ko-Kore-KR" altLang="en-US" sz="800" b="0" dirty="0"/>
+                      <a:endParaRPr lang="x-none" altLang="en-US" sz="800" b="0" dirty="0"/>
                     </a:p>
                   </a:txBody>
                   <a:tcPr/>
                 </a:tc>
                 <a:extLst>
                   <a:ext uri="{0D108BD9-81ED-4DB2-BD59-A6C34878D82A}">
-                    <a16:rowId xmlns:a16="http://schemas.microsoft.com/office/drawing/2014/main" val="3257335175"/>
+                    <a16:rowId xmlns:a16="http://schemas.microsoft.com/office/drawing/2014/main" xmlns="" val="3257335175"/>
                   </a:ext>
                 </a:extLst>
               </a:tr>
@@ -10865,7 +11289,7 @@
                     <a:bodyPr/>
                     <a:lstStyle/>
                     <a:p>
-                      <a:endParaRPr lang="ko-Kore-KR" altLang="en-US" sz="800" b="0" dirty="0"/>
+                      <a:endParaRPr lang="x-none" altLang="en-US" sz="800" b="0" dirty="0"/>
                     </a:p>
                   </a:txBody>
                   <a:tcPr/>
@@ -10892,14 +11316,14 @@
                         <a:tabLst/>
                         <a:defRPr/>
                       </a:pPr>
-                      <a:endParaRPr lang="ko-Kore-KR" altLang="en-US" sz="800" b="0" dirty="0"/>
+                      <a:endParaRPr lang="x-none" altLang="en-US" sz="800" b="0" dirty="0"/>
                     </a:p>
                   </a:txBody>
                   <a:tcPr/>
                 </a:tc>
                 <a:extLst>
                   <a:ext uri="{0D108BD9-81ED-4DB2-BD59-A6C34878D82A}">
-                    <a16:rowId xmlns:a16="http://schemas.microsoft.com/office/drawing/2014/main" val="1984387914"/>
+                    <a16:rowId xmlns:a16="http://schemas.microsoft.com/office/drawing/2014/main" xmlns="" val="1984387914"/>
                   </a:ext>
                 </a:extLst>
               </a:tr>
@@ -10912,7 +11336,7 @@
           <p:cNvPr id="19" name="TextBox 18">
             <a:extLst>
               <a:ext uri="{FF2B5EF4-FFF2-40B4-BE49-F238E27FC236}">
-                <a16:creationId xmlns:a16="http://schemas.microsoft.com/office/drawing/2014/main" id="{ADE8A2AA-FEA8-A824-7785-B3AE8DF652AA}"/>
+                <a16:creationId xmlns:a16="http://schemas.microsoft.com/office/drawing/2014/main" xmlns="" id="{ADE8A2AA-FEA8-A824-7785-B3AE8DF652AA}"/>
               </a:ext>
             </a:extLst>
           </p:cNvPr>
@@ -10936,7 +11360,7 @@
           <a:lstStyle/>
           <a:p>
             <a:r>
-              <a:rPr kumimoji="1" lang="en-US" altLang="ko-Kore-KR" sz="800" dirty="0">
+              <a:rPr kumimoji="1" lang="en-US" altLang="x-none" sz="800" dirty="0">
                 <a:solidFill>
                   <a:srgbClr val="FF0000"/>
                 </a:solidFill>
@@ -10952,14 +11376,14 @@
               <a:t>1</a:t>
             </a:r>
             <a:r>
-              <a:rPr kumimoji="1" lang="en-US" altLang="ko-Kore-KR" sz="800" dirty="0">
+              <a:rPr kumimoji="1" lang="en-US" altLang="x-none" sz="800" dirty="0">
                 <a:solidFill>
                   <a:srgbClr val="FF0000"/>
                 </a:solidFill>
               </a:rPr>
               <a:t>)</a:t>
             </a:r>
-            <a:endParaRPr kumimoji="1" lang="ko-Kore-KR" altLang="en-US" sz="800" dirty="0">
+            <a:endParaRPr kumimoji="1" lang="x-none" altLang="en-US" sz="800" dirty="0">
               <a:solidFill>
                 <a:srgbClr val="FF0000"/>
               </a:solidFill>
@@ -10972,7 +11396,7 @@
           <p:cNvPr id="11" name="TextBox 10">
             <a:extLst>
               <a:ext uri="{FF2B5EF4-FFF2-40B4-BE49-F238E27FC236}">
-                <a16:creationId xmlns:a16="http://schemas.microsoft.com/office/drawing/2014/main" id="{CFD6FB69-AE38-6911-8E93-4916F4886008}"/>
+                <a16:creationId xmlns:a16="http://schemas.microsoft.com/office/drawing/2014/main" xmlns="" id="{CFD6FB69-AE38-6911-8E93-4916F4886008}"/>
               </a:ext>
             </a:extLst>
           </p:cNvPr>
@@ -10996,7 +11420,7 @@
           <a:lstStyle/>
           <a:p>
             <a:r>
-              <a:rPr kumimoji="1" lang="en-US" altLang="ko-Kore-KR" sz="800" dirty="0">
+              <a:rPr kumimoji="1" lang="en-US" altLang="x-none" sz="800" dirty="0">
                 <a:solidFill>
                   <a:srgbClr val="FF0000"/>
                 </a:solidFill>
@@ -11012,14 +11436,14 @@
               <a:t>2</a:t>
             </a:r>
             <a:r>
-              <a:rPr kumimoji="1" lang="en-US" altLang="ko-Kore-KR" sz="800" dirty="0">
+              <a:rPr kumimoji="1" lang="en-US" altLang="x-none" sz="800" dirty="0">
                 <a:solidFill>
                   <a:srgbClr val="FF0000"/>
                 </a:solidFill>
               </a:rPr>
               <a:t>)</a:t>
             </a:r>
-            <a:endParaRPr kumimoji="1" lang="ko-Kore-KR" altLang="en-US" sz="800" dirty="0">
+            <a:endParaRPr kumimoji="1" lang="x-none" altLang="en-US" sz="800" dirty="0">
               <a:solidFill>
                 <a:srgbClr val="FF0000"/>
               </a:solidFill>
@@ -11032,7 +11456,7 @@
           <p:cNvPr id="5" name="그림 4">
             <a:extLst>
               <a:ext uri="{FF2B5EF4-FFF2-40B4-BE49-F238E27FC236}">
-                <a16:creationId xmlns:a16="http://schemas.microsoft.com/office/drawing/2014/main" id="{AB5457D8-542D-842D-F106-4FB89AA78765}"/>
+                <a16:creationId xmlns:a16="http://schemas.microsoft.com/office/drawing/2014/main" xmlns="" id="{AB5457D8-542D-842D-F106-4FB89AA78765}"/>
               </a:ext>
             </a:extLst>
           </p:cNvPr>
@@ -11062,7 +11486,7 @@
           <p:cNvPr id="12" name="그림 11" descr="텍스트, 스크린샷, 폰트, 번호이(가) 표시된 사진&#10;&#10;자동 생성된 설명">
             <a:extLst>
               <a:ext uri="{FF2B5EF4-FFF2-40B4-BE49-F238E27FC236}">
-                <a16:creationId xmlns:a16="http://schemas.microsoft.com/office/drawing/2014/main" id="{C53BFA75-75EE-0FD2-A68F-C7E954C3F73F}"/>
+                <a16:creationId xmlns:a16="http://schemas.microsoft.com/office/drawing/2014/main" xmlns="" id="{C53BFA75-75EE-0FD2-A68F-C7E954C3F73F}"/>
               </a:ext>
             </a:extLst>
           </p:cNvPr>
@@ -11087,10 +11511,50 @@
           </a:prstGeom>
         </p:spPr>
       </p:pic>
+      <p:sp>
+        <p:nvSpPr>
+          <p:cNvPr id="10" name="모서리가 둥근 직사각형 9"/>
+          <p:cNvSpPr/>
+          <p:nvPr/>
+        </p:nvSpPr>
+        <p:spPr>
+          <a:xfrm>
+            <a:off x="1666844" y="2571744"/>
+            <a:ext cx="1311361" cy="2342378"/>
+          </a:xfrm>
+          <a:prstGeom prst="roundRect">
+            <a:avLst/>
+          </a:prstGeom>
+        </p:spPr>
+        <p:style>
+          <a:lnRef idx="2">
+            <a:schemeClr val="accent1">
+              <a:shade val="50000"/>
+            </a:schemeClr>
+          </a:lnRef>
+          <a:fillRef idx="1">
+            <a:schemeClr val="accent1"/>
+          </a:fillRef>
+          <a:effectRef idx="0">
+            <a:schemeClr val="accent1"/>
+          </a:effectRef>
+          <a:fontRef idx="minor">
+            <a:schemeClr val="lt1"/>
+          </a:fontRef>
+        </p:style>
+        <p:txBody>
+          <a:bodyPr rtlCol="0" anchor="ctr"/>
+          <a:lstStyle/>
+          <a:p>
+            <a:pPr algn="ctr"/>
+            <a:endParaRPr lang="ko-KR" altLang="en-US"/>
+          </a:p>
+        </p:txBody>
+      </p:sp>
     </p:spTree>
     <p:extLst>
       <p:ext uri="{BB962C8B-B14F-4D97-AF65-F5344CB8AC3E}">
-        <p14:creationId xmlns:p14="http://schemas.microsoft.com/office/powerpoint/2010/main" val="3724631916"/>
+        <p14:creationId xmlns:p14="http://schemas.microsoft.com/office/powerpoint/2010/main" xmlns="" val="3724631916"/>
       </p:ext>
     </p:extLst>
   </p:cSld>
@@ -11143,7 +11607,7 @@
     </a:clrScheme>
     <a:fontScheme name="Office">
       <a:majorFont>
-        <a:latin typeface="Calibri Light" panose="020F0302020204030204"/>
+        <a:latin typeface="Calibri Light"/>
         <a:ea typeface=""/>
         <a:cs typeface=""/>
         <a:font script="Jpan" typeface="游ゴシック Light"/>
@@ -11195,7 +11659,7 @@
         <a:font script="Tfng" typeface="Ebrima"/>
       </a:majorFont>
       <a:minorFont>
-        <a:latin typeface="Calibri" panose="020F0502020204030204"/>
+        <a:latin typeface="Calibri"/>
         <a:ea typeface=""/>
         <a:cs typeface=""/>
         <a:font script="Jpan" typeface="游ゴシック"/>
@@ -11389,7 +11853,7 @@
   <a:extraClrSchemeLst/>
   <a:extLst>
     <a:ext uri="{05A4C25C-085E-4340-85A3-A5531E510DB2}">
-      <thm15:themeFamily xmlns:thm15="http://schemas.microsoft.com/office/thememl/2012/main" name="Office Theme" id="{62F939B6-93AF-4DB8-9C6B-D6C7DFDC589F}" vid="{4A3C46E8-61CC-4603-A589-7422A47A8E4A}"/>
+      <thm15:themeFamily xmlns:thm15="http://schemas.microsoft.com/office/thememl/2012/main" xmlns="" name="Office Theme" id="{62F939B6-93AF-4DB8-9C6B-D6C7DFDC589F}" vid="{4A3C46E8-61CC-4603-A589-7422A47A8E4A}"/>
     </a:ext>
   </a:extLst>
 </a:theme>

--- a/탁송WEB서비스_퍼블리싱_20231106.pptx
+++ b/탁송WEB서비스_퍼블리싱_20231106.pptx
@@ -137,7 +137,7 @@
           <p:cNvPr id="2" name="제목 1">
             <a:extLst>
               <a:ext uri="{FF2B5EF4-FFF2-40B4-BE49-F238E27FC236}">
-                <a16:creationId xmlns:a16="http://schemas.microsoft.com/office/drawing/2014/main" xmlns="" id="{FE2A85C6-8168-413F-7CFC-116CAC3C4C12}"/>
+                <a16:creationId xmlns="" xmlns:a16="http://schemas.microsoft.com/office/drawing/2014/main" id="{FE2A85C6-8168-413F-7CFC-116CAC3C4C12}"/>
               </a:ext>
             </a:extLst>
           </p:cNvPr>
@@ -175,7 +175,7 @@
           <p:cNvPr id="3" name="부제목 2">
             <a:extLst>
               <a:ext uri="{FF2B5EF4-FFF2-40B4-BE49-F238E27FC236}">
-                <a16:creationId xmlns:a16="http://schemas.microsoft.com/office/drawing/2014/main" xmlns="" id="{008368D2-1782-6156-BDC8-3A9E750C91AC}"/>
+                <a16:creationId xmlns="" xmlns:a16="http://schemas.microsoft.com/office/drawing/2014/main" id="{008368D2-1782-6156-BDC8-3A9E750C91AC}"/>
               </a:ext>
             </a:extLst>
           </p:cNvPr>
@@ -246,7 +246,7 @@
           <p:cNvPr id="4" name="날짜 개체 틀 3">
             <a:extLst>
               <a:ext uri="{FF2B5EF4-FFF2-40B4-BE49-F238E27FC236}">
-                <a16:creationId xmlns:a16="http://schemas.microsoft.com/office/drawing/2014/main" xmlns="" id="{E13E4D45-2D76-AD36-4A16-F86930C67840}"/>
+                <a16:creationId xmlns="" xmlns:a16="http://schemas.microsoft.com/office/drawing/2014/main" id="{E13E4D45-2D76-AD36-4A16-F86930C67840}"/>
               </a:ext>
             </a:extLst>
           </p:cNvPr>
@@ -265,7 +265,7 @@
             <a:fld id="{69B0BADD-ECAA-BA43-AD93-2D1747C0EDFF}" type="datetimeFigureOut">
               <a:rPr kumimoji="1" lang="x-none" altLang="en-US" smtClean="0"/>
               <a:pPr/>
-              <a:t>2023-11-18</a:t>
+              <a:t>2023-11-19</a:t>
             </a:fld>
             <a:endParaRPr kumimoji="1" lang="x-none" altLang="en-US"/>
           </a:p>
@@ -276,7 +276,7 @@
           <p:cNvPr id="5" name="바닥글 개체 틀 4">
             <a:extLst>
               <a:ext uri="{FF2B5EF4-FFF2-40B4-BE49-F238E27FC236}">
-                <a16:creationId xmlns:a16="http://schemas.microsoft.com/office/drawing/2014/main" xmlns="" id="{1D759AA7-1AC9-47FD-B269-275782E4DFE4}"/>
+                <a16:creationId xmlns="" xmlns:a16="http://schemas.microsoft.com/office/drawing/2014/main" id="{1D759AA7-1AC9-47FD-B269-275782E4DFE4}"/>
               </a:ext>
             </a:extLst>
           </p:cNvPr>
@@ -301,7 +301,7 @@
           <p:cNvPr id="6" name="슬라이드 번호 개체 틀 5">
             <a:extLst>
               <a:ext uri="{FF2B5EF4-FFF2-40B4-BE49-F238E27FC236}">
-                <a16:creationId xmlns:a16="http://schemas.microsoft.com/office/drawing/2014/main" xmlns="" id="{F1369B01-6D2E-2DBC-ECB5-43295448165D}"/>
+                <a16:creationId xmlns="" xmlns:a16="http://schemas.microsoft.com/office/drawing/2014/main" id="{F1369B01-6D2E-2DBC-ECB5-43295448165D}"/>
               </a:ext>
             </a:extLst>
           </p:cNvPr>
@@ -329,7 +329,7 @@
     </p:spTree>
     <p:extLst>
       <p:ext uri="{BB962C8B-B14F-4D97-AF65-F5344CB8AC3E}">
-        <p14:creationId xmlns:p14="http://schemas.microsoft.com/office/powerpoint/2010/main" xmlns="" val="2747965581"/>
+        <p14:creationId xmlns="" xmlns:p14="http://schemas.microsoft.com/office/powerpoint/2010/main" val="2747965581"/>
       </p:ext>
     </p:extLst>
   </p:cSld>
@@ -361,7 +361,7 @@
           <p:cNvPr id="2" name="제목 1">
             <a:extLst>
               <a:ext uri="{FF2B5EF4-FFF2-40B4-BE49-F238E27FC236}">
-                <a16:creationId xmlns:a16="http://schemas.microsoft.com/office/drawing/2014/main" xmlns="" id="{81A63651-09BE-9E66-41D3-BAE42330051B}"/>
+                <a16:creationId xmlns="" xmlns:a16="http://schemas.microsoft.com/office/drawing/2014/main" id="{81A63651-09BE-9E66-41D3-BAE42330051B}"/>
               </a:ext>
             </a:extLst>
           </p:cNvPr>
@@ -390,7 +390,7 @@
           <p:cNvPr id="3" name="세로 텍스트 개체 틀 2">
             <a:extLst>
               <a:ext uri="{FF2B5EF4-FFF2-40B4-BE49-F238E27FC236}">
-                <a16:creationId xmlns:a16="http://schemas.microsoft.com/office/drawing/2014/main" xmlns="" id="{EB0DDEB8-EB20-0F55-518A-872917C3AD0B}"/>
+                <a16:creationId xmlns="" xmlns:a16="http://schemas.microsoft.com/office/drawing/2014/main" id="{EB0DDEB8-EB20-0F55-518A-872917C3AD0B}"/>
               </a:ext>
             </a:extLst>
           </p:cNvPr>
@@ -448,7 +448,7 @@
           <p:cNvPr id="4" name="날짜 개체 틀 3">
             <a:extLst>
               <a:ext uri="{FF2B5EF4-FFF2-40B4-BE49-F238E27FC236}">
-                <a16:creationId xmlns:a16="http://schemas.microsoft.com/office/drawing/2014/main" xmlns="" id="{798F7FFB-91FF-BF43-5211-57EA4E5FF233}"/>
+                <a16:creationId xmlns="" xmlns:a16="http://schemas.microsoft.com/office/drawing/2014/main" id="{798F7FFB-91FF-BF43-5211-57EA4E5FF233}"/>
               </a:ext>
             </a:extLst>
           </p:cNvPr>
@@ -467,7 +467,7 @@
             <a:fld id="{69B0BADD-ECAA-BA43-AD93-2D1747C0EDFF}" type="datetimeFigureOut">
               <a:rPr kumimoji="1" lang="x-none" altLang="en-US" smtClean="0"/>
               <a:pPr/>
-              <a:t>2023-11-18</a:t>
+              <a:t>2023-11-19</a:t>
             </a:fld>
             <a:endParaRPr kumimoji="1" lang="x-none" altLang="en-US"/>
           </a:p>
@@ -478,7 +478,7 @@
           <p:cNvPr id="5" name="바닥글 개체 틀 4">
             <a:extLst>
               <a:ext uri="{FF2B5EF4-FFF2-40B4-BE49-F238E27FC236}">
-                <a16:creationId xmlns:a16="http://schemas.microsoft.com/office/drawing/2014/main" xmlns="" id="{EB34BE27-CCD2-FEDC-7317-A2DF485BC57C}"/>
+                <a16:creationId xmlns="" xmlns:a16="http://schemas.microsoft.com/office/drawing/2014/main" id="{EB34BE27-CCD2-FEDC-7317-A2DF485BC57C}"/>
               </a:ext>
             </a:extLst>
           </p:cNvPr>
@@ -503,7 +503,7 @@
           <p:cNvPr id="6" name="슬라이드 번호 개체 틀 5">
             <a:extLst>
               <a:ext uri="{FF2B5EF4-FFF2-40B4-BE49-F238E27FC236}">
-                <a16:creationId xmlns:a16="http://schemas.microsoft.com/office/drawing/2014/main" xmlns="" id="{42F34643-D710-C9EC-24A6-56F6569623AD}"/>
+                <a16:creationId xmlns="" xmlns:a16="http://schemas.microsoft.com/office/drawing/2014/main" id="{42F34643-D710-C9EC-24A6-56F6569623AD}"/>
               </a:ext>
             </a:extLst>
           </p:cNvPr>
@@ -531,7 +531,7 @@
     </p:spTree>
     <p:extLst>
       <p:ext uri="{BB962C8B-B14F-4D97-AF65-F5344CB8AC3E}">
-        <p14:creationId xmlns:p14="http://schemas.microsoft.com/office/powerpoint/2010/main" xmlns="" val="2364657644"/>
+        <p14:creationId xmlns="" xmlns:p14="http://schemas.microsoft.com/office/powerpoint/2010/main" val="2364657644"/>
       </p:ext>
     </p:extLst>
   </p:cSld>
@@ -563,7 +563,7 @@
           <p:cNvPr id="2" name="세로 제목 1">
             <a:extLst>
               <a:ext uri="{FF2B5EF4-FFF2-40B4-BE49-F238E27FC236}">
-                <a16:creationId xmlns:a16="http://schemas.microsoft.com/office/drawing/2014/main" xmlns="" id="{A0BC6238-5C53-5C29-9C0E-84D7A5E1EBC6}"/>
+                <a16:creationId xmlns="" xmlns:a16="http://schemas.microsoft.com/office/drawing/2014/main" id="{A0BC6238-5C53-5C29-9C0E-84D7A5E1EBC6}"/>
               </a:ext>
             </a:extLst>
           </p:cNvPr>
@@ -597,7 +597,7 @@
           <p:cNvPr id="3" name="세로 텍스트 개체 틀 2">
             <a:extLst>
               <a:ext uri="{FF2B5EF4-FFF2-40B4-BE49-F238E27FC236}">
-                <a16:creationId xmlns:a16="http://schemas.microsoft.com/office/drawing/2014/main" xmlns="" id="{2E3621D3-17A4-6BB1-543F-8BC26E7241AE}"/>
+                <a16:creationId xmlns="" xmlns:a16="http://schemas.microsoft.com/office/drawing/2014/main" id="{2E3621D3-17A4-6BB1-543F-8BC26E7241AE}"/>
               </a:ext>
             </a:extLst>
           </p:cNvPr>
@@ -660,7 +660,7 @@
           <p:cNvPr id="4" name="날짜 개체 틀 3">
             <a:extLst>
               <a:ext uri="{FF2B5EF4-FFF2-40B4-BE49-F238E27FC236}">
-                <a16:creationId xmlns:a16="http://schemas.microsoft.com/office/drawing/2014/main" xmlns="" id="{100FED58-6944-81FD-89B4-5EFC7A500053}"/>
+                <a16:creationId xmlns="" xmlns:a16="http://schemas.microsoft.com/office/drawing/2014/main" id="{100FED58-6944-81FD-89B4-5EFC7A500053}"/>
               </a:ext>
             </a:extLst>
           </p:cNvPr>
@@ -679,7 +679,7 @@
             <a:fld id="{69B0BADD-ECAA-BA43-AD93-2D1747C0EDFF}" type="datetimeFigureOut">
               <a:rPr kumimoji="1" lang="x-none" altLang="en-US" smtClean="0"/>
               <a:pPr/>
-              <a:t>2023-11-18</a:t>
+              <a:t>2023-11-19</a:t>
             </a:fld>
             <a:endParaRPr kumimoji="1" lang="x-none" altLang="en-US"/>
           </a:p>
@@ -690,7 +690,7 @@
           <p:cNvPr id="5" name="바닥글 개체 틀 4">
             <a:extLst>
               <a:ext uri="{FF2B5EF4-FFF2-40B4-BE49-F238E27FC236}">
-                <a16:creationId xmlns:a16="http://schemas.microsoft.com/office/drawing/2014/main" xmlns="" id="{E9C09109-3165-6F4A-9B92-0A68EBC58394}"/>
+                <a16:creationId xmlns="" xmlns:a16="http://schemas.microsoft.com/office/drawing/2014/main" id="{E9C09109-3165-6F4A-9B92-0A68EBC58394}"/>
               </a:ext>
             </a:extLst>
           </p:cNvPr>
@@ -715,7 +715,7 @@
           <p:cNvPr id="6" name="슬라이드 번호 개체 틀 5">
             <a:extLst>
               <a:ext uri="{FF2B5EF4-FFF2-40B4-BE49-F238E27FC236}">
-                <a16:creationId xmlns:a16="http://schemas.microsoft.com/office/drawing/2014/main" xmlns="" id="{82C7DA50-D281-A6DD-8941-B9388FDA346E}"/>
+                <a16:creationId xmlns="" xmlns:a16="http://schemas.microsoft.com/office/drawing/2014/main" id="{82C7DA50-D281-A6DD-8941-B9388FDA346E}"/>
               </a:ext>
             </a:extLst>
           </p:cNvPr>
@@ -743,7 +743,7 @@
     </p:spTree>
     <p:extLst>
       <p:ext uri="{BB962C8B-B14F-4D97-AF65-F5344CB8AC3E}">
-        <p14:creationId xmlns:p14="http://schemas.microsoft.com/office/powerpoint/2010/main" xmlns="" val="174815722"/>
+        <p14:creationId xmlns="" xmlns:p14="http://schemas.microsoft.com/office/powerpoint/2010/main" val="174815722"/>
       </p:ext>
     </p:extLst>
   </p:cSld>
@@ -775,7 +775,7 @@
           <p:cNvPr id="2" name="제목 1">
             <a:extLst>
               <a:ext uri="{FF2B5EF4-FFF2-40B4-BE49-F238E27FC236}">
-                <a16:creationId xmlns:a16="http://schemas.microsoft.com/office/drawing/2014/main" xmlns="" id="{ABD22685-8F68-F5CD-E515-8978D64CD941}"/>
+                <a16:creationId xmlns="" xmlns:a16="http://schemas.microsoft.com/office/drawing/2014/main" id="{ABD22685-8F68-F5CD-E515-8978D64CD941}"/>
               </a:ext>
             </a:extLst>
           </p:cNvPr>
@@ -804,7 +804,7 @@
           <p:cNvPr id="3" name="내용 개체 틀 2">
             <a:extLst>
               <a:ext uri="{FF2B5EF4-FFF2-40B4-BE49-F238E27FC236}">
-                <a16:creationId xmlns:a16="http://schemas.microsoft.com/office/drawing/2014/main" xmlns="" id="{AFAA4526-27A0-E3F9-8D23-E380FEB99530}"/>
+                <a16:creationId xmlns="" xmlns:a16="http://schemas.microsoft.com/office/drawing/2014/main" id="{AFAA4526-27A0-E3F9-8D23-E380FEB99530}"/>
               </a:ext>
             </a:extLst>
           </p:cNvPr>
@@ -862,7 +862,7 @@
           <p:cNvPr id="4" name="날짜 개체 틀 3">
             <a:extLst>
               <a:ext uri="{FF2B5EF4-FFF2-40B4-BE49-F238E27FC236}">
-                <a16:creationId xmlns:a16="http://schemas.microsoft.com/office/drawing/2014/main" xmlns="" id="{AC6B3008-23A6-9CA2-2087-AECA658B180A}"/>
+                <a16:creationId xmlns="" xmlns:a16="http://schemas.microsoft.com/office/drawing/2014/main" id="{AC6B3008-23A6-9CA2-2087-AECA658B180A}"/>
               </a:ext>
             </a:extLst>
           </p:cNvPr>
@@ -881,7 +881,7 @@
             <a:fld id="{69B0BADD-ECAA-BA43-AD93-2D1747C0EDFF}" type="datetimeFigureOut">
               <a:rPr kumimoji="1" lang="x-none" altLang="en-US" smtClean="0"/>
               <a:pPr/>
-              <a:t>2023-11-18</a:t>
+              <a:t>2023-11-19</a:t>
             </a:fld>
             <a:endParaRPr kumimoji="1" lang="x-none" altLang="en-US"/>
           </a:p>
@@ -892,7 +892,7 @@
           <p:cNvPr id="5" name="바닥글 개체 틀 4">
             <a:extLst>
               <a:ext uri="{FF2B5EF4-FFF2-40B4-BE49-F238E27FC236}">
-                <a16:creationId xmlns:a16="http://schemas.microsoft.com/office/drawing/2014/main" xmlns="" id="{E8A0AE75-A527-B213-C0C2-39709F2A77DD}"/>
+                <a16:creationId xmlns="" xmlns:a16="http://schemas.microsoft.com/office/drawing/2014/main" id="{E8A0AE75-A527-B213-C0C2-39709F2A77DD}"/>
               </a:ext>
             </a:extLst>
           </p:cNvPr>
@@ -917,7 +917,7 @@
           <p:cNvPr id="6" name="슬라이드 번호 개체 틀 5">
             <a:extLst>
               <a:ext uri="{FF2B5EF4-FFF2-40B4-BE49-F238E27FC236}">
-                <a16:creationId xmlns:a16="http://schemas.microsoft.com/office/drawing/2014/main" xmlns="" id="{DED92801-EAAF-BC0E-9BB9-FB9736CF1E29}"/>
+                <a16:creationId xmlns="" xmlns:a16="http://schemas.microsoft.com/office/drawing/2014/main" id="{DED92801-EAAF-BC0E-9BB9-FB9736CF1E29}"/>
               </a:ext>
             </a:extLst>
           </p:cNvPr>
@@ -945,7 +945,7 @@
     </p:spTree>
     <p:extLst>
       <p:ext uri="{BB962C8B-B14F-4D97-AF65-F5344CB8AC3E}">
-        <p14:creationId xmlns:p14="http://schemas.microsoft.com/office/powerpoint/2010/main" xmlns="" val="2005002229"/>
+        <p14:creationId xmlns="" xmlns:p14="http://schemas.microsoft.com/office/powerpoint/2010/main" val="2005002229"/>
       </p:ext>
     </p:extLst>
   </p:cSld>
@@ -977,7 +977,7 @@
           <p:cNvPr id="2" name="제목 1">
             <a:extLst>
               <a:ext uri="{FF2B5EF4-FFF2-40B4-BE49-F238E27FC236}">
-                <a16:creationId xmlns:a16="http://schemas.microsoft.com/office/drawing/2014/main" xmlns="" id="{937BE7B0-6554-E981-8E9B-3C1001ED10C1}"/>
+                <a16:creationId xmlns="" xmlns:a16="http://schemas.microsoft.com/office/drawing/2014/main" id="{937BE7B0-6554-E981-8E9B-3C1001ED10C1}"/>
               </a:ext>
             </a:extLst>
           </p:cNvPr>
@@ -1015,7 +1015,7 @@
           <p:cNvPr id="3" name="텍스트 개체 틀 2">
             <a:extLst>
               <a:ext uri="{FF2B5EF4-FFF2-40B4-BE49-F238E27FC236}">
-                <a16:creationId xmlns:a16="http://schemas.microsoft.com/office/drawing/2014/main" xmlns="" id="{5A3D643B-6D3D-AB3E-ED43-F96D54B0EC17}"/>
+                <a16:creationId xmlns="" xmlns:a16="http://schemas.microsoft.com/office/drawing/2014/main" id="{5A3D643B-6D3D-AB3E-ED43-F96D54B0EC17}"/>
               </a:ext>
             </a:extLst>
           </p:cNvPr>
@@ -1140,7 +1140,7 @@
           <p:cNvPr id="4" name="날짜 개체 틀 3">
             <a:extLst>
               <a:ext uri="{FF2B5EF4-FFF2-40B4-BE49-F238E27FC236}">
-                <a16:creationId xmlns:a16="http://schemas.microsoft.com/office/drawing/2014/main" xmlns="" id="{50CD4A07-F656-81C9-6F58-D21E99D05FE1}"/>
+                <a16:creationId xmlns="" xmlns:a16="http://schemas.microsoft.com/office/drawing/2014/main" id="{50CD4A07-F656-81C9-6F58-D21E99D05FE1}"/>
               </a:ext>
             </a:extLst>
           </p:cNvPr>
@@ -1159,7 +1159,7 @@
             <a:fld id="{69B0BADD-ECAA-BA43-AD93-2D1747C0EDFF}" type="datetimeFigureOut">
               <a:rPr kumimoji="1" lang="x-none" altLang="en-US" smtClean="0"/>
               <a:pPr/>
-              <a:t>2023-11-18</a:t>
+              <a:t>2023-11-19</a:t>
             </a:fld>
             <a:endParaRPr kumimoji="1" lang="x-none" altLang="en-US"/>
           </a:p>
@@ -1170,7 +1170,7 @@
           <p:cNvPr id="5" name="바닥글 개체 틀 4">
             <a:extLst>
               <a:ext uri="{FF2B5EF4-FFF2-40B4-BE49-F238E27FC236}">
-                <a16:creationId xmlns:a16="http://schemas.microsoft.com/office/drawing/2014/main" xmlns="" id="{3FCC8863-9826-FFBA-E4C4-E34E6E12DE45}"/>
+                <a16:creationId xmlns="" xmlns:a16="http://schemas.microsoft.com/office/drawing/2014/main" id="{3FCC8863-9826-FFBA-E4C4-E34E6E12DE45}"/>
               </a:ext>
             </a:extLst>
           </p:cNvPr>
@@ -1195,7 +1195,7 @@
           <p:cNvPr id="6" name="슬라이드 번호 개체 틀 5">
             <a:extLst>
               <a:ext uri="{FF2B5EF4-FFF2-40B4-BE49-F238E27FC236}">
-                <a16:creationId xmlns:a16="http://schemas.microsoft.com/office/drawing/2014/main" xmlns="" id="{9B73E044-49DE-9EE8-AB7F-35202EA392F5}"/>
+                <a16:creationId xmlns="" xmlns:a16="http://schemas.microsoft.com/office/drawing/2014/main" id="{9B73E044-49DE-9EE8-AB7F-35202EA392F5}"/>
               </a:ext>
             </a:extLst>
           </p:cNvPr>
@@ -1223,7 +1223,7 @@
     </p:spTree>
     <p:extLst>
       <p:ext uri="{BB962C8B-B14F-4D97-AF65-F5344CB8AC3E}">
-        <p14:creationId xmlns:p14="http://schemas.microsoft.com/office/powerpoint/2010/main" xmlns="" val="2932195720"/>
+        <p14:creationId xmlns="" xmlns:p14="http://schemas.microsoft.com/office/powerpoint/2010/main" val="2932195720"/>
       </p:ext>
     </p:extLst>
   </p:cSld>
@@ -1255,7 +1255,7 @@
           <p:cNvPr id="2" name="제목 1">
             <a:extLst>
               <a:ext uri="{FF2B5EF4-FFF2-40B4-BE49-F238E27FC236}">
-                <a16:creationId xmlns:a16="http://schemas.microsoft.com/office/drawing/2014/main" xmlns="" id="{678B8234-947C-CB0F-65BF-24E26F815F4F}"/>
+                <a16:creationId xmlns="" xmlns:a16="http://schemas.microsoft.com/office/drawing/2014/main" id="{678B8234-947C-CB0F-65BF-24E26F815F4F}"/>
               </a:ext>
             </a:extLst>
           </p:cNvPr>
@@ -1284,7 +1284,7 @@
           <p:cNvPr id="3" name="내용 개체 틀 2">
             <a:extLst>
               <a:ext uri="{FF2B5EF4-FFF2-40B4-BE49-F238E27FC236}">
-                <a16:creationId xmlns:a16="http://schemas.microsoft.com/office/drawing/2014/main" xmlns="" id="{E6F18DD2-AB86-1ED0-36F6-BF2096781E8D}"/>
+                <a16:creationId xmlns="" xmlns:a16="http://schemas.microsoft.com/office/drawing/2014/main" id="{E6F18DD2-AB86-1ED0-36F6-BF2096781E8D}"/>
               </a:ext>
             </a:extLst>
           </p:cNvPr>
@@ -1347,7 +1347,7 @@
           <p:cNvPr id="4" name="내용 개체 틀 3">
             <a:extLst>
               <a:ext uri="{FF2B5EF4-FFF2-40B4-BE49-F238E27FC236}">
-                <a16:creationId xmlns:a16="http://schemas.microsoft.com/office/drawing/2014/main" xmlns="" id="{207BF0B1-2674-D3CF-D4E3-388E3469E92B}"/>
+                <a16:creationId xmlns="" xmlns:a16="http://schemas.microsoft.com/office/drawing/2014/main" id="{207BF0B1-2674-D3CF-D4E3-388E3469E92B}"/>
               </a:ext>
             </a:extLst>
           </p:cNvPr>
@@ -1410,7 +1410,7 @@
           <p:cNvPr id="5" name="날짜 개체 틀 4">
             <a:extLst>
               <a:ext uri="{FF2B5EF4-FFF2-40B4-BE49-F238E27FC236}">
-                <a16:creationId xmlns:a16="http://schemas.microsoft.com/office/drawing/2014/main" xmlns="" id="{77CE56CB-85C4-5996-EE49-3AEC8D285B33}"/>
+                <a16:creationId xmlns="" xmlns:a16="http://schemas.microsoft.com/office/drawing/2014/main" id="{77CE56CB-85C4-5996-EE49-3AEC8D285B33}"/>
               </a:ext>
             </a:extLst>
           </p:cNvPr>
@@ -1429,7 +1429,7 @@
             <a:fld id="{69B0BADD-ECAA-BA43-AD93-2D1747C0EDFF}" type="datetimeFigureOut">
               <a:rPr kumimoji="1" lang="x-none" altLang="en-US" smtClean="0"/>
               <a:pPr/>
-              <a:t>2023-11-18</a:t>
+              <a:t>2023-11-19</a:t>
             </a:fld>
             <a:endParaRPr kumimoji="1" lang="x-none" altLang="en-US"/>
           </a:p>
@@ -1440,7 +1440,7 @@
           <p:cNvPr id="6" name="바닥글 개체 틀 5">
             <a:extLst>
               <a:ext uri="{FF2B5EF4-FFF2-40B4-BE49-F238E27FC236}">
-                <a16:creationId xmlns:a16="http://schemas.microsoft.com/office/drawing/2014/main" xmlns="" id="{EC734FF1-F890-34ED-12A5-7E4BBF09DB3E}"/>
+                <a16:creationId xmlns="" xmlns:a16="http://schemas.microsoft.com/office/drawing/2014/main" id="{EC734FF1-F890-34ED-12A5-7E4BBF09DB3E}"/>
               </a:ext>
             </a:extLst>
           </p:cNvPr>
@@ -1465,7 +1465,7 @@
           <p:cNvPr id="7" name="슬라이드 번호 개체 틀 6">
             <a:extLst>
               <a:ext uri="{FF2B5EF4-FFF2-40B4-BE49-F238E27FC236}">
-                <a16:creationId xmlns:a16="http://schemas.microsoft.com/office/drawing/2014/main" xmlns="" id="{8EC8F518-69DC-4B9B-4BAD-834F46B4A85F}"/>
+                <a16:creationId xmlns="" xmlns:a16="http://schemas.microsoft.com/office/drawing/2014/main" id="{8EC8F518-69DC-4B9B-4BAD-834F46B4A85F}"/>
               </a:ext>
             </a:extLst>
           </p:cNvPr>
@@ -1493,7 +1493,7 @@
     </p:spTree>
     <p:extLst>
       <p:ext uri="{BB962C8B-B14F-4D97-AF65-F5344CB8AC3E}">
-        <p14:creationId xmlns:p14="http://schemas.microsoft.com/office/powerpoint/2010/main" xmlns="" val="2273178793"/>
+        <p14:creationId xmlns="" xmlns:p14="http://schemas.microsoft.com/office/powerpoint/2010/main" val="2273178793"/>
       </p:ext>
     </p:extLst>
   </p:cSld>
@@ -1525,7 +1525,7 @@
           <p:cNvPr id="2" name="제목 1">
             <a:extLst>
               <a:ext uri="{FF2B5EF4-FFF2-40B4-BE49-F238E27FC236}">
-                <a16:creationId xmlns:a16="http://schemas.microsoft.com/office/drawing/2014/main" xmlns="" id="{920EC62F-2511-B3EC-AE78-DF8EC6B8A8A2}"/>
+                <a16:creationId xmlns="" xmlns:a16="http://schemas.microsoft.com/office/drawing/2014/main" id="{920EC62F-2511-B3EC-AE78-DF8EC6B8A8A2}"/>
               </a:ext>
             </a:extLst>
           </p:cNvPr>
@@ -1559,7 +1559,7 @@
           <p:cNvPr id="3" name="텍스트 개체 틀 2">
             <a:extLst>
               <a:ext uri="{FF2B5EF4-FFF2-40B4-BE49-F238E27FC236}">
-                <a16:creationId xmlns:a16="http://schemas.microsoft.com/office/drawing/2014/main" xmlns="" id="{E908DEAA-CBED-3C3A-F646-5F21B15CF631}"/>
+                <a16:creationId xmlns="" xmlns:a16="http://schemas.microsoft.com/office/drawing/2014/main" id="{E908DEAA-CBED-3C3A-F646-5F21B15CF631}"/>
               </a:ext>
             </a:extLst>
           </p:cNvPr>
@@ -1630,7 +1630,7 @@
           <p:cNvPr id="4" name="내용 개체 틀 3">
             <a:extLst>
               <a:ext uri="{FF2B5EF4-FFF2-40B4-BE49-F238E27FC236}">
-                <a16:creationId xmlns:a16="http://schemas.microsoft.com/office/drawing/2014/main" xmlns="" id="{4B9BED88-5D72-A32E-7382-18D92E7486B2}"/>
+                <a16:creationId xmlns="" xmlns:a16="http://schemas.microsoft.com/office/drawing/2014/main" id="{4B9BED88-5D72-A32E-7382-18D92E7486B2}"/>
               </a:ext>
             </a:extLst>
           </p:cNvPr>
@@ -1693,7 +1693,7 @@
           <p:cNvPr id="5" name="텍스트 개체 틀 4">
             <a:extLst>
               <a:ext uri="{FF2B5EF4-FFF2-40B4-BE49-F238E27FC236}">
-                <a16:creationId xmlns:a16="http://schemas.microsoft.com/office/drawing/2014/main" xmlns="" id="{2C48DDEC-0B6F-72A5-15B4-D161743446A6}"/>
+                <a16:creationId xmlns="" xmlns:a16="http://schemas.microsoft.com/office/drawing/2014/main" id="{2C48DDEC-0B6F-72A5-15B4-D161743446A6}"/>
               </a:ext>
             </a:extLst>
           </p:cNvPr>
@@ -1764,7 +1764,7 @@
           <p:cNvPr id="6" name="내용 개체 틀 5">
             <a:extLst>
               <a:ext uri="{FF2B5EF4-FFF2-40B4-BE49-F238E27FC236}">
-                <a16:creationId xmlns:a16="http://schemas.microsoft.com/office/drawing/2014/main" xmlns="" id="{EA6DB66C-3E76-048B-38CE-3AFBE62F84DB}"/>
+                <a16:creationId xmlns="" xmlns:a16="http://schemas.microsoft.com/office/drawing/2014/main" id="{EA6DB66C-3E76-048B-38CE-3AFBE62F84DB}"/>
               </a:ext>
             </a:extLst>
           </p:cNvPr>
@@ -1827,7 +1827,7 @@
           <p:cNvPr id="7" name="날짜 개체 틀 6">
             <a:extLst>
               <a:ext uri="{FF2B5EF4-FFF2-40B4-BE49-F238E27FC236}">
-                <a16:creationId xmlns:a16="http://schemas.microsoft.com/office/drawing/2014/main" xmlns="" id="{FAD5260B-9DAB-49AA-69EC-624EEED1ACD4}"/>
+                <a16:creationId xmlns="" xmlns:a16="http://schemas.microsoft.com/office/drawing/2014/main" id="{FAD5260B-9DAB-49AA-69EC-624EEED1ACD4}"/>
               </a:ext>
             </a:extLst>
           </p:cNvPr>
@@ -1846,7 +1846,7 @@
             <a:fld id="{69B0BADD-ECAA-BA43-AD93-2D1747C0EDFF}" type="datetimeFigureOut">
               <a:rPr kumimoji="1" lang="x-none" altLang="en-US" smtClean="0"/>
               <a:pPr/>
-              <a:t>2023-11-18</a:t>
+              <a:t>2023-11-19</a:t>
             </a:fld>
             <a:endParaRPr kumimoji="1" lang="x-none" altLang="en-US"/>
           </a:p>
@@ -1857,7 +1857,7 @@
           <p:cNvPr id="8" name="바닥글 개체 틀 7">
             <a:extLst>
               <a:ext uri="{FF2B5EF4-FFF2-40B4-BE49-F238E27FC236}">
-                <a16:creationId xmlns:a16="http://schemas.microsoft.com/office/drawing/2014/main" xmlns="" id="{EE6F72D6-DB83-828A-3990-1723AEF8A23D}"/>
+                <a16:creationId xmlns="" xmlns:a16="http://schemas.microsoft.com/office/drawing/2014/main" id="{EE6F72D6-DB83-828A-3990-1723AEF8A23D}"/>
               </a:ext>
             </a:extLst>
           </p:cNvPr>
@@ -1882,7 +1882,7 @@
           <p:cNvPr id="9" name="슬라이드 번호 개체 틀 8">
             <a:extLst>
               <a:ext uri="{FF2B5EF4-FFF2-40B4-BE49-F238E27FC236}">
-                <a16:creationId xmlns:a16="http://schemas.microsoft.com/office/drawing/2014/main" xmlns="" id="{32E57F07-5D2E-CEE3-514A-1494F69C3D1B}"/>
+                <a16:creationId xmlns="" xmlns:a16="http://schemas.microsoft.com/office/drawing/2014/main" id="{32E57F07-5D2E-CEE3-514A-1494F69C3D1B}"/>
               </a:ext>
             </a:extLst>
           </p:cNvPr>
@@ -1910,7 +1910,7 @@
     </p:spTree>
     <p:extLst>
       <p:ext uri="{BB962C8B-B14F-4D97-AF65-F5344CB8AC3E}">
-        <p14:creationId xmlns:p14="http://schemas.microsoft.com/office/powerpoint/2010/main" xmlns="" val="2985584312"/>
+        <p14:creationId xmlns="" xmlns:p14="http://schemas.microsoft.com/office/powerpoint/2010/main" val="2985584312"/>
       </p:ext>
     </p:extLst>
   </p:cSld>
@@ -1942,7 +1942,7 @@
           <p:cNvPr id="2" name="제목 1">
             <a:extLst>
               <a:ext uri="{FF2B5EF4-FFF2-40B4-BE49-F238E27FC236}">
-                <a16:creationId xmlns:a16="http://schemas.microsoft.com/office/drawing/2014/main" xmlns="" id="{B3D78BA3-0837-88E1-DC17-5D894FC0939F}"/>
+                <a16:creationId xmlns="" xmlns:a16="http://schemas.microsoft.com/office/drawing/2014/main" id="{B3D78BA3-0837-88E1-DC17-5D894FC0939F}"/>
               </a:ext>
             </a:extLst>
           </p:cNvPr>
@@ -1971,7 +1971,7 @@
           <p:cNvPr id="3" name="날짜 개체 틀 2">
             <a:extLst>
               <a:ext uri="{FF2B5EF4-FFF2-40B4-BE49-F238E27FC236}">
-                <a16:creationId xmlns:a16="http://schemas.microsoft.com/office/drawing/2014/main" xmlns="" id="{669D06B0-2C95-4F11-1FC8-67C2270A3180}"/>
+                <a16:creationId xmlns="" xmlns:a16="http://schemas.microsoft.com/office/drawing/2014/main" id="{669D06B0-2C95-4F11-1FC8-67C2270A3180}"/>
               </a:ext>
             </a:extLst>
           </p:cNvPr>
@@ -1990,7 +1990,7 @@
             <a:fld id="{69B0BADD-ECAA-BA43-AD93-2D1747C0EDFF}" type="datetimeFigureOut">
               <a:rPr kumimoji="1" lang="x-none" altLang="en-US" smtClean="0"/>
               <a:pPr/>
-              <a:t>2023-11-18</a:t>
+              <a:t>2023-11-19</a:t>
             </a:fld>
             <a:endParaRPr kumimoji="1" lang="x-none" altLang="en-US"/>
           </a:p>
@@ -2001,7 +2001,7 @@
           <p:cNvPr id="4" name="바닥글 개체 틀 3">
             <a:extLst>
               <a:ext uri="{FF2B5EF4-FFF2-40B4-BE49-F238E27FC236}">
-                <a16:creationId xmlns:a16="http://schemas.microsoft.com/office/drawing/2014/main" xmlns="" id="{50A41865-F6C4-9191-E4FE-6C7DCB8E80D8}"/>
+                <a16:creationId xmlns="" xmlns:a16="http://schemas.microsoft.com/office/drawing/2014/main" id="{50A41865-F6C4-9191-E4FE-6C7DCB8E80D8}"/>
               </a:ext>
             </a:extLst>
           </p:cNvPr>
@@ -2026,7 +2026,7 @@
           <p:cNvPr id="5" name="슬라이드 번호 개체 틀 4">
             <a:extLst>
               <a:ext uri="{FF2B5EF4-FFF2-40B4-BE49-F238E27FC236}">
-                <a16:creationId xmlns:a16="http://schemas.microsoft.com/office/drawing/2014/main" xmlns="" id="{8338F8C5-5B93-8C3B-4A52-B9599625F46E}"/>
+                <a16:creationId xmlns="" xmlns:a16="http://schemas.microsoft.com/office/drawing/2014/main" id="{8338F8C5-5B93-8C3B-4A52-B9599625F46E}"/>
               </a:ext>
             </a:extLst>
           </p:cNvPr>
@@ -2054,7 +2054,7 @@
     </p:spTree>
     <p:extLst>
       <p:ext uri="{BB962C8B-B14F-4D97-AF65-F5344CB8AC3E}">
-        <p14:creationId xmlns:p14="http://schemas.microsoft.com/office/powerpoint/2010/main" xmlns="" val="4053400950"/>
+        <p14:creationId xmlns="" xmlns:p14="http://schemas.microsoft.com/office/powerpoint/2010/main" val="4053400950"/>
       </p:ext>
     </p:extLst>
   </p:cSld>
@@ -2086,7 +2086,7 @@
           <p:cNvPr id="2" name="날짜 개체 틀 1">
             <a:extLst>
               <a:ext uri="{FF2B5EF4-FFF2-40B4-BE49-F238E27FC236}">
-                <a16:creationId xmlns:a16="http://schemas.microsoft.com/office/drawing/2014/main" xmlns="" id="{2E377797-B4EE-FB47-E3B3-85772AA29A0D}"/>
+                <a16:creationId xmlns="" xmlns:a16="http://schemas.microsoft.com/office/drawing/2014/main" id="{2E377797-B4EE-FB47-E3B3-85772AA29A0D}"/>
               </a:ext>
             </a:extLst>
           </p:cNvPr>
@@ -2105,7 +2105,7 @@
             <a:fld id="{69B0BADD-ECAA-BA43-AD93-2D1747C0EDFF}" type="datetimeFigureOut">
               <a:rPr kumimoji="1" lang="x-none" altLang="en-US" smtClean="0"/>
               <a:pPr/>
-              <a:t>2023-11-18</a:t>
+              <a:t>2023-11-19</a:t>
             </a:fld>
             <a:endParaRPr kumimoji="1" lang="x-none" altLang="en-US"/>
           </a:p>
@@ -2116,7 +2116,7 @@
           <p:cNvPr id="3" name="바닥글 개체 틀 2">
             <a:extLst>
               <a:ext uri="{FF2B5EF4-FFF2-40B4-BE49-F238E27FC236}">
-                <a16:creationId xmlns:a16="http://schemas.microsoft.com/office/drawing/2014/main" xmlns="" id="{952921C9-8A7C-1E4C-09C1-130BF56B638C}"/>
+                <a16:creationId xmlns="" xmlns:a16="http://schemas.microsoft.com/office/drawing/2014/main" id="{952921C9-8A7C-1E4C-09C1-130BF56B638C}"/>
               </a:ext>
             </a:extLst>
           </p:cNvPr>
@@ -2141,7 +2141,7 @@
           <p:cNvPr id="4" name="슬라이드 번호 개체 틀 3">
             <a:extLst>
               <a:ext uri="{FF2B5EF4-FFF2-40B4-BE49-F238E27FC236}">
-                <a16:creationId xmlns:a16="http://schemas.microsoft.com/office/drawing/2014/main" xmlns="" id="{70204745-21F0-0469-4C56-C4801FD31C75}"/>
+                <a16:creationId xmlns="" xmlns:a16="http://schemas.microsoft.com/office/drawing/2014/main" id="{70204745-21F0-0469-4C56-C4801FD31C75}"/>
               </a:ext>
             </a:extLst>
           </p:cNvPr>
@@ -2169,7 +2169,7 @@
     </p:spTree>
     <p:extLst>
       <p:ext uri="{BB962C8B-B14F-4D97-AF65-F5344CB8AC3E}">
-        <p14:creationId xmlns:p14="http://schemas.microsoft.com/office/powerpoint/2010/main" xmlns="" val="2229247732"/>
+        <p14:creationId xmlns="" xmlns:p14="http://schemas.microsoft.com/office/powerpoint/2010/main" val="2229247732"/>
       </p:ext>
     </p:extLst>
   </p:cSld>
@@ -2201,7 +2201,7 @@
           <p:cNvPr id="2" name="제목 1">
             <a:extLst>
               <a:ext uri="{FF2B5EF4-FFF2-40B4-BE49-F238E27FC236}">
-                <a16:creationId xmlns:a16="http://schemas.microsoft.com/office/drawing/2014/main" xmlns="" id="{40BC0CA3-09C2-80A7-7E73-933F19FFFE84}"/>
+                <a16:creationId xmlns="" xmlns:a16="http://schemas.microsoft.com/office/drawing/2014/main" id="{40BC0CA3-09C2-80A7-7E73-933F19FFFE84}"/>
               </a:ext>
             </a:extLst>
           </p:cNvPr>
@@ -2239,7 +2239,7 @@
           <p:cNvPr id="3" name="내용 개체 틀 2">
             <a:extLst>
               <a:ext uri="{FF2B5EF4-FFF2-40B4-BE49-F238E27FC236}">
-                <a16:creationId xmlns:a16="http://schemas.microsoft.com/office/drawing/2014/main" xmlns="" id="{65A6E2EF-5602-7260-84DE-E9742E8797EE}"/>
+                <a16:creationId xmlns="" xmlns:a16="http://schemas.microsoft.com/office/drawing/2014/main" id="{65A6E2EF-5602-7260-84DE-E9742E8797EE}"/>
               </a:ext>
             </a:extLst>
           </p:cNvPr>
@@ -2330,7 +2330,7 @@
           <p:cNvPr id="4" name="텍스트 개체 틀 3">
             <a:extLst>
               <a:ext uri="{FF2B5EF4-FFF2-40B4-BE49-F238E27FC236}">
-                <a16:creationId xmlns:a16="http://schemas.microsoft.com/office/drawing/2014/main" xmlns="" id="{8A9EA9D8-DDB7-9CD3-1C68-CA17E43806E9}"/>
+                <a16:creationId xmlns="" xmlns:a16="http://schemas.microsoft.com/office/drawing/2014/main" id="{8A9EA9D8-DDB7-9CD3-1C68-CA17E43806E9}"/>
               </a:ext>
             </a:extLst>
           </p:cNvPr>
@@ -2401,7 +2401,7 @@
           <p:cNvPr id="5" name="날짜 개체 틀 4">
             <a:extLst>
               <a:ext uri="{FF2B5EF4-FFF2-40B4-BE49-F238E27FC236}">
-                <a16:creationId xmlns:a16="http://schemas.microsoft.com/office/drawing/2014/main" xmlns="" id="{0D81A231-35C6-F2C2-2284-3C9F3F7EE8FC}"/>
+                <a16:creationId xmlns="" xmlns:a16="http://schemas.microsoft.com/office/drawing/2014/main" id="{0D81A231-35C6-F2C2-2284-3C9F3F7EE8FC}"/>
               </a:ext>
             </a:extLst>
           </p:cNvPr>
@@ -2420,7 +2420,7 @@
             <a:fld id="{69B0BADD-ECAA-BA43-AD93-2D1747C0EDFF}" type="datetimeFigureOut">
               <a:rPr kumimoji="1" lang="x-none" altLang="en-US" smtClean="0"/>
               <a:pPr/>
-              <a:t>2023-11-18</a:t>
+              <a:t>2023-11-19</a:t>
             </a:fld>
             <a:endParaRPr kumimoji="1" lang="x-none" altLang="en-US"/>
           </a:p>
@@ -2431,7 +2431,7 @@
           <p:cNvPr id="6" name="바닥글 개체 틀 5">
             <a:extLst>
               <a:ext uri="{FF2B5EF4-FFF2-40B4-BE49-F238E27FC236}">
-                <a16:creationId xmlns:a16="http://schemas.microsoft.com/office/drawing/2014/main" xmlns="" id="{C9AFDE33-F2D6-5923-7414-7D854530BDB9}"/>
+                <a16:creationId xmlns="" xmlns:a16="http://schemas.microsoft.com/office/drawing/2014/main" id="{C9AFDE33-F2D6-5923-7414-7D854530BDB9}"/>
               </a:ext>
             </a:extLst>
           </p:cNvPr>
@@ -2456,7 +2456,7 @@
           <p:cNvPr id="7" name="슬라이드 번호 개체 틀 6">
             <a:extLst>
               <a:ext uri="{FF2B5EF4-FFF2-40B4-BE49-F238E27FC236}">
-                <a16:creationId xmlns:a16="http://schemas.microsoft.com/office/drawing/2014/main" xmlns="" id="{E76DC45F-0000-3577-2889-65281BA90506}"/>
+                <a16:creationId xmlns="" xmlns:a16="http://schemas.microsoft.com/office/drawing/2014/main" id="{E76DC45F-0000-3577-2889-65281BA90506}"/>
               </a:ext>
             </a:extLst>
           </p:cNvPr>
@@ -2484,7 +2484,7 @@
     </p:spTree>
     <p:extLst>
       <p:ext uri="{BB962C8B-B14F-4D97-AF65-F5344CB8AC3E}">
-        <p14:creationId xmlns:p14="http://schemas.microsoft.com/office/powerpoint/2010/main" xmlns="" val="3695800087"/>
+        <p14:creationId xmlns="" xmlns:p14="http://schemas.microsoft.com/office/powerpoint/2010/main" val="3695800087"/>
       </p:ext>
     </p:extLst>
   </p:cSld>
@@ -2516,7 +2516,7 @@
           <p:cNvPr id="2" name="제목 1">
             <a:extLst>
               <a:ext uri="{FF2B5EF4-FFF2-40B4-BE49-F238E27FC236}">
-                <a16:creationId xmlns:a16="http://schemas.microsoft.com/office/drawing/2014/main" xmlns="" id="{A4D09E3B-2B3E-6BA0-802F-46D6498DC94B}"/>
+                <a16:creationId xmlns="" xmlns:a16="http://schemas.microsoft.com/office/drawing/2014/main" id="{A4D09E3B-2B3E-6BA0-802F-46D6498DC94B}"/>
               </a:ext>
             </a:extLst>
           </p:cNvPr>
@@ -2554,7 +2554,7 @@
           <p:cNvPr id="3" name="그림 개체 틀 2">
             <a:extLst>
               <a:ext uri="{FF2B5EF4-FFF2-40B4-BE49-F238E27FC236}">
-                <a16:creationId xmlns:a16="http://schemas.microsoft.com/office/drawing/2014/main" xmlns="" id="{63367D95-5BFC-9EDD-65EF-3301B9D7AA1A}"/>
+                <a16:creationId xmlns="" xmlns:a16="http://schemas.microsoft.com/office/drawing/2014/main" id="{63367D95-5BFC-9EDD-65EF-3301B9D7AA1A}"/>
               </a:ext>
             </a:extLst>
           </p:cNvPr>
@@ -2621,7 +2621,7 @@
           <p:cNvPr id="4" name="텍스트 개체 틀 3">
             <a:extLst>
               <a:ext uri="{FF2B5EF4-FFF2-40B4-BE49-F238E27FC236}">
-                <a16:creationId xmlns:a16="http://schemas.microsoft.com/office/drawing/2014/main" xmlns="" id="{2DE799D4-AEBB-9CBB-ACA4-9EBC65680F6A}"/>
+                <a16:creationId xmlns="" xmlns:a16="http://schemas.microsoft.com/office/drawing/2014/main" id="{2DE799D4-AEBB-9CBB-ACA4-9EBC65680F6A}"/>
               </a:ext>
             </a:extLst>
           </p:cNvPr>
@@ -2692,7 +2692,7 @@
           <p:cNvPr id="5" name="날짜 개체 틀 4">
             <a:extLst>
               <a:ext uri="{FF2B5EF4-FFF2-40B4-BE49-F238E27FC236}">
-                <a16:creationId xmlns:a16="http://schemas.microsoft.com/office/drawing/2014/main" xmlns="" id="{264746D0-4FC9-A146-2A53-C71EEC8677E7}"/>
+                <a16:creationId xmlns="" xmlns:a16="http://schemas.microsoft.com/office/drawing/2014/main" id="{264746D0-4FC9-A146-2A53-C71EEC8677E7}"/>
               </a:ext>
             </a:extLst>
           </p:cNvPr>
@@ -2711,7 +2711,7 @@
             <a:fld id="{69B0BADD-ECAA-BA43-AD93-2D1747C0EDFF}" type="datetimeFigureOut">
               <a:rPr kumimoji="1" lang="x-none" altLang="en-US" smtClean="0"/>
               <a:pPr/>
-              <a:t>2023-11-18</a:t>
+              <a:t>2023-11-19</a:t>
             </a:fld>
             <a:endParaRPr kumimoji="1" lang="x-none" altLang="en-US"/>
           </a:p>
@@ -2722,7 +2722,7 @@
           <p:cNvPr id="6" name="바닥글 개체 틀 5">
             <a:extLst>
               <a:ext uri="{FF2B5EF4-FFF2-40B4-BE49-F238E27FC236}">
-                <a16:creationId xmlns:a16="http://schemas.microsoft.com/office/drawing/2014/main" xmlns="" id="{17729083-4224-584A-85EC-84C967FB6653}"/>
+                <a16:creationId xmlns="" xmlns:a16="http://schemas.microsoft.com/office/drawing/2014/main" id="{17729083-4224-584A-85EC-84C967FB6653}"/>
               </a:ext>
             </a:extLst>
           </p:cNvPr>
@@ -2747,7 +2747,7 @@
           <p:cNvPr id="7" name="슬라이드 번호 개체 틀 6">
             <a:extLst>
               <a:ext uri="{FF2B5EF4-FFF2-40B4-BE49-F238E27FC236}">
-                <a16:creationId xmlns:a16="http://schemas.microsoft.com/office/drawing/2014/main" xmlns="" id="{A69466DB-30A8-999C-8435-1BDEEC2D3916}"/>
+                <a16:creationId xmlns="" xmlns:a16="http://schemas.microsoft.com/office/drawing/2014/main" id="{A69466DB-30A8-999C-8435-1BDEEC2D3916}"/>
               </a:ext>
             </a:extLst>
           </p:cNvPr>
@@ -2775,7 +2775,7 @@
     </p:spTree>
     <p:extLst>
       <p:ext uri="{BB962C8B-B14F-4D97-AF65-F5344CB8AC3E}">
-        <p14:creationId xmlns:p14="http://schemas.microsoft.com/office/powerpoint/2010/main" xmlns="" val="2992510961"/>
+        <p14:creationId xmlns="" xmlns:p14="http://schemas.microsoft.com/office/powerpoint/2010/main" val="2992510961"/>
       </p:ext>
     </p:extLst>
   </p:cSld>
@@ -2812,7 +2812,7 @@
           <p:cNvPr id="2" name="제목 개체 틀 1">
             <a:extLst>
               <a:ext uri="{FF2B5EF4-FFF2-40B4-BE49-F238E27FC236}">
-                <a16:creationId xmlns:a16="http://schemas.microsoft.com/office/drawing/2014/main" xmlns="" id="{4C2C464B-6F81-5C71-E473-88C868BA826A}"/>
+                <a16:creationId xmlns="" xmlns:a16="http://schemas.microsoft.com/office/drawing/2014/main" id="{4C2C464B-6F81-5C71-E473-88C868BA826A}"/>
               </a:ext>
             </a:extLst>
           </p:cNvPr>
@@ -2851,7 +2851,7 @@
           <p:cNvPr id="3" name="텍스트 개체 틀 2">
             <a:extLst>
               <a:ext uri="{FF2B5EF4-FFF2-40B4-BE49-F238E27FC236}">
-                <a16:creationId xmlns:a16="http://schemas.microsoft.com/office/drawing/2014/main" xmlns="" id="{623A1976-226E-02B4-C108-DC2360FC6B88}"/>
+                <a16:creationId xmlns="" xmlns:a16="http://schemas.microsoft.com/office/drawing/2014/main" id="{623A1976-226E-02B4-C108-DC2360FC6B88}"/>
               </a:ext>
             </a:extLst>
           </p:cNvPr>
@@ -2919,7 +2919,7 @@
           <p:cNvPr id="4" name="날짜 개체 틀 3">
             <a:extLst>
               <a:ext uri="{FF2B5EF4-FFF2-40B4-BE49-F238E27FC236}">
-                <a16:creationId xmlns:a16="http://schemas.microsoft.com/office/drawing/2014/main" xmlns="" id="{7D3D52FF-092D-6B3A-1E28-0CB6505A6685}"/>
+                <a16:creationId xmlns="" xmlns:a16="http://schemas.microsoft.com/office/drawing/2014/main" id="{7D3D52FF-092D-6B3A-1E28-0CB6505A6685}"/>
               </a:ext>
             </a:extLst>
           </p:cNvPr>
@@ -2956,7 +2956,7 @@
             <a:fld id="{69B0BADD-ECAA-BA43-AD93-2D1747C0EDFF}" type="datetimeFigureOut">
               <a:rPr kumimoji="1" lang="x-none" altLang="en-US" smtClean="0"/>
               <a:pPr/>
-              <a:t>2023-11-18</a:t>
+              <a:t>2023-11-19</a:t>
             </a:fld>
             <a:endParaRPr kumimoji="1" lang="x-none" altLang="en-US"/>
           </a:p>
@@ -2967,7 +2967,7 @@
           <p:cNvPr id="5" name="바닥글 개체 틀 4">
             <a:extLst>
               <a:ext uri="{FF2B5EF4-FFF2-40B4-BE49-F238E27FC236}">
-                <a16:creationId xmlns:a16="http://schemas.microsoft.com/office/drawing/2014/main" xmlns="" id="{38FC79CB-725B-6293-16D9-89AF4707E456}"/>
+                <a16:creationId xmlns="" xmlns:a16="http://schemas.microsoft.com/office/drawing/2014/main" id="{38FC79CB-725B-6293-16D9-89AF4707E456}"/>
               </a:ext>
             </a:extLst>
           </p:cNvPr>
@@ -3010,7 +3010,7 @@
           <p:cNvPr id="6" name="슬라이드 번호 개체 틀 5">
             <a:extLst>
               <a:ext uri="{FF2B5EF4-FFF2-40B4-BE49-F238E27FC236}">
-                <a16:creationId xmlns:a16="http://schemas.microsoft.com/office/drawing/2014/main" xmlns="" id="{32D7BF93-1165-CED3-868F-80A60B71F957}"/>
+                <a16:creationId xmlns="" xmlns:a16="http://schemas.microsoft.com/office/drawing/2014/main" id="{32D7BF93-1165-CED3-868F-80A60B71F957}"/>
               </a:ext>
             </a:extLst>
           </p:cNvPr>
@@ -3056,7 +3056,7 @@
     </p:spTree>
     <p:extLst>
       <p:ext uri="{BB962C8B-B14F-4D97-AF65-F5344CB8AC3E}">
-        <p14:creationId xmlns:p14="http://schemas.microsoft.com/office/powerpoint/2010/main" xmlns="" val="1352694510"/>
+        <p14:creationId xmlns="" xmlns:p14="http://schemas.microsoft.com/office/powerpoint/2010/main" val="1352694510"/>
       </p:ext>
     </p:extLst>
   </p:cSld>
@@ -3379,7 +3379,7 @@
           <p:cNvPr id="2" name="제목 1">
             <a:extLst>
               <a:ext uri="{FF2B5EF4-FFF2-40B4-BE49-F238E27FC236}">
-                <a16:creationId xmlns:a16="http://schemas.microsoft.com/office/drawing/2014/main" xmlns="" id="{292C094D-CF61-3E14-B715-FC4F0781C580}"/>
+                <a16:creationId xmlns="" xmlns:a16="http://schemas.microsoft.com/office/drawing/2014/main" id="{292C094D-CF61-3E14-B715-FC4F0781C580}"/>
               </a:ext>
             </a:extLst>
           </p:cNvPr>
@@ -3407,7 +3407,7 @@
           <p:cNvPr id="3" name="부제목 2">
             <a:extLst>
               <a:ext uri="{FF2B5EF4-FFF2-40B4-BE49-F238E27FC236}">
-                <a16:creationId xmlns:a16="http://schemas.microsoft.com/office/drawing/2014/main" xmlns="" id="{E9759C83-55E1-AB6F-BB39-1B3D0B0A8038}"/>
+                <a16:creationId xmlns="" xmlns:a16="http://schemas.microsoft.com/office/drawing/2014/main" id="{E9759C83-55E1-AB6F-BB39-1B3D0B0A8038}"/>
               </a:ext>
             </a:extLst>
           </p:cNvPr>
@@ -3440,7 +3440,7 @@
           <p:cNvPr id="4" name="TextBox 3">
             <a:extLst>
               <a:ext uri="{FF2B5EF4-FFF2-40B4-BE49-F238E27FC236}">
-                <a16:creationId xmlns:a16="http://schemas.microsoft.com/office/drawing/2014/main" xmlns="" id="{3911BBA4-DD9B-63CC-9A54-02B59AF4C473}"/>
+                <a16:creationId xmlns="" xmlns:a16="http://schemas.microsoft.com/office/drawing/2014/main" id="{3911BBA4-DD9B-63CC-9A54-02B59AF4C473}"/>
               </a:ext>
             </a:extLst>
           </p:cNvPr>
@@ -3478,7 +3478,7 @@
     </p:spTree>
     <p:extLst>
       <p:ext uri="{BB962C8B-B14F-4D97-AF65-F5344CB8AC3E}">
-        <p14:creationId xmlns:p14="http://schemas.microsoft.com/office/powerpoint/2010/main" xmlns="" val="1053063718"/>
+        <p14:creationId xmlns="" xmlns:p14="http://schemas.microsoft.com/office/powerpoint/2010/main" val="1053063718"/>
       </p:ext>
     </p:extLst>
   </p:cSld>
@@ -3510,7 +3510,7 @@
           <p:cNvPr id="15" name="그림 14">
             <a:extLst>
               <a:ext uri="{FF2B5EF4-FFF2-40B4-BE49-F238E27FC236}">
-                <a16:creationId xmlns:a16="http://schemas.microsoft.com/office/drawing/2014/main" xmlns="" id="{5B04458B-F601-986F-402B-BCFDEDF0B1CE}"/>
+                <a16:creationId xmlns="" xmlns:a16="http://schemas.microsoft.com/office/drawing/2014/main" id="{5B04458B-F601-986F-402B-BCFDEDF0B1CE}"/>
               </a:ext>
             </a:extLst>
           </p:cNvPr>
@@ -3540,7 +3540,7 @@
           <p:cNvPr id="16" name="TextBox 15">
             <a:extLst>
               <a:ext uri="{FF2B5EF4-FFF2-40B4-BE49-F238E27FC236}">
-                <a16:creationId xmlns:a16="http://schemas.microsoft.com/office/drawing/2014/main" xmlns="" id="{B86ABF27-507F-F747-A4D1-26D79A6B5A7B}"/>
+                <a16:creationId xmlns="" xmlns:a16="http://schemas.microsoft.com/office/drawing/2014/main" id="{B86ABF27-507F-F747-A4D1-26D79A6B5A7B}"/>
               </a:ext>
             </a:extLst>
           </p:cNvPr>
@@ -3575,7 +3575,7 @@
           <p:cNvPr id="18" name="그림 17">
             <a:extLst>
               <a:ext uri="{FF2B5EF4-FFF2-40B4-BE49-F238E27FC236}">
-                <a16:creationId xmlns:a16="http://schemas.microsoft.com/office/drawing/2014/main" xmlns="" id="{98CD9487-DFC8-CB06-927F-296E7E9716B5}"/>
+                <a16:creationId xmlns="" xmlns:a16="http://schemas.microsoft.com/office/drawing/2014/main" id="{98CD9487-DFC8-CB06-927F-296E7E9716B5}"/>
               </a:ext>
             </a:extLst>
           </p:cNvPr>
@@ -3605,7 +3605,7 @@
           <p:cNvPr id="24" name="TextBox 23">
             <a:extLst>
               <a:ext uri="{FF2B5EF4-FFF2-40B4-BE49-F238E27FC236}">
-                <a16:creationId xmlns:a16="http://schemas.microsoft.com/office/drawing/2014/main" xmlns="" id="{93EC1E2B-032E-52E4-AB6D-72B7296B655D}"/>
+                <a16:creationId xmlns="" xmlns:a16="http://schemas.microsoft.com/office/drawing/2014/main" id="{93EC1E2B-032E-52E4-AB6D-72B7296B655D}"/>
               </a:ext>
             </a:extLst>
           </p:cNvPr>
@@ -3641,7 +3641,7 @@
           <p:cNvPr id="25" name="TextBox 24">
             <a:extLst>
               <a:ext uri="{FF2B5EF4-FFF2-40B4-BE49-F238E27FC236}">
-                <a16:creationId xmlns:a16="http://schemas.microsoft.com/office/drawing/2014/main" xmlns="" id="{C00FF013-1233-480E-CFF2-5A122F174A28}"/>
+                <a16:creationId xmlns="" xmlns:a16="http://schemas.microsoft.com/office/drawing/2014/main" id="{C00FF013-1233-480E-CFF2-5A122F174A28}"/>
               </a:ext>
             </a:extLst>
           </p:cNvPr>
@@ -3677,7 +3677,7 @@
           <p:cNvPr id="26" name="TextBox 25">
             <a:extLst>
               <a:ext uri="{FF2B5EF4-FFF2-40B4-BE49-F238E27FC236}">
-                <a16:creationId xmlns:a16="http://schemas.microsoft.com/office/drawing/2014/main" xmlns="" id="{9F81D52C-B8E1-8B94-41CA-207330240D3D}"/>
+                <a16:creationId xmlns="" xmlns:a16="http://schemas.microsoft.com/office/drawing/2014/main" id="{9F81D52C-B8E1-8B94-41CA-207330240D3D}"/>
               </a:ext>
             </a:extLst>
           </p:cNvPr>
@@ -3721,7 +3721,7 @@
           <p:cNvPr id="27" name="TextBox 26">
             <a:extLst>
               <a:ext uri="{FF2B5EF4-FFF2-40B4-BE49-F238E27FC236}">
-                <a16:creationId xmlns:a16="http://schemas.microsoft.com/office/drawing/2014/main" xmlns="" id="{48DF79E3-52BE-9F93-5383-16873F77AFCF}"/>
+                <a16:creationId xmlns="" xmlns:a16="http://schemas.microsoft.com/office/drawing/2014/main" id="{48DF79E3-52BE-9F93-5383-16873F77AFCF}"/>
               </a:ext>
             </a:extLst>
           </p:cNvPr>
@@ -3765,7 +3765,7 @@
           <p:cNvPr id="28" name="TextBox 27">
             <a:extLst>
               <a:ext uri="{FF2B5EF4-FFF2-40B4-BE49-F238E27FC236}">
-                <a16:creationId xmlns:a16="http://schemas.microsoft.com/office/drawing/2014/main" xmlns="" id="{065A8528-6099-D30F-FC87-F81F98B68C90}"/>
+                <a16:creationId xmlns="" xmlns:a16="http://schemas.microsoft.com/office/drawing/2014/main" id="{065A8528-6099-D30F-FC87-F81F98B68C90}"/>
               </a:ext>
             </a:extLst>
           </p:cNvPr>
@@ -3809,7 +3809,7 @@
           <p:cNvPr id="29" name="직사각형 28">
             <a:extLst>
               <a:ext uri="{FF2B5EF4-FFF2-40B4-BE49-F238E27FC236}">
-                <a16:creationId xmlns:a16="http://schemas.microsoft.com/office/drawing/2014/main" xmlns="" id="{84EF89B3-E3E4-21F2-84A7-7308023811D3}"/>
+                <a16:creationId xmlns="" xmlns:a16="http://schemas.microsoft.com/office/drawing/2014/main" id="{84EF89B3-E3E4-21F2-84A7-7308023811D3}"/>
               </a:ext>
             </a:extLst>
           </p:cNvPr>
@@ -3861,7 +3861,7 @@
           <p:cNvPr id="30" name="TextBox 29">
             <a:extLst>
               <a:ext uri="{FF2B5EF4-FFF2-40B4-BE49-F238E27FC236}">
-                <a16:creationId xmlns:a16="http://schemas.microsoft.com/office/drawing/2014/main" xmlns="" id="{724400BA-80D3-D83B-35EE-B202C76D0B81}"/>
+                <a16:creationId xmlns="" xmlns:a16="http://schemas.microsoft.com/office/drawing/2014/main" id="{724400BA-80D3-D83B-35EE-B202C76D0B81}"/>
               </a:ext>
             </a:extLst>
           </p:cNvPr>
@@ -3905,7 +3905,7 @@
           <p:cNvPr id="31" name="TextBox 30">
             <a:extLst>
               <a:ext uri="{FF2B5EF4-FFF2-40B4-BE49-F238E27FC236}">
-                <a16:creationId xmlns:a16="http://schemas.microsoft.com/office/drawing/2014/main" xmlns="" id="{E3FFA1D9-BC8C-59A7-4BCB-208257E0C392}"/>
+                <a16:creationId xmlns="" xmlns:a16="http://schemas.microsoft.com/office/drawing/2014/main" id="{E3FFA1D9-BC8C-59A7-4BCB-208257E0C392}"/>
               </a:ext>
             </a:extLst>
           </p:cNvPr>
@@ -3949,7 +3949,7 @@
           <p:cNvPr id="32" name="TextBox 31">
             <a:extLst>
               <a:ext uri="{FF2B5EF4-FFF2-40B4-BE49-F238E27FC236}">
-                <a16:creationId xmlns:a16="http://schemas.microsoft.com/office/drawing/2014/main" xmlns="" id="{9FE834AD-C1E9-2D66-D0A9-793486F6C7FC}"/>
+                <a16:creationId xmlns="" xmlns:a16="http://schemas.microsoft.com/office/drawing/2014/main" id="{9FE834AD-C1E9-2D66-D0A9-793486F6C7FC}"/>
               </a:ext>
             </a:extLst>
           </p:cNvPr>
@@ -3993,7 +3993,7 @@
           <p:cNvPr id="33" name="TextBox 32">
             <a:extLst>
               <a:ext uri="{FF2B5EF4-FFF2-40B4-BE49-F238E27FC236}">
-                <a16:creationId xmlns:a16="http://schemas.microsoft.com/office/drawing/2014/main" xmlns="" id="{76457438-A249-3824-7C69-E708127A706F}"/>
+                <a16:creationId xmlns="" xmlns:a16="http://schemas.microsoft.com/office/drawing/2014/main" id="{76457438-A249-3824-7C69-E708127A706F}"/>
               </a:ext>
             </a:extLst>
           </p:cNvPr>
@@ -4037,7 +4037,7 @@
           <p:cNvPr id="34" name="TextBox 33">
             <a:extLst>
               <a:ext uri="{FF2B5EF4-FFF2-40B4-BE49-F238E27FC236}">
-                <a16:creationId xmlns:a16="http://schemas.microsoft.com/office/drawing/2014/main" xmlns="" id="{5D9B35BA-292E-9817-D1A5-EE5B67E82DB3}"/>
+                <a16:creationId xmlns="" xmlns:a16="http://schemas.microsoft.com/office/drawing/2014/main" id="{5D9B35BA-292E-9817-D1A5-EE5B67E82DB3}"/>
               </a:ext>
             </a:extLst>
           </p:cNvPr>
@@ -4081,7 +4081,7 @@
           <p:cNvPr id="35" name="표 34">
             <a:extLst>
               <a:ext uri="{FF2B5EF4-FFF2-40B4-BE49-F238E27FC236}">
-                <a16:creationId xmlns:a16="http://schemas.microsoft.com/office/drawing/2014/main" xmlns="" id="{DB5850CB-5034-6553-14DD-968D663E5DC3}"/>
+                <a16:creationId xmlns="" xmlns:a16="http://schemas.microsoft.com/office/drawing/2014/main" id="{DB5850CB-5034-6553-14DD-968D663E5DC3}"/>
               </a:ext>
             </a:extLst>
           </p:cNvPr>
@@ -4091,7 +4091,7 @@
           <p:nvPr>
             <p:extLst>
               <p:ext uri="{D42A27DB-BD31-4B8C-83A1-F6EECF244321}">
-                <p14:modId xmlns:p14="http://schemas.microsoft.com/office/powerpoint/2010/main" xmlns="" val="4122457926"/>
+                <p14:modId xmlns="" xmlns:p14="http://schemas.microsoft.com/office/powerpoint/2010/main" val="4122457926"/>
               </p:ext>
             </p:extLst>
           </p:nvPr>
@@ -4110,14 +4110,14 @@
                 <a:gridCol w="933085">
                   <a:extLst>
                     <a:ext uri="{9D8B030D-6E8A-4147-A177-3AD203B41FA5}">
-                      <a16:colId xmlns:a16="http://schemas.microsoft.com/office/drawing/2014/main" xmlns="" val="1620488559"/>
+                      <a16:colId xmlns="" xmlns:a16="http://schemas.microsoft.com/office/drawing/2014/main" val="1620488559"/>
                     </a:ext>
                   </a:extLst>
                 </a:gridCol>
                 <a:gridCol w="2902934">
                   <a:extLst>
                     <a:ext uri="{9D8B030D-6E8A-4147-A177-3AD203B41FA5}">
-                      <a16:colId xmlns:a16="http://schemas.microsoft.com/office/drawing/2014/main" xmlns="" val="1012869961"/>
+                      <a16:colId xmlns="" xmlns:a16="http://schemas.microsoft.com/office/drawing/2014/main" val="1012869961"/>
                     </a:ext>
                   </a:extLst>
                 </a:gridCol>
@@ -4149,7 +4149,7 @@
                 </a:tc>
                 <a:extLst>
                   <a:ext uri="{0D108BD9-81ED-4DB2-BD59-A6C34878D82A}">
-                    <a16:rowId xmlns:a16="http://schemas.microsoft.com/office/drawing/2014/main" xmlns="" val="302975823"/>
+                    <a16:rowId xmlns="" xmlns:a16="http://schemas.microsoft.com/office/drawing/2014/main" val="302975823"/>
                   </a:ext>
                 </a:extLst>
               </a:tr>
@@ -4196,7 +4196,7 @@
                 </a:tc>
                 <a:extLst>
                   <a:ext uri="{0D108BD9-81ED-4DB2-BD59-A6C34878D82A}">
-                    <a16:rowId xmlns:a16="http://schemas.microsoft.com/office/drawing/2014/main" xmlns="" val="2326918455"/>
+                    <a16:rowId xmlns="" xmlns:a16="http://schemas.microsoft.com/office/drawing/2014/main" val="2326918455"/>
                   </a:ext>
                 </a:extLst>
               </a:tr>
@@ -4258,7 +4258,7 @@
                 </a:tc>
                 <a:extLst>
                   <a:ext uri="{0D108BD9-81ED-4DB2-BD59-A6C34878D82A}">
-                    <a16:rowId xmlns:a16="http://schemas.microsoft.com/office/drawing/2014/main" xmlns="" val="3257335175"/>
+                    <a16:rowId xmlns="" xmlns:a16="http://schemas.microsoft.com/office/drawing/2014/main" val="3257335175"/>
                   </a:ext>
                 </a:extLst>
               </a:tr>
@@ -4312,7 +4312,7 @@
                 </a:tc>
                 <a:extLst>
                   <a:ext uri="{0D108BD9-81ED-4DB2-BD59-A6C34878D82A}">
-                    <a16:rowId xmlns:a16="http://schemas.microsoft.com/office/drawing/2014/main" xmlns="" val="928429091"/>
+                    <a16:rowId xmlns="" xmlns:a16="http://schemas.microsoft.com/office/drawing/2014/main" val="928429091"/>
                   </a:ext>
                 </a:extLst>
               </a:tr>
@@ -4367,7 +4367,7 @@
                 </a:tc>
                 <a:extLst>
                   <a:ext uri="{0D108BD9-81ED-4DB2-BD59-A6C34878D82A}">
-                    <a16:rowId xmlns:a16="http://schemas.microsoft.com/office/drawing/2014/main" xmlns="" val="1618524605"/>
+                    <a16:rowId xmlns="" xmlns:a16="http://schemas.microsoft.com/office/drawing/2014/main" val="1618524605"/>
                   </a:ext>
                 </a:extLst>
               </a:tr>
@@ -4418,7 +4418,7 @@
                 </a:tc>
                 <a:extLst>
                   <a:ext uri="{0D108BD9-81ED-4DB2-BD59-A6C34878D82A}">
-                    <a16:rowId xmlns:a16="http://schemas.microsoft.com/office/drawing/2014/main" xmlns="" val="1068815975"/>
+                    <a16:rowId xmlns="" xmlns:a16="http://schemas.microsoft.com/office/drawing/2014/main" val="1068815975"/>
                   </a:ext>
                 </a:extLst>
               </a:tr>
@@ -4492,7 +4492,7 @@
                 </a:tc>
                 <a:extLst>
                   <a:ext uri="{0D108BD9-81ED-4DB2-BD59-A6C34878D82A}">
-                    <a16:rowId xmlns:a16="http://schemas.microsoft.com/office/drawing/2014/main" xmlns="" val="1264632727"/>
+                    <a16:rowId xmlns="" xmlns:a16="http://schemas.microsoft.com/office/drawing/2014/main" val="1264632727"/>
                   </a:ext>
                 </a:extLst>
               </a:tr>
@@ -4563,7 +4563,7 @@
                 </a:tc>
                 <a:extLst>
                   <a:ext uri="{0D108BD9-81ED-4DB2-BD59-A6C34878D82A}">
-                    <a16:rowId xmlns:a16="http://schemas.microsoft.com/office/drawing/2014/main" xmlns="" val="2013989199"/>
+                    <a16:rowId xmlns="" xmlns:a16="http://schemas.microsoft.com/office/drawing/2014/main" val="2013989199"/>
                   </a:ext>
                 </a:extLst>
               </a:tr>
@@ -4594,7 +4594,7 @@
                 </a:tc>
                 <a:extLst>
                   <a:ext uri="{0D108BD9-81ED-4DB2-BD59-A6C34878D82A}">
-                    <a16:rowId xmlns:a16="http://schemas.microsoft.com/office/drawing/2014/main" xmlns="" val="1796191776"/>
+                    <a16:rowId xmlns="" xmlns:a16="http://schemas.microsoft.com/office/drawing/2014/main" val="1796191776"/>
                   </a:ext>
                 </a:extLst>
               </a:tr>
@@ -4632,7 +4632,7 @@
                 </a:tc>
                 <a:extLst>
                   <a:ext uri="{0D108BD9-81ED-4DB2-BD59-A6C34878D82A}">
-                    <a16:rowId xmlns:a16="http://schemas.microsoft.com/office/drawing/2014/main" xmlns="" val="1158962728"/>
+                    <a16:rowId xmlns="" xmlns:a16="http://schemas.microsoft.com/office/drawing/2014/main" val="1158962728"/>
                   </a:ext>
                 </a:extLst>
               </a:tr>
@@ -4698,7 +4698,7 @@
                 </a:tc>
                 <a:extLst>
                   <a:ext uri="{0D108BD9-81ED-4DB2-BD59-A6C34878D82A}">
-                    <a16:rowId xmlns:a16="http://schemas.microsoft.com/office/drawing/2014/main" xmlns="" val="2681632718"/>
+                    <a16:rowId xmlns="" xmlns:a16="http://schemas.microsoft.com/office/drawing/2014/main" val="2681632718"/>
                   </a:ext>
                 </a:extLst>
               </a:tr>
@@ -4711,7 +4711,7 @@
           <p:cNvPr id="36" name="TextBox 35">
             <a:extLst>
               <a:ext uri="{FF2B5EF4-FFF2-40B4-BE49-F238E27FC236}">
-                <a16:creationId xmlns:a16="http://schemas.microsoft.com/office/drawing/2014/main" xmlns="" id="{3999E8A6-BF2B-0E7B-8106-2C6AFB6B18A1}"/>
+                <a16:creationId xmlns="" xmlns:a16="http://schemas.microsoft.com/office/drawing/2014/main" id="{3999E8A6-BF2B-0E7B-8106-2C6AFB6B18A1}"/>
               </a:ext>
             </a:extLst>
           </p:cNvPr>
@@ -4809,7 +4809,7 @@
     </p:spTree>
     <p:extLst>
       <p:ext uri="{BB962C8B-B14F-4D97-AF65-F5344CB8AC3E}">
-        <p14:creationId xmlns:p14="http://schemas.microsoft.com/office/powerpoint/2010/main" xmlns="" val="1411608"/>
+        <p14:creationId xmlns="" xmlns:p14="http://schemas.microsoft.com/office/powerpoint/2010/main" val="1411608"/>
       </p:ext>
     </p:extLst>
   </p:cSld>
@@ -4841,7 +4841,7 @@
           <p:cNvPr id="4" name="TextBox 3">
             <a:extLst>
               <a:ext uri="{FF2B5EF4-FFF2-40B4-BE49-F238E27FC236}">
-                <a16:creationId xmlns:a16="http://schemas.microsoft.com/office/drawing/2014/main" xmlns="" id="{2663D175-9448-EFB4-31D1-EE837098A2D0}"/>
+                <a16:creationId xmlns="" xmlns:a16="http://schemas.microsoft.com/office/drawing/2014/main" id="{2663D175-9448-EFB4-31D1-EE837098A2D0}"/>
               </a:ext>
             </a:extLst>
           </p:cNvPr>
@@ -4885,7 +4885,7 @@
           <p:cNvPr id="6" name="그림 5">
             <a:extLst>
               <a:ext uri="{FF2B5EF4-FFF2-40B4-BE49-F238E27FC236}">
-                <a16:creationId xmlns:a16="http://schemas.microsoft.com/office/drawing/2014/main" xmlns="" id="{2DACB2DD-5947-2AA7-A424-5D75555B3EA3}"/>
+                <a16:creationId xmlns="" xmlns:a16="http://schemas.microsoft.com/office/drawing/2014/main" id="{2DACB2DD-5947-2AA7-A424-5D75555B3EA3}"/>
               </a:ext>
             </a:extLst>
           </p:cNvPr>
@@ -4915,7 +4915,7 @@
           <p:cNvPr id="7" name="그림 6">
             <a:extLst>
               <a:ext uri="{FF2B5EF4-FFF2-40B4-BE49-F238E27FC236}">
-                <a16:creationId xmlns:a16="http://schemas.microsoft.com/office/drawing/2014/main" xmlns="" id="{A455E929-4D8D-2667-FE2F-830BC019D915}"/>
+                <a16:creationId xmlns="" xmlns:a16="http://schemas.microsoft.com/office/drawing/2014/main" id="{A455E929-4D8D-2667-FE2F-830BC019D915}"/>
               </a:ext>
             </a:extLst>
           </p:cNvPr>
@@ -4945,7 +4945,7 @@
           <p:cNvPr id="8" name="그림 7">
             <a:extLst>
               <a:ext uri="{FF2B5EF4-FFF2-40B4-BE49-F238E27FC236}">
-                <a16:creationId xmlns:a16="http://schemas.microsoft.com/office/drawing/2014/main" xmlns="" id="{26421CE9-DC36-0CC6-1C76-BC25B85A5CDF}"/>
+                <a16:creationId xmlns="" xmlns:a16="http://schemas.microsoft.com/office/drawing/2014/main" id="{26421CE9-DC36-0CC6-1C76-BC25B85A5CDF}"/>
               </a:ext>
             </a:extLst>
           </p:cNvPr>
@@ -4975,7 +4975,7 @@
           <p:cNvPr id="14" name="TextBox 13">
             <a:extLst>
               <a:ext uri="{FF2B5EF4-FFF2-40B4-BE49-F238E27FC236}">
-                <a16:creationId xmlns:a16="http://schemas.microsoft.com/office/drawing/2014/main" xmlns="" id="{A46B41C4-40C1-C789-09AD-BF370667EC04}"/>
+                <a16:creationId xmlns="" xmlns:a16="http://schemas.microsoft.com/office/drawing/2014/main" id="{A46B41C4-40C1-C789-09AD-BF370667EC04}"/>
               </a:ext>
             </a:extLst>
           </p:cNvPr>
@@ -5019,7 +5019,7 @@
           <p:cNvPr id="15" name="TextBox 14">
             <a:extLst>
               <a:ext uri="{FF2B5EF4-FFF2-40B4-BE49-F238E27FC236}">
-                <a16:creationId xmlns:a16="http://schemas.microsoft.com/office/drawing/2014/main" xmlns="" id="{890242FE-321A-2DFD-528A-A7B8574D6FAC}"/>
+                <a16:creationId xmlns="" xmlns:a16="http://schemas.microsoft.com/office/drawing/2014/main" id="{890242FE-321A-2DFD-528A-A7B8574D6FAC}"/>
               </a:ext>
             </a:extLst>
           </p:cNvPr>
@@ -5063,7 +5063,7 @@
           <p:cNvPr id="16" name="TextBox 15">
             <a:extLst>
               <a:ext uri="{FF2B5EF4-FFF2-40B4-BE49-F238E27FC236}">
-                <a16:creationId xmlns:a16="http://schemas.microsoft.com/office/drawing/2014/main" xmlns="" id="{37FF167F-FA43-E85A-83D2-9ACEFAA92221}"/>
+                <a16:creationId xmlns="" xmlns:a16="http://schemas.microsoft.com/office/drawing/2014/main" id="{37FF167F-FA43-E85A-83D2-9ACEFAA92221}"/>
               </a:ext>
             </a:extLst>
           </p:cNvPr>
@@ -5107,7 +5107,7 @@
           <p:cNvPr id="17" name="표 16">
             <a:extLst>
               <a:ext uri="{FF2B5EF4-FFF2-40B4-BE49-F238E27FC236}">
-                <a16:creationId xmlns:a16="http://schemas.microsoft.com/office/drawing/2014/main" xmlns="" id="{8E82F189-7964-C02E-EE85-578A330126E0}"/>
+                <a16:creationId xmlns="" xmlns:a16="http://schemas.microsoft.com/office/drawing/2014/main" id="{8E82F189-7964-C02E-EE85-578A330126E0}"/>
               </a:ext>
             </a:extLst>
           </p:cNvPr>
@@ -5117,7 +5117,7 @@
           <p:nvPr>
             <p:extLst>
               <p:ext uri="{D42A27DB-BD31-4B8C-83A1-F6EECF244321}">
-                <p14:modId xmlns:p14="http://schemas.microsoft.com/office/powerpoint/2010/main" xmlns="" val="3623713573"/>
+                <p14:modId xmlns="" xmlns:p14="http://schemas.microsoft.com/office/powerpoint/2010/main" val="3623713573"/>
               </p:ext>
             </p:extLst>
           </p:nvPr>
@@ -5136,14 +5136,14 @@
                 <a:gridCol w="933085">
                   <a:extLst>
                     <a:ext uri="{9D8B030D-6E8A-4147-A177-3AD203B41FA5}">
-                      <a16:colId xmlns:a16="http://schemas.microsoft.com/office/drawing/2014/main" xmlns="" val="1620488559"/>
+                      <a16:colId xmlns="" xmlns:a16="http://schemas.microsoft.com/office/drawing/2014/main" val="1620488559"/>
                     </a:ext>
                   </a:extLst>
                 </a:gridCol>
                 <a:gridCol w="2902934">
                   <a:extLst>
                     <a:ext uri="{9D8B030D-6E8A-4147-A177-3AD203B41FA5}">
-                      <a16:colId xmlns:a16="http://schemas.microsoft.com/office/drawing/2014/main" xmlns="" val="1012869961"/>
+                      <a16:colId xmlns="" xmlns:a16="http://schemas.microsoft.com/office/drawing/2014/main" val="1012869961"/>
                     </a:ext>
                   </a:extLst>
                 </a:gridCol>
@@ -5179,7 +5179,7 @@
                 </a:tc>
                 <a:extLst>
                   <a:ext uri="{0D108BD9-81ED-4DB2-BD59-A6C34878D82A}">
-                    <a16:rowId xmlns:a16="http://schemas.microsoft.com/office/drawing/2014/main" xmlns="" val="302975823"/>
+                    <a16:rowId xmlns="" xmlns:a16="http://schemas.microsoft.com/office/drawing/2014/main" val="302975823"/>
                   </a:ext>
                 </a:extLst>
               </a:tr>
@@ -5226,7 +5226,7 @@
                 </a:tc>
                 <a:extLst>
                   <a:ext uri="{0D108BD9-81ED-4DB2-BD59-A6C34878D82A}">
-                    <a16:rowId xmlns:a16="http://schemas.microsoft.com/office/drawing/2014/main" xmlns="" val="2326918455"/>
+                    <a16:rowId xmlns="" xmlns:a16="http://schemas.microsoft.com/office/drawing/2014/main" val="2326918455"/>
                   </a:ext>
                 </a:extLst>
               </a:tr>
@@ -5273,7 +5273,7 @@
                 </a:tc>
                 <a:extLst>
                   <a:ext uri="{0D108BD9-81ED-4DB2-BD59-A6C34878D82A}">
-                    <a16:rowId xmlns:a16="http://schemas.microsoft.com/office/drawing/2014/main" xmlns="" val="3257335175"/>
+                    <a16:rowId xmlns="" xmlns:a16="http://schemas.microsoft.com/office/drawing/2014/main" val="3257335175"/>
                   </a:ext>
                 </a:extLst>
               </a:tr>
@@ -5335,7 +5335,7 @@
                 </a:tc>
                 <a:extLst>
                   <a:ext uri="{0D108BD9-81ED-4DB2-BD59-A6C34878D82A}">
-                    <a16:rowId xmlns:a16="http://schemas.microsoft.com/office/drawing/2014/main" xmlns="" val="928429091"/>
+                    <a16:rowId xmlns="" xmlns:a16="http://schemas.microsoft.com/office/drawing/2014/main" val="928429091"/>
                   </a:ext>
                 </a:extLst>
               </a:tr>
@@ -5386,7 +5386,7 @@
                 </a:tc>
                 <a:extLst>
                   <a:ext uri="{0D108BD9-81ED-4DB2-BD59-A6C34878D82A}">
-                    <a16:rowId xmlns:a16="http://schemas.microsoft.com/office/drawing/2014/main" xmlns="" val="1618524605"/>
+                    <a16:rowId xmlns="" xmlns:a16="http://schemas.microsoft.com/office/drawing/2014/main" val="1618524605"/>
                   </a:ext>
                 </a:extLst>
               </a:tr>
@@ -5421,7 +5421,7 @@
                 </a:tc>
                 <a:extLst>
                   <a:ext uri="{0D108BD9-81ED-4DB2-BD59-A6C34878D82A}">
-                    <a16:rowId xmlns:a16="http://schemas.microsoft.com/office/drawing/2014/main" xmlns="" val="1068815975"/>
+                    <a16:rowId xmlns="" xmlns:a16="http://schemas.microsoft.com/office/drawing/2014/main" val="1068815975"/>
                   </a:ext>
                 </a:extLst>
               </a:tr>
@@ -5479,7 +5479,7 @@
                 </a:tc>
                 <a:extLst>
                   <a:ext uri="{0D108BD9-81ED-4DB2-BD59-A6C34878D82A}">
-                    <a16:rowId xmlns:a16="http://schemas.microsoft.com/office/drawing/2014/main" xmlns="" val="1264632727"/>
+                    <a16:rowId xmlns="" xmlns:a16="http://schemas.microsoft.com/office/drawing/2014/main" val="1264632727"/>
                   </a:ext>
                 </a:extLst>
               </a:tr>
@@ -5518,7 +5518,7 @@
                 </a:tc>
                 <a:extLst>
                   <a:ext uri="{0D108BD9-81ED-4DB2-BD59-A6C34878D82A}">
-                    <a16:rowId xmlns:a16="http://schemas.microsoft.com/office/drawing/2014/main" xmlns="" val="2013989199"/>
+                    <a16:rowId xmlns="" xmlns:a16="http://schemas.microsoft.com/office/drawing/2014/main" val="2013989199"/>
                   </a:ext>
                 </a:extLst>
               </a:tr>
@@ -5588,7 +5588,7 @@
                 </a:tc>
                 <a:extLst>
                   <a:ext uri="{0D108BD9-81ED-4DB2-BD59-A6C34878D82A}">
-                    <a16:rowId xmlns:a16="http://schemas.microsoft.com/office/drawing/2014/main" xmlns="" val="1796191776"/>
+                    <a16:rowId xmlns="" xmlns:a16="http://schemas.microsoft.com/office/drawing/2014/main" val="1796191776"/>
                   </a:ext>
                 </a:extLst>
               </a:tr>
@@ -5637,7 +5637,7 @@
                 </a:tc>
                 <a:extLst>
                   <a:ext uri="{0D108BD9-81ED-4DB2-BD59-A6C34878D82A}">
-                    <a16:rowId xmlns:a16="http://schemas.microsoft.com/office/drawing/2014/main" xmlns="" val="1158962728"/>
+                    <a16:rowId xmlns="" xmlns:a16="http://schemas.microsoft.com/office/drawing/2014/main" val="1158962728"/>
                   </a:ext>
                 </a:extLst>
               </a:tr>
@@ -5650,7 +5650,7 @@
           <p:cNvPr id="18" name="TextBox 17">
             <a:extLst>
               <a:ext uri="{FF2B5EF4-FFF2-40B4-BE49-F238E27FC236}">
-                <a16:creationId xmlns:a16="http://schemas.microsoft.com/office/drawing/2014/main" xmlns="" id="{00F104CD-33D4-8676-DEF3-32702626BB7F}"/>
+                <a16:creationId xmlns="" xmlns:a16="http://schemas.microsoft.com/office/drawing/2014/main" id="{00F104CD-33D4-8676-DEF3-32702626BB7F}"/>
               </a:ext>
             </a:extLst>
           </p:cNvPr>
@@ -5694,7 +5694,7 @@
           <p:cNvPr id="19" name="TextBox 18">
             <a:extLst>
               <a:ext uri="{FF2B5EF4-FFF2-40B4-BE49-F238E27FC236}">
-                <a16:creationId xmlns:a16="http://schemas.microsoft.com/office/drawing/2014/main" xmlns="" id="{1C1DD876-4D3B-17E4-8D43-DF80894C557D}"/>
+                <a16:creationId xmlns="" xmlns:a16="http://schemas.microsoft.com/office/drawing/2014/main" id="{1C1DD876-4D3B-17E4-8D43-DF80894C557D}"/>
               </a:ext>
             </a:extLst>
           </p:cNvPr>
@@ -5754,7 +5754,7 @@
           <p:cNvPr id="20" name="TextBox 19">
             <a:extLst>
               <a:ext uri="{FF2B5EF4-FFF2-40B4-BE49-F238E27FC236}">
-                <a16:creationId xmlns:a16="http://schemas.microsoft.com/office/drawing/2014/main" xmlns="" id="{64106839-9821-AB21-2514-CF76DE9DFCF1}"/>
+                <a16:creationId xmlns="" xmlns:a16="http://schemas.microsoft.com/office/drawing/2014/main" id="{64106839-9821-AB21-2514-CF76DE9DFCF1}"/>
               </a:ext>
             </a:extLst>
           </p:cNvPr>
@@ -5814,7 +5814,7 @@
           <p:cNvPr id="21" name="직사각형 20">
             <a:extLst>
               <a:ext uri="{FF2B5EF4-FFF2-40B4-BE49-F238E27FC236}">
-                <a16:creationId xmlns:a16="http://schemas.microsoft.com/office/drawing/2014/main" xmlns="" id="{F991D86E-48F0-A647-AF47-5710B209744E}"/>
+                <a16:creationId xmlns="" xmlns:a16="http://schemas.microsoft.com/office/drawing/2014/main" id="{F991D86E-48F0-A647-AF47-5710B209744E}"/>
               </a:ext>
             </a:extLst>
           </p:cNvPr>
@@ -5866,7 +5866,7 @@
           <p:cNvPr id="22" name="TextBox 21">
             <a:extLst>
               <a:ext uri="{FF2B5EF4-FFF2-40B4-BE49-F238E27FC236}">
-                <a16:creationId xmlns:a16="http://schemas.microsoft.com/office/drawing/2014/main" xmlns="" id="{69A76534-4845-5CAE-A196-9679F5DFE6D3}"/>
+                <a16:creationId xmlns="" xmlns:a16="http://schemas.microsoft.com/office/drawing/2014/main" id="{69A76534-4845-5CAE-A196-9679F5DFE6D3}"/>
               </a:ext>
             </a:extLst>
           </p:cNvPr>
@@ -5926,7 +5926,7 @@
           <p:cNvPr id="23" name="TextBox 22">
             <a:extLst>
               <a:ext uri="{FF2B5EF4-FFF2-40B4-BE49-F238E27FC236}">
-                <a16:creationId xmlns:a16="http://schemas.microsoft.com/office/drawing/2014/main" xmlns="" id="{5D6335B4-D2CA-43AB-C3D1-74E4507FCB6C}"/>
+                <a16:creationId xmlns="" xmlns:a16="http://schemas.microsoft.com/office/drawing/2014/main" id="{5D6335B4-D2CA-43AB-C3D1-74E4507FCB6C}"/>
               </a:ext>
             </a:extLst>
           </p:cNvPr>
@@ -5970,7 +5970,7 @@
           <p:cNvPr id="24" name="TextBox 23">
             <a:extLst>
               <a:ext uri="{FF2B5EF4-FFF2-40B4-BE49-F238E27FC236}">
-                <a16:creationId xmlns:a16="http://schemas.microsoft.com/office/drawing/2014/main" xmlns="" id="{C5093993-CDCA-1EE9-CF30-2FCF3F5BED9E}"/>
+                <a16:creationId xmlns="" xmlns:a16="http://schemas.microsoft.com/office/drawing/2014/main" id="{C5093993-CDCA-1EE9-CF30-2FCF3F5BED9E}"/>
               </a:ext>
             </a:extLst>
           </p:cNvPr>
@@ -6014,7 +6014,7 @@
           <p:cNvPr id="25" name="TextBox 24">
             <a:extLst>
               <a:ext uri="{FF2B5EF4-FFF2-40B4-BE49-F238E27FC236}">
-                <a16:creationId xmlns:a16="http://schemas.microsoft.com/office/drawing/2014/main" xmlns="" id="{C2612454-E3BD-9033-3A24-C867F0DCCC68}"/>
+                <a16:creationId xmlns="" xmlns:a16="http://schemas.microsoft.com/office/drawing/2014/main" id="{C2612454-E3BD-9033-3A24-C867F0DCCC68}"/>
               </a:ext>
             </a:extLst>
           </p:cNvPr>
@@ -6112,7 +6112,7 @@
     </p:spTree>
     <p:extLst>
       <p:ext uri="{BB962C8B-B14F-4D97-AF65-F5344CB8AC3E}">
-        <p14:creationId xmlns:p14="http://schemas.microsoft.com/office/powerpoint/2010/main" xmlns="" val="3140253659"/>
+        <p14:creationId xmlns="" xmlns:p14="http://schemas.microsoft.com/office/powerpoint/2010/main" val="3140253659"/>
       </p:ext>
     </p:extLst>
   </p:cSld>
@@ -6144,7 +6144,7 @@
           <p:cNvPr id="4" name="TextBox 3">
             <a:extLst>
               <a:ext uri="{FF2B5EF4-FFF2-40B4-BE49-F238E27FC236}">
-                <a16:creationId xmlns:a16="http://schemas.microsoft.com/office/drawing/2014/main" xmlns="" id="{BD8CD8DD-C4CC-E0A3-6C54-134B23682C08}"/>
+                <a16:creationId xmlns="" xmlns:a16="http://schemas.microsoft.com/office/drawing/2014/main" id="{BD8CD8DD-C4CC-E0A3-6C54-134B23682C08}"/>
               </a:ext>
             </a:extLst>
           </p:cNvPr>
@@ -6188,7 +6188,7 @@
           <p:cNvPr id="6" name="그림 5">
             <a:extLst>
               <a:ext uri="{FF2B5EF4-FFF2-40B4-BE49-F238E27FC236}">
-                <a16:creationId xmlns:a16="http://schemas.microsoft.com/office/drawing/2014/main" xmlns="" id="{A495CDD8-1ADA-39BE-FD8E-278B20EEA5A3}"/>
+                <a16:creationId xmlns="" xmlns:a16="http://schemas.microsoft.com/office/drawing/2014/main" id="{A495CDD8-1ADA-39BE-FD8E-278B20EEA5A3}"/>
               </a:ext>
             </a:extLst>
           </p:cNvPr>
@@ -6218,7 +6218,7 @@
           <p:cNvPr id="7" name="그림 6">
             <a:extLst>
               <a:ext uri="{FF2B5EF4-FFF2-40B4-BE49-F238E27FC236}">
-                <a16:creationId xmlns:a16="http://schemas.microsoft.com/office/drawing/2014/main" xmlns="" id="{93A5E78C-D36C-FCDC-ED78-3B28641A4CEE}"/>
+                <a16:creationId xmlns="" xmlns:a16="http://schemas.microsoft.com/office/drawing/2014/main" id="{93A5E78C-D36C-FCDC-ED78-3B28641A4CEE}"/>
               </a:ext>
             </a:extLst>
           </p:cNvPr>
@@ -6248,7 +6248,7 @@
           <p:cNvPr id="8" name="표 7">
             <a:extLst>
               <a:ext uri="{FF2B5EF4-FFF2-40B4-BE49-F238E27FC236}">
-                <a16:creationId xmlns:a16="http://schemas.microsoft.com/office/drawing/2014/main" xmlns="" id="{076037DF-7EC3-56C9-8931-DE43AA98581C}"/>
+                <a16:creationId xmlns="" xmlns:a16="http://schemas.microsoft.com/office/drawing/2014/main" id="{076037DF-7EC3-56C9-8931-DE43AA98581C}"/>
               </a:ext>
             </a:extLst>
           </p:cNvPr>
@@ -6258,7 +6258,7 @@
           <p:nvPr>
             <p:extLst>
               <p:ext uri="{D42A27DB-BD31-4B8C-83A1-F6EECF244321}">
-                <p14:modId xmlns:p14="http://schemas.microsoft.com/office/powerpoint/2010/main" xmlns="" val="1231237130"/>
+                <p14:modId xmlns="" xmlns:p14="http://schemas.microsoft.com/office/powerpoint/2010/main" val="1231237130"/>
               </p:ext>
             </p:extLst>
           </p:nvPr>
@@ -6277,14 +6277,14 @@
                 <a:gridCol w="933085">
                   <a:extLst>
                     <a:ext uri="{9D8B030D-6E8A-4147-A177-3AD203B41FA5}">
-                      <a16:colId xmlns:a16="http://schemas.microsoft.com/office/drawing/2014/main" xmlns="" val="1620488559"/>
+                      <a16:colId xmlns="" xmlns:a16="http://schemas.microsoft.com/office/drawing/2014/main" val="1620488559"/>
                     </a:ext>
                   </a:extLst>
                 </a:gridCol>
                 <a:gridCol w="2902934">
                   <a:extLst>
                     <a:ext uri="{9D8B030D-6E8A-4147-A177-3AD203B41FA5}">
-                      <a16:colId xmlns:a16="http://schemas.microsoft.com/office/drawing/2014/main" xmlns="" val="1012869961"/>
+                      <a16:colId xmlns="" xmlns:a16="http://schemas.microsoft.com/office/drawing/2014/main" val="1012869961"/>
                     </a:ext>
                   </a:extLst>
                 </a:gridCol>
@@ -6328,7 +6328,7 @@
                 </a:tc>
                 <a:extLst>
                   <a:ext uri="{0D108BD9-81ED-4DB2-BD59-A6C34878D82A}">
-                    <a16:rowId xmlns:a16="http://schemas.microsoft.com/office/drawing/2014/main" xmlns="" val="302975823"/>
+                    <a16:rowId xmlns="" xmlns:a16="http://schemas.microsoft.com/office/drawing/2014/main" val="302975823"/>
                   </a:ext>
                 </a:extLst>
               </a:tr>
@@ -6402,7 +6402,7 @@
                 </a:tc>
                 <a:extLst>
                   <a:ext uri="{0D108BD9-81ED-4DB2-BD59-A6C34878D82A}">
-                    <a16:rowId xmlns:a16="http://schemas.microsoft.com/office/drawing/2014/main" xmlns="" val="2326918455"/>
+                    <a16:rowId xmlns="" xmlns:a16="http://schemas.microsoft.com/office/drawing/2014/main" val="2326918455"/>
                   </a:ext>
                 </a:extLst>
               </a:tr>
@@ -6441,7 +6441,7 @@
                 </a:tc>
                 <a:extLst>
                   <a:ext uri="{0D108BD9-81ED-4DB2-BD59-A6C34878D82A}">
-                    <a16:rowId xmlns:a16="http://schemas.microsoft.com/office/drawing/2014/main" xmlns="" val="3257335175"/>
+                    <a16:rowId xmlns="" xmlns:a16="http://schemas.microsoft.com/office/drawing/2014/main" val="3257335175"/>
                   </a:ext>
                 </a:extLst>
               </a:tr>
@@ -6525,7 +6525,7 @@
                 </a:tc>
                 <a:extLst>
                   <a:ext uri="{0D108BD9-81ED-4DB2-BD59-A6C34878D82A}">
-                    <a16:rowId xmlns:a16="http://schemas.microsoft.com/office/drawing/2014/main" xmlns="" val="928429091"/>
+                    <a16:rowId xmlns="" xmlns:a16="http://schemas.microsoft.com/office/drawing/2014/main" val="928429091"/>
                   </a:ext>
                 </a:extLst>
               </a:tr>
@@ -6576,7 +6576,7 @@
                 </a:tc>
                 <a:extLst>
                   <a:ext uri="{0D108BD9-81ED-4DB2-BD59-A6C34878D82A}">
-                    <a16:rowId xmlns:a16="http://schemas.microsoft.com/office/drawing/2014/main" xmlns="" val="1618524605"/>
+                    <a16:rowId xmlns="" xmlns:a16="http://schemas.microsoft.com/office/drawing/2014/main" val="1618524605"/>
                   </a:ext>
                 </a:extLst>
               </a:tr>
@@ -6603,7 +6603,7 @@
                 </a:tc>
                 <a:extLst>
                   <a:ext uri="{0D108BD9-81ED-4DB2-BD59-A6C34878D82A}">
-                    <a16:rowId xmlns:a16="http://schemas.microsoft.com/office/drawing/2014/main" xmlns="" val="1068815975"/>
+                    <a16:rowId xmlns="" xmlns:a16="http://schemas.microsoft.com/office/drawing/2014/main" val="1068815975"/>
                   </a:ext>
                 </a:extLst>
               </a:tr>
@@ -6630,7 +6630,7 @@
                 </a:tc>
                 <a:extLst>
                   <a:ext uri="{0D108BD9-81ED-4DB2-BD59-A6C34878D82A}">
-                    <a16:rowId xmlns:a16="http://schemas.microsoft.com/office/drawing/2014/main" xmlns="" val="1264632727"/>
+                    <a16:rowId xmlns="" xmlns:a16="http://schemas.microsoft.com/office/drawing/2014/main" val="1264632727"/>
                   </a:ext>
                 </a:extLst>
               </a:tr>
@@ -6657,7 +6657,7 @@
                 </a:tc>
                 <a:extLst>
                   <a:ext uri="{0D108BD9-81ED-4DB2-BD59-A6C34878D82A}">
-                    <a16:rowId xmlns:a16="http://schemas.microsoft.com/office/drawing/2014/main" xmlns="" val="2013989199"/>
+                    <a16:rowId xmlns="" xmlns:a16="http://schemas.microsoft.com/office/drawing/2014/main" val="2013989199"/>
                   </a:ext>
                 </a:extLst>
               </a:tr>
@@ -6684,7 +6684,7 @@
                 </a:tc>
                 <a:extLst>
                   <a:ext uri="{0D108BD9-81ED-4DB2-BD59-A6C34878D82A}">
-                    <a16:rowId xmlns:a16="http://schemas.microsoft.com/office/drawing/2014/main" xmlns="" val="1796191776"/>
+                    <a16:rowId xmlns="" xmlns:a16="http://schemas.microsoft.com/office/drawing/2014/main" val="1796191776"/>
                   </a:ext>
                 </a:extLst>
               </a:tr>
@@ -6711,7 +6711,7 @@
                 </a:tc>
                 <a:extLst>
                   <a:ext uri="{0D108BD9-81ED-4DB2-BD59-A6C34878D82A}">
-                    <a16:rowId xmlns:a16="http://schemas.microsoft.com/office/drawing/2014/main" xmlns="" val="1158962728"/>
+                    <a16:rowId xmlns="" xmlns:a16="http://schemas.microsoft.com/office/drawing/2014/main" val="1158962728"/>
                   </a:ext>
                 </a:extLst>
               </a:tr>
@@ -6724,7 +6724,7 @@
           <p:cNvPr id="9" name="TextBox 8">
             <a:extLst>
               <a:ext uri="{FF2B5EF4-FFF2-40B4-BE49-F238E27FC236}">
-                <a16:creationId xmlns:a16="http://schemas.microsoft.com/office/drawing/2014/main" xmlns="" id="{30138609-6828-01BA-ED45-5A9AD5F0F763}"/>
+                <a16:creationId xmlns="" xmlns:a16="http://schemas.microsoft.com/office/drawing/2014/main" id="{30138609-6828-01BA-ED45-5A9AD5F0F763}"/>
               </a:ext>
             </a:extLst>
           </p:cNvPr>
@@ -6776,7 +6776,7 @@
           <p:cNvPr id="10" name="TextBox 9">
             <a:extLst>
               <a:ext uri="{FF2B5EF4-FFF2-40B4-BE49-F238E27FC236}">
-                <a16:creationId xmlns:a16="http://schemas.microsoft.com/office/drawing/2014/main" xmlns="" id="{BB092ADA-8B82-E219-9D99-BBB3F746F487}"/>
+                <a16:creationId xmlns="" xmlns:a16="http://schemas.microsoft.com/office/drawing/2014/main" id="{BB092ADA-8B82-E219-9D99-BBB3F746F487}"/>
               </a:ext>
             </a:extLst>
           </p:cNvPr>
@@ -6836,7 +6836,7 @@
           <p:cNvPr id="11" name="TextBox 10">
             <a:extLst>
               <a:ext uri="{FF2B5EF4-FFF2-40B4-BE49-F238E27FC236}">
-                <a16:creationId xmlns:a16="http://schemas.microsoft.com/office/drawing/2014/main" xmlns="" id="{05BD7D2B-08C6-5962-23F0-C28F11F892EC}"/>
+                <a16:creationId xmlns="" xmlns:a16="http://schemas.microsoft.com/office/drawing/2014/main" id="{05BD7D2B-08C6-5962-23F0-C28F11F892EC}"/>
               </a:ext>
             </a:extLst>
           </p:cNvPr>
@@ -6896,7 +6896,7 @@
           <p:cNvPr id="12" name="TextBox 11">
             <a:extLst>
               <a:ext uri="{FF2B5EF4-FFF2-40B4-BE49-F238E27FC236}">
-                <a16:creationId xmlns:a16="http://schemas.microsoft.com/office/drawing/2014/main" xmlns="" id="{57518FDC-E5F1-F627-74DF-1394B872F9F9}"/>
+                <a16:creationId xmlns="" xmlns:a16="http://schemas.microsoft.com/office/drawing/2014/main" id="{57518FDC-E5F1-F627-74DF-1394B872F9F9}"/>
               </a:ext>
             </a:extLst>
           </p:cNvPr>
@@ -6956,7 +6956,7 @@
           <p:cNvPr id="13" name="TextBox 12">
             <a:extLst>
               <a:ext uri="{FF2B5EF4-FFF2-40B4-BE49-F238E27FC236}">
-                <a16:creationId xmlns:a16="http://schemas.microsoft.com/office/drawing/2014/main" xmlns="" id="{9D82916F-4D4B-5FE4-99A1-3E531A35F52B}"/>
+                <a16:creationId xmlns="" xmlns:a16="http://schemas.microsoft.com/office/drawing/2014/main" id="{9D82916F-4D4B-5FE4-99A1-3E531A35F52B}"/>
               </a:ext>
             </a:extLst>
           </p:cNvPr>
@@ -7016,7 +7016,7 @@
           <p:cNvPr id="14" name="TextBox 13">
             <a:extLst>
               <a:ext uri="{FF2B5EF4-FFF2-40B4-BE49-F238E27FC236}">
-                <a16:creationId xmlns:a16="http://schemas.microsoft.com/office/drawing/2014/main" xmlns="" id="{A2E1C6F0-174E-224C-E817-246AE04B3457}"/>
+                <a16:creationId xmlns="" xmlns:a16="http://schemas.microsoft.com/office/drawing/2014/main" id="{A2E1C6F0-174E-224C-E817-246AE04B3457}"/>
               </a:ext>
             </a:extLst>
           </p:cNvPr>
@@ -7114,7 +7114,7 @@
     </p:spTree>
     <p:extLst>
       <p:ext uri="{BB962C8B-B14F-4D97-AF65-F5344CB8AC3E}">
-        <p14:creationId xmlns:p14="http://schemas.microsoft.com/office/powerpoint/2010/main" xmlns="" val="3143765747"/>
+        <p14:creationId xmlns="" xmlns:p14="http://schemas.microsoft.com/office/powerpoint/2010/main" val="3143765747"/>
       </p:ext>
     </p:extLst>
   </p:cSld>
@@ -7146,7 +7146,7 @@
           <p:cNvPr id="4" name="TextBox 3">
             <a:extLst>
               <a:ext uri="{FF2B5EF4-FFF2-40B4-BE49-F238E27FC236}">
-                <a16:creationId xmlns:a16="http://schemas.microsoft.com/office/drawing/2014/main" xmlns="" id="{BD8CD8DD-C4CC-E0A3-6C54-134B23682C08}"/>
+                <a16:creationId xmlns="" xmlns:a16="http://schemas.microsoft.com/office/drawing/2014/main" id="{BD8CD8DD-C4CC-E0A3-6C54-134B23682C08}"/>
               </a:ext>
             </a:extLst>
           </p:cNvPr>
@@ -7190,7 +7190,7 @@
           <p:cNvPr id="8" name="표 7">
             <a:extLst>
               <a:ext uri="{FF2B5EF4-FFF2-40B4-BE49-F238E27FC236}">
-                <a16:creationId xmlns:a16="http://schemas.microsoft.com/office/drawing/2014/main" xmlns="" id="{076037DF-7EC3-56C9-8931-DE43AA98581C}"/>
+                <a16:creationId xmlns="" xmlns:a16="http://schemas.microsoft.com/office/drawing/2014/main" id="{076037DF-7EC3-56C9-8931-DE43AA98581C}"/>
               </a:ext>
             </a:extLst>
           </p:cNvPr>
@@ -7200,7 +7200,7 @@
           <p:nvPr>
             <p:extLst>
               <p:ext uri="{D42A27DB-BD31-4B8C-83A1-F6EECF244321}">
-                <p14:modId xmlns:p14="http://schemas.microsoft.com/office/powerpoint/2010/main" xmlns="" val="3717802456"/>
+                <p14:modId xmlns="" xmlns:p14="http://schemas.microsoft.com/office/powerpoint/2010/main" val="3717802456"/>
               </p:ext>
             </p:extLst>
           </p:nvPr>
@@ -7219,14 +7219,14 @@
                 <a:gridCol w="933085">
                   <a:extLst>
                     <a:ext uri="{9D8B030D-6E8A-4147-A177-3AD203B41FA5}">
-                      <a16:colId xmlns:a16="http://schemas.microsoft.com/office/drawing/2014/main" xmlns="" val="1620488559"/>
+                      <a16:colId xmlns="" xmlns:a16="http://schemas.microsoft.com/office/drawing/2014/main" val="1620488559"/>
                     </a:ext>
                   </a:extLst>
                 </a:gridCol>
                 <a:gridCol w="2902934">
                   <a:extLst>
                     <a:ext uri="{9D8B030D-6E8A-4147-A177-3AD203B41FA5}">
-                      <a16:colId xmlns:a16="http://schemas.microsoft.com/office/drawing/2014/main" xmlns="" val="1012869961"/>
+                      <a16:colId xmlns="" xmlns:a16="http://schemas.microsoft.com/office/drawing/2014/main" val="1012869961"/>
                     </a:ext>
                   </a:extLst>
                 </a:gridCol>
@@ -7270,7 +7270,7 @@
                 </a:tc>
                 <a:extLst>
                   <a:ext uri="{0D108BD9-81ED-4DB2-BD59-A6C34878D82A}">
-                    <a16:rowId xmlns:a16="http://schemas.microsoft.com/office/drawing/2014/main" xmlns="" val="302975823"/>
+                    <a16:rowId xmlns="" xmlns:a16="http://schemas.microsoft.com/office/drawing/2014/main" val="302975823"/>
                   </a:ext>
                 </a:extLst>
               </a:tr>
@@ -7313,7 +7313,7 @@
                 </a:tc>
                 <a:extLst>
                   <a:ext uri="{0D108BD9-81ED-4DB2-BD59-A6C34878D82A}">
-                    <a16:rowId xmlns:a16="http://schemas.microsoft.com/office/drawing/2014/main" xmlns="" val="2326918455"/>
+                    <a16:rowId xmlns="" xmlns:a16="http://schemas.microsoft.com/office/drawing/2014/main" val="2326918455"/>
                   </a:ext>
                 </a:extLst>
               </a:tr>
@@ -7352,7 +7352,7 @@
                 </a:tc>
                 <a:extLst>
                   <a:ext uri="{0D108BD9-81ED-4DB2-BD59-A6C34878D82A}">
-                    <a16:rowId xmlns:a16="http://schemas.microsoft.com/office/drawing/2014/main" xmlns="" val="3257335175"/>
+                    <a16:rowId xmlns="" xmlns:a16="http://schemas.microsoft.com/office/drawing/2014/main" val="3257335175"/>
                   </a:ext>
                 </a:extLst>
               </a:tr>
@@ -7403,7 +7403,7 @@
                 </a:tc>
                 <a:extLst>
                   <a:ext uri="{0D108BD9-81ED-4DB2-BD59-A6C34878D82A}">
-                    <a16:rowId xmlns:a16="http://schemas.microsoft.com/office/drawing/2014/main" xmlns="" val="928429091"/>
+                    <a16:rowId xmlns="" xmlns:a16="http://schemas.microsoft.com/office/drawing/2014/main" val="928429091"/>
                   </a:ext>
                 </a:extLst>
               </a:tr>
@@ -7520,7 +7520,7 @@
                 </a:tc>
                 <a:extLst>
                   <a:ext uri="{0D108BD9-81ED-4DB2-BD59-A6C34878D82A}">
-                    <a16:rowId xmlns:a16="http://schemas.microsoft.com/office/drawing/2014/main" xmlns="" val="1618524605"/>
+                    <a16:rowId xmlns="" xmlns:a16="http://schemas.microsoft.com/office/drawing/2014/main" val="1618524605"/>
                   </a:ext>
                 </a:extLst>
               </a:tr>
@@ -7547,7 +7547,7 @@
                 </a:tc>
                 <a:extLst>
                   <a:ext uri="{0D108BD9-81ED-4DB2-BD59-A6C34878D82A}">
-                    <a16:rowId xmlns:a16="http://schemas.microsoft.com/office/drawing/2014/main" xmlns="" val="1068815975"/>
+                    <a16:rowId xmlns="" xmlns:a16="http://schemas.microsoft.com/office/drawing/2014/main" val="1068815975"/>
                   </a:ext>
                 </a:extLst>
               </a:tr>
@@ -7574,7 +7574,7 @@
                 </a:tc>
                 <a:extLst>
                   <a:ext uri="{0D108BD9-81ED-4DB2-BD59-A6C34878D82A}">
-                    <a16:rowId xmlns:a16="http://schemas.microsoft.com/office/drawing/2014/main" xmlns="" val="1264632727"/>
+                    <a16:rowId xmlns="" xmlns:a16="http://schemas.microsoft.com/office/drawing/2014/main" val="1264632727"/>
                   </a:ext>
                 </a:extLst>
               </a:tr>
@@ -7601,7 +7601,7 @@
                 </a:tc>
                 <a:extLst>
                   <a:ext uri="{0D108BD9-81ED-4DB2-BD59-A6C34878D82A}">
-                    <a16:rowId xmlns:a16="http://schemas.microsoft.com/office/drawing/2014/main" xmlns="" val="2013989199"/>
+                    <a16:rowId xmlns="" xmlns:a16="http://schemas.microsoft.com/office/drawing/2014/main" val="2013989199"/>
                   </a:ext>
                 </a:extLst>
               </a:tr>
@@ -7628,7 +7628,7 @@
                 </a:tc>
                 <a:extLst>
                   <a:ext uri="{0D108BD9-81ED-4DB2-BD59-A6C34878D82A}">
-                    <a16:rowId xmlns:a16="http://schemas.microsoft.com/office/drawing/2014/main" xmlns="" val="1796191776"/>
+                    <a16:rowId xmlns="" xmlns:a16="http://schemas.microsoft.com/office/drawing/2014/main" val="1796191776"/>
                   </a:ext>
                 </a:extLst>
               </a:tr>
@@ -7655,7 +7655,7 @@
                 </a:tc>
                 <a:extLst>
                   <a:ext uri="{0D108BD9-81ED-4DB2-BD59-A6C34878D82A}">
-                    <a16:rowId xmlns:a16="http://schemas.microsoft.com/office/drawing/2014/main" xmlns="" val="1158962728"/>
+                    <a16:rowId xmlns="" xmlns:a16="http://schemas.microsoft.com/office/drawing/2014/main" val="1158962728"/>
                   </a:ext>
                 </a:extLst>
               </a:tr>
@@ -7668,7 +7668,7 @@
           <p:cNvPr id="10" name="TextBox 9">
             <a:extLst>
               <a:ext uri="{FF2B5EF4-FFF2-40B4-BE49-F238E27FC236}">
-                <a16:creationId xmlns:a16="http://schemas.microsoft.com/office/drawing/2014/main" xmlns="" id="{BB092ADA-8B82-E219-9D99-BBB3F746F487}"/>
+                <a16:creationId xmlns="" xmlns:a16="http://schemas.microsoft.com/office/drawing/2014/main" id="{BB092ADA-8B82-E219-9D99-BBB3F746F487}"/>
               </a:ext>
             </a:extLst>
           </p:cNvPr>
@@ -7728,7 +7728,7 @@
           <p:cNvPr id="3" name="그림 2">
             <a:extLst>
               <a:ext uri="{FF2B5EF4-FFF2-40B4-BE49-F238E27FC236}">
-                <a16:creationId xmlns:a16="http://schemas.microsoft.com/office/drawing/2014/main" xmlns="" id="{DF8D1009-2A4E-E848-D315-CC1697CE3BB5}"/>
+                <a16:creationId xmlns="" xmlns:a16="http://schemas.microsoft.com/office/drawing/2014/main" id="{DF8D1009-2A4E-E848-D315-CC1697CE3BB5}"/>
               </a:ext>
             </a:extLst>
           </p:cNvPr>
@@ -7758,7 +7758,7 @@
           <p:cNvPr id="5" name="TextBox 4">
             <a:extLst>
               <a:ext uri="{FF2B5EF4-FFF2-40B4-BE49-F238E27FC236}">
-                <a16:creationId xmlns:a16="http://schemas.microsoft.com/office/drawing/2014/main" xmlns="" id="{6AA58589-D14A-050F-4661-A34E59E68F34}"/>
+                <a16:creationId xmlns="" xmlns:a16="http://schemas.microsoft.com/office/drawing/2014/main" id="{6AA58589-D14A-050F-4661-A34E59E68F34}"/>
               </a:ext>
             </a:extLst>
           </p:cNvPr>
@@ -7818,7 +7818,7 @@
           <p:cNvPr id="15" name="TextBox 14">
             <a:extLst>
               <a:ext uri="{FF2B5EF4-FFF2-40B4-BE49-F238E27FC236}">
-                <a16:creationId xmlns:a16="http://schemas.microsoft.com/office/drawing/2014/main" xmlns="" id="{D96FE72F-4BAB-E7BF-D13C-1C27E5920752}"/>
+                <a16:creationId xmlns="" xmlns:a16="http://schemas.microsoft.com/office/drawing/2014/main" id="{D96FE72F-4BAB-E7BF-D13C-1C27E5920752}"/>
               </a:ext>
             </a:extLst>
           </p:cNvPr>
@@ -7878,7 +7878,7 @@
           <p:cNvPr id="16" name="TextBox 15">
             <a:extLst>
               <a:ext uri="{FF2B5EF4-FFF2-40B4-BE49-F238E27FC236}">
-                <a16:creationId xmlns:a16="http://schemas.microsoft.com/office/drawing/2014/main" xmlns="" id="{70F383FC-30E3-4204-347D-9AC412EE77D4}"/>
+                <a16:creationId xmlns="" xmlns:a16="http://schemas.microsoft.com/office/drawing/2014/main" id="{70F383FC-30E3-4204-347D-9AC412EE77D4}"/>
               </a:ext>
             </a:extLst>
           </p:cNvPr>
@@ -7938,7 +7938,7 @@
           <p:cNvPr id="17" name="TextBox 16">
             <a:extLst>
               <a:ext uri="{FF2B5EF4-FFF2-40B4-BE49-F238E27FC236}">
-                <a16:creationId xmlns:a16="http://schemas.microsoft.com/office/drawing/2014/main" xmlns="" id="{CD3C8729-841F-872B-8E73-EED9523E9CB0}"/>
+                <a16:creationId xmlns="" xmlns:a16="http://schemas.microsoft.com/office/drawing/2014/main" id="{CD3C8729-841F-872B-8E73-EED9523E9CB0}"/>
               </a:ext>
             </a:extLst>
           </p:cNvPr>
@@ -7993,10 +7993,50 @@
           </a:p>
         </p:txBody>
       </p:sp>
+      <p:sp>
+        <p:nvSpPr>
+          <p:cNvPr id="11" name="모서리가 둥근 직사각형 10"/>
+          <p:cNvSpPr/>
+          <p:nvPr/>
+        </p:nvSpPr>
+        <p:spPr>
+          <a:xfrm>
+            <a:off x="3041564" y="2153422"/>
+            <a:ext cx="1311361" cy="2342378"/>
+          </a:xfrm>
+          <a:prstGeom prst="roundRect">
+            <a:avLst/>
+          </a:prstGeom>
+        </p:spPr>
+        <p:style>
+          <a:lnRef idx="2">
+            <a:schemeClr val="accent1">
+              <a:shade val="50000"/>
+            </a:schemeClr>
+          </a:lnRef>
+          <a:fillRef idx="1">
+            <a:schemeClr val="accent1"/>
+          </a:fillRef>
+          <a:effectRef idx="0">
+            <a:schemeClr val="accent1"/>
+          </a:effectRef>
+          <a:fontRef idx="minor">
+            <a:schemeClr val="lt1"/>
+          </a:fontRef>
+        </p:style>
+        <p:txBody>
+          <a:bodyPr rtlCol="0" anchor="ctr"/>
+          <a:lstStyle/>
+          <a:p>
+            <a:pPr algn="ctr"/>
+            <a:endParaRPr lang="ko-KR" altLang="en-US"/>
+          </a:p>
+        </p:txBody>
+      </p:sp>
     </p:spTree>
     <p:extLst>
       <p:ext uri="{BB962C8B-B14F-4D97-AF65-F5344CB8AC3E}">
-        <p14:creationId xmlns:p14="http://schemas.microsoft.com/office/powerpoint/2010/main" xmlns="" val="1725047857"/>
+        <p14:creationId xmlns="" xmlns:p14="http://schemas.microsoft.com/office/powerpoint/2010/main" val="1725047857"/>
       </p:ext>
     </p:extLst>
   </p:cSld>
@@ -8028,7 +8068,7 @@
           <p:cNvPr id="4" name="TextBox 3">
             <a:extLst>
               <a:ext uri="{FF2B5EF4-FFF2-40B4-BE49-F238E27FC236}">
-                <a16:creationId xmlns:a16="http://schemas.microsoft.com/office/drawing/2014/main" xmlns="" id="{BD8CD8DD-C4CC-E0A3-6C54-134B23682C08}"/>
+                <a16:creationId xmlns="" xmlns:a16="http://schemas.microsoft.com/office/drawing/2014/main" id="{BD8CD8DD-C4CC-E0A3-6C54-134B23682C08}"/>
               </a:ext>
             </a:extLst>
           </p:cNvPr>
@@ -8064,7 +8104,7 @@
           <p:cNvPr id="8" name="표 7">
             <a:extLst>
               <a:ext uri="{FF2B5EF4-FFF2-40B4-BE49-F238E27FC236}">
-                <a16:creationId xmlns:a16="http://schemas.microsoft.com/office/drawing/2014/main" xmlns="" id="{076037DF-7EC3-56C9-8931-DE43AA98581C}"/>
+                <a16:creationId xmlns="" xmlns:a16="http://schemas.microsoft.com/office/drawing/2014/main" id="{076037DF-7EC3-56C9-8931-DE43AA98581C}"/>
               </a:ext>
             </a:extLst>
           </p:cNvPr>
@@ -8074,7 +8114,7 @@
           <p:nvPr>
             <p:extLst>
               <p:ext uri="{D42A27DB-BD31-4B8C-83A1-F6EECF244321}">
-                <p14:modId xmlns:p14="http://schemas.microsoft.com/office/powerpoint/2010/main" xmlns="" val="2826112934"/>
+                <p14:modId xmlns="" xmlns:p14="http://schemas.microsoft.com/office/powerpoint/2010/main" val="2826112934"/>
               </p:ext>
             </p:extLst>
           </p:nvPr>
@@ -8093,14 +8133,14 @@
                 <a:gridCol w="933085">
                   <a:extLst>
                     <a:ext uri="{9D8B030D-6E8A-4147-A177-3AD203B41FA5}">
-                      <a16:colId xmlns:a16="http://schemas.microsoft.com/office/drawing/2014/main" xmlns="" val="1620488559"/>
+                      <a16:colId xmlns="" xmlns:a16="http://schemas.microsoft.com/office/drawing/2014/main" val="1620488559"/>
                     </a:ext>
                   </a:extLst>
                 </a:gridCol>
                 <a:gridCol w="2902934">
                   <a:extLst>
                     <a:ext uri="{9D8B030D-6E8A-4147-A177-3AD203B41FA5}">
-                      <a16:colId xmlns:a16="http://schemas.microsoft.com/office/drawing/2014/main" xmlns="" val="1012869961"/>
+                      <a16:colId xmlns="" xmlns:a16="http://schemas.microsoft.com/office/drawing/2014/main" val="1012869961"/>
                     </a:ext>
                   </a:extLst>
                 </a:gridCol>
@@ -8140,7 +8180,7 @@
                 </a:tc>
                 <a:extLst>
                   <a:ext uri="{0D108BD9-81ED-4DB2-BD59-A6C34878D82A}">
-                    <a16:rowId xmlns:a16="http://schemas.microsoft.com/office/drawing/2014/main" xmlns="" val="302975823"/>
+                    <a16:rowId xmlns="" xmlns:a16="http://schemas.microsoft.com/office/drawing/2014/main" val="302975823"/>
                   </a:ext>
                 </a:extLst>
               </a:tr>
@@ -8183,7 +8223,7 @@
                 </a:tc>
                 <a:extLst>
                   <a:ext uri="{0D108BD9-81ED-4DB2-BD59-A6C34878D82A}">
-                    <a16:rowId xmlns:a16="http://schemas.microsoft.com/office/drawing/2014/main" xmlns="" val="2326918455"/>
+                    <a16:rowId xmlns="" xmlns:a16="http://schemas.microsoft.com/office/drawing/2014/main" val="2326918455"/>
                   </a:ext>
                 </a:extLst>
               </a:tr>
@@ -8232,7 +8272,7 @@
                 </a:tc>
                 <a:extLst>
                   <a:ext uri="{0D108BD9-81ED-4DB2-BD59-A6C34878D82A}">
-                    <a16:rowId xmlns:a16="http://schemas.microsoft.com/office/drawing/2014/main" xmlns="" val="3257335175"/>
+                    <a16:rowId xmlns="" xmlns:a16="http://schemas.microsoft.com/office/drawing/2014/main" val="3257335175"/>
                   </a:ext>
                 </a:extLst>
               </a:tr>
@@ -8290,7 +8330,7 @@
                 </a:tc>
                 <a:extLst>
                   <a:ext uri="{0D108BD9-81ED-4DB2-BD59-A6C34878D82A}">
-                    <a16:rowId xmlns:a16="http://schemas.microsoft.com/office/drawing/2014/main" xmlns="" val="928429091"/>
+                    <a16:rowId xmlns="" xmlns:a16="http://schemas.microsoft.com/office/drawing/2014/main" val="928429091"/>
                   </a:ext>
                 </a:extLst>
               </a:tr>
@@ -8329,7 +8369,7 @@
                 </a:tc>
                 <a:extLst>
                   <a:ext uri="{0D108BD9-81ED-4DB2-BD59-A6C34878D82A}">
-                    <a16:rowId xmlns:a16="http://schemas.microsoft.com/office/drawing/2014/main" xmlns="" val="1618524605"/>
+                    <a16:rowId xmlns="" xmlns:a16="http://schemas.microsoft.com/office/drawing/2014/main" val="1618524605"/>
                   </a:ext>
                 </a:extLst>
               </a:tr>
@@ -8449,7 +8489,7 @@
                 </a:tc>
                 <a:extLst>
                   <a:ext uri="{0D108BD9-81ED-4DB2-BD59-A6C34878D82A}">
-                    <a16:rowId xmlns:a16="http://schemas.microsoft.com/office/drawing/2014/main" xmlns="" val="1068815975"/>
+                    <a16:rowId xmlns="" xmlns:a16="http://schemas.microsoft.com/office/drawing/2014/main" val="1068815975"/>
                   </a:ext>
                 </a:extLst>
               </a:tr>
@@ -8505,7 +8545,7 @@
                 </a:tc>
                 <a:extLst>
                   <a:ext uri="{0D108BD9-81ED-4DB2-BD59-A6C34878D82A}">
-                    <a16:rowId xmlns:a16="http://schemas.microsoft.com/office/drawing/2014/main" xmlns="" val="1264632727"/>
+                    <a16:rowId xmlns="" xmlns:a16="http://schemas.microsoft.com/office/drawing/2014/main" val="1264632727"/>
                   </a:ext>
                 </a:extLst>
               </a:tr>
@@ -8548,7 +8588,7 @@
                 </a:tc>
                 <a:extLst>
                   <a:ext uri="{0D108BD9-81ED-4DB2-BD59-A6C34878D82A}">
-                    <a16:rowId xmlns:a16="http://schemas.microsoft.com/office/drawing/2014/main" xmlns="" val="2013989199"/>
+                    <a16:rowId xmlns="" xmlns:a16="http://schemas.microsoft.com/office/drawing/2014/main" val="2013989199"/>
                   </a:ext>
                 </a:extLst>
               </a:tr>
@@ -8599,7 +8639,7 @@
                 </a:tc>
                 <a:extLst>
                   <a:ext uri="{0D108BD9-81ED-4DB2-BD59-A6C34878D82A}">
-                    <a16:rowId xmlns:a16="http://schemas.microsoft.com/office/drawing/2014/main" xmlns="" val="1796191776"/>
+                    <a16:rowId xmlns="" xmlns:a16="http://schemas.microsoft.com/office/drawing/2014/main" val="1796191776"/>
                   </a:ext>
                 </a:extLst>
               </a:tr>
@@ -8626,7 +8666,7 @@
                 </a:tc>
                 <a:extLst>
                   <a:ext uri="{0D108BD9-81ED-4DB2-BD59-A6C34878D82A}">
-                    <a16:rowId xmlns:a16="http://schemas.microsoft.com/office/drawing/2014/main" xmlns="" val="1158962728"/>
+                    <a16:rowId xmlns="" xmlns:a16="http://schemas.microsoft.com/office/drawing/2014/main" val="1158962728"/>
                   </a:ext>
                 </a:extLst>
               </a:tr>
@@ -8639,7 +8679,7 @@
           <p:cNvPr id="10" name="TextBox 9">
             <a:extLst>
               <a:ext uri="{FF2B5EF4-FFF2-40B4-BE49-F238E27FC236}">
-                <a16:creationId xmlns:a16="http://schemas.microsoft.com/office/drawing/2014/main" xmlns="" id="{BB092ADA-8B82-E219-9D99-BBB3F746F487}"/>
+                <a16:creationId xmlns="" xmlns:a16="http://schemas.microsoft.com/office/drawing/2014/main" id="{BB092ADA-8B82-E219-9D99-BBB3F746F487}"/>
               </a:ext>
             </a:extLst>
           </p:cNvPr>
@@ -8691,7 +8731,7 @@
           <p:cNvPr id="6" name="그림 5">
             <a:extLst>
               <a:ext uri="{FF2B5EF4-FFF2-40B4-BE49-F238E27FC236}">
-                <a16:creationId xmlns:a16="http://schemas.microsoft.com/office/drawing/2014/main" xmlns="" id="{B4212BA6-8057-013F-88D9-D7D8D78163EE}"/>
+                <a16:creationId xmlns="" xmlns:a16="http://schemas.microsoft.com/office/drawing/2014/main" id="{B4212BA6-8057-013F-88D9-D7D8D78163EE}"/>
               </a:ext>
             </a:extLst>
           </p:cNvPr>
@@ -8721,7 +8761,7 @@
           <p:cNvPr id="9" name="그림 8">
             <a:extLst>
               <a:ext uri="{FF2B5EF4-FFF2-40B4-BE49-F238E27FC236}">
-                <a16:creationId xmlns:a16="http://schemas.microsoft.com/office/drawing/2014/main" xmlns="" id="{8374560F-41AC-C8C0-5966-B9032590B028}"/>
+                <a16:creationId xmlns="" xmlns:a16="http://schemas.microsoft.com/office/drawing/2014/main" id="{8374560F-41AC-C8C0-5966-B9032590B028}"/>
               </a:ext>
             </a:extLst>
           </p:cNvPr>
@@ -8751,7 +8791,7 @@
           <p:cNvPr id="12" name="그림 11">
             <a:extLst>
               <a:ext uri="{FF2B5EF4-FFF2-40B4-BE49-F238E27FC236}">
-                <a16:creationId xmlns:a16="http://schemas.microsoft.com/office/drawing/2014/main" xmlns="" id="{5D1ABE67-2E84-9632-1FA1-A7EE7477EC3A}"/>
+                <a16:creationId xmlns="" xmlns:a16="http://schemas.microsoft.com/office/drawing/2014/main" id="{5D1ABE67-2E84-9632-1FA1-A7EE7477EC3A}"/>
               </a:ext>
             </a:extLst>
           </p:cNvPr>
@@ -8781,7 +8821,7 @@
           <p:cNvPr id="13" name="TextBox 12">
             <a:extLst>
               <a:ext uri="{FF2B5EF4-FFF2-40B4-BE49-F238E27FC236}">
-                <a16:creationId xmlns:a16="http://schemas.microsoft.com/office/drawing/2014/main" xmlns="" id="{167F5FA0-1368-D556-7A62-98E5A6CD3631}"/>
+                <a16:creationId xmlns="" xmlns:a16="http://schemas.microsoft.com/office/drawing/2014/main" id="{167F5FA0-1368-D556-7A62-98E5A6CD3631}"/>
               </a:ext>
             </a:extLst>
           </p:cNvPr>
@@ -8841,7 +8881,7 @@
           <p:cNvPr id="14" name="TextBox 13">
             <a:extLst>
               <a:ext uri="{FF2B5EF4-FFF2-40B4-BE49-F238E27FC236}">
-                <a16:creationId xmlns:a16="http://schemas.microsoft.com/office/drawing/2014/main" xmlns="" id="{518A724B-CC03-20B3-85A7-7B0D600B1646}"/>
+                <a16:creationId xmlns="" xmlns:a16="http://schemas.microsoft.com/office/drawing/2014/main" id="{518A724B-CC03-20B3-85A7-7B0D600B1646}"/>
               </a:ext>
             </a:extLst>
           </p:cNvPr>
@@ -8901,7 +8941,7 @@
           <p:cNvPr id="18" name="TextBox 17">
             <a:extLst>
               <a:ext uri="{FF2B5EF4-FFF2-40B4-BE49-F238E27FC236}">
-                <a16:creationId xmlns:a16="http://schemas.microsoft.com/office/drawing/2014/main" xmlns="" id="{04796035-E65E-5FEC-21E1-CB67CA1F7753}"/>
+                <a16:creationId xmlns="" xmlns:a16="http://schemas.microsoft.com/office/drawing/2014/main" id="{04796035-E65E-5FEC-21E1-CB67CA1F7753}"/>
               </a:ext>
             </a:extLst>
           </p:cNvPr>
@@ -8961,7 +9001,7 @@
           <p:cNvPr id="19" name="TextBox 18">
             <a:extLst>
               <a:ext uri="{FF2B5EF4-FFF2-40B4-BE49-F238E27FC236}">
-                <a16:creationId xmlns:a16="http://schemas.microsoft.com/office/drawing/2014/main" xmlns="" id="{ADE8A2AA-FEA8-A824-7785-B3AE8DF652AA}"/>
+                <a16:creationId xmlns="" xmlns:a16="http://schemas.microsoft.com/office/drawing/2014/main" id="{ADE8A2AA-FEA8-A824-7785-B3AE8DF652AA}"/>
               </a:ext>
             </a:extLst>
           </p:cNvPr>
@@ -9021,7 +9061,7 @@
           <p:cNvPr id="20" name="TextBox 19">
             <a:extLst>
               <a:ext uri="{FF2B5EF4-FFF2-40B4-BE49-F238E27FC236}">
-                <a16:creationId xmlns:a16="http://schemas.microsoft.com/office/drawing/2014/main" xmlns="" id="{EC26F76B-2BBF-5142-4F14-D337CC8924F2}"/>
+                <a16:creationId xmlns="" xmlns:a16="http://schemas.microsoft.com/office/drawing/2014/main" id="{EC26F76B-2BBF-5142-4F14-D337CC8924F2}"/>
               </a:ext>
             </a:extLst>
           </p:cNvPr>
@@ -9073,7 +9113,7 @@
           <p:cNvPr id="21" name="TextBox 20">
             <a:extLst>
               <a:ext uri="{FF2B5EF4-FFF2-40B4-BE49-F238E27FC236}">
-                <a16:creationId xmlns:a16="http://schemas.microsoft.com/office/drawing/2014/main" xmlns="" id="{4269BA63-5625-96C0-C4D9-955DCB09E917}"/>
+                <a16:creationId xmlns="" xmlns:a16="http://schemas.microsoft.com/office/drawing/2014/main" id="{4269BA63-5625-96C0-C4D9-955DCB09E917}"/>
               </a:ext>
             </a:extLst>
           </p:cNvPr>
@@ -9125,7 +9165,7 @@
           <p:cNvPr id="22" name="TextBox 21">
             <a:extLst>
               <a:ext uri="{FF2B5EF4-FFF2-40B4-BE49-F238E27FC236}">
-                <a16:creationId xmlns:a16="http://schemas.microsoft.com/office/drawing/2014/main" xmlns="" id="{68E3A3D6-5BC8-7F43-BA85-45CC6B5368A0}"/>
+                <a16:creationId xmlns="" xmlns:a16="http://schemas.microsoft.com/office/drawing/2014/main" id="{68E3A3D6-5BC8-7F43-BA85-45CC6B5368A0}"/>
               </a:ext>
             </a:extLst>
           </p:cNvPr>
@@ -9185,7 +9225,7 @@
           <p:cNvPr id="23" name="직사각형 22">
             <a:extLst>
               <a:ext uri="{FF2B5EF4-FFF2-40B4-BE49-F238E27FC236}">
-                <a16:creationId xmlns:a16="http://schemas.microsoft.com/office/drawing/2014/main" xmlns="" id="{D36D5211-D981-7793-25B2-535F6852C235}"/>
+                <a16:creationId xmlns="" xmlns:a16="http://schemas.microsoft.com/office/drawing/2014/main" id="{D36D5211-D981-7793-25B2-535F6852C235}"/>
               </a:ext>
             </a:extLst>
           </p:cNvPr>
@@ -9237,7 +9277,7 @@
           <p:cNvPr id="24" name="TextBox 23">
             <a:extLst>
               <a:ext uri="{FF2B5EF4-FFF2-40B4-BE49-F238E27FC236}">
-                <a16:creationId xmlns:a16="http://schemas.microsoft.com/office/drawing/2014/main" xmlns="" id="{0CA4588B-359E-0780-320F-4054EAB0A222}"/>
+                <a16:creationId xmlns="" xmlns:a16="http://schemas.microsoft.com/office/drawing/2014/main" id="{0CA4588B-359E-0780-320F-4054EAB0A222}"/>
               </a:ext>
             </a:extLst>
           </p:cNvPr>
@@ -9295,7 +9335,7 @@
     </p:spTree>
     <p:extLst>
       <p:ext uri="{BB962C8B-B14F-4D97-AF65-F5344CB8AC3E}">
-        <p14:creationId xmlns:p14="http://schemas.microsoft.com/office/powerpoint/2010/main" xmlns="" val="3574626480"/>
+        <p14:creationId xmlns="" xmlns:p14="http://schemas.microsoft.com/office/powerpoint/2010/main" val="3574626480"/>
       </p:ext>
     </p:extLst>
   </p:cSld>
@@ -9327,7 +9367,7 @@
           <p:cNvPr id="4" name="TextBox 3">
             <a:extLst>
               <a:ext uri="{FF2B5EF4-FFF2-40B4-BE49-F238E27FC236}">
-                <a16:creationId xmlns:a16="http://schemas.microsoft.com/office/drawing/2014/main" xmlns="" id="{BD8CD8DD-C4CC-E0A3-6C54-134B23682C08}"/>
+                <a16:creationId xmlns="" xmlns:a16="http://schemas.microsoft.com/office/drawing/2014/main" id="{BD8CD8DD-C4CC-E0A3-6C54-134B23682C08}"/>
               </a:ext>
             </a:extLst>
           </p:cNvPr>
@@ -9363,7 +9403,7 @@
           <p:cNvPr id="8" name="표 7">
             <a:extLst>
               <a:ext uri="{FF2B5EF4-FFF2-40B4-BE49-F238E27FC236}">
-                <a16:creationId xmlns:a16="http://schemas.microsoft.com/office/drawing/2014/main" xmlns="" id="{076037DF-7EC3-56C9-8931-DE43AA98581C}"/>
+                <a16:creationId xmlns="" xmlns:a16="http://schemas.microsoft.com/office/drawing/2014/main" id="{076037DF-7EC3-56C9-8931-DE43AA98581C}"/>
               </a:ext>
             </a:extLst>
           </p:cNvPr>
@@ -9373,7 +9413,7 @@
           <p:nvPr>
             <p:extLst>
               <p:ext uri="{D42A27DB-BD31-4B8C-83A1-F6EECF244321}">
-                <p14:modId xmlns:p14="http://schemas.microsoft.com/office/powerpoint/2010/main" xmlns="" val="2326246576"/>
+                <p14:modId xmlns="" xmlns:p14="http://schemas.microsoft.com/office/powerpoint/2010/main" val="2326246576"/>
               </p:ext>
             </p:extLst>
           </p:nvPr>
@@ -9392,14 +9432,14 @@
                 <a:gridCol w="933085">
                   <a:extLst>
                     <a:ext uri="{9D8B030D-6E8A-4147-A177-3AD203B41FA5}">
-                      <a16:colId xmlns:a16="http://schemas.microsoft.com/office/drawing/2014/main" xmlns="" val="1620488559"/>
+                      <a16:colId xmlns="" xmlns:a16="http://schemas.microsoft.com/office/drawing/2014/main" val="1620488559"/>
                     </a:ext>
                   </a:extLst>
                 </a:gridCol>
                 <a:gridCol w="2902934">
                   <a:extLst>
                     <a:ext uri="{9D8B030D-6E8A-4147-A177-3AD203B41FA5}">
-                      <a16:colId xmlns:a16="http://schemas.microsoft.com/office/drawing/2014/main" xmlns="" val="1012869961"/>
+                      <a16:colId xmlns="" xmlns:a16="http://schemas.microsoft.com/office/drawing/2014/main" val="1012869961"/>
                     </a:ext>
                   </a:extLst>
                 </a:gridCol>
@@ -9499,7 +9539,7 @@
                 </a:tc>
                 <a:extLst>
                   <a:ext uri="{0D108BD9-81ED-4DB2-BD59-A6C34878D82A}">
-                    <a16:rowId xmlns:a16="http://schemas.microsoft.com/office/drawing/2014/main" xmlns="" val="302975823"/>
+                    <a16:rowId xmlns="" xmlns:a16="http://schemas.microsoft.com/office/drawing/2014/main" val="302975823"/>
                   </a:ext>
                 </a:extLst>
               </a:tr>
@@ -9550,7 +9590,7 @@
                 </a:tc>
                 <a:extLst>
                   <a:ext uri="{0D108BD9-81ED-4DB2-BD59-A6C34878D82A}">
-                    <a16:rowId xmlns:a16="http://schemas.microsoft.com/office/drawing/2014/main" xmlns="" val="2326918455"/>
+                    <a16:rowId xmlns="" xmlns:a16="http://schemas.microsoft.com/office/drawing/2014/main" val="2326918455"/>
                   </a:ext>
                 </a:extLst>
               </a:tr>
@@ -9626,7 +9666,7 @@
                 </a:tc>
                 <a:extLst>
                   <a:ext uri="{0D108BD9-81ED-4DB2-BD59-A6C34878D82A}">
-                    <a16:rowId xmlns:a16="http://schemas.microsoft.com/office/drawing/2014/main" xmlns="" val="3257335175"/>
+                    <a16:rowId xmlns="" xmlns:a16="http://schemas.microsoft.com/office/drawing/2014/main" val="3257335175"/>
                   </a:ext>
                 </a:extLst>
               </a:tr>
@@ -9639,7 +9679,7 @@
           <p:cNvPr id="19" name="TextBox 18">
             <a:extLst>
               <a:ext uri="{FF2B5EF4-FFF2-40B4-BE49-F238E27FC236}">
-                <a16:creationId xmlns:a16="http://schemas.microsoft.com/office/drawing/2014/main" xmlns="" id="{ADE8A2AA-FEA8-A824-7785-B3AE8DF652AA}"/>
+                <a16:creationId xmlns="" xmlns:a16="http://schemas.microsoft.com/office/drawing/2014/main" id="{ADE8A2AA-FEA8-A824-7785-B3AE8DF652AA}"/>
               </a:ext>
             </a:extLst>
           </p:cNvPr>
@@ -9699,7 +9739,7 @@
           <p:cNvPr id="3" name="그림 2">
             <a:extLst>
               <a:ext uri="{FF2B5EF4-FFF2-40B4-BE49-F238E27FC236}">
-                <a16:creationId xmlns:a16="http://schemas.microsoft.com/office/drawing/2014/main" xmlns="" id="{FD55E332-2085-7F50-CDC1-358A248A729E}"/>
+                <a16:creationId xmlns="" xmlns:a16="http://schemas.microsoft.com/office/drawing/2014/main" id="{FD55E332-2085-7F50-CDC1-358A248A729E}"/>
               </a:ext>
             </a:extLst>
           </p:cNvPr>
@@ -9729,7 +9769,7 @@
           <p:cNvPr id="7" name="그림 6">
             <a:extLst>
               <a:ext uri="{FF2B5EF4-FFF2-40B4-BE49-F238E27FC236}">
-                <a16:creationId xmlns:a16="http://schemas.microsoft.com/office/drawing/2014/main" xmlns="" id="{36FBE14E-8658-4133-E601-30D24637C4AC}"/>
+                <a16:creationId xmlns="" xmlns:a16="http://schemas.microsoft.com/office/drawing/2014/main" id="{36FBE14E-8658-4133-E601-30D24637C4AC}"/>
               </a:ext>
             </a:extLst>
           </p:cNvPr>
@@ -9759,7 +9799,7 @@
           <p:cNvPr id="11" name="TextBox 10">
             <a:extLst>
               <a:ext uri="{FF2B5EF4-FFF2-40B4-BE49-F238E27FC236}">
-                <a16:creationId xmlns:a16="http://schemas.microsoft.com/office/drawing/2014/main" xmlns="" id="{CFD6FB69-AE38-6911-8E93-4916F4886008}"/>
+                <a16:creationId xmlns="" xmlns:a16="http://schemas.microsoft.com/office/drawing/2014/main" id="{CFD6FB69-AE38-6911-8E93-4916F4886008}"/>
               </a:ext>
             </a:extLst>
           </p:cNvPr>
@@ -9819,7 +9859,7 @@
           <p:cNvPr id="15" name="그림 14">
             <a:extLst>
               <a:ext uri="{FF2B5EF4-FFF2-40B4-BE49-F238E27FC236}">
-                <a16:creationId xmlns:a16="http://schemas.microsoft.com/office/drawing/2014/main" xmlns="" id="{2A5F6F89-6F1D-1B80-4FE6-FC83CEB11C2C}"/>
+                <a16:creationId xmlns="" xmlns:a16="http://schemas.microsoft.com/office/drawing/2014/main" id="{2A5F6F89-6F1D-1B80-4FE6-FC83CEB11C2C}"/>
               </a:ext>
             </a:extLst>
           </p:cNvPr>
@@ -9849,7 +9889,7 @@
           <p:cNvPr id="16" name="TextBox 15">
             <a:extLst>
               <a:ext uri="{FF2B5EF4-FFF2-40B4-BE49-F238E27FC236}">
-                <a16:creationId xmlns:a16="http://schemas.microsoft.com/office/drawing/2014/main" xmlns="" id="{4740A65A-DCFE-2637-3AB8-740D72E42F18}"/>
+                <a16:creationId xmlns="" xmlns:a16="http://schemas.microsoft.com/office/drawing/2014/main" id="{4740A65A-DCFE-2637-3AB8-740D72E42F18}"/>
               </a:ext>
             </a:extLst>
           </p:cNvPr>
@@ -9909,7 +9949,7 @@
           <p:cNvPr id="25" name="그림 24">
             <a:extLst>
               <a:ext uri="{FF2B5EF4-FFF2-40B4-BE49-F238E27FC236}">
-                <a16:creationId xmlns:a16="http://schemas.microsoft.com/office/drawing/2014/main" xmlns="" id="{F82EE612-654C-189D-575E-54B5D0600235}"/>
+                <a16:creationId xmlns="" xmlns:a16="http://schemas.microsoft.com/office/drawing/2014/main" id="{F82EE612-654C-189D-575E-54B5D0600235}"/>
               </a:ext>
             </a:extLst>
           </p:cNvPr>
@@ -9939,7 +9979,7 @@
           <p:cNvPr id="26" name="TextBox 25">
             <a:extLst>
               <a:ext uri="{FF2B5EF4-FFF2-40B4-BE49-F238E27FC236}">
-                <a16:creationId xmlns:a16="http://schemas.microsoft.com/office/drawing/2014/main" xmlns="" id="{AC9F83E4-FF82-6021-C3AD-FA91EE39E016}"/>
+                <a16:creationId xmlns="" xmlns:a16="http://schemas.microsoft.com/office/drawing/2014/main" id="{AC9F83E4-FF82-6021-C3AD-FA91EE39E016}"/>
               </a:ext>
             </a:extLst>
           </p:cNvPr>
@@ -10114,10 +10154,50 @@
           </a:p>
         </p:txBody>
       </p:sp>
+      <p:sp>
+        <p:nvSpPr>
+          <p:cNvPr id="17" name="모서리가 둥근 직사각형 16"/>
+          <p:cNvSpPr/>
+          <p:nvPr/>
+        </p:nvSpPr>
+        <p:spPr>
+          <a:xfrm>
+            <a:off x="1431839" y="2972572"/>
+            <a:ext cx="1311361" cy="2342378"/>
+          </a:xfrm>
+          <a:prstGeom prst="roundRect">
+            <a:avLst/>
+          </a:prstGeom>
+        </p:spPr>
+        <p:style>
+          <a:lnRef idx="2">
+            <a:schemeClr val="accent1">
+              <a:shade val="50000"/>
+            </a:schemeClr>
+          </a:lnRef>
+          <a:fillRef idx="1">
+            <a:schemeClr val="accent1"/>
+          </a:fillRef>
+          <a:effectRef idx="0">
+            <a:schemeClr val="accent1"/>
+          </a:effectRef>
+          <a:fontRef idx="minor">
+            <a:schemeClr val="lt1"/>
+          </a:fontRef>
+        </p:style>
+        <p:txBody>
+          <a:bodyPr rtlCol="0" anchor="ctr"/>
+          <a:lstStyle/>
+          <a:p>
+            <a:pPr algn="ctr"/>
+            <a:endParaRPr lang="ko-KR" altLang="en-US"/>
+          </a:p>
+        </p:txBody>
+      </p:sp>
     </p:spTree>
     <p:extLst>
       <p:ext uri="{BB962C8B-B14F-4D97-AF65-F5344CB8AC3E}">
-        <p14:creationId xmlns:p14="http://schemas.microsoft.com/office/powerpoint/2010/main" xmlns="" val="1309821328"/>
+        <p14:creationId xmlns="" xmlns:p14="http://schemas.microsoft.com/office/powerpoint/2010/main" val="1309821328"/>
       </p:ext>
     </p:extLst>
   </p:cSld>
@@ -10149,7 +10229,7 @@
           <p:cNvPr id="4" name="TextBox 3">
             <a:extLst>
               <a:ext uri="{FF2B5EF4-FFF2-40B4-BE49-F238E27FC236}">
-                <a16:creationId xmlns:a16="http://schemas.microsoft.com/office/drawing/2014/main" xmlns="" id="{BD8CD8DD-C4CC-E0A3-6C54-134B23682C08}"/>
+                <a16:creationId xmlns="" xmlns:a16="http://schemas.microsoft.com/office/drawing/2014/main" id="{BD8CD8DD-C4CC-E0A3-6C54-134B23682C08}"/>
               </a:ext>
             </a:extLst>
           </p:cNvPr>
@@ -10185,7 +10265,7 @@
           <p:cNvPr id="8" name="표 7">
             <a:extLst>
               <a:ext uri="{FF2B5EF4-FFF2-40B4-BE49-F238E27FC236}">
-                <a16:creationId xmlns:a16="http://schemas.microsoft.com/office/drawing/2014/main" xmlns="" id="{076037DF-7EC3-56C9-8931-DE43AA98581C}"/>
+                <a16:creationId xmlns="" xmlns:a16="http://schemas.microsoft.com/office/drawing/2014/main" id="{076037DF-7EC3-56C9-8931-DE43AA98581C}"/>
               </a:ext>
             </a:extLst>
           </p:cNvPr>
@@ -10195,7 +10275,7 @@
           <p:nvPr>
             <p:extLst>
               <p:ext uri="{D42A27DB-BD31-4B8C-83A1-F6EECF244321}">
-                <p14:modId xmlns:p14="http://schemas.microsoft.com/office/powerpoint/2010/main" xmlns="" val="4151159798"/>
+                <p14:modId xmlns="" xmlns:p14="http://schemas.microsoft.com/office/powerpoint/2010/main" val="4151159798"/>
               </p:ext>
             </p:extLst>
           </p:nvPr>
@@ -10214,14 +10294,14 @@
                 <a:gridCol w="933085">
                   <a:extLst>
                     <a:ext uri="{9D8B030D-6E8A-4147-A177-3AD203B41FA5}">
-                      <a16:colId xmlns:a16="http://schemas.microsoft.com/office/drawing/2014/main" xmlns="" val="1620488559"/>
+                      <a16:colId xmlns="" xmlns:a16="http://schemas.microsoft.com/office/drawing/2014/main" val="1620488559"/>
                     </a:ext>
                   </a:extLst>
                 </a:gridCol>
                 <a:gridCol w="2902934">
                   <a:extLst>
                     <a:ext uri="{9D8B030D-6E8A-4147-A177-3AD203B41FA5}">
-                      <a16:colId xmlns:a16="http://schemas.microsoft.com/office/drawing/2014/main" xmlns="" val="1012869961"/>
+                      <a16:colId xmlns="" xmlns:a16="http://schemas.microsoft.com/office/drawing/2014/main" val="1012869961"/>
                     </a:ext>
                   </a:extLst>
                 </a:gridCol>
@@ -10261,7 +10341,7 @@
                 </a:tc>
                 <a:extLst>
                   <a:ext uri="{0D108BD9-81ED-4DB2-BD59-A6C34878D82A}">
-                    <a16:rowId xmlns:a16="http://schemas.microsoft.com/office/drawing/2014/main" xmlns="" val="302975823"/>
+                    <a16:rowId xmlns="" xmlns:a16="http://schemas.microsoft.com/office/drawing/2014/main" val="302975823"/>
                   </a:ext>
                 </a:extLst>
               </a:tr>
@@ -10328,7 +10408,7 @@
                 </a:tc>
                 <a:extLst>
                   <a:ext uri="{0D108BD9-81ED-4DB2-BD59-A6C34878D82A}">
-                    <a16:rowId xmlns:a16="http://schemas.microsoft.com/office/drawing/2014/main" xmlns="" val="2326918455"/>
+                    <a16:rowId xmlns="" xmlns:a16="http://schemas.microsoft.com/office/drawing/2014/main" val="2326918455"/>
                   </a:ext>
                 </a:extLst>
               </a:tr>
@@ -10396,7 +10476,7 @@
                 </a:tc>
                 <a:extLst>
                   <a:ext uri="{0D108BD9-81ED-4DB2-BD59-A6C34878D82A}">
-                    <a16:rowId xmlns:a16="http://schemas.microsoft.com/office/drawing/2014/main" xmlns="" val="3257335175"/>
+                    <a16:rowId xmlns="" xmlns:a16="http://schemas.microsoft.com/office/drawing/2014/main" val="3257335175"/>
                   </a:ext>
                 </a:extLst>
               </a:tr>
@@ -10464,7 +10544,7 @@
                 </a:tc>
                 <a:extLst>
                   <a:ext uri="{0D108BD9-81ED-4DB2-BD59-A6C34878D82A}">
-                    <a16:rowId xmlns:a16="http://schemas.microsoft.com/office/drawing/2014/main" xmlns="" val="1984387914"/>
+                    <a16:rowId xmlns="" xmlns:a16="http://schemas.microsoft.com/office/drawing/2014/main" val="1984387914"/>
                   </a:ext>
                 </a:extLst>
               </a:tr>
@@ -10477,7 +10557,7 @@
           <p:cNvPr id="19" name="TextBox 18">
             <a:extLst>
               <a:ext uri="{FF2B5EF4-FFF2-40B4-BE49-F238E27FC236}">
-                <a16:creationId xmlns:a16="http://schemas.microsoft.com/office/drawing/2014/main" xmlns="" id="{ADE8A2AA-FEA8-A824-7785-B3AE8DF652AA}"/>
+                <a16:creationId xmlns="" xmlns:a16="http://schemas.microsoft.com/office/drawing/2014/main" id="{ADE8A2AA-FEA8-A824-7785-B3AE8DF652AA}"/>
               </a:ext>
             </a:extLst>
           </p:cNvPr>
@@ -10537,7 +10617,7 @@
           <p:cNvPr id="11" name="TextBox 10">
             <a:extLst>
               <a:ext uri="{FF2B5EF4-FFF2-40B4-BE49-F238E27FC236}">
-                <a16:creationId xmlns:a16="http://schemas.microsoft.com/office/drawing/2014/main" xmlns="" id="{CFD6FB69-AE38-6911-8E93-4916F4886008}"/>
+                <a16:creationId xmlns="" xmlns:a16="http://schemas.microsoft.com/office/drawing/2014/main" id="{CFD6FB69-AE38-6911-8E93-4916F4886008}"/>
               </a:ext>
             </a:extLst>
           </p:cNvPr>
@@ -10597,7 +10677,7 @@
           <p:cNvPr id="16" name="TextBox 15">
             <a:extLst>
               <a:ext uri="{FF2B5EF4-FFF2-40B4-BE49-F238E27FC236}">
-                <a16:creationId xmlns:a16="http://schemas.microsoft.com/office/drawing/2014/main" xmlns="" id="{4740A65A-DCFE-2637-3AB8-740D72E42F18}"/>
+                <a16:creationId xmlns="" xmlns:a16="http://schemas.microsoft.com/office/drawing/2014/main" id="{4740A65A-DCFE-2637-3AB8-740D72E42F18}"/>
               </a:ext>
             </a:extLst>
           </p:cNvPr>
@@ -10657,7 +10737,7 @@
           <p:cNvPr id="26" name="TextBox 25">
             <a:extLst>
               <a:ext uri="{FF2B5EF4-FFF2-40B4-BE49-F238E27FC236}">
-                <a16:creationId xmlns:a16="http://schemas.microsoft.com/office/drawing/2014/main" xmlns="" id="{AC9F83E4-FF82-6021-C3AD-FA91EE39E016}"/>
+                <a16:creationId xmlns="" xmlns:a16="http://schemas.microsoft.com/office/drawing/2014/main" id="{AC9F83E4-FF82-6021-C3AD-FA91EE39E016}"/>
               </a:ext>
             </a:extLst>
           </p:cNvPr>
@@ -10717,7 +10797,7 @@
           <p:cNvPr id="2" name="그림 1">
             <a:extLst>
               <a:ext uri="{FF2B5EF4-FFF2-40B4-BE49-F238E27FC236}">
-                <a16:creationId xmlns:a16="http://schemas.microsoft.com/office/drawing/2014/main" xmlns="" id="{7C48898C-25A9-F4F5-B75F-0B001D60EB11}"/>
+                <a16:creationId xmlns="" xmlns:a16="http://schemas.microsoft.com/office/drawing/2014/main" id="{7C48898C-25A9-F4F5-B75F-0B001D60EB11}"/>
               </a:ext>
             </a:extLst>
           </p:cNvPr>
@@ -10747,7 +10827,7 @@
           <p:cNvPr id="6" name="그림 5">
             <a:extLst>
               <a:ext uri="{FF2B5EF4-FFF2-40B4-BE49-F238E27FC236}">
-                <a16:creationId xmlns:a16="http://schemas.microsoft.com/office/drawing/2014/main" xmlns="" id="{A9913EB5-AF35-5EB2-9C19-9E3BB93888C1}"/>
+                <a16:creationId xmlns="" xmlns:a16="http://schemas.microsoft.com/office/drawing/2014/main" id="{A9913EB5-AF35-5EB2-9C19-9E3BB93888C1}"/>
               </a:ext>
             </a:extLst>
           </p:cNvPr>
@@ -10777,7 +10857,7 @@
           <p:cNvPr id="9" name="그림 8">
             <a:extLst>
               <a:ext uri="{FF2B5EF4-FFF2-40B4-BE49-F238E27FC236}">
-                <a16:creationId xmlns:a16="http://schemas.microsoft.com/office/drawing/2014/main" xmlns="" id="{1565F660-A7B4-0CE5-C45E-6D7BDDB2AC7C}"/>
+                <a16:creationId xmlns="" xmlns:a16="http://schemas.microsoft.com/office/drawing/2014/main" id="{1565F660-A7B4-0CE5-C45E-6D7BDDB2AC7C}"/>
               </a:ext>
             </a:extLst>
           </p:cNvPr>
@@ -10807,7 +10887,7 @@
           <p:cNvPr id="10" name="그림 9">
             <a:extLst>
               <a:ext uri="{FF2B5EF4-FFF2-40B4-BE49-F238E27FC236}">
-                <a16:creationId xmlns:a16="http://schemas.microsoft.com/office/drawing/2014/main" xmlns="" id="{66FEB4F0-384F-1EC8-234A-FBEFBD649477}"/>
+                <a16:creationId xmlns="" xmlns:a16="http://schemas.microsoft.com/office/drawing/2014/main" id="{66FEB4F0-384F-1EC8-234A-FBEFBD649477}"/>
               </a:ext>
             </a:extLst>
           </p:cNvPr>
@@ -10995,7 +11075,7 @@
     </p:spTree>
     <p:extLst>
       <p:ext uri="{BB962C8B-B14F-4D97-AF65-F5344CB8AC3E}">
-        <p14:creationId xmlns:p14="http://schemas.microsoft.com/office/powerpoint/2010/main" xmlns="" val="70451658"/>
+        <p14:creationId xmlns="" xmlns:p14="http://schemas.microsoft.com/office/powerpoint/2010/main" val="70451658"/>
       </p:ext>
     </p:extLst>
   </p:cSld>
@@ -11027,7 +11107,7 @@
           <p:cNvPr id="4" name="TextBox 3">
             <a:extLst>
               <a:ext uri="{FF2B5EF4-FFF2-40B4-BE49-F238E27FC236}">
-                <a16:creationId xmlns:a16="http://schemas.microsoft.com/office/drawing/2014/main" xmlns="" id="{BD8CD8DD-C4CC-E0A3-6C54-134B23682C08}"/>
+                <a16:creationId xmlns="" xmlns:a16="http://schemas.microsoft.com/office/drawing/2014/main" id="{BD8CD8DD-C4CC-E0A3-6C54-134B23682C08}"/>
               </a:ext>
             </a:extLst>
           </p:cNvPr>
@@ -11063,7 +11143,7 @@
           <p:cNvPr id="8" name="표 7">
             <a:extLst>
               <a:ext uri="{FF2B5EF4-FFF2-40B4-BE49-F238E27FC236}">
-                <a16:creationId xmlns:a16="http://schemas.microsoft.com/office/drawing/2014/main" xmlns="" id="{076037DF-7EC3-56C9-8931-DE43AA98581C}"/>
+                <a16:creationId xmlns="" xmlns:a16="http://schemas.microsoft.com/office/drawing/2014/main" id="{076037DF-7EC3-56C9-8931-DE43AA98581C}"/>
               </a:ext>
             </a:extLst>
           </p:cNvPr>
@@ -11073,7 +11153,7 @@
           <p:nvPr>
             <p:extLst>
               <p:ext uri="{D42A27DB-BD31-4B8C-83A1-F6EECF244321}">
-                <p14:modId xmlns:p14="http://schemas.microsoft.com/office/powerpoint/2010/main" xmlns="" val="1516810982"/>
+                <p14:modId xmlns="" xmlns:p14="http://schemas.microsoft.com/office/powerpoint/2010/main" val="1516810982"/>
               </p:ext>
             </p:extLst>
           </p:nvPr>
@@ -11092,14 +11172,14 @@
                 <a:gridCol w="933085">
                   <a:extLst>
                     <a:ext uri="{9D8B030D-6E8A-4147-A177-3AD203B41FA5}">
-                      <a16:colId xmlns:a16="http://schemas.microsoft.com/office/drawing/2014/main" xmlns="" val="1620488559"/>
+                      <a16:colId xmlns="" xmlns:a16="http://schemas.microsoft.com/office/drawing/2014/main" val="1620488559"/>
                     </a:ext>
                   </a:extLst>
                 </a:gridCol>
                 <a:gridCol w="2902934">
                   <a:extLst>
                     <a:ext uri="{9D8B030D-6E8A-4147-A177-3AD203B41FA5}">
-                      <a16:colId xmlns:a16="http://schemas.microsoft.com/office/drawing/2014/main" xmlns="" val="1012869961"/>
+                      <a16:colId xmlns="" xmlns:a16="http://schemas.microsoft.com/office/drawing/2014/main" val="1012869961"/>
                     </a:ext>
                   </a:extLst>
                 </a:gridCol>
@@ -11168,7 +11248,7 @@
                 </a:tc>
                 <a:extLst>
                   <a:ext uri="{0D108BD9-81ED-4DB2-BD59-A6C34878D82A}">
-                    <a16:rowId xmlns:a16="http://schemas.microsoft.com/office/drawing/2014/main" xmlns="" val="302975823"/>
+                    <a16:rowId xmlns="" xmlns:a16="http://schemas.microsoft.com/office/drawing/2014/main" val="302975823"/>
                   </a:ext>
                 </a:extLst>
               </a:tr>
@@ -11235,7 +11315,7 @@
                 </a:tc>
                 <a:extLst>
                   <a:ext uri="{0D108BD9-81ED-4DB2-BD59-A6C34878D82A}">
-                    <a16:rowId xmlns:a16="http://schemas.microsoft.com/office/drawing/2014/main" xmlns="" val="2326918455"/>
+                    <a16:rowId xmlns="" xmlns:a16="http://schemas.microsoft.com/office/drawing/2014/main" val="2326918455"/>
                   </a:ext>
                 </a:extLst>
               </a:tr>
@@ -11279,7 +11359,7 @@
                 </a:tc>
                 <a:extLst>
                   <a:ext uri="{0D108BD9-81ED-4DB2-BD59-A6C34878D82A}">
-                    <a16:rowId xmlns:a16="http://schemas.microsoft.com/office/drawing/2014/main" xmlns="" val="3257335175"/>
+                    <a16:rowId xmlns="" xmlns:a16="http://schemas.microsoft.com/office/drawing/2014/main" val="3257335175"/>
                   </a:ext>
                 </a:extLst>
               </a:tr>
@@ -11323,7 +11403,7 @@
                 </a:tc>
                 <a:extLst>
                   <a:ext uri="{0D108BD9-81ED-4DB2-BD59-A6C34878D82A}">
-                    <a16:rowId xmlns:a16="http://schemas.microsoft.com/office/drawing/2014/main" xmlns="" val="1984387914"/>
+                    <a16:rowId xmlns="" xmlns:a16="http://schemas.microsoft.com/office/drawing/2014/main" val="1984387914"/>
                   </a:ext>
                 </a:extLst>
               </a:tr>
@@ -11336,7 +11416,7 @@
           <p:cNvPr id="19" name="TextBox 18">
             <a:extLst>
               <a:ext uri="{FF2B5EF4-FFF2-40B4-BE49-F238E27FC236}">
-                <a16:creationId xmlns:a16="http://schemas.microsoft.com/office/drawing/2014/main" xmlns="" id="{ADE8A2AA-FEA8-A824-7785-B3AE8DF652AA}"/>
+                <a16:creationId xmlns="" xmlns:a16="http://schemas.microsoft.com/office/drawing/2014/main" id="{ADE8A2AA-FEA8-A824-7785-B3AE8DF652AA}"/>
               </a:ext>
             </a:extLst>
           </p:cNvPr>
@@ -11396,7 +11476,7 @@
           <p:cNvPr id="11" name="TextBox 10">
             <a:extLst>
               <a:ext uri="{FF2B5EF4-FFF2-40B4-BE49-F238E27FC236}">
-                <a16:creationId xmlns:a16="http://schemas.microsoft.com/office/drawing/2014/main" xmlns="" id="{CFD6FB69-AE38-6911-8E93-4916F4886008}"/>
+                <a16:creationId xmlns="" xmlns:a16="http://schemas.microsoft.com/office/drawing/2014/main" id="{CFD6FB69-AE38-6911-8E93-4916F4886008}"/>
               </a:ext>
             </a:extLst>
           </p:cNvPr>
@@ -11456,7 +11536,7 @@
           <p:cNvPr id="5" name="그림 4">
             <a:extLst>
               <a:ext uri="{FF2B5EF4-FFF2-40B4-BE49-F238E27FC236}">
-                <a16:creationId xmlns:a16="http://schemas.microsoft.com/office/drawing/2014/main" xmlns="" id="{AB5457D8-542D-842D-F106-4FB89AA78765}"/>
+                <a16:creationId xmlns="" xmlns:a16="http://schemas.microsoft.com/office/drawing/2014/main" id="{AB5457D8-542D-842D-F106-4FB89AA78765}"/>
               </a:ext>
             </a:extLst>
           </p:cNvPr>
@@ -11486,7 +11566,7 @@
           <p:cNvPr id="12" name="그림 11" descr="텍스트, 스크린샷, 폰트, 번호이(가) 표시된 사진&#10;&#10;자동 생성된 설명">
             <a:extLst>
               <a:ext uri="{FF2B5EF4-FFF2-40B4-BE49-F238E27FC236}">
-                <a16:creationId xmlns:a16="http://schemas.microsoft.com/office/drawing/2014/main" xmlns="" id="{C53BFA75-75EE-0FD2-A68F-C7E954C3F73F}"/>
+                <a16:creationId xmlns="" xmlns:a16="http://schemas.microsoft.com/office/drawing/2014/main" id="{C53BFA75-75EE-0FD2-A68F-C7E954C3F73F}"/>
               </a:ext>
             </a:extLst>
           </p:cNvPr>
@@ -11551,10 +11631,50 @@
           </a:p>
         </p:txBody>
       </p:sp>
+      <p:sp>
+        <p:nvSpPr>
+          <p:cNvPr id="9" name="모서리가 둥근 직사각형 8"/>
+          <p:cNvSpPr/>
+          <p:nvPr/>
+        </p:nvSpPr>
+        <p:spPr>
+          <a:xfrm>
+            <a:off x="4310050" y="2643182"/>
+            <a:ext cx="1311361" cy="2342378"/>
+          </a:xfrm>
+          <a:prstGeom prst="roundRect">
+            <a:avLst/>
+          </a:prstGeom>
+        </p:spPr>
+        <p:style>
+          <a:lnRef idx="2">
+            <a:schemeClr val="accent1">
+              <a:shade val="50000"/>
+            </a:schemeClr>
+          </a:lnRef>
+          <a:fillRef idx="1">
+            <a:schemeClr val="accent1"/>
+          </a:fillRef>
+          <a:effectRef idx="0">
+            <a:schemeClr val="accent1"/>
+          </a:effectRef>
+          <a:fontRef idx="minor">
+            <a:schemeClr val="lt1"/>
+          </a:fontRef>
+        </p:style>
+        <p:txBody>
+          <a:bodyPr rtlCol="0" anchor="ctr"/>
+          <a:lstStyle/>
+          <a:p>
+            <a:pPr algn="ctr"/>
+            <a:endParaRPr lang="ko-KR" altLang="en-US"/>
+          </a:p>
+        </p:txBody>
+      </p:sp>
     </p:spTree>
     <p:extLst>
       <p:ext uri="{BB962C8B-B14F-4D97-AF65-F5344CB8AC3E}">
-        <p14:creationId xmlns:p14="http://schemas.microsoft.com/office/powerpoint/2010/main" xmlns="" val="3724631916"/>
+        <p14:creationId xmlns="" xmlns:p14="http://schemas.microsoft.com/office/powerpoint/2010/main" val="3724631916"/>
       </p:ext>
     </p:extLst>
   </p:cSld>
@@ -11853,7 +11973,7 @@
   <a:extraClrSchemeLst/>
   <a:extLst>
     <a:ext uri="{05A4C25C-085E-4340-85A3-A5531E510DB2}">
-      <thm15:themeFamily xmlns:thm15="http://schemas.microsoft.com/office/thememl/2012/main" xmlns="" name="Office Theme" id="{62F939B6-93AF-4DB8-9C6B-D6C7DFDC589F}" vid="{4A3C46E8-61CC-4603-A589-7422A47A8E4A}"/>
+      <thm15:themeFamily xmlns="" xmlns:thm15="http://schemas.microsoft.com/office/thememl/2012/main" name="Office Theme" id="{62F939B6-93AF-4DB8-9C6B-D6C7DFDC589F}" vid="{4A3C46E8-61CC-4603-A589-7422A47A8E4A}"/>
     </a:ext>
   </a:extLst>
 </a:theme>
